--- a/Les minutes MLOps.pptx
+++ b/Les minutes MLOps.pptx
@@ -19,8 +19,24 @@
     <p:sldId id="475" r:id="rId13"/>
     <p:sldId id="476" r:id="rId14"/>
     <p:sldId id="477" r:id="rId15"/>
-    <p:sldId id="479" r:id="rId16"/>
-    <p:sldId id="480" r:id="rId17"/>
+    <p:sldId id="482" r:id="rId16"/>
+    <p:sldId id="479" r:id="rId17"/>
+    <p:sldId id="480" r:id="rId18"/>
+    <p:sldId id="481" r:id="rId19"/>
+    <p:sldId id="483" r:id="rId20"/>
+    <p:sldId id="484" r:id="rId21"/>
+    <p:sldId id="485" r:id="rId22"/>
+    <p:sldId id="489" r:id="rId23"/>
+    <p:sldId id="490" r:id="rId24"/>
+    <p:sldId id="492" r:id="rId25"/>
+    <p:sldId id="491" r:id="rId26"/>
+    <p:sldId id="488" r:id="rId27"/>
+    <p:sldId id="487" r:id="rId28"/>
+    <p:sldId id="494" r:id="rId29"/>
+    <p:sldId id="486" r:id="rId30"/>
+    <p:sldId id="493" r:id="rId31"/>
+    <p:sldId id="496" r:id="rId32"/>
+    <p:sldId id="498" r:id="rId33"/>
   </p:sldIdLst>
   <p:sldSz cx="12192000" cy="6858000"/>
   <p:notesSz cx="6858000" cy="9144000"/>
@@ -127,6 +143,18 @@
 </p:presentation>
 </file>
 
+<file path=ppt/commentAuthors.xml><?xml version="1.0" encoding="utf-8"?>
+<p:cmAuthorLst xmlns:a="http://schemas.openxmlformats.org/drawingml/2006/main" xmlns:r="http://schemas.openxmlformats.org/officeDocument/2006/relationships" xmlns:p="http://schemas.openxmlformats.org/presentationml/2006/main">
+  <p:cmAuthor id="1" name="Guillaume Chervet" initials="GC" lastIdx="1" clrIdx="0">
+    <p:extLst>
+      <p:ext uri="{19B8F6BF-5375-455C-9EA6-DF929625EA0E}">
+        <p15:presenceInfo xmlns:p15="http://schemas.microsoft.com/office/powerpoint/2012/main" userId="e88f94f109999b9b" providerId="Windows Live"/>
+      </p:ext>
+    </p:extLst>
+  </p:cmAuthor>
+</p:cmAuthorLst>
+</file>
+
 <file path=ppt/slideLayouts/slideLayout1.xml><?xml version="1.0" encoding="utf-8"?>
 <p:sldLayout xmlns:a="http://schemas.openxmlformats.org/drawingml/2006/main" xmlns:r="http://schemas.openxmlformats.org/officeDocument/2006/relationships" xmlns:p="http://schemas.openxmlformats.org/presentationml/2006/main" type="title" preserve="1">
   <p:cSld name="Diapositive de titre">
@@ -274,7 +302,7 @@
           <a:p>
             <a:fld id="{BD5AE6E3-DA36-42D0-89EA-233E7923E695}" type="datetimeFigureOut">
               <a:rPr lang="fr-FR" smtClean="0"/>
-              <a:t>13/07/2023</a:t>
+              <a:t>15/09/2023</a:t>
             </a:fld>
             <a:endParaRPr lang="fr-FR"/>
           </a:p>
@@ -472,7 +500,7 @@
           <a:p>
             <a:fld id="{BD5AE6E3-DA36-42D0-89EA-233E7923E695}" type="datetimeFigureOut">
               <a:rPr lang="fr-FR" smtClean="0"/>
-              <a:t>13/07/2023</a:t>
+              <a:t>15/09/2023</a:t>
             </a:fld>
             <a:endParaRPr lang="fr-FR"/>
           </a:p>
@@ -680,7 +708,7 @@
           <a:p>
             <a:fld id="{BD5AE6E3-DA36-42D0-89EA-233E7923E695}" type="datetimeFigureOut">
               <a:rPr lang="fr-FR" smtClean="0"/>
-              <a:t>13/07/2023</a:t>
+              <a:t>15/09/2023</a:t>
             </a:fld>
             <a:endParaRPr lang="fr-FR"/>
           </a:p>
@@ -878,7 +906,7 @@
           <a:p>
             <a:fld id="{BD5AE6E3-DA36-42D0-89EA-233E7923E695}" type="datetimeFigureOut">
               <a:rPr lang="fr-FR" smtClean="0"/>
-              <a:t>13/07/2023</a:t>
+              <a:t>15/09/2023</a:t>
             </a:fld>
             <a:endParaRPr lang="fr-FR"/>
           </a:p>
@@ -1153,7 +1181,7 @@
           <a:p>
             <a:fld id="{BD5AE6E3-DA36-42D0-89EA-233E7923E695}" type="datetimeFigureOut">
               <a:rPr lang="fr-FR" smtClean="0"/>
-              <a:t>13/07/2023</a:t>
+              <a:t>15/09/2023</a:t>
             </a:fld>
             <a:endParaRPr lang="fr-FR"/>
           </a:p>
@@ -1418,7 +1446,7 @@
           <a:p>
             <a:fld id="{BD5AE6E3-DA36-42D0-89EA-233E7923E695}" type="datetimeFigureOut">
               <a:rPr lang="fr-FR" smtClean="0"/>
-              <a:t>13/07/2023</a:t>
+              <a:t>15/09/2023</a:t>
             </a:fld>
             <a:endParaRPr lang="fr-FR"/>
           </a:p>
@@ -1830,7 +1858,7 @@
           <a:p>
             <a:fld id="{BD5AE6E3-DA36-42D0-89EA-233E7923E695}" type="datetimeFigureOut">
               <a:rPr lang="fr-FR" smtClean="0"/>
-              <a:t>13/07/2023</a:t>
+              <a:t>15/09/2023</a:t>
             </a:fld>
             <a:endParaRPr lang="fr-FR"/>
           </a:p>
@@ -1971,7 +1999,7 @@
           <a:p>
             <a:fld id="{BD5AE6E3-DA36-42D0-89EA-233E7923E695}" type="datetimeFigureOut">
               <a:rPr lang="fr-FR" smtClean="0"/>
-              <a:t>13/07/2023</a:t>
+              <a:t>15/09/2023</a:t>
             </a:fld>
             <a:endParaRPr lang="fr-FR"/>
           </a:p>
@@ -2084,7 +2112,7 @@
           <a:p>
             <a:fld id="{BD5AE6E3-DA36-42D0-89EA-233E7923E695}" type="datetimeFigureOut">
               <a:rPr lang="fr-FR" smtClean="0"/>
-              <a:t>13/07/2023</a:t>
+              <a:t>15/09/2023</a:t>
             </a:fld>
             <a:endParaRPr lang="fr-FR"/>
           </a:p>
@@ -2395,7 +2423,7 @@
           <a:p>
             <a:fld id="{BD5AE6E3-DA36-42D0-89EA-233E7923E695}" type="datetimeFigureOut">
               <a:rPr lang="fr-FR" smtClean="0"/>
-              <a:t>13/07/2023</a:t>
+              <a:t>15/09/2023</a:t>
             </a:fld>
             <a:endParaRPr lang="fr-FR"/>
           </a:p>
@@ -2683,7 +2711,7 @@
           <a:p>
             <a:fld id="{BD5AE6E3-DA36-42D0-89EA-233E7923E695}" type="datetimeFigureOut">
               <a:rPr lang="fr-FR" smtClean="0"/>
-              <a:t>13/07/2023</a:t>
+              <a:t>15/09/2023</a:t>
             </a:fld>
             <a:endParaRPr lang="fr-FR"/>
           </a:p>
@@ -2924,7 +2952,7 @@
           <a:p>
             <a:fld id="{BD5AE6E3-DA36-42D0-89EA-233E7923E695}" type="datetimeFigureOut">
               <a:rPr lang="fr-FR" smtClean="0"/>
-              <a:t>13/07/2023</a:t>
+              <a:t>15/09/2023</a:t>
             </a:fld>
             <a:endParaRPr lang="fr-FR"/>
           </a:p>
@@ -4617,7 +4645,7 @@
         </p:nvSpPr>
         <p:spPr>
           <a:xfrm>
-            <a:off x="1524000" y="2192867"/>
+            <a:off x="1524000" y="2946400"/>
             <a:ext cx="9144000" cy="2901684"/>
           </a:xfrm>
         </p:spPr>
@@ -4628,28 +4656,20 @@
           <a:lstStyle/>
           <a:p>
             <a:r>
+              <a:rPr lang="fr-FR" sz="4800">
+                <a:solidFill>
+                  <a:srgbClr val="00B0F0"/>
+                </a:solidFill>
+              </a:rPr>
+              <a:t>Bonnes pratiques </a:t>
+            </a:r>
+            <a:r>
               <a:rPr lang="fr-FR" sz="4800" dirty="0">
                 <a:solidFill>
                   <a:srgbClr val="00B0F0"/>
                 </a:solidFill>
               </a:rPr>
-              <a:t>Solution en mode programmation objet: Rendre son code testable en utilisant l’injection de dépendances (</a:t>
-            </a:r>
-            <a:r>
-              <a:rPr lang="fr-FR" sz="4800">
-                <a:solidFill>
-                  <a:srgbClr val="00B0F0"/>
-                </a:solidFill>
-              </a:rPr>
-              <a:t>partie 2/2</a:t>
-            </a:r>
-            <a:r>
-              <a:rPr lang="fr-FR" sz="4800" dirty="0">
-                <a:solidFill>
-                  <a:srgbClr val="00B0F0"/>
-                </a:solidFill>
-              </a:rPr>
-              <a:t>)</a:t>
+              <a:t>sur les tests unitaires</a:t>
             </a:r>
           </a:p>
         </p:txBody>
@@ -4743,7 +4763,7 @@
     </p:spTree>
     <p:extLst>
       <p:ext uri="{BB962C8B-B14F-4D97-AF65-F5344CB8AC3E}">
-        <p14:creationId xmlns:p14="http://schemas.microsoft.com/office/powerpoint/2010/main" val="2656392448"/>
+        <p14:creationId xmlns:p14="http://schemas.microsoft.com/office/powerpoint/2010/main" val="2900516700"/>
       </p:ext>
     </p:extLst>
   </p:cSld>
@@ -4829,7 +4849,7 @@
         </p:nvSpPr>
         <p:spPr>
           <a:xfrm>
-            <a:off x="1524000" y="2946400"/>
+            <a:off x="1524000" y="2192867"/>
             <a:ext cx="9144000" cy="2901684"/>
           </a:xfrm>
         </p:spPr>
@@ -4840,12 +4860,20 @@
           <a:lstStyle/>
           <a:p>
             <a:r>
+              <a:rPr lang="fr-FR" sz="4800" dirty="0">
+                <a:solidFill>
+                  <a:srgbClr val="00B0F0"/>
+                </a:solidFill>
+              </a:rPr>
+              <a:t>Solution en mode programmation objet: Rendre son code testable en utilisant l’injection de dépendances (</a:t>
+            </a:r>
+            <a:r>
               <a:rPr lang="fr-FR" sz="4800">
                 <a:solidFill>
                   <a:srgbClr val="00B0F0"/>
                 </a:solidFill>
               </a:rPr>
-              <a:t>Bonnes pratiques </a:t>
+              <a:t>partie 2/2</a:t>
             </a:r>
             <a:r>
               <a:rPr lang="fr-FR" sz="4800" dirty="0">
@@ -4853,7 +4881,7 @@
                   <a:srgbClr val="00B0F0"/>
                 </a:solidFill>
               </a:rPr>
-              <a:t>sur les tests unitaires</a:t>
+              <a:t>)</a:t>
             </a:r>
           </a:p>
         </p:txBody>
@@ -4947,7 +4975,626 @@
     </p:spTree>
     <p:extLst>
       <p:ext uri="{BB962C8B-B14F-4D97-AF65-F5344CB8AC3E}">
+        <p14:creationId xmlns:p14="http://schemas.microsoft.com/office/powerpoint/2010/main" val="2656392448"/>
+      </p:ext>
+    </p:extLst>
+  </p:cSld>
+  <p:clrMapOvr>
+    <a:masterClrMapping/>
+  </p:clrMapOvr>
+</p:sld>
+</file>
+
+<file path=ppt/slides/slide17.xml><?xml version="1.0" encoding="utf-8"?>
+<p:sld xmlns:a="http://schemas.openxmlformats.org/drawingml/2006/main" xmlns:r="http://schemas.openxmlformats.org/officeDocument/2006/relationships" xmlns:p="http://schemas.openxmlformats.org/presentationml/2006/main">
+  <p:cSld>
+    <p:spTree>
+      <p:nvGrpSpPr>
+        <p:cNvPr id="1" name=""/>
+        <p:cNvGrpSpPr/>
+        <p:nvPr/>
+      </p:nvGrpSpPr>
+      <p:grpSpPr>
+        <a:xfrm>
+          <a:off x="0" y="0"/>
+          <a:ext cx="0" cy="0"/>
+          <a:chOff x="0" y="0"/>
+          <a:chExt cx="0" cy="0"/>
+        </a:xfrm>
+      </p:grpSpPr>
+      <p:sp>
+        <p:nvSpPr>
+          <p:cNvPr id="2" name="Titre 1">
+            <a:extLst>
+              <a:ext uri="{FF2B5EF4-FFF2-40B4-BE49-F238E27FC236}">
+                <a16:creationId xmlns:a16="http://schemas.microsoft.com/office/drawing/2014/main" id="{25CB8B10-3A1D-CACE-5A8D-D686EA7C44EF}"/>
+              </a:ext>
+            </a:extLst>
+          </p:cNvPr>
+          <p:cNvSpPr>
+            <a:spLocks noGrp="1"/>
+          </p:cNvSpPr>
+          <p:nvPr>
+            <p:ph type="ctrTitle"/>
+          </p:nvPr>
+        </p:nvSpPr>
+        <p:spPr>
+          <a:xfrm>
+            <a:off x="1524000" y="199496"/>
+            <a:ext cx="9144000" cy="1544637"/>
+          </a:xfrm>
+        </p:spPr>
+        <p:txBody>
+          <a:bodyPr>
+            <a:normAutofit fontScale="90000"/>
+          </a:bodyPr>
+          <a:lstStyle/>
+          <a:p>
+            <a:r>
+              <a:rPr lang="fr-FR" sz="9600" dirty="0">
+                <a:solidFill>
+                  <a:schemeClr val="accent1">
+                    <a:lumMod val="75000"/>
+                  </a:schemeClr>
+                </a:solidFill>
+              </a:rPr>
+              <a:t>Les minutes MLOps</a:t>
+            </a:r>
+          </a:p>
+        </p:txBody>
+      </p:sp>
+      <p:sp>
+        <p:nvSpPr>
+          <p:cNvPr id="3" name="Sous-titre 2">
+            <a:extLst>
+              <a:ext uri="{FF2B5EF4-FFF2-40B4-BE49-F238E27FC236}">
+                <a16:creationId xmlns:a16="http://schemas.microsoft.com/office/drawing/2014/main" id="{F17C1392-EAB9-EF81-4082-62F3FD9B4C7D}"/>
+              </a:ext>
+            </a:extLst>
+          </p:cNvPr>
+          <p:cNvSpPr>
+            <a:spLocks noGrp="1"/>
+          </p:cNvSpPr>
+          <p:nvPr>
+            <p:ph type="subTitle" idx="1"/>
+          </p:nvPr>
+        </p:nvSpPr>
+        <p:spPr>
+          <a:xfrm>
+            <a:off x="1524000" y="2946400"/>
+            <a:ext cx="9144000" cy="2901684"/>
+          </a:xfrm>
+        </p:spPr>
+        <p:txBody>
+          <a:bodyPr>
+            <a:normAutofit/>
+          </a:bodyPr>
+          <a:lstStyle/>
+          <a:p>
+            <a:r>
+              <a:rPr lang="fr-FR" sz="4800">
+                <a:solidFill>
+                  <a:srgbClr val="00B0F0"/>
+                </a:solidFill>
+              </a:rPr>
+              <a:t>Bonnes pratiques </a:t>
+            </a:r>
+            <a:r>
+              <a:rPr lang="fr-FR" sz="4800" dirty="0">
+                <a:solidFill>
+                  <a:srgbClr val="00B0F0"/>
+                </a:solidFill>
+              </a:rPr>
+              <a:t>sur les tests unitaires</a:t>
+            </a:r>
+          </a:p>
+        </p:txBody>
+      </p:sp>
+      <p:pic>
+        <p:nvPicPr>
+          <p:cNvPr id="1026" name="Picture 2" descr="My Microsoft MVP Journey - Steve Gordon">
+            <a:extLst>
+              <a:ext uri="{FF2B5EF4-FFF2-40B4-BE49-F238E27FC236}">
+                <a16:creationId xmlns:a16="http://schemas.microsoft.com/office/drawing/2014/main" id="{9CCE3086-E1BE-844B-6F60-A3FFE631047A}"/>
+              </a:ext>
+            </a:extLst>
+          </p:cNvPr>
+          <p:cNvPicPr>
+            <a:picLocks noChangeAspect="1" noChangeArrowheads="1"/>
+          </p:cNvPicPr>
+          <p:nvPr/>
+        </p:nvPicPr>
+        <p:blipFill>
+          <a:blip r:embed="rId2">
+            <a:extLst>
+              <a:ext uri="{28A0092B-C50C-407E-A947-70E740481C1C}">
+                <a14:useLocalDpi xmlns:a14="http://schemas.microsoft.com/office/drawing/2010/main" val="0"/>
+              </a:ext>
+            </a:extLst>
+          </a:blip>
+          <a:srcRect/>
+          <a:stretch>
+            <a:fillRect/>
+          </a:stretch>
+        </p:blipFill>
+        <p:spPr bwMode="auto">
+          <a:xfrm>
+            <a:off x="882157" y="6078612"/>
+            <a:ext cx="862542" cy="348467"/>
+          </a:xfrm>
+          <a:prstGeom prst="rect">
+            <a:avLst/>
+          </a:prstGeom>
+          <a:noFill/>
+          <a:extLst>
+            <a:ext uri="{909E8E84-426E-40DD-AFC4-6F175D3DCCD1}">
+              <a14:hiddenFill xmlns:a14="http://schemas.microsoft.com/office/drawing/2010/main">
+                <a:solidFill>
+                  <a:srgbClr val="FFFFFF"/>
+                </a:solidFill>
+              </a14:hiddenFill>
+            </a:ext>
+          </a:extLst>
+        </p:spPr>
+      </p:pic>
+      <p:sp>
+        <p:nvSpPr>
+          <p:cNvPr id="4" name="ZoneTexte 3">
+            <a:extLst>
+              <a:ext uri="{FF2B5EF4-FFF2-40B4-BE49-F238E27FC236}">
+                <a16:creationId xmlns:a16="http://schemas.microsoft.com/office/drawing/2014/main" id="{698748E8-A44E-3944-73E5-46C6156846A9}"/>
+              </a:ext>
+            </a:extLst>
+          </p:cNvPr>
+          <p:cNvSpPr txBox="1"/>
+          <p:nvPr/>
+        </p:nvSpPr>
+        <p:spPr>
+          <a:xfrm>
+            <a:off x="347330" y="6466281"/>
+            <a:ext cx="1932196" cy="369332"/>
+          </a:xfrm>
+          <a:prstGeom prst="rect">
+            <a:avLst/>
+          </a:prstGeom>
+          <a:noFill/>
+        </p:spPr>
+        <p:txBody>
+          <a:bodyPr wrap="none" rtlCol="0">
+            <a:spAutoFit/>
+          </a:bodyPr>
+          <a:lstStyle/>
+          <a:p>
+            <a:r>
+              <a:rPr lang="fr-FR" dirty="0">
+                <a:solidFill>
+                  <a:schemeClr val="accent1"/>
+                </a:solidFill>
+              </a:rPr>
+              <a:t>Guillaume Chervet</a:t>
+            </a:r>
+          </a:p>
+        </p:txBody>
+      </p:sp>
+    </p:spTree>
+    <p:extLst>
+      <p:ext uri="{BB962C8B-B14F-4D97-AF65-F5344CB8AC3E}">
         <p14:creationId xmlns:p14="http://schemas.microsoft.com/office/powerpoint/2010/main" val="2448104374"/>
+      </p:ext>
+    </p:extLst>
+  </p:cSld>
+  <p:clrMapOvr>
+    <a:masterClrMapping/>
+  </p:clrMapOvr>
+</p:sld>
+</file>
+
+<file path=ppt/slides/slide18.xml><?xml version="1.0" encoding="utf-8"?>
+<p:sld xmlns:a="http://schemas.openxmlformats.org/drawingml/2006/main" xmlns:r="http://schemas.openxmlformats.org/officeDocument/2006/relationships" xmlns:p="http://schemas.openxmlformats.org/presentationml/2006/main">
+  <p:cSld>
+    <p:spTree>
+      <p:nvGrpSpPr>
+        <p:cNvPr id="1" name=""/>
+        <p:cNvGrpSpPr/>
+        <p:nvPr/>
+      </p:nvGrpSpPr>
+      <p:grpSpPr>
+        <a:xfrm>
+          <a:off x="0" y="0"/>
+          <a:ext cx="0" cy="0"/>
+          <a:chOff x="0" y="0"/>
+          <a:chExt cx="0" cy="0"/>
+        </a:xfrm>
+      </p:grpSpPr>
+      <p:sp>
+        <p:nvSpPr>
+          <p:cNvPr id="2" name="Titre 1">
+            <a:extLst>
+              <a:ext uri="{FF2B5EF4-FFF2-40B4-BE49-F238E27FC236}">
+                <a16:creationId xmlns:a16="http://schemas.microsoft.com/office/drawing/2014/main" id="{25CB8B10-3A1D-CACE-5A8D-D686EA7C44EF}"/>
+              </a:ext>
+            </a:extLst>
+          </p:cNvPr>
+          <p:cNvSpPr>
+            <a:spLocks noGrp="1"/>
+          </p:cNvSpPr>
+          <p:nvPr>
+            <p:ph type="ctrTitle"/>
+          </p:nvPr>
+        </p:nvSpPr>
+        <p:spPr>
+          <a:xfrm>
+            <a:off x="1524000" y="199496"/>
+            <a:ext cx="9144000" cy="1544637"/>
+          </a:xfrm>
+        </p:spPr>
+        <p:txBody>
+          <a:bodyPr>
+            <a:normAutofit fontScale="90000"/>
+          </a:bodyPr>
+          <a:lstStyle/>
+          <a:p>
+            <a:r>
+              <a:rPr lang="fr-FR" sz="9600" dirty="0">
+                <a:solidFill>
+                  <a:schemeClr val="accent1">
+                    <a:lumMod val="75000"/>
+                  </a:schemeClr>
+                </a:solidFill>
+              </a:rPr>
+              <a:t>Les minutes MLOps</a:t>
+            </a:r>
+          </a:p>
+        </p:txBody>
+      </p:sp>
+      <p:sp>
+        <p:nvSpPr>
+          <p:cNvPr id="3" name="Sous-titre 2">
+            <a:extLst>
+              <a:ext uri="{FF2B5EF4-FFF2-40B4-BE49-F238E27FC236}">
+                <a16:creationId xmlns:a16="http://schemas.microsoft.com/office/drawing/2014/main" id="{F17C1392-EAB9-EF81-4082-62F3FD9B4C7D}"/>
+              </a:ext>
+            </a:extLst>
+          </p:cNvPr>
+          <p:cNvSpPr>
+            <a:spLocks noGrp="1"/>
+          </p:cNvSpPr>
+          <p:nvPr>
+            <p:ph type="subTitle" idx="1"/>
+          </p:nvPr>
+        </p:nvSpPr>
+        <p:spPr>
+          <a:xfrm>
+            <a:off x="1524000" y="2946400"/>
+            <a:ext cx="9144000" cy="2901684"/>
+          </a:xfrm>
+        </p:spPr>
+        <p:txBody>
+          <a:bodyPr>
+            <a:normAutofit/>
+          </a:bodyPr>
+          <a:lstStyle/>
+          <a:p>
+            <a:r>
+              <a:rPr lang="fr-FR" sz="4800" dirty="0">
+                <a:solidFill>
+                  <a:srgbClr val="00B0F0"/>
+                </a:solidFill>
+              </a:rPr>
+              <a:t>Démystifions le TDD </a:t>
+            </a:r>
+          </a:p>
+          <a:p>
+            <a:r>
+              <a:rPr lang="fr-FR" sz="4800" dirty="0">
+                <a:solidFill>
+                  <a:srgbClr val="00B0F0"/>
+                </a:solidFill>
+              </a:rPr>
+              <a:t>(Test Driven Development)</a:t>
+            </a:r>
+          </a:p>
+        </p:txBody>
+      </p:sp>
+      <p:pic>
+        <p:nvPicPr>
+          <p:cNvPr id="1026" name="Picture 2" descr="My Microsoft MVP Journey - Steve Gordon">
+            <a:extLst>
+              <a:ext uri="{FF2B5EF4-FFF2-40B4-BE49-F238E27FC236}">
+                <a16:creationId xmlns:a16="http://schemas.microsoft.com/office/drawing/2014/main" id="{9CCE3086-E1BE-844B-6F60-A3FFE631047A}"/>
+              </a:ext>
+            </a:extLst>
+          </p:cNvPr>
+          <p:cNvPicPr>
+            <a:picLocks noChangeAspect="1" noChangeArrowheads="1"/>
+          </p:cNvPicPr>
+          <p:nvPr/>
+        </p:nvPicPr>
+        <p:blipFill>
+          <a:blip r:embed="rId2">
+            <a:extLst>
+              <a:ext uri="{28A0092B-C50C-407E-A947-70E740481C1C}">
+                <a14:useLocalDpi xmlns:a14="http://schemas.microsoft.com/office/drawing/2010/main" val="0"/>
+              </a:ext>
+            </a:extLst>
+          </a:blip>
+          <a:srcRect/>
+          <a:stretch>
+            <a:fillRect/>
+          </a:stretch>
+        </p:blipFill>
+        <p:spPr bwMode="auto">
+          <a:xfrm>
+            <a:off x="882157" y="6078612"/>
+            <a:ext cx="862542" cy="348467"/>
+          </a:xfrm>
+          <a:prstGeom prst="rect">
+            <a:avLst/>
+          </a:prstGeom>
+          <a:noFill/>
+          <a:extLst>
+            <a:ext uri="{909E8E84-426E-40DD-AFC4-6F175D3DCCD1}">
+              <a14:hiddenFill xmlns:a14="http://schemas.microsoft.com/office/drawing/2010/main">
+                <a:solidFill>
+                  <a:srgbClr val="FFFFFF"/>
+                </a:solidFill>
+              </a14:hiddenFill>
+            </a:ext>
+          </a:extLst>
+        </p:spPr>
+      </p:pic>
+      <p:sp>
+        <p:nvSpPr>
+          <p:cNvPr id="4" name="ZoneTexte 3">
+            <a:extLst>
+              <a:ext uri="{FF2B5EF4-FFF2-40B4-BE49-F238E27FC236}">
+                <a16:creationId xmlns:a16="http://schemas.microsoft.com/office/drawing/2014/main" id="{698748E8-A44E-3944-73E5-46C6156846A9}"/>
+              </a:ext>
+            </a:extLst>
+          </p:cNvPr>
+          <p:cNvSpPr txBox="1"/>
+          <p:nvPr/>
+        </p:nvSpPr>
+        <p:spPr>
+          <a:xfrm>
+            <a:off x="347330" y="6466281"/>
+            <a:ext cx="1932196" cy="369332"/>
+          </a:xfrm>
+          <a:prstGeom prst="rect">
+            <a:avLst/>
+          </a:prstGeom>
+          <a:noFill/>
+        </p:spPr>
+        <p:txBody>
+          <a:bodyPr wrap="none" rtlCol="0">
+            <a:spAutoFit/>
+          </a:bodyPr>
+          <a:lstStyle/>
+          <a:p>
+            <a:r>
+              <a:rPr lang="fr-FR" dirty="0">
+                <a:solidFill>
+                  <a:schemeClr val="accent1"/>
+                </a:solidFill>
+              </a:rPr>
+              <a:t>Guillaume Chervet</a:t>
+            </a:r>
+          </a:p>
+        </p:txBody>
+      </p:sp>
+    </p:spTree>
+    <p:extLst>
+      <p:ext uri="{BB962C8B-B14F-4D97-AF65-F5344CB8AC3E}">
+        <p14:creationId xmlns:p14="http://schemas.microsoft.com/office/powerpoint/2010/main" val="1114911415"/>
+      </p:ext>
+    </p:extLst>
+  </p:cSld>
+  <p:clrMapOvr>
+    <a:masterClrMapping/>
+  </p:clrMapOvr>
+</p:sld>
+</file>
+
+<file path=ppt/slides/slide19.xml><?xml version="1.0" encoding="utf-8"?>
+<p:sld xmlns:a="http://schemas.openxmlformats.org/drawingml/2006/main" xmlns:r="http://schemas.openxmlformats.org/officeDocument/2006/relationships" xmlns:p="http://schemas.openxmlformats.org/presentationml/2006/main">
+  <p:cSld>
+    <p:spTree>
+      <p:nvGrpSpPr>
+        <p:cNvPr id="1" name=""/>
+        <p:cNvGrpSpPr/>
+        <p:nvPr/>
+      </p:nvGrpSpPr>
+      <p:grpSpPr>
+        <a:xfrm>
+          <a:off x="0" y="0"/>
+          <a:ext cx="0" cy="0"/>
+          <a:chOff x="0" y="0"/>
+          <a:chExt cx="0" cy="0"/>
+        </a:xfrm>
+      </p:grpSpPr>
+      <p:sp>
+        <p:nvSpPr>
+          <p:cNvPr id="2" name="Titre 1">
+            <a:extLst>
+              <a:ext uri="{FF2B5EF4-FFF2-40B4-BE49-F238E27FC236}">
+                <a16:creationId xmlns:a16="http://schemas.microsoft.com/office/drawing/2014/main" id="{25CB8B10-3A1D-CACE-5A8D-D686EA7C44EF}"/>
+              </a:ext>
+            </a:extLst>
+          </p:cNvPr>
+          <p:cNvSpPr>
+            <a:spLocks noGrp="1"/>
+          </p:cNvSpPr>
+          <p:nvPr>
+            <p:ph type="ctrTitle"/>
+          </p:nvPr>
+        </p:nvSpPr>
+        <p:spPr>
+          <a:xfrm>
+            <a:off x="1524000" y="199496"/>
+            <a:ext cx="9144000" cy="1544637"/>
+          </a:xfrm>
+        </p:spPr>
+        <p:txBody>
+          <a:bodyPr>
+            <a:normAutofit fontScale="90000"/>
+          </a:bodyPr>
+          <a:lstStyle/>
+          <a:p>
+            <a:r>
+              <a:rPr lang="fr-FR" sz="9600" dirty="0">
+                <a:solidFill>
+                  <a:schemeClr val="accent1">
+                    <a:lumMod val="75000"/>
+                  </a:schemeClr>
+                </a:solidFill>
+              </a:rPr>
+              <a:t>Les minutes MLOps</a:t>
+            </a:r>
+          </a:p>
+        </p:txBody>
+      </p:sp>
+      <p:sp>
+        <p:nvSpPr>
+          <p:cNvPr id="3" name="Sous-titre 2">
+            <a:extLst>
+              <a:ext uri="{FF2B5EF4-FFF2-40B4-BE49-F238E27FC236}">
+                <a16:creationId xmlns:a16="http://schemas.microsoft.com/office/drawing/2014/main" id="{F17C1392-EAB9-EF81-4082-62F3FD9B4C7D}"/>
+              </a:ext>
+            </a:extLst>
+          </p:cNvPr>
+          <p:cNvSpPr>
+            <a:spLocks noGrp="1"/>
+          </p:cNvSpPr>
+          <p:nvPr>
+            <p:ph type="subTitle" idx="1"/>
+          </p:nvPr>
+        </p:nvSpPr>
+        <p:spPr>
+          <a:xfrm>
+            <a:off x="1524000" y="2946400"/>
+            <a:ext cx="9144000" cy="2901684"/>
+          </a:xfrm>
+        </p:spPr>
+        <p:txBody>
+          <a:bodyPr>
+            <a:normAutofit/>
+          </a:bodyPr>
+          <a:lstStyle/>
+          <a:p>
+            <a:r>
+              <a:rPr lang="fr-FR" sz="4800" dirty="0">
+                <a:solidFill>
+                  <a:srgbClr val="00B0F0"/>
+                </a:solidFill>
+              </a:rPr>
+              <a:t>Un projet IA c’est 100% </a:t>
+            </a:r>
+            <a:r>
+              <a:rPr lang="fr-FR" sz="4800">
+                <a:solidFill>
+                  <a:srgbClr val="00B0F0"/>
+                </a:solidFill>
+              </a:rPr>
+              <a:t>de code !</a:t>
+            </a:r>
+            <a:endParaRPr lang="fr-FR" sz="4800" dirty="0">
+              <a:solidFill>
+                <a:srgbClr val="00B0F0"/>
+              </a:solidFill>
+            </a:endParaRPr>
+          </a:p>
+        </p:txBody>
+      </p:sp>
+      <p:pic>
+        <p:nvPicPr>
+          <p:cNvPr id="1026" name="Picture 2" descr="My Microsoft MVP Journey - Steve Gordon">
+            <a:extLst>
+              <a:ext uri="{FF2B5EF4-FFF2-40B4-BE49-F238E27FC236}">
+                <a16:creationId xmlns:a16="http://schemas.microsoft.com/office/drawing/2014/main" id="{9CCE3086-E1BE-844B-6F60-A3FFE631047A}"/>
+              </a:ext>
+            </a:extLst>
+          </p:cNvPr>
+          <p:cNvPicPr>
+            <a:picLocks noChangeAspect="1" noChangeArrowheads="1"/>
+          </p:cNvPicPr>
+          <p:nvPr/>
+        </p:nvPicPr>
+        <p:blipFill>
+          <a:blip r:embed="rId2">
+            <a:extLst>
+              <a:ext uri="{28A0092B-C50C-407E-A947-70E740481C1C}">
+                <a14:useLocalDpi xmlns:a14="http://schemas.microsoft.com/office/drawing/2010/main" val="0"/>
+              </a:ext>
+            </a:extLst>
+          </a:blip>
+          <a:srcRect/>
+          <a:stretch>
+            <a:fillRect/>
+          </a:stretch>
+        </p:blipFill>
+        <p:spPr bwMode="auto">
+          <a:xfrm>
+            <a:off x="882157" y="6078612"/>
+            <a:ext cx="862542" cy="348467"/>
+          </a:xfrm>
+          <a:prstGeom prst="rect">
+            <a:avLst/>
+          </a:prstGeom>
+          <a:noFill/>
+          <a:extLst>
+            <a:ext uri="{909E8E84-426E-40DD-AFC4-6F175D3DCCD1}">
+              <a14:hiddenFill xmlns:a14="http://schemas.microsoft.com/office/drawing/2010/main">
+                <a:solidFill>
+                  <a:srgbClr val="FFFFFF"/>
+                </a:solidFill>
+              </a14:hiddenFill>
+            </a:ext>
+          </a:extLst>
+        </p:spPr>
+      </p:pic>
+      <p:sp>
+        <p:nvSpPr>
+          <p:cNvPr id="4" name="ZoneTexte 3">
+            <a:extLst>
+              <a:ext uri="{FF2B5EF4-FFF2-40B4-BE49-F238E27FC236}">
+                <a16:creationId xmlns:a16="http://schemas.microsoft.com/office/drawing/2014/main" id="{698748E8-A44E-3944-73E5-46C6156846A9}"/>
+              </a:ext>
+            </a:extLst>
+          </p:cNvPr>
+          <p:cNvSpPr txBox="1"/>
+          <p:nvPr/>
+        </p:nvSpPr>
+        <p:spPr>
+          <a:xfrm>
+            <a:off x="347330" y="6466281"/>
+            <a:ext cx="1932196" cy="369332"/>
+          </a:xfrm>
+          <a:prstGeom prst="rect">
+            <a:avLst/>
+          </a:prstGeom>
+          <a:noFill/>
+        </p:spPr>
+        <p:txBody>
+          <a:bodyPr wrap="none" rtlCol="0">
+            <a:spAutoFit/>
+          </a:bodyPr>
+          <a:lstStyle/>
+          <a:p>
+            <a:r>
+              <a:rPr lang="fr-FR" dirty="0">
+                <a:solidFill>
+                  <a:schemeClr val="accent1"/>
+                </a:solidFill>
+              </a:rPr>
+              <a:t>Guillaume Chervet</a:t>
+            </a:r>
+          </a:p>
+        </p:txBody>
+      </p:sp>
+    </p:spTree>
+    <p:extLst>
+      <p:ext uri="{BB962C8B-B14F-4D97-AF65-F5344CB8AC3E}">
+        <p14:creationId xmlns:p14="http://schemas.microsoft.com/office/powerpoint/2010/main" val="2821227909"/>
       </p:ext>
     </p:extLst>
   </p:cSld>
@@ -5057,6 +5704,2193 @@
 </p:sld>
 </file>
 
+<file path=ppt/slides/slide20.xml><?xml version="1.0" encoding="utf-8"?>
+<p:sld xmlns:a="http://schemas.openxmlformats.org/drawingml/2006/main" xmlns:r="http://schemas.openxmlformats.org/officeDocument/2006/relationships" xmlns:p="http://schemas.openxmlformats.org/presentationml/2006/main">
+  <p:cSld>
+    <p:spTree>
+      <p:nvGrpSpPr>
+        <p:cNvPr id="1" name=""/>
+        <p:cNvGrpSpPr/>
+        <p:nvPr/>
+      </p:nvGrpSpPr>
+      <p:grpSpPr>
+        <a:xfrm>
+          <a:off x="0" y="0"/>
+          <a:ext cx="0" cy="0"/>
+          <a:chOff x="0" y="0"/>
+          <a:chExt cx="0" cy="0"/>
+        </a:xfrm>
+      </p:grpSpPr>
+      <p:sp>
+        <p:nvSpPr>
+          <p:cNvPr id="2" name="Titre 1">
+            <a:extLst>
+              <a:ext uri="{FF2B5EF4-FFF2-40B4-BE49-F238E27FC236}">
+                <a16:creationId xmlns:a16="http://schemas.microsoft.com/office/drawing/2014/main" id="{25CB8B10-3A1D-CACE-5A8D-D686EA7C44EF}"/>
+              </a:ext>
+            </a:extLst>
+          </p:cNvPr>
+          <p:cNvSpPr>
+            <a:spLocks noGrp="1"/>
+          </p:cNvSpPr>
+          <p:nvPr>
+            <p:ph type="ctrTitle"/>
+          </p:nvPr>
+        </p:nvSpPr>
+        <p:spPr>
+          <a:xfrm>
+            <a:off x="1524000" y="199496"/>
+            <a:ext cx="9144000" cy="1544637"/>
+          </a:xfrm>
+        </p:spPr>
+        <p:txBody>
+          <a:bodyPr>
+            <a:normAutofit fontScale="90000"/>
+          </a:bodyPr>
+          <a:lstStyle/>
+          <a:p>
+            <a:r>
+              <a:rPr lang="fr-FR" sz="9600" dirty="0">
+                <a:solidFill>
+                  <a:schemeClr val="accent1">
+                    <a:lumMod val="75000"/>
+                  </a:schemeClr>
+                </a:solidFill>
+              </a:rPr>
+              <a:t>Les minutes MLOps</a:t>
+            </a:r>
+          </a:p>
+        </p:txBody>
+      </p:sp>
+      <p:sp>
+        <p:nvSpPr>
+          <p:cNvPr id="3" name="Sous-titre 2">
+            <a:extLst>
+              <a:ext uri="{FF2B5EF4-FFF2-40B4-BE49-F238E27FC236}">
+                <a16:creationId xmlns:a16="http://schemas.microsoft.com/office/drawing/2014/main" id="{F17C1392-EAB9-EF81-4082-62F3FD9B4C7D}"/>
+              </a:ext>
+            </a:extLst>
+          </p:cNvPr>
+          <p:cNvSpPr>
+            <a:spLocks noGrp="1"/>
+          </p:cNvSpPr>
+          <p:nvPr>
+            <p:ph type="subTitle" idx="1"/>
+          </p:nvPr>
+        </p:nvSpPr>
+        <p:spPr>
+          <a:xfrm>
+            <a:off x="1524000" y="2946400"/>
+            <a:ext cx="9144000" cy="2901684"/>
+          </a:xfrm>
+        </p:spPr>
+        <p:txBody>
+          <a:bodyPr>
+            <a:normAutofit/>
+          </a:bodyPr>
+          <a:lstStyle/>
+          <a:p>
+            <a:r>
+              <a:rPr lang="fr-FR" sz="4800" dirty="0">
+                <a:solidFill>
+                  <a:srgbClr val="00B0F0"/>
+                </a:solidFill>
+              </a:rPr>
+              <a:t>Les variables </a:t>
+            </a:r>
+            <a:r>
+              <a:rPr lang="fr-FR" sz="4800">
+                <a:solidFill>
+                  <a:srgbClr val="00B0F0"/>
+                </a:solidFill>
+              </a:rPr>
+              <a:t>d’environnements et la </a:t>
+            </a:r>
+            <a:r>
+              <a:rPr lang="fr-FR" sz="4800" dirty="0">
+                <a:solidFill>
+                  <a:srgbClr val="00B0F0"/>
+                </a:solidFill>
+              </a:rPr>
+              <a:t>variable Path</a:t>
+            </a:r>
+          </a:p>
+          <a:p>
+            <a:r>
+              <a:rPr lang="fr-FR" sz="4800" dirty="0">
+                <a:solidFill>
+                  <a:srgbClr val="00B0F0"/>
+                </a:solidFill>
+              </a:rPr>
+              <a:t>(Windows)</a:t>
+            </a:r>
+          </a:p>
+        </p:txBody>
+      </p:sp>
+      <p:pic>
+        <p:nvPicPr>
+          <p:cNvPr id="1026" name="Picture 2" descr="My Microsoft MVP Journey - Steve Gordon">
+            <a:extLst>
+              <a:ext uri="{FF2B5EF4-FFF2-40B4-BE49-F238E27FC236}">
+                <a16:creationId xmlns:a16="http://schemas.microsoft.com/office/drawing/2014/main" id="{9CCE3086-E1BE-844B-6F60-A3FFE631047A}"/>
+              </a:ext>
+            </a:extLst>
+          </p:cNvPr>
+          <p:cNvPicPr>
+            <a:picLocks noChangeAspect="1" noChangeArrowheads="1"/>
+          </p:cNvPicPr>
+          <p:nvPr/>
+        </p:nvPicPr>
+        <p:blipFill>
+          <a:blip r:embed="rId2">
+            <a:extLst>
+              <a:ext uri="{28A0092B-C50C-407E-A947-70E740481C1C}">
+                <a14:useLocalDpi xmlns:a14="http://schemas.microsoft.com/office/drawing/2010/main" val="0"/>
+              </a:ext>
+            </a:extLst>
+          </a:blip>
+          <a:srcRect/>
+          <a:stretch>
+            <a:fillRect/>
+          </a:stretch>
+        </p:blipFill>
+        <p:spPr bwMode="auto">
+          <a:xfrm>
+            <a:off x="882157" y="6078612"/>
+            <a:ext cx="862542" cy="348467"/>
+          </a:xfrm>
+          <a:prstGeom prst="rect">
+            <a:avLst/>
+          </a:prstGeom>
+          <a:noFill/>
+          <a:extLst>
+            <a:ext uri="{909E8E84-426E-40DD-AFC4-6F175D3DCCD1}">
+              <a14:hiddenFill xmlns:a14="http://schemas.microsoft.com/office/drawing/2010/main">
+                <a:solidFill>
+                  <a:srgbClr val="FFFFFF"/>
+                </a:solidFill>
+              </a14:hiddenFill>
+            </a:ext>
+          </a:extLst>
+        </p:spPr>
+      </p:pic>
+      <p:sp>
+        <p:nvSpPr>
+          <p:cNvPr id="4" name="ZoneTexte 3">
+            <a:extLst>
+              <a:ext uri="{FF2B5EF4-FFF2-40B4-BE49-F238E27FC236}">
+                <a16:creationId xmlns:a16="http://schemas.microsoft.com/office/drawing/2014/main" id="{698748E8-A44E-3944-73E5-46C6156846A9}"/>
+              </a:ext>
+            </a:extLst>
+          </p:cNvPr>
+          <p:cNvSpPr txBox="1"/>
+          <p:nvPr/>
+        </p:nvSpPr>
+        <p:spPr>
+          <a:xfrm>
+            <a:off x="347330" y="6466281"/>
+            <a:ext cx="1932196" cy="369332"/>
+          </a:xfrm>
+          <a:prstGeom prst="rect">
+            <a:avLst/>
+          </a:prstGeom>
+          <a:noFill/>
+        </p:spPr>
+        <p:txBody>
+          <a:bodyPr wrap="none" rtlCol="0">
+            <a:spAutoFit/>
+          </a:bodyPr>
+          <a:lstStyle/>
+          <a:p>
+            <a:r>
+              <a:rPr lang="fr-FR" dirty="0">
+                <a:solidFill>
+                  <a:schemeClr val="accent1"/>
+                </a:solidFill>
+              </a:rPr>
+              <a:t>Guillaume Chervet</a:t>
+            </a:r>
+          </a:p>
+        </p:txBody>
+      </p:sp>
+    </p:spTree>
+    <p:extLst>
+      <p:ext uri="{BB962C8B-B14F-4D97-AF65-F5344CB8AC3E}">
+        <p14:creationId xmlns:p14="http://schemas.microsoft.com/office/powerpoint/2010/main" val="2699574214"/>
+      </p:ext>
+    </p:extLst>
+  </p:cSld>
+  <p:clrMapOvr>
+    <a:masterClrMapping/>
+  </p:clrMapOvr>
+</p:sld>
+</file>
+
+<file path=ppt/slides/slide21.xml><?xml version="1.0" encoding="utf-8"?>
+<p:sld xmlns:a="http://schemas.openxmlformats.org/drawingml/2006/main" xmlns:r="http://schemas.openxmlformats.org/officeDocument/2006/relationships" xmlns:p="http://schemas.openxmlformats.org/presentationml/2006/main">
+  <p:cSld>
+    <p:spTree>
+      <p:nvGrpSpPr>
+        <p:cNvPr id="1" name=""/>
+        <p:cNvGrpSpPr/>
+        <p:nvPr/>
+      </p:nvGrpSpPr>
+      <p:grpSpPr>
+        <a:xfrm>
+          <a:off x="0" y="0"/>
+          <a:ext cx="0" cy="0"/>
+          <a:chOff x="0" y="0"/>
+          <a:chExt cx="0" cy="0"/>
+        </a:xfrm>
+      </p:grpSpPr>
+      <p:sp>
+        <p:nvSpPr>
+          <p:cNvPr id="2" name="Titre 1">
+            <a:extLst>
+              <a:ext uri="{FF2B5EF4-FFF2-40B4-BE49-F238E27FC236}">
+                <a16:creationId xmlns:a16="http://schemas.microsoft.com/office/drawing/2014/main" id="{25CB8B10-3A1D-CACE-5A8D-D686EA7C44EF}"/>
+              </a:ext>
+            </a:extLst>
+          </p:cNvPr>
+          <p:cNvSpPr>
+            <a:spLocks noGrp="1"/>
+          </p:cNvSpPr>
+          <p:nvPr>
+            <p:ph type="ctrTitle"/>
+          </p:nvPr>
+        </p:nvSpPr>
+        <p:spPr>
+          <a:xfrm>
+            <a:off x="1524000" y="199496"/>
+            <a:ext cx="9144000" cy="1544637"/>
+          </a:xfrm>
+        </p:spPr>
+        <p:txBody>
+          <a:bodyPr>
+            <a:normAutofit fontScale="90000"/>
+          </a:bodyPr>
+          <a:lstStyle/>
+          <a:p>
+            <a:r>
+              <a:rPr lang="fr-FR" sz="9600" dirty="0">
+                <a:solidFill>
+                  <a:schemeClr val="accent1">
+                    <a:lumMod val="75000"/>
+                  </a:schemeClr>
+                </a:solidFill>
+              </a:rPr>
+              <a:t>Les minutes MLOps</a:t>
+            </a:r>
+          </a:p>
+        </p:txBody>
+      </p:sp>
+      <p:sp>
+        <p:nvSpPr>
+          <p:cNvPr id="3" name="Sous-titre 2">
+            <a:extLst>
+              <a:ext uri="{FF2B5EF4-FFF2-40B4-BE49-F238E27FC236}">
+                <a16:creationId xmlns:a16="http://schemas.microsoft.com/office/drawing/2014/main" id="{F17C1392-EAB9-EF81-4082-62F3FD9B4C7D}"/>
+              </a:ext>
+            </a:extLst>
+          </p:cNvPr>
+          <p:cNvSpPr>
+            <a:spLocks noGrp="1"/>
+          </p:cNvSpPr>
+          <p:nvPr>
+            <p:ph type="subTitle" idx="1"/>
+          </p:nvPr>
+        </p:nvSpPr>
+        <p:spPr>
+          <a:xfrm>
+            <a:off x="1524000" y="2946400"/>
+            <a:ext cx="9144000" cy="2901684"/>
+          </a:xfrm>
+        </p:spPr>
+        <p:txBody>
+          <a:bodyPr>
+            <a:normAutofit/>
+          </a:bodyPr>
+          <a:lstStyle/>
+          <a:p>
+            <a:r>
+              <a:rPr lang="fr-FR" sz="4800" dirty="0">
+                <a:solidFill>
+                  <a:srgbClr val="00B0F0"/>
+                </a:solidFill>
+              </a:rPr>
+              <a:t>Les variables d’environnements (Linux)</a:t>
+            </a:r>
+          </a:p>
+        </p:txBody>
+      </p:sp>
+      <p:pic>
+        <p:nvPicPr>
+          <p:cNvPr id="1026" name="Picture 2" descr="My Microsoft MVP Journey - Steve Gordon">
+            <a:extLst>
+              <a:ext uri="{FF2B5EF4-FFF2-40B4-BE49-F238E27FC236}">
+                <a16:creationId xmlns:a16="http://schemas.microsoft.com/office/drawing/2014/main" id="{9CCE3086-E1BE-844B-6F60-A3FFE631047A}"/>
+              </a:ext>
+            </a:extLst>
+          </p:cNvPr>
+          <p:cNvPicPr>
+            <a:picLocks noChangeAspect="1" noChangeArrowheads="1"/>
+          </p:cNvPicPr>
+          <p:nvPr/>
+        </p:nvPicPr>
+        <p:blipFill>
+          <a:blip r:embed="rId2">
+            <a:extLst>
+              <a:ext uri="{28A0092B-C50C-407E-A947-70E740481C1C}">
+                <a14:useLocalDpi xmlns:a14="http://schemas.microsoft.com/office/drawing/2010/main" val="0"/>
+              </a:ext>
+            </a:extLst>
+          </a:blip>
+          <a:srcRect/>
+          <a:stretch>
+            <a:fillRect/>
+          </a:stretch>
+        </p:blipFill>
+        <p:spPr bwMode="auto">
+          <a:xfrm>
+            <a:off x="882157" y="6078612"/>
+            <a:ext cx="862542" cy="348467"/>
+          </a:xfrm>
+          <a:prstGeom prst="rect">
+            <a:avLst/>
+          </a:prstGeom>
+          <a:noFill/>
+          <a:extLst>
+            <a:ext uri="{909E8E84-426E-40DD-AFC4-6F175D3DCCD1}">
+              <a14:hiddenFill xmlns:a14="http://schemas.microsoft.com/office/drawing/2010/main">
+                <a:solidFill>
+                  <a:srgbClr val="FFFFFF"/>
+                </a:solidFill>
+              </a14:hiddenFill>
+            </a:ext>
+          </a:extLst>
+        </p:spPr>
+      </p:pic>
+      <p:sp>
+        <p:nvSpPr>
+          <p:cNvPr id="4" name="ZoneTexte 3">
+            <a:extLst>
+              <a:ext uri="{FF2B5EF4-FFF2-40B4-BE49-F238E27FC236}">
+                <a16:creationId xmlns:a16="http://schemas.microsoft.com/office/drawing/2014/main" id="{698748E8-A44E-3944-73E5-46C6156846A9}"/>
+              </a:ext>
+            </a:extLst>
+          </p:cNvPr>
+          <p:cNvSpPr txBox="1"/>
+          <p:nvPr/>
+        </p:nvSpPr>
+        <p:spPr>
+          <a:xfrm>
+            <a:off x="347330" y="6466281"/>
+            <a:ext cx="1932196" cy="369332"/>
+          </a:xfrm>
+          <a:prstGeom prst="rect">
+            <a:avLst/>
+          </a:prstGeom>
+          <a:noFill/>
+        </p:spPr>
+        <p:txBody>
+          <a:bodyPr wrap="none" rtlCol="0">
+            <a:spAutoFit/>
+          </a:bodyPr>
+          <a:lstStyle/>
+          <a:p>
+            <a:r>
+              <a:rPr lang="fr-FR" dirty="0">
+                <a:solidFill>
+                  <a:schemeClr val="accent1"/>
+                </a:solidFill>
+              </a:rPr>
+              <a:t>Guillaume Chervet</a:t>
+            </a:r>
+          </a:p>
+        </p:txBody>
+      </p:sp>
+    </p:spTree>
+    <p:extLst>
+      <p:ext uri="{BB962C8B-B14F-4D97-AF65-F5344CB8AC3E}">
+        <p14:creationId xmlns:p14="http://schemas.microsoft.com/office/powerpoint/2010/main" val="3594588809"/>
+      </p:ext>
+    </p:extLst>
+  </p:cSld>
+  <p:clrMapOvr>
+    <a:masterClrMapping/>
+  </p:clrMapOvr>
+</p:sld>
+</file>
+
+<file path=ppt/slides/slide22.xml><?xml version="1.0" encoding="utf-8"?>
+<p:sld xmlns:a="http://schemas.openxmlformats.org/drawingml/2006/main" xmlns:r="http://schemas.openxmlformats.org/officeDocument/2006/relationships" xmlns:p="http://schemas.openxmlformats.org/presentationml/2006/main">
+  <p:cSld>
+    <p:spTree>
+      <p:nvGrpSpPr>
+        <p:cNvPr id="1" name=""/>
+        <p:cNvGrpSpPr/>
+        <p:nvPr/>
+      </p:nvGrpSpPr>
+      <p:grpSpPr>
+        <a:xfrm>
+          <a:off x="0" y="0"/>
+          <a:ext cx="0" cy="0"/>
+          <a:chOff x="0" y="0"/>
+          <a:chExt cx="0" cy="0"/>
+        </a:xfrm>
+      </p:grpSpPr>
+      <p:sp>
+        <p:nvSpPr>
+          <p:cNvPr id="2" name="Titre 1">
+            <a:extLst>
+              <a:ext uri="{FF2B5EF4-FFF2-40B4-BE49-F238E27FC236}">
+                <a16:creationId xmlns:a16="http://schemas.microsoft.com/office/drawing/2014/main" id="{25CB8B10-3A1D-CACE-5A8D-D686EA7C44EF}"/>
+              </a:ext>
+            </a:extLst>
+          </p:cNvPr>
+          <p:cNvSpPr>
+            <a:spLocks noGrp="1"/>
+          </p:cNvSpPr>
+          <p:nvPr>
+            <p:ph type="ctrTitle"/>
+          </p:nvPr>
+        </p:nvSpPr>
+        <p:spPr>
+          <a:xfrm>
+            <a:off x="1524000" y="199496"/>
+            <a:ext cx="9144000" cy="1544637"/>
+          </a:xfrm>
+        </p:spPr>
+        <p:txBody>
+          <a:bodyPr>
+            <a:normAutofit fontScale="90000"/>
+          </a:bodyPr>
+          <a:lstStyle/>
+          <a:p>
+            <a:r>
+              <a:rPr lang="fr-FR" sz="9600" dirty="0">
+                <a:solidFill>
+                  <a:schemeClr val="accent1">
+                    <a:lumMod val="75000"/>
+                  </a:schemeClr>
+                </a:solidFill>
+              </a:rPr>
+              <a:t>Les minutes MLOps</a:t>
+            </a:r>
+          </a:p>
+        </p:txBody>
+      </p:sp>
+      <p:sp>
+        <p:nvSpPr>
+          <p:cNvPr id="3" name="Sous-titre 2">
+            <a:extLst>
+              <a:ext uri="{FF2B5EF4-FFF2-40B4-BE49-F238E27FC236}">
+                <a16:creationId xmlns:a16="http://schemas.microsoft.com/office/drawing/2014/main" id="{F17C1392-EAB9-EF81-4082-62F3FD9B4C7D}"/>
+              </a:ext>
+            </a:extLst>
+          </p:cNvPr>
+          <p:cNvSpPr>
+            <a:spLocks noGrp="1"/>
+          </p:cNvSpPr>
+          <p:nvPr>
+            <p:ph type="subTitle" idx="1"/>
+          </p:nvPr>
+        </p:nvSpPr>
+        <p:spPr>
+          <a:xfrm>
+            <a:off x="1524000" y="2946400"/>
+            <a:ext cx="9144000" cy="2901684"/>
+          </a:xfrm>
+        </p:spPr>
+        <p:txBody>
+          <a:bodyPr>
+            <a:normAutofit/>
+          </a:bodyPr>
+          <a:lstStyle/>
+          <a:p>
+            <a:r>
+              <a:rPr lang="fr-FR" sz="4800" dirty="0">
+                <a:solidFill>
+                  <a:srgbClr val="00B0F0"/>
+                </a:solidFill>
+              </a:rPr>
+              <a:t>Le </a:t>
+            </a:r>
+            <a:r>
+              <a:rPr lang="fr-FR" sz="4800" dirty="0" err="1">
+                <a:solidFill>
+                  <a:srgbClr val="00B0F0"/>
+                </a:solidFill>
+              </a:rPr>
+              <a:t>versionning</a:t>
+            </a:r>
+            <a:r>
+              <a:rPr lang="fr-FR" sz="4800" dirty="0">
+                <a:solidFill>
+                  <a:srgbClr val="00B0F0"/>
+                </a:solidFill>
+              </a:rPr>
+              <a:t> des librairies</a:t>
+            </a:r>
+          </a:p>
+        </p:txBody>
+      </p:sp>
+      <p:pic>
+        <p:nvPicPr>
+          <p:cNvPr id="1026" name="Picture 2" descr="My Microsoft MVP Journey - Steve Gordon">
+            <a:extLst>
+              <a:ext uri="{FF2B5EF4-FFF2-40B4-BE49-F238E27FC236}">
+                <a16:creationId xmlns:a16="http://schemas.microsoft.com/office/drawing/2014/main" id="{9CCE3086-E1BE-844B-6F60-A3FFE631047A}"/>
+              </a:ext>
+            </a:extLst>
+          </p:cNvPr>
+          <p:cNvPicPr>
+            <a:picLocks noChangeAspect="1" noChangeArrowheads="1"/>
+          </p:cNvPicPr>
+          <p:nvPr/>
+        </p:nvPicPr>
+        <p:blipFill>
+          <a:blip r:embed="rId2">
+            <a:extLst>
+              <a:ext uri="{28A0092B-C50C-407E-A947-70E740481C1C}">
+                <a14:useLocalDpi xmlns:a14="http://schemas.microsoft.com/office/drawing/2010/main" val="0"/>
+              </a:ext>
+            </a:extLst>
+          </a:blip>
+          <a:srcRect/>
+          <a:stretch>
+            <a:fillRect/>
+          </a:stretch>
+        </p:blipFill>
+        <p:spPr bwMode="auto">
+          <a:xfrm>
+            <a:off x="882157" y="6078612"/>
+            <a:ext cx="862542" cy="348467"/>
+          </a:xfrm>
+          <a:prstGeom prst="rect">
+            <a:avLst/>
+          </a:prstGeom>
+          <a:noFill/>
+          <a:extLst>
+            <a:ext uri="{909E8E84-426E-40DD-AFC4-6F175D3DCCD1}">
+              <a14:hiddenFill xmlns:a14="http://schemas.microsoft.com/office/drawing/2010/main">
+                <a:solidFill>
+                  <a:srgbClr val="FFFFFF"/>
+                </a:solidFill>
+              </a14:hiddenFill>
+            </a:ext>
+          </a:extLst>
+        </p:spPr>
+      </p:pic>
+      <p:sp>
+        <p:nvSpPr>
+          <p:cNvPr id="4" name="ZoneTexte 3">
+            <a:extLst>
+              <a:ext uri="{FF2B5EF4-FFF2-40B4-BE49-F238E27FC236}">
+                <a16:creationId xmlns:a16="http://schemas.microsoft.com/office/drawing/2014/main" id="{698748E8-A44E-3944-73E5-46C6156846A9}"/>
+              </a:ext>
+            </a:extLst>
+          </p:cNvPr>
+          <p:cNvSpPr txBox="1"/>
+          <p:nvPr/>
+        </p:nvSpPr>
+        <p:spPr>
+          <a:xfrm>
+            <a:off x="347330" y="6466281"/>
+            <a:ext cx="1932196" cy="369332"/>
+          </a:xfrm>
+          <a:prstGeom prst="rect">
+            <a:avLst/>
+          </a:prstGeom>
+          <a:noFill/>
+        </p:spPr>
+        <p:txBody>
+          <a:bodyPr wrap="none" rtlCol="0">
+            <a:spAutoFit/>
+          </a:bodyPr>
+          <a:lstStyle/>
+          <a:p>
+            <a:r>
+              <a:rPr lang="fr-FR" dirty="0">
+                <a:solidFill>
+                  <a:schemeClr val="accent1"/>
+                </a:solidFill>
+              </a:rPr>
+              <a:t>Guillaume Chervet</a:t>
+            </a:r>
+          </a:p>
+        </p:txBody>
+      </p:sp>
+      <p:sp>
+        <p:nvSpPr>
+          <p:cNvPr id="5" name="Étoile : 5 branches 4">
+            <a:extLst>
+              <a:ext uri="{FF2B5EF4-FFF2-40B4-BE49-F238E27FC236}">
+                <a16:creationId xmlns:a16="http://schemas.microsoft.com/office/drawing/2014/main" id="{9DA24571-6FDE-EF83-6A39-E1BD63AD1ED9}"/>
+              </a:ext>
+            </a:extLst>
+          </p:cNvPr>
+          <p:cNvSpPr/>
+          <p:nvPr/>
+        </p:nvSpPr>
+        <p:spPr>
+          <a:xfrm>
+            <a:off x="8017934" y="2032000"/>
+            <a:ext cx="948266" cy="914400"/>
+          </a:xfrm>
+          <a:prstGeom prst="star5">
+            <a:avLst/>
+          </a:prstGeom>
+          <a:solidFill>
+            <a:srgbClr val="FFFF00"/>
+          </a:solidFill>
+          <a:ln>
+            <a:solidFill>
+              <a:srgbClr val="FFFF00"/>
+            </a:solidFill>
+          </a:ln>
+        </p:spPr>
+        <p:style>
+          <a:lnRef idx="2">
+            <a:schemeClr val="accent1">
+              <a:shade val="15000"/>
+            </a:schemeClr>
+          </a:lnRef>
+          <a:fillRef idx="1">
+            <a:schemeClr val="accent1"/>
+          </a:fillRef>
+          <a:effectRef idx="0">
+            <a:schemeClr val="accent1"/>
+          </a:effectRef>
+          <a:fontRef idx="minor">
+            <a:schemeClr val="lt1"/>
+          </a:fontRef>
+        </p:style>
+        <p:txBody>
+          <a:bodyPr rtlCol="0" anchor="ctr"/>
+          <a:lstStyle/>
+          <a:p>
+            <a:pPr algn="ctr"/>
+            <a:endParaRPr lang="fr-FR"/>
+          </a:p>
+        </p:txBody>
+      </p:sp>
+    </p:spTree>
+    <p:extLst>
+      <p:ext uri="{BB962C8B-B14F-4D97-AF65-F5344CB8AC3E}">
+        <p14:creationId xmlns:p14="http://schemas.microsoft.com/office/powerpoint/2010/main" val="3806645917"/>
+      </p:ext>
+    </p:extLst>
+  </p:cSld>
+  <p:clrMapOvr>
+    <a:masterClrMapping/>
+  </p:clrMapOvr>
+</p:sld>
+</file>
+
+<file path=ppt/slides/slide23.xml><?xml version="1.0" encoding="utf-8"?>
+<p:sld xmlns:a="http://schemas.openxmlformats.org/drawingml/2006/main" xmlns:r="http://schemas.openxmlformats.org/officeDocument/2006/relationships" xmlns:p="http://schemas.openxmlformats.org/presentationml/2006/main">
+  <p:cSld>
+    <p:spTree>
+      <p:nvGrpSpPr>
+        <p:cNvPr id="1" name=""/>
+        <p:cNvGrpSpPr/>
+        <p:nvPr/>
+      </p:nvGrpSpPr>
+      <p:grpSpPr>
+        <a:xfrm>
+          <a:off x="0" y="0"/>
+          <a:ext cx="0" cy="0"/>
+          <a:chOff x="0" y="0"/>
+          <a:chExt cx="0" cy="0"/>
+        </a:xfrm>
+      </p:grpSpPr>
+      <p:sp>
+        <p:nvSpPr>
+          <p:cNvPr id="2" name="Titre 1">
+            <a:extLst>
+              <a:ext uri="{FF2B5EF4-FFF2-40B4-BE49-F238E27FC236}">
+                <a16:creationId xmlns:a16="http://schemas.microsoft.com/office/drawing/2014/main" id="{B2A7DFFE-1CE5-1D58-889B-4845130EB05D}"/>
+              </a:ext>
+            </a:extLst>
+          </p:cNvPr>
+          <p:cNvSpPr>
+            <a:spLocks noGrp="1"/>
+          </p:cNvSpPr>
+          <p:nvPr>
+            <p:ph type="title"/>
+          </p:nvPr>
+        </p:nvSpPr>
+        <p:spPr>
+          <a:xfrm>
+            <a:off x="2555271" y="1049501"/>
+            <a:ext cx="6349446" cy="3753236"/>
+          </a:xfrm>
+        </p:spPr>
+        <p:txBody>
+          <a:bodyPr>
+            <a:normAutofit/>
+          </a:bodyPr>
+          <a:lstStyle/>
+          <a:p>
+            <a:pPr algn="ctr"/>
+            <a:r>
+              <a:rPr lang="fr-FR" sz="17900" dirty="0">
+                <a:solidFill>
+                  <a:srgbClr val="FF0000"/>
+                </a:solidFill>
+              </a:rPr>
+              <a:t>1</a:t>
+            </a:r>
+            <a:r>
+              <a:rPr lang="fr-FR" sz="17900" dirty="0"/>
+              <a:t>.</a:t>
+            </a:r>
+            <a:r>
+              <a:rPr lang="fr-FR" sz="17900" dirty="0">
+                <a:solidFill>
+                  <a:srgbClr val="0070C0"/>
+                </a:solidFill>
+              </a:rPr>
+              <a:t>3</a:t>
+            </a:r>
+            <a:r>
+              <a:rPr lang="fr-FR" sz="17900" dirty="0"/>
+              <a:t>.</a:t>
+            </a:r>
+            <a:r>
+              <a:rPr lang="fr-FR" sz="17900" dirty="0">
+                <a:solidFill>
+                  <a:schemeClr val="accent6">
+                    <a:lumMod val="75000"/>
+                  </a:schemeClr>
+                </a:solidFill>
+              </a:rPr>
+              <a:t>7</a:t>
+            </a:r>
+          </a:p>
+        </p:txBody>
+      </p:sp>
+      <p:sp>
+        <p:nvSpPr>
+          <p:cNvPr id="6" name="ZoneTexte 5">
+            <a:extLst>
+              <a:ext uri="{FF2B5EF4-FFF2-40B4-BE49-F238E27FC236}">
+                <a16:creationId xmlns:a16="http://schemas.microsoft.com/office/drawing/2014/main" id="{92587186-5C2A-FC0F-8761-E12ACAC274BA}"/>
+              </a:ext>
+            </a:extLst>
+          </p:cNvPr>
+          <p:cNvSpPr txBox="1"/>
+          <p:nvPr/>
+        </p:nvSpPr>
+        <p:spPr>
+          <a:xfrm>
+            <a:off x="3164891" y="3647478"/>
+            <a:ext cx="1542410" cy="646331"/>
+          </a:xfrm>
+          <a:prstGeom prst="rect">
+            <a:avLst/>
+          </a:prstGeom>
+          <a:noFill/>
+        </p:spPr>
+        <p:txBody>
+          <a:bodyPr wrap="none" rtlCol="0">
+            <a:spAutoFit/>
+          </a:bodyPr>
+          <a:lstStyle/>
+          <a:p>
+            <a:r>
+              <a:rPr lang="fr-FR" sz="3600" dirty="0">
+                <a:solidFill>
+                  <a:srgbClr val="FF0000"/>
+                </a:solidFill>
+              </a:rPr>
+              <a:t>Majeur</a:t>
+            </a:r>
+          </a:p>
+        </p:txBody>
+      </p:sp>
+      <p:sp>
+        <p:nvSpPr>
+          <p:cNvPr id="7" name="ZoneTexte 6">
+            <a:extLst>
+              <a:ext uri="{FF2B5EF4-FFF2-40B4-BE49-F238E27FC236}">
+                <a16:creationId xmlns:a16="http://schemas.microsoft.com/office/drawing/2014/main" id="{9D31B7C1-7FD2-4054-2E52-DCDDA09F64B9}"/>
+              </a:ext>
+            </a:extLst>
+          </p:cNvPr>
+          <p:cNvSpPr txBox="1"/>
+          <p:nvPr/>
+        </p:nvSpPr>
+        <p:spPr>
+          <a:xfrm>
+            <a:off x="5073056" y="3647478"/>
+            <a:ext cx="1558440" cy="646331"/>
+          </a:xfrm>
+          <a:prstGeom prst="rect">
+            <a:avLst/>
+          </a:prstGeom>
+          <a:noFill/>
+        </p:spPr>
+        <p:txBody>
+          <a:bodyPr wrap="none" rtlCol="0">
+            <a:spAutoFit/>
+          </a:bodyPr>
+          <a:lstStyle/>
+          <a:p>
+            <a:r>
+              <a:rPr lang="fr-FR" sz="3600" dirty="0">
+                <a:solidFill>
+                  <a:srgbClr val="0070C0"/>
+                </a:solidFill>
+              </a:rPr>
+              <a:t>Mineur</a:t>
+            </a:r>
+          </a:p>
+        </p:txBody>
+      </p:sp>
+      <p:sp>
+        <p:nvSpPr>
+          <p:cNvPr id="8" name="ZoneTexte 7">
+            <a:extLst>
+              <a:ext uri="{FF2B5EF4-FFF2-40B4-BE49-F238E27FC236}">
+                <a16:creationId xmlns:a16="http://schemas.microsoft.com/office/drawing/2014/main" id="{3E204496-0DF0-513A-B50B-3877BE94F07F}"/>
+              </a:ext>
+            </a:extLst>
+          </p:cNvPr>
+          <p:cNvSpPr txBox="1"/>
+          <p:nvPr/>
+        </p:nvSpPr>
+        <p:spPr>
+          <a:xfrm>
+            <a:off x="6823519" y="3647478"/>
+            <a:ext cx="1216359" cy="646331"/>
+          </a:xfrm>
+          <a:prstGeom prst="rect">
+            <a:avLst/>
+          </a:prstGeom>
+          <a:noFill/>
+        </p:spPr>
+        <p:txBody>
+          <a:bodyPr wrap="none" rtlCol="0">
+            <a:spAutoFit/>
+          </a:bodyPr>
+          <a:lstStyle/>
+          <a:p>
+            <a:r>
+              <a:rPr lang="fr-FR" sz="3600" dirty="0">
+                <a:solidFill>
+                  <a:schemeClr val="accent6">
+                    <a:lumMod val="75000"/>
+                  </a:schemeClr>
+                </a:solidFill>
+              </a:rPr>
+              <a:t>Patch</a:t>
+            </a:r>
+          </a:p>
+        </p:txBody>
+      </p:sp>
+    </p:spTree>
+    <p:extLst>
+      <p:ext uri="{BB962C8B-B14F-4D97-AF65-F5344CB8AC3E}">
+        <p14:creationId xmlns:p14="http://schemas.microsoft.com/office/powerpoint/2010/main" val="2060528471"/>
+      </p:ext>
+    </p:extLst>
+  </p:cSld>
+  <p:clrMapOvr>
+    <a:masterClrMapping/>
+  </p:clrMapOvr>
+</p:sld>
+</file>
+
+<file path=ppt/slides/slide24.xml><?xml version="1.0" encoding="utf-8"?>
+<p:sld xmlns:a="http://schemas.openxmlformats.org/drawingml/2006/main" xmlns:r="http://schemas.openxmlformats.org/officeDocument/2006/relationships" xmlns:p="http://schemas.openxmlformats.org/presentationml/2006/main">
+  <p:cSld>
+    <p:spTree>
+      <p:nvGrpSpPr>
+        <p:cNvPr id="1" name=""/>
+        <p:cNvGrpSpPr/>
+        <p:nvPr/>
+      </p:nvGrpSpPr>
+      <p:grpSpPr>
+        <a:xfrm>
+          <a:off x="0" y="0"/>
+          <a:ext cx="0" cy="0"/>
+          <a:chOff x="0" y="0"/>
+          <a:chExt cx="0" cy="0"/>
+        </a:xfrm>
+      </p:grpSpPr>
+      <p:sp>
+        <p:nvSpPr>
+          <p:cNvPr id="9" name="ZoneTexte 8">
+            <a:extLst>
+              <a:ext uri="{FF2B5EF4-FFF2-40B4-BE49-F238E27FC236}">
+                <a16:creationId xmlns:a16="http://schemas.microsoft.com/office/drawing/2014/main" id="{4FB0B246-9416-2C0B-0B40-8D2A61355689}"/>
+              </a:ext>
+            </a:extLst>
+          </p:cNvPr>
+          <p:cNvSpPr txBox="1"/>
+          <p:nvPr/>
+        </p:nvSpPr>
+        <p:spPr>
+          <a:xfrm>
+            <a:off x="1049867" y="1748266"/>
+            <a:ext cx="2006600" cy="2800767"/>
+          </a:xfrm>
+          <a:prstGeom prst="rect">
+            <a:avLst/>
+          </a:prstGeom>
+          <a:noFill/>
+        </p:spPr>
+        <p:txBody>
+          <a:bodyPr wrap="square">
+            <a:spAutoFit/>
+          </a:bodyPr>
+          <a:lstStyle/>
+          <a:p>
+            <a:r>
+              <a:rPr lang="fr-FR" sz="4400" dirty="0">
+                <a:solidFill>
+                  <a:schemeClr val="accent6">
+                    <a:lumMod val="75000"/>
+                  </a:schemeClr>
+                </a:solidFill>
+              </a:rPr>
+              <a:t>0.9.10</a:t>
+            </a:r>
+          </a:p>
+          <a:p>
+            <a:r>
+              <a:rPr lang="fr-FR" sz="4400" dirty="0">
+                <a:solidFill>
+                  <a:schemeClr val="accent6">
+                    <a:lumMod val="75000"/>
+                  </a:schemeClr>
+                </a:solidFill>
+              </a:rPr>
+              <a:t>0.9.11</a:t>
+            </a:r>
+          </a:p>
+          <a:p>
+            <a:r>
+              <a:rPr lang="fr-FR" sz="4400" dirty="0">
+                <a:solidFill>
+                  <a:schemeClr val="accent6">
+                    <a:lumMod val="75000"/>
+                  </a:schemeClr>
+                </a:solidFill>
+              </a:rPr>
+              <a:t>1.0</a:t>
+            </a:r>
+          </a:p>
+          <a:p>
+            <a:r>
+              <a:rPr lang="fr-FR" sz="4400" dirty="0">
+                <a:solidFill>
+                  <a:schemeClr val="accent6">
+                    <a:lumMod val="75000"/>
+                  </a:schemeClr>
+                </a:solidFill>
+              </a:rPr>
+              <a:t>1.0.1</a:t>
+            </a:r>
+          </a:p>
+        </p:txBody>
+      </p:sp>
+      <p:sp>
+        <p:nvSpPr>
+          <p:cNvPr id="17" name="ZoneTexte 16">
+            <a:extLst>
+              <a:ext uri="{FF2B5EF4-FFF2-40B4-BE49-F238E27FC236}">
+                <a16:creationId xmlns:a16="http://schemas.microsoft.com/office/drawing/2014/main" id="{88EF5225-BCF7-BE61-8C0B-9D0F204E3242}"/>
+              </a:ext>
+            </a:extLst>
+          </p:cNvPr>
+          <p:cNvSpPr txBox="1"/>
+          <p:nvPr/>
+        </p:nvSpPr>
+        <p:spPr>
+          <a:xfrm>
+            <a:off x="4811183" y="1750962"/>
+            <a:ext cx="7365999" cy="2800767"/>
+          </a:xfrm>
+          <a:prstGeom prst="rect">
+            <a:avLst/>
+          </a:prstGeom>
+          <a:noFill/>
+        </p:spPr>
+        <p:txBody>
+          <a:bodyPr wrap="square">
+            <a:spAutoFit/>
+          </a:bodyPr>
+          <a:lstStyle/>
+          <a:p>
+            <a:r>
+              <a:rPr lang="fr-FR" sz="4400" dirty="0">
+                <a:solidFill>
+                  <a:schemeClr val="accent6">
+                    <a:lumMod val="75000"/>
+                  </a:schemeClr>
+                </a:solidFill>
+              </a:rPr>
+              <a:t>0.1a1   </a:t>
+            </a:r>
+            <a:r>
+              <a:rPr lang="fr-FR" sz="4400" dirty="0">
+                <a:solidFill>
+                  <a:srgbClr val="0070C0"/>
+                </a:solidFill>
+              </a:rPr>
+              <a:t># Alpha release</a:t>
+            </a:r>
+          </a:p>
+          <a:p>
+            <a:r>
+              <a:rPr lang="fr-FR" sz="4400" dirty="0">
+                <a:solidFill>
+                  <a:schemeClr val="accent6">
+                    <a:lumMod val="75000"/>
+                  </a:schemeClr>
+                </a:solidFill>
+              </a:rPr>
+              <a:t>0.1b1   </a:t>
+            </a:r>
+            <a:r>
+              <a:rPr lang="fr-FR" sz="4400" dirty="0">
+                <a:solidFill>
+                  <a:srgbClr val="0070C0"/>
+                </a:solidFill>
+              </a:rPr>
+              <a:t># Beta release</a:t>
+            </a:r>
+          </a:p>
+          <a:p>
+            <a:r>
+              <a:rPr lang="fr-FR" sz="4400" dirty="0">
+                <a:solidFill>
+                  <a:schemeClr val="accent6">
+                    <a:lumMod val="75000"/>
+                  </a:schemeClr>
+                </a:solidFill>
+              </a:rPr>
+              <a:t>0.1rc1  </a:t>
+            </a:r>
+            <a:r>
+              <a:rPr lang="fr-FR" sz="4400" dirty="0">
+                <a:solidFill>
+                  <a:srgbClr val="0070C0"/>
+                </a:solidFill>
+              </a:rPr>
+              <a:t># Release Candidate</a:t>
+            </a:r>
+          </a:p>
+          <a:p>
+            <a:r>
+              <a:rPr lang="fr-FR" sz="4400" dirty="0">
+                <a:solidFill>
+                  <a:schemeClr val="accent6">
+                    <a:lumMod val="75000"/>
+                  </a:schemeClr>
+                </a:solidFill>
+              </a:rPr>
+              <a:t>0.1        </a:t>
+            </a:r>
+            <a:r>
+              <a:rPr lang="fr-FR" sz="4400" dirty="0">
+                <a:solidFill>
+                  <a:srgbClr val="0070C0"/>
+                </a:solidFill>
+              </a:rPr>
+              <a:t># Final release</a:t>
+            </a:r>
+          </a:p>
+        </p:txBody>
+      </p:sp>
+      <p:sp>
+        <p:nvSpPr>
+          <p:cNvPr id="19" name="ZoneTexte 18">
+            <a:extLst>
+              <a:ext uri="{FF2B5EF4-FFF2-40B4-BE49-F238E27FC236}">
+                <a16:creationId xmlns:a16="http://schemas.microsoft.com/office/drawing/2014/main" id="{B88E86F6-246A-3305-7C55-CFDD6F6028D5}"/>
+              </a:ext>
+            </a:extLst>
+          </p:cNvPr>
+          <p:cNvSpPr txBox="1"/>
+          <p:nvPr/>
+        </p:nvSpPr>
+        <p:spPr>
+          <a:xfrm>
+            <a:off x="0" y="6451098"/>
+            <a:ext cx="11921067" cy="369332"/>
+          </a:xfrm>
+          <a:prstGeom prst="rect">
+            <a:avLst/>
+          </a:prstGeom>
+          <a:noFill/>
+        </p:spPr>
+        <p:txBody>
+          <a:bodyPr wrap="square">
+            <a:spAutoFit/>
+          </a:bodyPr>
+          <a:lstStyle/>
+          <a:p>
+            <a:pPr marL="0" indent="0">
+              <a:buNone/>
+            </a:pPr>
+            <a:r>
+              <a:rPr lang="en-US" dirty="0">
+                <a:hlinkClick r:id="rId2"/>
+              </a:rPr>
+              <a:t>PEP 440 – Version Identification and Dependency Specification | peps.python.org</a:t>
+            </a:r>
+            <a:endParaRPr lang="en-US" dirty="0"/>
+          </a:p>
+        </p:txBody>
+      </p:sp>
+      <p:cxnSp>
+        <p:nvCxnSpPr>
+          <p:cNvPr id="23" name="Connecteur droit 22">
+            <a:extLst>
+              <a:ext uri="{FF2B5EF4-FFF2-40B4-BE49-F238E27FC236}">
+                <a16:creationId xmlns:a16="http://schemas.microsoft.com/office/drawing/2014/main" id="{E2C88953-ADB8-0F14-6850-173D17F38C23}"/>
+              </a:ext>
+            </a:extLst>
+          </p:cNvPr>
+          <p:cNvCxnSpPr/>
+          <p:nvPr/>
+        </p:nvCxnSpPr>
+        <p:spPr>
+          <a:xfrm>
+            <a:off x="3998383" y="1575858"/>
+            <a:ext cx="0" cy="3251200"/>
+          </a:xfrm>
+          <a:prstGeom prst="line">
+            <a:avLst/>
+          </a:prstGeom>
+        </p:spPr>
+        <p:style>
+          <a:lnRef idx="1">
+            <a:schemeClr val="accent1"/>
+          </a:lnRef>
+          <a:fillRef idx="0">
+            <a:schemeClr val="accent1"/>
+          </a:fillRef>
+          <a:effectRef idx="0">
+            <a:schemeClr val="accent1"/>
+          </a:effectRef>
+          <a:fontRef idx="minor">
+            <a:schemeClr val="tx1"/>
+          </a:fontRef>
+        </p:style>
+      </p:cxnSp>
+    </p:spTree>
+    <p:extLst>
+      <p:ext uri="{BB962C8B-B14F-4D97-AF65-F5344CB8AC3E}">
+        <p14:creationId xmlns:p14="http://schemas.microsoft.com/office/powerpoint/2010/main" val="512442896"/>
+      </p:ext>
+    </p:extLst>
+  </p:cSld>
+  <p:clrMapOvr>
+    <a:masterClrMapping/>
+  </p:clrMapOvr>
+</p:sld>
+</file>
+
+<file path=ppt/slides/slide25.xml><?xml version="1.0" encoding="utf-8"?>
+<p:sld xmlns:a="http://schemas.openxmlformats.org/drawingml/2006/main" xmlns:r="http://schemas.openxmlformats.org/officeDocument/2006/relationships" xmlns:p="http://schemas.openxmlformats.org/presentationml/2006/main">
+  <p:cSld>
+    <p:spTree>
+      <p:nvGrpSpPr>
+        <p:cNvPr id="1" name=""/>
+        <p:cNvGrpSpPr/>
+        <p:nvPr/>
+      </p:nvGrpSpPr>
+      <p:grpSpPr>
+        <a:xfrm>
+          <a:off x="0" y="0"/>
+          <a:ext cx="0" cy="0"/>
+          <a:chOff x="0" y="0"/>
+          <a:chExt cx="0" cy="0"/>
+        </a:xfrm>
+      </p:grpSpPr>
+      <p:sp>
+        <p:nvSpPr>
+          <p:cNvPr id="2" name="Titre 1">
+            <a:extLst>
+              <a:ext uri="{FF2B5EF4-FFF2-40B4-BE49-F238E27FC236}">
+                <a16:creationId xmlns:a16="http://schemas.microsoft.com/office/drawing/2014/main" id="{D4D8C6E8-F7BE-2873-DE98-4BC0A18B05D9}"/>
+              </a:ext>
+            </a:extLst>
+          </p:cNvPr>
+          <p:cNvSpPr>
+            <a:spLocks noGrp="1"/>
+          </p:cNvSpPr>
+          <p:nvPr>
+            <p:ph type="title"/>
+          </p:nvPr>
+        </p:nvSpPr>
+        <p:spPr/>
+        <p:txBody>
+          <a:bodyPr/>
+          <a:lstStyle/>
+          <a:p>
+            <a:endParaRPr lang="fr-FR"/>
+          </a:p>
+        </p:txBody>
+      </p:sp>
+      <p:sp>
+        <p:nvSpPr>
+          <p:cNvPr id="3" name="Espace réservé du contenu 2">
+            <a:extLst>
+              <a:ext uri="{FF2B5EF4-FFF2-40B4-BE49-F238E27FC236}">
+                <a16:creationId xmlns:a16="http://schemas.microsoft.com/office/drawing/2014/main" id="{8DC32CCE-DE5D-9C0D-7A24-9C90BABB0EAB}"/>
+              </a:ext>
+            </a:extLst>
+          </p:cNvPr>
+          <p:cNvSpPr>
+            <a:spLocks noGrp="1"/>
+          </p:cNvSpPr>
+          <p:nvPr>
+            <p:ph idx="1"/>
+          </p:nvPr>
+        </p:nvSpPr>
+        <p:spPr/>
+        <p:txBody>
+          <a:bodyPr/>
+          <a:lstStyle/>
+          <a:p>
+            <a:r>
+              <a:rPr lang="en-US" dirty="0">
+                <a:hlinkClick r:id="rId2"/>
+              </a:rPr>
+              <a:t>PEP 440 – Version Identification and Dependency Specification | peps.python.org</a:t>
+            </a:r>
+            <a:endParaRPr lang="en-US" dirty="0"/>
+          </a:p>
+          <a:p>
+            <a:endParaRPr lang="fr-FR" dirty="0">
+              <a:hlinkClick r:id="rId3"/>
+            </a:endParaRPr>
+          </a:p>
+          <a:p>
+            <a:r>
+              <a:rPr lang="fr-FR" dirty="0" err="1">
+                <a:hlinkClick r:id="rId3"/>
+              </a:rPr>
+              <a:t>Requirement</a:t>
+            </a:r>
+            <a:r>
+              <a:rPr lang="fr-FR" dirty="0">
+                <a:hlinkClick r:id="rId3"/>
+              </a:rPr>
+              <a:t> </a:t>
+            </a:r>
+            <a:r>
+              <a:rPr lang="fr-FR" dirty="0" err="1">
+                <a:hlinkClick r:id="rId3"/>
+              </a:rPr>
+              <a:t>Specifiers</a:t>
+            </a:r>
+            <a:r>
+              <a:rPr lang="fr-FR" dirty="0">
+                <a:hlinkClick r:id="rId3"/>
+              </a:rPr>
+              <a:t> - </a:t>
+            </a:r>
+            <a:r>
+              <a:rPr lang="fr-FR" dirty="0" err="1">
+                <a:hlinkClick r:id="rId3"/>
+              </a:rPr>
+              <a:t>pip</a:t>
+            </a:r>
+            <a:r>
+              <a:rPr lang="fr-FR" dirty="0">
+                <a:hlinkClick r:id="rId3"/>
+              </a:rPr>
+              <a:t> documentation v23.2.1 (pypa.io)</a:t>
+            </a:r>
+            <a:endParaRPr lang="fr-FR" dirty="0"/>
+          </a:p>
+          <a:p>
+            <a:r>
+              <a:rPr lang="en-US" dirty="0">
+                <a:hlinkClick r:id="rId4"/>
+              </a:rPr>
+              <a:t>PEP 440 – Version Identification and Dependency Specification | peps.python.org</a:t>
+            </a:r>
+            <a:endParaRPr lang="en-US" dirty="0"/>
+          </a:p>
+          <a:p>
+            <a:endParaRPr lang="fr-FR" dirty="0"/>
+          </a:p>
+        </p:txBody>
+      </p:sp>
+    </p:spTree>
+    <p:extLst>
+      <p:ext uri="{BB962C8B-B14F-4D97-AF65-F5344CB8AC3E}">
+        <p14:creationId xmlns:p14="http://schemas.microsoft.com/office/powerpoint/2010/main" val="3000645470"/>
+      </p:ext>
+    </p:extLst>
+  </p:cSld>
+  <p:clrMapOvr>
+    <a:masterClrMapping/>
+  </p:clrMapOvr>
+</p:sld>
+</file>
+
+<file path=ppt/slides/slide26.xml><?xml version="1.0" encoding="utf-8"?>
+<p:sld xmlns:a="http://schemas.openxmlformats.org/drawingml/2006/main" xmlns:r="http://schemas.openxmlformats.org/officeDocument/2006/relationships" xmlns:p="http://schemas.openxmlformats.org/presentationml/2006/main">
+  <p:cSld>
+    <p:spTree>
+      <p:nvGrpSpPr>
+        <p:cNvPr id="1" name=""/>
+        <p:cNvGrpSpPr/>
+        <p:nvPr/>
+      </p:nvGrpSpPr>
+      <p:grpSpPr>
+        <a:xfrm>
+          <a:off x="0" y="0"/>
+          <a:ext cx="0" cy="0"/>
+          <a:chOff x="0" y="0"/>
+          <a:chExt cx="0" cy="0"/>
+        </a:xfrm>
+      </p:grpSpPr>
+      <p:sp>
+        <p:nvSpPr>
+          <p:cNvPr id="2" name="Titre 1">
+            <a:extLst>
+              <a:ext uri="{FF2B5EF4-FFF2-40B4-BE49-F238E27FC236}">
+                <a16:creationId xmlns:a16="http://schemas.microsoft.com/office/drawing/2014/main" id="{EA559834-E13F-E071-94D7-06CCD10872AC}"/>
+              </a:ext>
+            </a:extLst>
+          </p:cNvPr>
+          <p:cNvSpPr>
+            <a:spLocks noGrp="1"/>
+          </p:cNvSpPr>
+          <p:nvPr>
+            <p:ph type="title"/>
+          </p:nvPr>
+        </p:nvSpPr>
+        <p:spPr/>
+        <p:txBody>
+          <a:bodyPr/>
+          <a:lstStyle/>
+          <a:p>
+            <a:endParaRPr lang="fr-FR"/>
+          </a:p>
+        </p:txBody>
+      </p:sp>
+      <p:sp>
+        <p:nvSpPr>
+          <p:cNvPr id="3" name="Espace réservé du contenu 2">
+            <a:extLst>
+              <a:ext uri="{FF2B5EF4-FFF2-40B4-BE49-F238E27FC236}">
+                <a16:creationId xmlns:a16="http://schemas.microsoft.com/office/drawing/2014/main" id="{31CC382F-D657-495F-FAD0-FC0743E10897}"/>
+              </a:ext>
+            </a:extLst>
+          </p:cNvPr>
+          <p:cNvSpPr>
+            <a:spLocks noGrp="1"/>
+          </p:cNvSpPr>
+          <p:nvPr>
+            <p:ph idx="1"/>
+          </p:nvPr>
+        </p:nvSpPr>
+        <p:spPr/>
+        <p:txBody>
+          <a:bodyPr>
+            <a:normAutofit/>
+          </a:bodyPr>
+          <a:lstStyle/>
+          <a:p>
+            <a:pPr marL="0" indent="0">
+              <a:buNone/>
+            </a:pPr>
+            <a:r>
+              <a:rPr lang="fr-FR" sz="6000" dirty="0"/>
+              <a:t>Conda</a:t>
+            </a:r>
+          </a:p>
+          <a:p>
+            <a:pPr marL="0" indent="0">
+              <a:buNone/>
+            </a:pPr>
+            <a:r>
+              <a:rPr lang="fr-FR" sz="6000" dirty="0"/>
+              <a:t>Pipenv</a:t>
+            </a:r>
+          </a:p>
+          <a:p>
+            <a:pPr marL="0" indent="0">
+              <a:buNone/>
+            </a:pPr>
+            <a:r>
+              <a:rPr lang="fr-FR" sz="6000" dirty="0"/>
+              <a:t>Poetry</a:t>
+            </a:r>
+          </a:p>
+        </p:txBody>
+      </p:sp>
+    </p:spTree>
+    <p:extLst>
+      <p:ext uri="{BB962C8B-B14F-4D97-AF65-F5344CB8AC3E}">
+        <p14:creationId xmlns:p14="http://schemas.microsoft.com/office/powerpoint/2010/main" val="2342116524"/>
+      </p:ext>
+    </p:extLst>
+  </p:cSld>
+  <p:clrMapOvr>
+    <a:masterClrMapping/>
+  </p:clrMapOvr>
+</p:sld>
+</file>
+
+<file path=ppt/slides/slide27.xml><?xml version="1.0" encoding="utf-8"?>
+<p:sld xmlns:a="http://schemas.openxmlformats.org/drawingml/2006/main" xmlns:r="http://schemas.openxmlformats.org/officeDocument/2006/relationships" xmlns:p="http://schemas.openxmlformats.org/presentationml/2006/main">
+  <p:cSld>
+    <p:spTree>
+      <p:nvGrpSpPr>
+        <p:cNvPr id="1" name=""/>
+        <p:cNvGrpSpPr/>
+        <p:nvPr/>
+      </p:nvGrpSpPr>
+      <p:grpSpPr>
+        <a:xfrm>
+          <a:off x="0" y="0"/>
+          <a:ext cx="0" cy="0"/>
+          <a:chOff x="0" y="0"/>
+          <a:chExt cx="0" cy="0"/>
+        </a:xfrm>
+      </p:grpSpPr>
+      <p:sp>
+        <p:nvSpPr>
+          <p:cNvPr id="2" name="Titre 1">
+            <a:extLst>
+              <a:ext uri="{FF2B5EF4-FFF2-40B4-BE49-F238E27FC236}">
+                <a16:creationId xmlns:a16="http://schemas.microsoft.com/office/drawing/2014/main" id="{EA559834-E13F-E071-94D7-06CCD10872AC}"/>
+              </a:ext>
+            </a:extLst>
+          </p:cNvPr>
+          <p:cNvSpPr>
+            <a:spLocks noGrp="1"/>
+          </p:cNvSpPr>
+          <p:nvPr>
+            <p:ph type="title"/>
+          </p:nvPr>
+        </p:nvSpPr>
+        <p:spPr/>
+        <p:txBody>
+          <a:bodyPr/>
+          <a:lstStyle/>
+          <a:p>
+            <a:endParaRPr lang="fr-FR"/>
+          </a:p>
+        </p:txBody>
+      </p:sp>
+      <p:sp>
+        <p:nvSpPr>
+          <p:cNvPr id="3" name="Espace réservé du contenu 2">
+            <a:extLst>
+              <a:ext uri="{FF2B5EF4-FFF2-40B4-BE49-F238E27FC236}">
+                <a16:creationId xmlns:a16="http://schemas.microsoft.com/office/drawing/2014/main" id="{31CC382F-D657-495F-FAD0-FC0743E10897}"/>
+              </a:ext>
+            </a:extLst>
+          </p:cNvPr>
+          <p:cNvSpPr>
+            <a:spLocks noGrp="1"/>
+          </p:cNvSpPr>
+          <p:nvPr>
+            <p:ph idx="1"/>
+          </p:nvPr>
+        </p:nvSpPr>
+        <p:spPr/>
+        <p:txBody>
+          <a:bodyPr>
+            <a:normAutofit/>
+          </a:bodyPr>
+          <a:lstStyle/>
+          <a:p>
+            <a:pPr>
+              <a:buFont typeface="Wingdings" panose="05000000000000000000" pitchFamily="2" charset="2"/>
+              <a:buChar char="Ø"/>
+            </a:pPr>
+            <a:r>
+              <a:rPr lang="fr-FR" sz="4000" b="0" i="0" dirty="0" err="1">
+                <a:solidFill>
+                  <a:srgbClr val="212529"/>
+                </a:solidFill>
+                <a:effectLst/>
+                <a:latin typeface="SFMono-Regular"/>
+              </a:rPr>
+              <a:t>pip</a:t>
+            </a:r>
+            <a:r>
+              <a:rPr lang="fr-FR" sz="4000" b="0" i="0" dirty="0">
+                <a:solidFill>
+                  <a:srgbClr val="212529"/>
+                </a:solidFill>
+                <a:effectLst/>
+                <a:latin typeface="SFMono-Regular"/>
+              </a:rPr>
+              <a:t> </a:t>
+            </a:r>
+            <a:r>
+              <a:rPr lang="fr-FR" sz="4000" b="0" i="0" dirty="0" err="1">
+                <a:solidFill>
+                  <a:srgbClr val="212529"/>
+                </a:solidFill>
+                <a:effectLst/>
+                <a:latin typeface="SFMono-Regular"/>
+              </a:rPr>
+              <a:t>install</a:t>
+            </a:r>
+            <a:r>
+              <a:rPr lang="fr-FR" sz="4000" b="0" i="0" dirty="0">
+                <a:solidFill>
+                  <a:srgbClr val="212529"/>
+                </a:solidFill>
+                <a:effectLst/>
+                <a:latin typeface="SFMono-Regular"/>
+              </a:rPr>
+              <a:t> --user </a:t>
+            </a:r>
+            <a:r>
+              <a:rPr lang="fr-FR" sz="4000" b="0" i="0" dirty="0" err="1">
+                <a:solidFill>
+                  <a:srgbClr val="212529"/>
+                </a:solidFill>
+                <a:effectLst/>
+                <a:latin typeface="SFMono-Regular"/>
+              </a:rPr>
+              <a:t>scikit-learn</a:t>
+            </a:r>
+            <a:r>
+              <a:rPr lang="fr-FR" sz="4000" b="0" i="0" dirty="0">
+                <a:solidFill>
+                  <a:srgbClr val="212529"/>
+                </a:solidFill>
+                <a:effectLst/>
+                <a:latin typeface="SFMono-Regular"/>
+              </a:rPr>
+              <a:t> </a:t>
+            </a:r>
+          </a:p>
+          <a:p>
+            <a:pPr>
+              <a:buFont typeface="Wingdings" panose="05000000000000000000" pitchFamily="2" charset="2"/>
+              <a:buChar char="Ø"/>
+            </a:pPr>
+            <a:r>
+              <a:rPr lang="fr-FR" sz="4000" b="0" i="0" dirty="0" err="1">
+                <a:solidFill>
+                  <a:srgbClr val="212529"/>
+                </a:solidFill>
+                <a:effectLst/>
+                <a:latin typeface="SFMono-Regular"/>
+              </a:rPr>
+              <a:t>pip</a:t>
+            </a:r>
+            <a:r>
+              <a:rPr lang="fr-FR" sz="4000" b="0" i="0" dirty="0">
+                <a:solidFill>
+                  <a:srgbClr val="212529"/>
+                </a:solidFill>
+                <a:effectLst/>
+                <a:latin typeface="SFMono-Regular"/>
+              </a:rPr>
+              <a:t> </a:t>
+            </a:r>
+            <a:r>
+              <a:rPr lang="fr-FR" sz="4000" b="0" i="0" dirty="0" err="1">
+                <a:solidFill>
+                  <a:srgbClr val="212529"/>
+                </a:solidFill>
+                <a:effectLst/>
+                <a:latin typeface="SFMono-Regular"/>
+              </a:rPr>
+              <a:t>install</a:t>
+            </a:r>
+            <a:r>
+              <a:rPr lang="fr-FR" sz="4000" b="0" i="0" dirty="0">
+                <a:solidFill>
+                  <a:srgbClr val="212529"/>
+                </a:solidFill>
+                <a:effectLst/>
+                <a:latin typeface="SFMono-Regular"/>
+              </a:rPr>
+              <a:t> --user </a:t>
+            </a:r>
+            <a:r>
+              <a:rPr lang="fr-FR" sz="4000" b="0" i="0" dirty="0" err="1">
+                <a:solidFill>
+                  <a:srgbClr val="212529"/>
+                </a:solidFill>
+                <a:effectLst/>
+                <a:latin typeface="SFMono-Regular"/>
+              </a:rPr>
+              <a:t>scikit-learn</a:t>
+            </a:r>
+            <a:r>
+              <a:rPr lang="fr-FR" sz="4000" b="0" i="0" dirty="0">
+                <a:solidFill>
+                  <a:srgbClr val="212529"/>
+                </a:solidFill>
+                <a:effectLst/>
+                <a:latin typeface="SFMono-Regular"/>
+              </a:rPr>
+              <a:t>&gt;=1.3.*</a:t>
+            </a:r>
+          </a:p>
+          <a:p>
+            <a:pPr>
+              <a:buFont typeface="Wingdings" panose="05000000000000000000" pitchFamily="2" charset="2"/>
+              <a:buChar char="Ø"/>
+            </a:pPr>
+            <a:r>
+              <a:rPr lang="fr-FR" sz="4000" b="0" i="0" dirty="0" err="1">
+                <a:solidFill>
+                  <a:srgbClr val="212529"/>
+                </a:solidFill>
+                <a:effectLst/>
+                <a:latin typeface="SFMono-Regular"/>
+              </a:rPr>
+              <a:t>pip</a:t>
+            </a:r>
+            <a:r>
+              <a:rPr lang="fr-FR" sz="4000" b="0" i="0" dirty="0">
+                <a:solidFill>
+                  <a:srgbClr val="212529"/>
+                </a:solidFill>
+                <a:effectLst/>
+                <a:latin typeface="SFMono-Regular"/>
+              </a:rPr>
+              <a:t> </a:t>
+            </a:r>
+            <a:r>
+              <a:rPr lang="fr-FR" sz="4000" b="0" i="0" dirty="0" err="1">
+                <a:solidFill>
+                  <a:srgbClr val="212529"/>
+                </a:solidFill>
+                <a:effectLst/>
+                <a:latin typeface="SFMono-Regular"/>
+              </a:rPr>
+              <a:t>install</a:t>
+            </a:r>
+            <a:r>
+              <a:rPr lang="fr-FR" sz="4000" b="0" i="0" dirty="0">
+                <a:solidFill>
+                  <a:srgbClr val="212529"/>
+                </a:solidFill>
+                <a:effectLst/>
+                <a:latin typeface="SFMono-Regular"/>
+              </a:rPr>
+              <a:t> --user </a:t>
+            </a:r>
+            <a:r>
+              <a:rPr lang="fr-FR" sz="4000" b="0" i="0" dirty="0" err="1">
+                <a:solidFill>
+                  <a:srgbClr val="212529"/>
+                </a:solidFill>
+                <a:effectLst/>
+                <a:latin typeface="SFMono-Regular"/>
+              </a:rPr>
+              <a:t>scikit-learn</a:t>
+            </a:r>
+            <a:r>
+              <a:rPr lang="fr-FR" sz="4000" b="0" i="0" dirty="0">
+                <a:solidFill>
+                  <a:srgbClr val="212529"/>
+                </a:solidFill>
+                <a:effectLst/>
+                <a:latin typeface="SFMono-Regular"/>
+              </a:rPr>
+              <a:t>~=1.3.0</a:t>
+            </a:r>
+          </a:p>
+          <a:p>
+            <a:pPr>
+              <a:buFont typeface="Wingdings" panose="05000000000000000000" pitchFamily="2" charset="2"/>
+              <a:buChar char="Ø"/>
+            </a:pPr>
+            <a:endParaRPr lang="fr-FR" sz="4400" b="0" i="0" dirty="0">
+              <a:solidFill>
+                <a:srgbClr val="212529"/>
+              </a:solidFill>
+              <a:effectLst/>
+              <a:latin typeface="SFMono-Regular"/>
+            </a:endParaRPr>
+          </a:p>
+          <a:p>
+            <a:pPr>
+              <a:buFont typeface="Wingdings" panose="05000000000000000000" pitchFamily="2" charset="2"/>
+              <a:buChar char="Ø"/>
+            </a:pPr>
+            <a:endParaRPr lang="fr-FR" sz="4400" b="0" i="0" dirty="0">
+              <a:solidFill>
+                <a:srgbClr val="212529"/>
+              </a:solidFill>
+              <a:effectLst/>
+              <a:latin typeface="SFMono-Regular"/>
+            </a:endParaRPr>
+          </a:p>
+          <a:p>
+            <a:pPr>
+              <a:buFont typeface="Wingdings" panose="05000000000000000000" pitchFamily="2" charset="2"/>
+              <a:buChar char="Ø"/>
+            </a:pPr>
+            <a:endParaRPr lang="fr-FR" sz="4400" b="0" i="0" dirty="0">
+              <a:solidFill>
+                <a:srgbClr val="212529"/>
+              </a:solidFill>
+              <a:effectLst/>
+              <a:latin typeface="SFMono-Regular"/>
+            </a:endParaRPr>
+          </a:p>
+          <a:p>
+            <a:pPr marL="0" indent="0">
+              <a:buNone/>
+            </a:pPr>
+            <a:endParaRPr lang="fr-FR" sz="6000" dirty="0"/>
+          </a:p>
+        </p:txBody>
+      </p:sp>
+    </p:spTree>
+    <p:extLst>
+      <p:ext uri="{BB962C8B-B14F-4D97-AF65-F5344CB8AC3E}">
+        <p14:creationId xmlns:p14="http://schemas.microsoft.com/office/powerpoint/2010/main" val="649089696"/>
+      </p:ext>
+    </p:extLst>
+  </p:cSld>
+  <p:clrMapOvr>
+    <a:masterClrMapping/>
+  </p:clrMapOvr>
+</p:sld>
+</file>
+
+<file path=ppt/slides/slide28.xml><?xml version="1.0" encoding="utf-8"?>
+<p:sld xmlns:a="http://schemas.openxmlformats.org/drawingml/2006/main" xmlns:r="http://schemas.openxmlformats.org/officeDocument/2006/relationships" xmlns:p="http://schemas.openxmlformats.org/presentationml/2006/main">
+  <p:cSld>
+    <p:spTree>
+      <p:nvGrpSpPr>
+        <p:cNvPr id="1" name=""/>
+        <p:cNvGrpSpPr/>
+        <p:nvPr/>
+      </p:nvGrpSpPr>
+      <p:grpSpPr>
+        <a:xfrm>
+          <a:off x="0" y="0"/>
+          <a:ext cx="0" cy="0"/>
+          <a:chOff x="0" y="0"/>
+          <a:chExt cx="0" cy="0"/>
+        </a:xfrm>
+      </p:grpSpPr>
+      <p:sp>
+        <p:nvSpPr>
+          <p:cNvPr id="2" name="Titre 1">
+            <a:extLst>
+              <a:ext uri="{FF2B5EF4-FFF2-40B4-BE49-F238E27FC236}">
+                <a16:creationId xmlns:a16="http://schemas.microsoft.com/office/drawing/2014/main" id="{25CB8B10-3A1D-CACE-5A8D-D686EA7C44EF}"/>
+              </a:ext>
+            </a:extLst>
+          </p:cNvPr>
+          <p:cNvSpPr>
+            <a:spLocks noGrp="1"/>
+          </p:cNvSpPr>
+          <p:nvPr>
+            <p:ph type="ctrTitle"/>
+          </p:nvPr>
+        </p:nvSpPr>
+        <p:spPr>
+          <a:xfrm>
+            <a:off x="1524000" y="199496"/>
+            <a:ext cx="9144000" cy="1544637"/>
+          </a:xfrm>
+        </p:spPr>
+        <p:txBody>
+          <a:bodyPr>
+            <a:normAutofit fontScale="90000"/>
+          </a:bodyPr>
+          <a:lstStyle/>
+          <a:p>
+            <a:r>
+              <a:rPr lang="fr-FR" sz="9600" dirty="0">
+                <a:solidFill>
+                  <a:schemeClr val="accent1">
+                    <a:lumMod val="75000"/>
+                  </a:schemeClr>
+                </a:solidFill>
+              </a:rPr>
+              <a:t>Les minutes MLOps</a:t>
+            </a:r>
+          </a:p>
+        </p:txBody>
+      </p:sp>
+      <p:sp>
+        <p:nvSpPr>
+          <p:cNvPr id="3" name="Sous-titre 2">
+            <a:extLst>
+              <a:ext uri="{FF2B5EF4-FFF2-40B4-BE49-F238E27FC236}">
+                <a16:creationId xmlns:a16="http://schemas.microsoft.com/office/drawing/2014/main" id="{F17C1392-EAB9-EF81-4082-62F3FD9B4C7D}"/>
+              </a:ext>
+            </a:extLst>
+          </p:cNvPr>
+          <p:cNvSpPr>
+            <a:spLocks noGrp="1"/>
+          </p:cNvSpPr>
+          <p:nvPr>
+            <p:ph type="subTitle" idx="1"/>
+          </p:nvPr>
+        </p:nvSpPr>
+        <p:spPr>
+          <a:xfrm>
+            <a:off x="1524000" y="2946400"/>
+            <a:ext cx="9144000" cy="2901684"/>
+          </a:xfrm>
+        </p:spPr>
+        <p:txBody>
+          <a:bodyPr>
+            <a:normAutofit/>
+          </a:bodyPr>
+          <a:lstStyle/>
+          <a:p>
+            <a:r>
+              <a:rPr lang="fr-FR" sz="4800" dirty="0">
+                <a:solidFill>
+                  <a:srgbClr val="00B0F0"/>
+                </a:solidFill>
+              </a:rPr>
+              <a:t>Mise en place d’un </a:t>
+            </a:r>
+            <a:r>
+              <a:rPr lang="fr-FR" sz="4800">
+                <a:solidFill>
+                  <a:srgbClr val="00B0F0"/>
+                </a:solidFill>
+              </a:rPr>
+              <a:t>alias « python »</a:t>
+            </a:r>
+            <a:endParaRPr lang="fr-FR" sz="4800" dirty="0">
+              <a:solidFill>
+                <a:srgbClr val="00B0F0"/>
+              </a:solidFill>
+            </a:endParaRPr>
+          </a:p>
+          <a:p>
+            <a:r>
+              <a:rPr lang="fr-FR" sz="4800" dirty="0">
+                <a:solidFill>
+                  <a:srgbClr val="00B0F0"/>
+                </a:solidFill>
+              </a:rPr>
+              <a:t>(linux)</a:t>
+            </a:r>
+          </a:p>
+        </p:txBody>
+      </p:sp>
+      <p:pic>
+        <p:nvPicPr>
+          <p:cNvPr id="1026" name="Picture 2" descr="My Microsoft MVP Journey - Steve Gordon">
+            <a:extLst>
+              <a:ext uri="{FF2B5EF4-FFF2-40B4-BE49-F238E27FC236}">
+                <a16:creationId xmlns:a16="http://schemas.microsoft.com/office/drawing/2014/main" id="{9CCE3086-E1BE-844B-6F60-A3FFE631047A}"/>
+              </a:ext>
+            </a:extLst>
+          </p:cNvPr>
+          <p:cNvPicPr>
+            <a:picLocks noChangeAspect="1" noChangeArrowheads="1"/>
+          </p:cNvPicPr>
+          <p:nvPr/>
+        </p:nvPicPr>
+        <p:blipFill>
+          <a:blip r:embed="rId2">
+            <a:extLst>
+              <a:ext uri="{28A0092B-C50C-407E-A947-70E740481C1C}">
+                <a14:useLocalDpi xmlns:a14="http://schemas.microsoft.com/office/drawing/2010/main" val="0"/>
+              </a:ext>
+            </a:extLst>
+          </a:blip>
+          <a:srcRect/>
+          <a:stretch>
+            <a:fillRect/>
+          </a:stretch>
+        </p:blipFill>
+        <p:spPr bwMode="auto">
+          <a:xfrm>
+            <a:off x="882157" y="6078612"/>
+            <a:ext cx="862542" cy="348467"/>
+          </a:xfrm>
+          <a:prstGeom prst="rect">
+            <a:avLst/>
+          </a:prstGeom>
+          <a:noFill/>
+          <a:extLst>
+            <a:ext uri="{909E8E84-426E-40DD-AFC4-6F175D3DCCD1}">
+              <a14:hiddenFill xmlns:a14="http://schemas.microsoft.com/office/drawing/2010/main">
+                <a:solidFill>
+                  <a:srgbClr val="FFFFFF"/>
+                </a:solidFill>
+              </a14:hiddenFill>
+            </a:ext>
+          </a:extLst>
+        </p:spPr>
+      </p:pic>
+      <p:sp>
+        <p:nvSpPr>
+          <p:cNvPr id="4" name="ZoneTexte 3">
+            <a:extLst>
+              <a:ext uri="{FF2B5EF4-FFF2-40B4-BE49-F238E27FC236}">
+                <a16:creationId xmlns:a16="http://schemas.microsoft.com/office/drawing/2014/main" id="{698748E8-A44E-3944-73E5-46C6156846A9}"/>
+              </a:ext>
+            </a:extLst>
+          </p:cNvPr>
+          <p:cNvSpPr txBox="1"/>
+          <p:nvPr/>
+        </p:nvSpPr>
+        <p:spPr>
+          <a:xfrm>
+            <a:off x="347330" y="6466281"/>
+            <a:ext cx="1932196" cy="369332"/>
+          </a:xfrm>
+          <a:prstGeom prst="rect">
+            <a:avLst/>
+          </a:prstGeom>
+          <a:noFill/>
+        </p:spPr>
+        <p:txBody>
+          <a:bodyPr wrap="none" rtlCol="0">
+            <a:spAutoFit/>
+          </a:bodyPr>
+          <a:lstStyle/>
+          <a:p>
+            <a:r>
+              <a:rPr lang="fr-FR" dirty="0">
+                <a:solidFill>
+                  <a:schemeClr val="accent1"/>
+                </a:solidFill>
+              </a:rPr>
+              <a:t>Guillaume Chervet</a:t>
+            </a:r>
+          </a:p>
+        </p:txBody>
+      </p:sp>
+    </p:spTree>
+    <p:extLst>
+      <p:ext uri="{BB962C8B-B14F-4D97-AF65-F5344CB8AC3E}">
+        <p14:creationId xmlns:p14="http://schemas.microsoft.com/office/powerpoint/2010/main" val="3364992147"/>
+      </p:ext>
+    </p:extLst>
+  </p:cSld>
+  <p:clrMapOvr>
+    <a:masterClrMapping/>
+  </p:clrMapOvr>
+</p:sld>
+</file>
+
+<file path=ppt/slides/slide29.xml><?xml version="1.0" encoding="utf-8"?>
+<p:sld xmlns:a="http://schemas.openxmlformats.org/drawingml/2006/main" xmlns:r="http://schemas.openxmlformats.org/officeDocument/2006/relationships" xmlns:p="http://schemas.openxmlformats.org/presentationml/2006/main">
+  <p:cSld>
+    <p:spTree>
+      <p:nvGrpSpPr>
+        <p:cNvPr id="1" name=""/>
+        <p:cNvGrpSpPr/>
+        <p:nvPr/>
+      </p:nvGrpSpPr>
+      <p:grpSpPr>
+        <a:xfrm>
+          <a:off x="0" y="0"/>
+          <a:ext cx="0" cy="0"/>
+          <a:chOff x="0" y="0"/>
+          <a:chExt cx="0" cy="0"/>
+        </a:xfrm>
+      </p:grpSpPr>
+      <p:sp>
+        <p:nvSpPr>
+          <p:cNvPr id="2" name="Titre 1">
+            <a:extLst>
+              <a:ext uri="{FF2B5EF4-FFF2-40B4-BE49-F238E27FC236}">
+                <a16:creationId xmlns:a16="http://schemas.microsoft.com/office/drawing/2014/main" id="{25CB8B10-3A1D-CACE-5A8D-D686EA7C44EF}"/>
+              </a:ext>
+            </a:extLst>
+          </p:cNvPr>
+          <p:cNvSpPr>
+            <a:spLocks noGrp="1"/>
+          </p:cNvSpPr>
+          <p:nvPr>
+            <p:ph type="ctrTitle"/>
+          </p:nvPr>
+        </p:nvSpPr>
+        <p:spPr>
+          <a:xfrm>
+            <a:off x="1524000" y="199496"/>
+            <a:ext cx="9144000" cy="1544637"/>
+          </a:xfrm>
+        </p:spPr>
+        <p:txBody>
+          <a:bodyPr>
+            <a:normAutofit fontScale="90000"/>
+          </a:bodyPr>
+          <a:lstStyle/>
+          <a:p>
+            <a:r>
+              <a:rPr lang="fr-FR" sz="9600" dirty="0">
+                <a:solidFill>
+                  <a:schemeClr val="accent1">
+                    <a:lumMod val="75000"/>
+                  </a:schemeClr>
+                </a:solidFill>
+              </a:rPr>
+              <a:t>Les minutes MLOps</a:t>
+            </a:r>
+          </a:p>
+        </p:txBody>
+      </p:sp>
+      <p:sp>
+        <p:nvSpPr>
+          <p:cNvPr id="3" name="Sous-titre 2">
+            <a:extLst>
+              <a:ext uri="{FF2B5EF4-FFF2-40B4-BE49-F238E27FC236}">
+                <a16:creationId xmlns:a16="http://schemas.microsoft.com/office/drawing/2014/main" id="{F17C1392-EAB9-EF81-4082-62F3FD9B4C7D}"/>
+              </a:ext>
+            </a:extLst>
+          </p:cNvPr>
+          <p:cNvSpPr>
+            <a:spLocks noGrp="1"/>
+          </p:cNvSpPr>
+          <p:nvPr>
+            <p:ph type="subTitle" idx="1"/>
+          </p:nvPr>
+        </p:nvSpPr>
+        <p:spPr>
+          <a:xfrm>
+            <a:off x="1524000" y="2946400"/>
+            <a:ext cx="9144000" cy="2901684"/>
+          </a:xfrm>
+        </p:spPr>
+        <p:txBody>
+          <a:bodyPr>
+            <a:normAutofit/>
+          </a:bodyPr>
+          <a:lstStyle/>
+          <a:p>
+            <a:r>
+              <a:rPr lang="fr-FR" sz="4800" dirty="0">
+                <a:solidFill>
+                  <a:srgbClr val="00B0F0"/>
+                </a:solidFill>
+              </a:rPr>
+              <a:t>Installation de Pipenv </a:t>
+            </a:r>
+          </a:p>
+          <a:p>
+            <a:r>
+              <a:rPr lang="fr-FR" sz="4800" dirty="0">
+                <a:solidFill>
+                  <a:srgbClr val="00B0F0"/>
+                </a:solidFill>
+              </a:rPr>
+              <a:t>(linux)</a:t>
+            </a:r>
+          </a:p>
+        </p:txBody>
+      </p:sp>
+      <p:pic>
+        <p:nvPicPr>
+          <p:cNvPr id="1026" name="Picture 2" descr="My Microsoft MVP Journey - Steve Gordon">
+            <a:extLst>
+              <a:ext uri="{FF2B5EF4-FFF2-40B4-BE49-F238E27FC236}">
+                <a16:creationId xmlns:a16="http://schemas.microsoft.com/office/drawing/2014/main" id="{9CCE3086-E1BE-844B-6F60-A3FFE631047A}"/>
+              </a:ext>
+            </a:extLst>
+          </p:cNvPr>
+          <p:cNvPicPr>
+            <a:picLocks noChangeAspect="1" noChangeArrowheads="1"/>
+          </p:cNvPicPr>
+          <p:nvPr/>
+        </p:nvPicPr>
+        <p:blipFill>
+          <a:blip r:embed="rId2">
+            <a:extLst>
+              <a:ext uri="{28A0092B-C50C-407E-A947-70E740481C1C}">
+                <a14:useLocalDpi xmlns:a14="http://schemas.microsoft.com/office/drawing/2010/main" val="0"/>
+              </a:ext>
+            </a:extLst>
+          </a:blip>
+          <a:srcRect/>
+          <a:stretch>
+            <a:fillRect/>
+          </a:stretch>
+        </p:blipFill>
+        <p:spPr bwMode="auto">
+          <a:xfrm>
+            <a:off x="882157" y="6078612"/>
+            <a:ext cx="862542" cy="348467"/>
+          </a:xfrm>
+          <a:prstGeom prst="rect">
+            <a:avLst/>
+          </a:prstGeom>
+          <a:noFill/>
+          <a:extLst>
+            <a:ext uri="{909E8E84-426E-40DD-AFC4-6F175D3DCCD1}">
+              <a14:hiddenFill xmlns:a14="http://schemas.microsoft.com/office/drawing/2010/main">
+                <a:solidFill>
+                  <a:srgbClr val="FFFFFF"/>
+                </a:solidFill>
+              </a14:hiddenFill>
+            </a:ext>
+          </a:extLst>
+        </p:spPr>
+      </p:pic>
+      <p:sp>
+        <p:nvSpPr>
+          <p:cNvPr id="4" name="ZoneTexte 3">
+            <a:extLst>
+              <a:ext uri="{FF2B5EF4-FFF2-40B4-BE49-F238E27FC236}">
+                <a16:creationId xmlns:a16="http://schemas.microsoft.com/office/drawing/2014/main" id="{698748E8-A44E-3944-73E5-46C6156846A9}"/>
+              </a:ext>
+            </a:extLst>
+          </p:cNvPr>
+          <p:cNvSpPr txBox="1"/>
+          <p:nvPr/>
+        </p:nvSpPr>
+        <p:spPr>
+          <a:xfrm>
+            <a:off x="347330" y="6466281"/>
+            <a:ext cx="1932196" cy="369332"/>
+          </a:xfrm>
+          <a:prstGeom prst="rect">
+            <a:avLst/>
+          </a:prstGeom>
+          <a:noFill/>
+        </p:spPr>
+        <p:txBody>
+          <a:bodyPr wrap="none" rtlCol="0">
+            <a:spAutoFit/>
+          </a:bodyPr>
+          <a:lstStyle/>
+          <a:p>
+            <a:r>
+              <a:rPr lang="fr-FR" dirty="0">
+                <a:solidFill>
+                  <a:schemeClr val="accent1"/>
+                </a:solidFill>
+              </a:rPr>
+              <a:t>Guillaume Chervet</a:t>
+            </a:r>
+          </a:p>
+        </p:txBody>
+      </p:sp>
+    </p:spTree>
+    <p:extLst>
+      <p:ext uri="{BB962C8B-B14F-4D97-AF65-F5344CB8AC3E}">
+        <p14:creationId xmlns:p14="http://schemas.microsoft.com/office/powerpoint/2010/main" val="809491732"/>
+      </p:ext>
+    </p:extLst>
+  </p:cSld>
+  <p:clrMapOvr>
+    <a:masterClrMapping/>
+  </p:clrMapOvr>
+</p:sld>
+</file>
+
 <file path=ppt/slides/slide3.xml><?xml version="1.0" encoding="utf-8"?>
 <p:sld xmlns:a="http://schemas.openxmlformats.org/drawingml/2006/main" xmlns:r="http://schemas.openxmlformats.org/officeDocument/2006/relationships" xmlns:p="http://schemas.openxmlformats.org/presentationml/2006/main">
   <p:cSld>
@@ -5217,6 +8051,687 @@
     <p:extLst>
       <p:ext uri="{BB962C8B-B14F-4D97-AF65-F5344CB8AC3E}">
         <p14:creationId xmlns:p14="http://schemas.microsoft.com/office/powerpoint/2010/main" val="3607901625"/>
+      </p:ext>
+    </p:extLst>
+  </p:cSld>
+  <p:clrMapOvr>
+    <a:masterClrMapping/>
+  </p:clrMapOvr>
+</p:sld>
+</file>
+
+<file path=ppt/slides/slide30.xml><?xml version="1.0" encoding="utf-8"?>
+<p:sld xmlns:a="http://schemas.openxmlformats.org/drawingml/2006/main" xmlns:r="http://schemas.openxmlformats.org/officeDocument/2006/relationships" xmlns:p="http://schemas.openxmlformats.org/presentationml/2006/main">
+  <p:cSld>
+    <p:spTree>
+      <p:nvGrpSpPr>
+        <p:cNvPr id="1" name=""/>
+        <p:cNvGrpSpPr/>
+        <p:nvPr/>
+      </p:nvGrpSpPr>
+      <p:grpSpPr>
+        <a:xfrm>
+          <a:off x="0" y="0"/>
+          <a:ext cx="0" cy="0"/>
+          <a:chOff x="0" y="0"/>
+          <a:chExt cx="0" cy="0"/>
+        </a:xfrm>
+      </p:grpSpPr>
+      <p:sp>
+        <p:nvSpPr>
+          <p:cNvPr id="2" name="Titre 1">
+            <a:extLst>
+              <a:ext uri="{FF2B5EF4-FFF2-40B4-BE49-F238E27FC236}">
+                <a16:creationId xmlns:a16="http://schemas.microsoft.com/office/drawing/2014/main" id="{25CB8B10-3A1D-CACE-5A8D-D686EA7C44EF}"/>
+              </a:ext>
+            </a:extLst>
+          </p:cNvPr>
+          <p:cNvSpPr>
+            <a:spLocks noGrp="1"/>
+          </p:cNvSpPr>
+          <p:nvPr>
+            <p:ph type="ctrTitle"/>
+          </p:nvPr>
+        </p:nvSpPr>
+        <p:spPr>
+          <a:xfrm>
+            <a:off x="1524000" y="199496"/>
+            <a:ext cx="9144000" cy="1544637"/>
+          </a:xfrm>
+        </p:spPr>
+        <p:txBody>
+          <a:bodyPr>
+            <a:normAutofit fontScale="90000"/>
+          </a:bodyPr>
+          <a:lstStyle/>
+          <a:p>
+            <a:r>
+              <a:rPr lang="fr-FR" sz="9600" dirty="0">
+                <a:solidFill>
+                  <a:schemeClr val="accent1">
+                    <a:lumMod val="75000"/>
+                  </a:schemeClr>
+                </a:solidFill>
+              </a:rPr>
+              <a:t>Les minutes MLOps</a:t>
+            </a:r>
+          </a:p>
+        </p:txBody>
+      </p:sp>
+      <p:sp>
+        <p:nvSpPr>
+          <p:cNvPr id="3" name="Sous-titre 2">
+            <a:extLst>
+              <a:ext uri="{FF2B5EF4-FFF2-40B4-BE49-F238E27FC236}">
+                <a16:creationId xmlns:a16="http://schemas.microsoft.com/office/drawing/2014/main" id="{F17C1392-EAB9-EF81-4082-62F3FD9B4C7D}"/>
+              </a:ext>
+            </a:extLst>
+          </p:cNvPr>
+          <p:cNvSpPr>
+            <a:spLocks noGrp="1"/>
+          </p:cNvSpPr>
+          <p:nvPr>
+            <p:ph type="subTitle" idx="1"/>
+          </p:nvPr>
+        </p:nvSpPr>
+        <p:spPr>
+          <a:xfrm>
+            <a:off x="1524000" y="2946400"/>
+            <a:ext cx="9144000" cy="2901684"/>
+          </a:xfrm>
+        </p:spPr>
+        <p:txBody>
+          <a:bodyPr>
+            <a:normAutofit/>
+          </a:bodyPr>
+          <a:lstStyle/>
+          <a:p>
+            <a:r>
+              <a:rPr lang="fr-FR" sz="4800" dirty="0">
+                <a:solidFill>
+                  <a:srgbClr val="00B0F0"/>
+                </a:solidFill>
+              </a:rPr>
+              <a:t>Installation de Pipenv </a:t>
+            </a:r>
+          </a:p>
+          <a:p>
+            <a:r>
+              <a:rPr lang="fr-FR" sz="4800" dirty="0">
+                <a:solidFill>
+                  <a:srgbClr val="00B0F0"/>
+                </a:solidFill>
+              </a:rPr>
+              <a:t>(</a:t>
+            </a:r>
+            <a:r>
+              <a:rPr lang="fr-FR" sz="4800" dirty="0" err="1">
+                <a:solidFill>
+                  <a:srgbClr val="00B0F0"/>
+                </a:solidFill>
+              </a:rPr>
+              <a:t>windows</a:t>
+            </a:r>
+            <a:r>
+              <a:rPr lang="fr-FR" sz="4800" dirty="0">
+                <a:solidFill>
+                  <a:srgbClr val="00B0F0"/>
+                </a:solidFill>
+              </a:rPr>
+              <a:t>)</a:t>
+            </a:r>
+          </a:p>
+        </p:txBody>
+      </p:sp>
+      <p:pic>
+        <p:nvPicPr>
+          <p:cNvPr id="1026" name="Picture 2" descr="My Microsoft MVP Journey - Steve Gordon">
+            <a:extLst>
+              <a:ext uri="{FF2B5EF4-FFF2-40B4-BE49-F238E27FC236}">
+                <a16:creationId xmlns:a16="http://schemas.microsoft.com/office/drawing/2014/main" id="{9CCE3086-E1BE-844B-6F60-A3FFE631047A}"/>
+              </a:ext>
+            </a:extLst>
+          </p:cNvPr>
+          <p:cNvPicPr>
+            <a:picLocks noChangeAspect="1" noChangeArrowheads="1"/>
+          </p:cNvPicPr>
+          <p:nvPr/>
+        </p:nvPicPr>
+        <p:blipFill>
+          <a:blip r:embed="rId2">
+            <a:extLst>
+              <a:ext uri="{28A0092B-C50C-407E-A947-70E740481C1C}">
+                <a14:useLocalDpi xmlns:a14="http://schemas.microsoft.com/office/drawing/2010/main" val="0"/>
+              </a:ext>
+            </a:extLst>
+          </a:blip>
+          <a:srcRect/>
+          <a:stretch>
+            <a:fillRect/>
+          </a:stretch>
+        </p:blipFill>
+        <p:spPr bwMode="auto">
+          <a:xfrm>
+            <a:off x="882157" y="6078612"/>
+            <a:ext cx="862542" cy="348467"/>
+          </a:xfrm>
+          <a:prstGeom prst="rect">
+            <a:avLst/>
+          </a:prstGeom>
+          <a:noFill/>
+          <a:extLst>
+            <a:ext uri="{909E8E84-426E-40DD-AFC4-6F175D3DCCD1}">
+              <a14:hiddenFill xmlns:a14="http://schemas.microsoft.com/office/drawing/2010/main">
+                <a:solidFill>
+                  <a:srgbClr val="FFFFFF"/>
+                </a:solidFill>
+              </a14:hiddenFill>
+            </a:ext>
+          </a:extLst>
+        </p:spPr>
+      </p:pic>
+      <p:sp>
+        <p:nvSpPr>
+          <p:cNvPr id="4" name="ZoneTexte 3">
+            <a:extLst>
+              <a:ext uri="{FF2B5EF4-FFF2-40B4-BE49-F238E27FC236}">
+                <a16:creationId xmlns:a16="http://schemas.microsoft.com/office/drawing/2014/main" id="{698748E8-A44E-3944-73E5-46C6156846A9}"/>
+              </a:ext>
+            </a:extLst>
+          </p:cNvPr>
+          <p:cNvSpPr txBox="1"/>
+          <p:nvPr/>
+        </p:nvSpPr>
+        <p:spPr>
+          <a:xfrm>
+            <a:off x="347330" y="6466281"/>
+            <a:ext cx="1932196" cy="369332"/>
+          </a:xfrm>
+          <a:prstGeom prst="rect">
+            <a:avLst/>
+          </a:prstGeom>
+          <a:noFill/>
+        </p:spPr>
+        <p:txBody>
+          <a:bodyPr wrap="none" rtlCol="0">
+            <a:spAutoFit/>
+          </a:bodyPr>
+          <a:lstStyle/>
+          <a:p>
+            <a:r>
+              <a:rPr lang="fr-FR" dirty="0">
+                <a:solidFill>
+                  <a:schemeClr val="accent1"/>
+                </a:solidFill>
+              </a:rPr>
+              <a:t>Guillaume Chervet</a:t>
+            </a:r>
+          </a:p>
+        </p:txBody>
+      </p:sp>
+    </p:spTree>
+    <p:extLst>
+      <p:ext uri="{BB962C8B-B14F-4D97-AF65-F5344CB8AC3E}">
+        <p14:creationId xmlns:p14="http://schemas.microsoft.com/office/powerpoint/2010/main" val="1238458598"/>
+      </p:ext>
+    </p:extLst>
+  </p:cSld>
+  <p:clrMapOvr>
+    <a:masterClrMapping/>
+  </p:clrMapOvr>
+</p:sld>
+</file>
+
+<file path=ppt/slides/slide31.xml><?xml version="1.0" encoding="utf-8"?>
+<p:sld xmlns:a="http://schemas.openxmlformats.org/drawingml/2006/main" xmlns:r="http://schemas.openxmlformats.org/officeDocument/2006/relationships" xmlns:p="http://schemas.openxmlformats.org/presentationml/2006/main">
+  <p:cSld>
+    <p:spTree>
+      <p:nvGrpSpPr>
+        <p:cNvPr id="1" name=""/>
+        <p:cNvGrpSpPr/>
+        <p:nvPr/>
+      </p:nvGrpSpPr>
+      <p:grpSpPr>
+        <a:xfrm>
+          <a:off x="0" y="0"/>
+          <a:ext cx="0" cy="0"/>
+          <a:chOff x="0" y="0"/>
+          <a:chExt cx="0" cy="0"/>
+        </a:xfrm>
+      </p:grpSpPr>
+      <p:sp>
+        <p:nvSpPr>
+          <p:cNvPr id="2" name="Titre 1">
+            <a:extLst>
+              <a:ext uri="{FF2B5EF4-FFF2-40B4-BE49-F238E27FC236}">
+                <a16:creationId xmlns:a16="http://schemas.microsoft.com/office/drawing/2014/main" id="{25CB8B10-3A1D-CACE-5A8D-D686EA7C44EF}"/>
+              </a:ext>
+            </a:extLst>
+          </p:cNvPr>
+          <p:cNvSpPr>
+            <a:spLocks noGrp="1"/>
+          </p:cNvSpPr>
+          <p:nvPr>
+            <p:ph type="ctrTitle"/>
+          </p:nvPr>
+        </p:nvSpPr>
+        <p:spPr>
+          <a:xfrm>
+            <a:off x="1524000" y="199496"/>
+            <a:ext cx="9144000" cy="1544637"/>
+          </a:xfrm>
+        </p:spPr>
+        <p:txBody>
+          <a:bodyPr>
+            <a:normAutofit fontScale="90000"/>
+          </a:bodyPr>
+          <a:lstStyle/>
+          <a:p>
+            <a:r>
+              <a:rPr lang="fr-FR" sz="9600" dirty="0">
+                <a:solidFill>
+                  <a:schemeClr val="accent1">
+                    <a:lumMod val="75000"/>
+                  </a:schemeClr>
+                </a:solidFill>
+              </a:rPr>
+              <a:t>Les minutes MLOps</a:t>
+            </a:r>
+          </a:p>
+        </p:txBody>
+      </p:sp>
+      <p:sp>
+        <p:nvSpPr>
+          <p:cNvPr id="3" name="Sous-titre 2">
+            <a:extLst>
+              <a:ext uri="{FF2B5EF4-FFF2-40B4-BE49-F238E27FC236}">
+                <a16:creationId xmlns:a16="http://schemas.microsoft.com/office/drawing/2014/main" id="{F17C1392-EAB9-EF81-4082-62F3FD9B4C7D}"/>
+              </a:ext>
+            </a:extLst>
+          </p:cNvPr>
+          <p:cNvSpPr>
+            <a:spLocks noGrp="1"/>
+          </p:cNvSpPr>
+          <p:nvPr>
+            <p:ph type="subTitle" idx="1"/>
+          </p:nvPr>
+        </p:nvSpPr>
+        <p:spPr>
+          <a:xfrm>
+            <a:off x="1524000" y="2946400"/>
+            <a:ext cx="9144000" cy="2901684"/>
+          </a:xfrm>
+        </p:spPr>
+        <p:txBody>
+          <a:bodyPr>
+            <a:normAutofit/>
+          </a:bodyPr>
+          <a:lstStyle/>
+          <a:p>
+            <a:r>
+              <a:rPr lang="fr-FR" sz="8800" dirty="0">
+                <a:solidFill>
+                  <a:srgbClr val="00B0F0"/>
+                </a:solidFill>
+              </a:rPr>
+              <a:t>git init</a:t>
+            </a:r>
+          </a:p>
+        </p:txBody>
+      </p:sp>
+      <p:pic>
+        <p:nvPicPr>
+          <p:cNvPr id="1026" name="Picture 2" descr="My Microsoft MVP Journey - Steve Gordon">
+            <a:extLst>
+              <a:ext uri="{FF2B5EF4-FFF2-40B4-BE49-F238E27FC236}">
+                <a16:creationId xmlns:a16="http://schemas.microsoft.com/office/drawing/2014/main" id="{9CCE3086-E1BE-844B-6F60-A3FFE631047A}"/>
+              </a:ext>
+            </a:extLst>
+          </p:cNvPr>
+          <p:cNvPicPr>
+            <a:picLocks noChangeAspect="1" noChangeArrowheads="1"/>
+          </p:cNvPicPr>
+          <p:nvPr/>
+        </p:nvPicPr>
+        <p:blipFill>
+          <a:blip r:embed="rId2">
+            <a:extLst>
+              <a:ext uri="{28A0092B-C50C-407E-A947-70E740481C1C}">
+                <a14:useLocalDpi xmlns:a14="http://schemas.microsoft.com/office/drawing/2010/main" val="0"/>
+              </a:ext>
+            </a:extLst>
+          </a:blip>
+          <a:srcRect/>
+          <a:stretch>
+            <a:fillRect/>
+          </a:stretch>
+        </p:blipFill>
+        <p:spPr bwMode="auto">
+          <a:xfrm>
+            <a:off x="882157" y="6078612"/>
+            <a:ext cx="862542" cy="348467"/>
+          </a:xfrm>
+          <a:prstGeom prst="rect">
+            <a:avLst/>
+          </a:prstGeom>
+          <a:noFill/>
+          <a:extLst>
+            <a:ext uri="{909E8E84-426E-40DD-AFC4-6F175D3DCCD1}">
+              <a14:hiddenFill xmlns:a14="http://schemas.microsoft.com/office/drawing/2010/main">
+                <a:solidFill>
+                  <a:srgbClr val="FFFFFF"/>
+                </a:solidFill>
+              </a14:hiddenFill>
+            </a:ext>
+          </a:extLst>
+        </p:spPr>
+      </p:pic>
+      <p:sp>
+        <p:nvSpPr>
+          <p:cNvPr id="4" name="ZoneTexte 3">
+            <a:extLst>
+              <a:ext uri="{FF2B5EF4-FFF2-40B4-BE49-F238E27FC236}">
+                <a16:creationId xmlns:a16="http://schemas.microsoft.com/office/drawing/2014/main" id="{698748E8-A44E-3944-73E5-46C6156846A9}"/>
+              </a:ext>
+            </a:extLst>
+          </p:cNvPr>
+          <p:cNvSpPr txBox="1"/>
+          <p:nvPr/>
+        </p:nvSpPr>
+        <p:spPr>
+          <a:xfrm>
+            <a:off x="347330" y="6466281"/>
+            <a:ext cx="1932196" cy="369332"/>
+          </a:xfrm>
+          <a:prstGeom prst="rect">
+            <a:avLst/>
+          </a:prstGeom>
+          <a:noFill/>
+        </p:spPr>
+        <p:txBody>
+          <a:bodyPr wrap="none" rtlCol="0">
+            <a:spAutoFit/>
+          </a:bodyPr>
+          <a:lstStyle/>
+          <a:p>
+            <a:r>
+              <a:rPr lang="fr-FR" dirty="0">
+                <a:solidFill>
+                  <a:schemeClr val="accent1"/>
+                </a:solidFill>
+              </a:rPr>
+              <a:t>Guillaume Chervet</a:t>
+            </a:r>
+          </a:p>
+        </p:txBody>
+      </p:sp>
+      <p:sp>
+        <p:nvSpPr>
+          <p:cNvPr id="5" name="Étoile : 10 branches 4">
+            <a:extLst>
+              <a:ext uri="{FF2B5EF4-FFF2-40B4-BE49-F238E27FC236}">
+                <a16:creationId xmlns:a16="http://schemas.microsoft.com/office/drawing/2014/main" id="{5D437705-4551-31A2-5FF9-5C1D397E3E31}"/>
+              </a:ext>
+            </a:extLst>
+          </p:cNvPr>
+          <p:cNvSpPr/>
+          <p:nvPr/>
+        </p:nvSpPr>
+        <p:spPr>
+          <a:xfrm>
+            <a:off x="6891866" y="3029139"/>
+            <a:ext cx="304801" cy="315194"/>
+          </a:xfrm>
+          <a:prstGeom prst="star10">
+            <a:avLst/>
+          </a:prstGeom>
+          <a:ln>
+            <a:solidFill>
+              <a:schemeClr val="bg1"/>
+            </a:solidFill>
+          </a:ln>
+        </p:spPr>
+        <p:style>
+          <a:lnRef idx="2">
+            <a:schemeClr val="accent4">
+              <a:shade val="15000"/>
+            </a:schemeClr>
+          </a:lnRef>
+          <a:fillRef idx="1">
+            <a:schemeClr val="accent4"/>
+          </a:fillRef>
+          <a:effectRef idx="0">
+            <a:schemeClr val="accent4"/>
+          </a:effectRef>
+          <a:fontRef idx="minor">
+            <a:schemeClr val="lt1"/>
+          </a:fontRef>
+        </p:style>
+        <p:txBody>
+          <a:bodyPr rtlCol="0" anchor="ctr"/>
+          <a:lstStyle/>
+          <a:p>
+            <a:pPr algn="ctr"/>
+            <a:endParaRPr lang="fr-FR"/>
+          </a:p>
+        </p:txBody>
+      </p:sp>
+    </p:spTree>
+    <p:extLst>
+      <p:ext uri="{BB962C8B-B14F-4D97-AF65-F5344CB8AC3E}">
+        <p14:creationId xmlns:p14="http://schemas.microsoft.com/office/powerpoint/2010/main" val="2741792053"/>
+      </p:ext>
+    </p:extLst>
+  </p:cSld>
+  <p:clrMapOvr>
+    <a:masterClrMapping/>
+  </p:clrMapOvr>
+</p:sld>
+</file>
+
+<file path=ppt/slides/slide32.xml><?xml version="1.0" encoding="utf-8"?>
+<p:sld xmlns:a="http://schemas.openxmlformats.org/drawingml/2006/main" xmlns:r="http://schemas.openxmlformats.org/officeDocument/2006/relationships" xmlns:p="http://schemas.openxmlformats.org/presentationml/2006/main">
+  <p:cSld>
+    <p:spTree>
+      <p:nvGrpSpPr>
+        <p:cNvPr id="1" name=""/>
+        <p:cNvGrpSpPr/>
+        <p:nvPr/>
+      </p:nvGrpSpPr>
+      <p:grpSpPr>
+        <a:xfrm>
+          <a:off x="0" y="0"/>
+          <a:ext cx="0" cy="0"/>
+          <a:chOff x="0" y="0"/>
+          <a:chExt cx="0" cy="0"/>
+        </a:xfrm>
+      </p:grpSpPr>
+      <p:sp>
+        <p:nvSpPr>
+          <p:cNvPr id="2" name="Titre 1">
+            <a:extLst>
+              <a:ext uri="{FF2B5EF4-FFF2-40B4-BE49-F238E27FC236}">
+                <a16:creationId xmlns:a16="http://schemas.microsoft.com/office/drawing/2014/main" id="{25CB8B10-3A1D-CACE-5A8D-D686EA7C44EF}"/>
+              </a:ext>
+            </a:extLst>
+          </p:cNvPr>
+          <p:cNvSpPr>
+            <a:spLocks noGrp="1"/>
+          </p:cNvSpPr>
+          <p:nvPr>
+            <p:ph type="ctrTitle"/>
+          </p:nvPr>
+        </p:nvSpPr>
+        <p:spPr>
+          <a:xfrm>
+            <a:off x="1524000" y="199496"/>
+            <a:ext cx="9144000" cy="1544637"/>
+          </a:xfrm>
+        </p:spPr>
+        <p:txBody>
+          <a:bodyPr>
+            <a:normAutofit fontScale="90000"/>
+          </a:bodyPr>
+          <a:lstStyle/>
+          <a:p>
+            <a:r>
+              <a:rPr lang="fr-FR" sz="9600" dirty="0">
+                <a:solidFill>
+                  <a:schemeClr val="accent1">
+                    <a:lumMod val="75000"/>
+                  </a:schemeClr>
+                </a:solidFill>
+              </a:rPr>
+              <a:t>Les minutes MLOps</a:t>
+            </a:r>
+          </a:p>
+        </p:txBody>
+      </p:sp>
+      <p:sp>
+        <p:nvSpPr>
+          <p:cNvPr id="3" name="Sous-titre 2">
+            <a:extLst>
+              <a:ext uri="{FF2B5EF4-FFF2-40B4-BE49-F238E27FC236}">
+                <a16:creationId xmlns:a16="http://schemas.microsoft.com/office/drawing/2014/main" id="{F17C1392-EAB9-EF81-4082-62F3FD9B4C7D}"/>
+              </a:ext>
+            </a:extLst>
+          </p:cNvPr>
+          <p:cNvSpPr>
+            <a:spLocks noGrp="1"/>
+          </p:cNvSpPr>
+          <p:nvPr>
+            <p:ph type="subTitle" idx="1"/>
+          </p:nvPr>
+        </p:nvSpPr>
+        <p:spPr>
+          <a:xfrm>
+            <a:off x="1524000" y="2514600"/>
+            <a:ext cx="9144000" cy="3333484"/>
+          </a:xfrm>
+        </p:spPr>
+        <p:txBody>
+          <a:bodyPr>
+            <a:normAutofit/>
+          </a:bodyPr>
+          <a:lstStyle/>
+          <a:p>
+            <a:r>
+              <a:rPr lang="fr-FR" sz="4400" dirty="0">
+                <a:solidFill>
+                  <a:srgbClr val="00B0F0"/>
+                </a:solidFill>
+              </a:rPr>
+              <a:t>Ma première « Intégration continue  » avec </a:t>
+            </a:r>
+            <a:r>
+              <a:rPr lang="fr-FR" sz="4400" dirty="0" err="1">
+                <a:solidFill>
+                  <a:srgbClr val="00B0F0"/>
+                </a:solidFill>
+              </a:rPr>
+              <a:t>Github</a:t>
+            </a:r>
+            <a:r>
+              <a:rPr lang="fr-FR" sz="4400" dirty="0">
+                <a:solidFill>
+                  <a:srgbClr val="00B0F0"/>
+                </a:solidFill>
+              </a:rPr>
+              <a:t> Action</a:t>
+            </a:r>
+          </a:p>
+        </p:txBody>
+      </p:sp>
+      <p:pic>
+        <p:nvPicPr>
+          <p:cNvPr id="1026" name="Picture 2" descr="My Microsoft MVP Journey - Steve Gordon">
+            <a:extLst>
+              <a:ext uri="{FF2B5EF4-FFF2-40B4-BE49-F238E27FC236}">
+                <a16:creationId xmlns:a16="http://schemas.microsoft.com/office/drawing/2014/main" id="{9CCE3086-E1BE-844B-6F60-A3FFE631047A}"/>
+              </a:ext>
+            </a:extLst>
+          </p:cNvPr>
+          <p:cNvPicPr>
+            <a:picLocks noChangeAspect="1" noChangeArrowheads="1"/>
+          </p:cNvPicPr>
+          <p:nvPr/>
+        </p:nvPicPr>
+        <p:blipFill>
+          <a:blip r:embed="rId2">
+            <a:extLst>
+              <a:ext uri="{28A0092B-C50C-407E-A947-70E740481C1C}">
+                <a14:useLocalDpi xmlns:a14="http://schemas.microsoft.com/office/drawing/2010/main" val="0"/>
+              </a:ext>
+            </a:extLst>
+          </a:blip>
+          <a:srcRect/>
+          <a:stretch>
+            <a:fillRect/>
+          </a:stretch>
+        </p:blipFill>
+        <p:spPr bwMode="auto">
+          <a:xfrm>
+            <a:off x="882157" y="6078612"/>
+            <a:ext cx="862542" cy="348467"/>
+          </a:xfrm>
+          <a:prstGeom prst="rect">
+            <a:avLst/>
+          </a:prstGeom>
+          <a:noFill/>
+          <a:extLst>
+            <a:ext uri="{909E8E84-426E-40DD-AFC4-6F175D3DCCD1}">
+              <a14:hiddenFill xmlns:a14="http://schemas.microsoft.com/office/drawing/2010/main">
+                <a:solidFill>
+                  <a:srgbClr val="FFFFFF"/>
+                </a:solidFill>
+              </a14:hiddenFill>
+            </a:ext>
+          </a:extLst>
+        </p:spPr>
+      </p:pic>
+      <p:sp>
+        <p:nvSpPr>
+          <p:cNvPr id="4" name="ZoneTexte 3">
+            <a:extLst>
+              <a:ext uri="{FF2B5EF4-FFF2-40B4-BE49-F238E27FC236}">
+                <a16:creationId xmlns:a16="http://schemas.microsoft.com/office/drawing/2014/main" id="{698748E8-A44E-3944-73E5-46C6156846A9}"/>
+              </a:ext>
+            </a:extLst>
+          </p:cNvPr>
+          <p:cNvSpPr txBox="1"/>
+          <p:nvPr/>
+        </p:nvSpPr>
+        <p:spPr>
+          <a:xfrm>
+            <a:off x="347330" y="6466281"/>
+            <a:ext cx="1932196" cy="369332"/>
+          </a:xfrm>
+          <a:prstGeom prst="rect">
+            <a:avLst/>
+          </a:prstGeom>
+          <a:noFill/>
+        </p:spPr>
+        <p:txBody>
+          <a:bodyPr wrap="none" rtlCol="0">
+            <a:spAutoFit/>
+          </a:bodyPr>
+          <a:lstStyle/>
+          <a:p>
+            <a:r>
+              <a:rPr lang="fr-FR" dirty="0">
+                <a:solidFill>
+                  <a:schemeClr val="accent1"/>
+                </a:solidFill>
+              </a:rPr>
+              <a:t>Guillaume Chervet</a:t>
+            </a:r>
+          </a:p>
+        </p:txBody>
+      </p:sp>
+    </p:spTree>
+    <p:extLst>
+      <p:ext uri="{BB962C8B-B14F-4D97-AF65-F5344CB8AC3E}">
+        <p14:creationId xmlns:p14="http://schemas.microsoft.com/office/powerpoint/2010/main" val="1594358758"/>
       </p:ext>
     </p:extLst>
   </p:cSld>

--- a/Les minutes MLOps.pptx
+++ b/Les minutes MLOps.pptx
@@ -5,38 +5,54 @@
     <p:sldMasterId id="2147483648" r:id="rId1"/>
   </p:sldMasterIdLst>
   <p:sldIdLst>
-    <p:sldId id="256" r:id="rId2"/>
-    <p:sldId id="257" r:id="rId3"/>
-    <p:sldId id="258" r:id="rId4"/>
-    <p:sldId id="260" r:id="rId5"/>
-    <p:sldId id="262" r:id="rId6"/>
-    <p:sldId id="259" r:id="rId7"/>
-    <p:sldId id="264" r:id="rId8"/>
-    <p:sldId id="468" r:id="rId9"/>
-    <p:sldId id="469" r:id="rId10"/>
-    <p:sldId id="472" r:id="rId11"/>
-    <p:sldId id="473" r:id="rId12"/>
-    <p:sldId id="475" r:id="rId13"/>
-    <p:sldId id="476" r:id="rId14"/>
-    <p:sldId id="477" r:id="rId15"/>
-    <p:sldId id="482" r:id="rId16"/>
-    <p:sldId id="479" r:id="rId17"/>
-    <p:sldId id="480" r:id="rId18"/>
-    <p:sldId id="481" r:id="rId19"/>
-    <p:sldId id="483" r:id="rId20"/>
-    <p:sldId id="484" r:id="rId21"/>
-    <p:sldId id="485" r:id="rId22"/>
-    <p:sldId id="489" r:id="rId23"/>
-    <p:sldId id="490" r:id="rId24"/>
-    <p:sldId id="492" r:id="rId25"/>
-    <p:sldId id="491" r:id="rId26"/>
-    <p:sldId id="488" r:id="rId27"/>
-    <p:sldId id="487" r:id="rId28"/>
-    <p:sldId id="494" r:id="rId29"/>
-    <p:sldId id="486" r:id="rId30"/>
-    <p:sldId id="493" r:id="rId31"/>
-    <p:sldId id="496" r:id="rId32"/>
-    <p:sldId id="498" r:id="rId33"/>
+    <p:sldId id="506" r:id="rId2"/>
+    <p:sldId id="256" r:id="rId3"/>
+    <p:sldId id="257" r:id="rId4"/>
+    <p:sldId id="258" r:id="rId5"/>
+    <p:sldId id="260" r:id="rId6"/>
+    <p:sldId id="262" r:id="rId7"/>
+    <p:sldId id="259" r:id="rId8"/>
+    <p:sldId id="264" r:id="rId9"/>
+    <p:sldId id="468" r:id="rId10"/>
+    <p:sldId id="469" r:id="rId11"/>
+    <p:sldId id="515" r:id="rId12"/>
+    <p:sldId id="472" r:id="rId13"/>
+    <p:sldId id="514" r:id="rId14"/>
+    <p:sldId id="473" r:id="rId15"/>
+    <p:sldId id="516" r:id="rId16"/>
+    <p:sldId id="475" r:id="rId17"/>
+    <p:sldId id="476" r:id="rId18"/>
+    <p:sldId id="477" r:id="rId19"/>
+    <p:sldId id="482" r:id="rId20"/>
+    <p:sldId id="479" r:id="rId21"/>
+    <p:sldId id="480" r:id="rId22"/>
+    <p:sldId id="481" r:id="rId23"/>
+    <p:sldId id="483" r:id="rId24"/>
+    <p:sldId id="484" r:id="rId25"/>
+    <p:sldId id="485" r:id="rId26"/>
+    <p:sldId id="489" r:id="rId27"/>
+    <p:sldId id="490" r:id="rId28"/>
+    <p:sldId id="492" r:id="rId29"/>
+    <p:sldId id="491" r:id="rId30"/>
+    <p:sldId id="488" r:id="rId31"/>
+    <p:sldId id="487" r:id="rId32"/>
+    <p:sldId id="494" r:id="rId33"/>
+    <p:sldId id="486" r:id="rId34"/>
+    <p:sldId id="493" r:id="rId35"/>
+    <p:sldId id="496" r:id="rId36"/>
+    <p:sldId id="498" r:id="rId37"/>
+    <p:sldId id="500" r:id="rId38"/>
+    <p:sldId id="505" r:id="rId39"/>
+    <p:sldId id="507" r:id="rId40"/>
+    <p:sldId id="508" r:id="rId41"/>
+    <p:sldId id="509" r:id="rId42"/>
+    <p:sldId id="510" r:id="rId43"/>
+    <p:sldId id="511" r:id="rId44"/>
+    <p:sldId id="512" r:id="rId45"/>
+    <p:sldId id="513" r:id="rId46"/>
+    <p:sldId id="504" r:id="rId47"/>
+    <p:sldId id="502" r:id="rId48"/>
+    <p:sldId id="503" r:id="rId49"/>
   </p:sldIdLst>
   <p:sldSz cx="12192000" cy="6858000"/>
   <p:notesSz cx="6858000" cy="9144000"/>
@@ -302,7 +318,7 @@
           <a:p>
             <a:fld id="{BD5AE6E3-DA36-42D0-89EA-233E7923E695}" type="datetimeFigureOut">
               <a:rPr lang="fr-FR" smtClean="0"/>
-              <a:t>15/09/2023</a:t>
+              <a:t>02/01/2024</a:t>
             </a:fld>
             <a:endParaRPr lang="fr-FR"/>
           </a:p>
@@ -500,7 +516,7 @@
           <a:p>
             <a:fld id="{BD5AE6E3-DA36-42D0-89EA-233E7923E695}" type="datetimeFigureOut">
               <a:rPr lang="fr-FR" smtClean="0"/>
-              <a:t>15/09/2023</a:t>
+              <a:t>02/01/2024</a:t>
             </a:fld>
             <a:endParaRPr lang="fr-FR"/>
           </a:p>
@@ -708,7 +724,7 @@
           <a:p>
             <a:fld id="{BD5AE6E3-DA36-42D0-89EA-233E7923E695}" type="datetimeFigureOut">
               <a:rPr lang="fr-FR" smtClean="0"/>
-              <a:t>15/09/2023</a:t>
+              <a:t>02/01/2024</a:t>
             </a:fld>
             <a:endParaRPr lang="fr-FR"/>
           </a:p>
@@ -906,7 +922,7 @@
           <a:p>
             <a:fld id="{BD5AE6E3-DA36-42D0-89EA-233E7923E695}" type="datetimeFigureOut">
               <a:rPr lang="fr-FR" smtClean="0"/>
-              <a:t>15/09/2023</a:t>
+              <a:t>02/01/2024</a:t>
             </a:fld>
             <a:endParaRPr lang="fr-FR"/>
           </a:p>
@@ -1181,7 +1197,7 @@
           <a:p>
             <a:fld id="{BD5AE6E3-DA36-42D0-89EA-233E7923E695}" type="datetimeFigureOut">
               <a:rPr lang="fr-FR" smtClean="0"/>
-              <a:t>15/09/2023</a:t>
+              <a:t>02/01/2024</a:t>
             </a:fld>
             <a:endParaRPr lang="fr-FR"/>
           </a:p>
@@ -1446,7 +1462,7 @@
           <a:p>
             <a:fld id="{BD5AE6E3-DA36-42D0-89EA-233E7923E695}" type="datetimeFigureOut">
               <a:rPr lang="fr-FR" smtClean="0"/>
-              <a:t>15/09/2023</a:t>
+              <a:t>02/01/2024</a:t>
             </a:fld>
             <a:endParaRPr lang="fr-FR"/>
           </a:p>
@@ -1858,7 +1874,7 @@
           <a:p>
             <a:fld id="{BD5AE6E3-DA36-42D0-89EA-233E7923E695}" type="datetimeFigureOut">
               <a:rPr lang="fr-FR" smtClean="0"/>
-              <a:t>15/09/2023</a:t>
+              <a:t>02/01/2024</a:t>
             </a:fld>
             <a:endParaRPr lang="fr-FR"/>
           </a:p>
@@ -1999,7 +2015,7 @@
           <a:p>
             <a:fld id="{BD5AE6E3-DA36-42D0-89EA-233E7923E695}" type="datetimeFigureOut">
               <a:rPr lang="fr-FR" smtClean="0"/>
-              <a:t>15/09/2023</a:t>
+              <a:t>02/01/2024</a:t>
             </a:fld>
             <a:endParaRPr lang="fr-FR"/>
           </a:p>
@@ -2112,7 +2128,7 @@
           <a:p>
             <a:fld id="{BD5AE6E3-DA36-42D0-89EA-233E7923E695}" type="datetimeFigureOut">
               <a:rPr lang="fr-FR" smtClean="0"/>
-              <a:t>15/09/2023</a:t>
+              <a:t>02/01/2024</a:t>
             </a:fld>
             <a:endParaRPr lang="fr-FR"/>
           </a:p>
@@ -2423,7 +2439,7 @@
           <a:p>
             <a:fld id="{BD5AE6E3-DA36-42D0-89EA-233E7923E695}" type="datetimeFigureOut">
               <a:rPr lang="fr-FR" smtClean="0"/>
-              <a:t>15/09/2023</a:t>
+              <a:t>02/01/2024</a:t>
             </a:fld>
             <a:endParaRPr lang="fr-FR"/>
           </a:p>
@@ -2711,7 +2727,7 @@
           <a:p>
             <a:fld id="{BD5AE6E3-DA36-42D0-89EA-233E7923E695}" type="datetimeFigureOut">
               <a:rPr lang="fr-FR" smtClean="0"/>
-              <a:t>15/09/2023</a:t>
+              <a:t>02/01/2024</a:t>
             </a:fld>
             <a:endParaRPr lang="fr-FR"/>
           </a:p>
@@ -2952,7 +2968,7 @@
           <a:p>
             <a:fld id="{BD5AE6E3-DA36-42D0-89EA-233E7923E695}" type="datetimeFigureOut">
               <a:rPr lang="fr-FR" smtClean="0"/>
-              <a:t>15/09/2023</a:t>
+              <a:t>02/01/2024</a:t>
             </a:fld>
             <a:endParaRPr lang="fr-FR"/>
           </a:p>
@@ -3385,7 +3401,12 @@
             <p:ph type="ctrTitle"/>
           </p:nvPr>
         </p:nvSpPr>
-        <p:spPr/>
+        <p:spPr>
+          <a:xfrm>
+            <a:off x="1524000" y="758296"/>
+            <a:ext cx="9144000" cy="875770"/>
+          </a:xfrm>
+        </p:spPr>
         <p:txBody>
           <a:bodyPr>
             <a:normAutofit fontScale="90000"/>
@@ -3393,7 +3414,7 @@
           <a:lstStyle/>
           <a:p>
             <a:r>
-              <a:rPr lang="fr-FR" sz="9600" dirty="0">
+              <a:rPr lang="fr-FR" sz="9600" b="1" dirty="0">
                 <a:solidFill>
                   <a:schemeClr val="accent1">
                     <a:lumMod val="75000"/>
@@ -3405,44 +3426,10 @@
           </a:p>
         </p:txBody>
       </p:sp>
-      <p:sp>
-        <p:nvSpPr>
-          <p:cNvPr id="3" name="Sous-titre 2">
-            <a:extLst>
-              <a:ext uri="{FF2B5EF4-FFF2-40B4-BE49-F238E27FC236}">
-                <a16:creationId xmlns:a16="http://schemas.microsoft.com/office/drawing/2014/main" id="{F17C1392-EAB9-EF81-4082-62F3FD9B4C7D}"/>
-              </a:ext>
-            </a:extLst>
-          </p:cNvPr>
-          <p:cNvSpPr>
-            <a:spLocks noGrp="1"/>
-          </p:cNvSpPr>
-          <p:nvPr>
-            <p:ph type="subTitle" idx="1"/>
-          </p:nvPr>
-        </p:nvSpPr>
-        <p:spPr/>
-        <p:txBody>
-          <a:bodyPr>
-            <a:normAutofit/>
-          </a:bodyPr>
-          <a:lstStyle/>
-          <a:p>
-            <a:r>
-              <a:rPr lang="fr-FR" sz="4800" dirty="0">
-                <a:solidFill>
-                  <a:srgbClr val="00B0F0"/>
-                </a:solidFill>
-              </a:rPr>
-              <a:t>Introduction</a:t>
-            </a:r>
-          </a:p>
-        </p:txBody>
-      </p:sp>
     </p:spTree>
     <p:extLst>
       <p:ext uri="{BB962C8B-B14F-4D97-AF65-F5344CB8AC3E}">
-        <p14:creationId xmlns:p14="http://schemas.microsoft.com/office/powerpoint/2010/main" val="2292127470"/>
+        <p14:creationId xmlns:p14="http://schemas.microsoft.com/office/powerpoint/2010/main" val="4088114680"/>
       </p:ext>
     </p:extLst>
   </p:cSld>
@@ -3528,7 +3515,7 @@
         </p:nvSpPr>
         <p:spPr>
           <a:xfrm>
-            <a:off x="1439333" y="3119436"/>
+            <a:off x="1524000" y="3119436"/>
             <a:ext cx="9144000" cy="1655762"/>
           </a:xfrm>
         </p:spPr>
@@ -3544,7 +3531,7 @@
                   <a:srgbClr val="00B0F0"/>
                 </a:solidFill>
               </a:rPr>
-              <a:t>Mon premier « test unitaire »</a:t>
+              <a:t>Le Debugger, la killer feature des outils de développement</a:t>
             </a:r>
           </a:p>
         </p:txBody>
@@ -3635,60 +3622,10 @@
           </a:p>
         </p:txBody>
       </p:sp>
-      <p:sp>
-        <p:nvSpPr>
-          <p:cNvPr id="5" name="Cœur 4">
-            <a:extLst>
-              <a:ext uri="{FF2B5EF4-FFF2-40B4-BE49-F238E27FC236}">
-                <a16:creationId xmlns:a16="http://schemas.microsoft.com/office/drawing/2014/main" id="{2CCEF194-DC3D-8355-43F9-5BC825B0086C}"/>
-              </a:ext>
-            </a:extLst>
-          </p:cNvPr>
-          <p:cNvSpPr/>
-          <p:nvPr/>
-        </p:nvSpPr>
-        <p:spPr>
-          <a:xfrm>
-            <a:off x="5173133" y="4075716"/>
-            <a:ext cx="1109133" cy="987349"/>
-          </a:xfrm>
-          <a:prstGeom prst="heart">
-            <a:avLst/>
-          </a:prstGeom>
-          <a:solidFill>
-            <a:srgbClr val="FF0000"/>
-          </a:solidFill>
-          <a:ln>
-            <a:noFill/>
-          </a:ln>
-        </p:spPr>
-        <p:style>
-          <a:lnRef idx="0">
-            <a:scrgbClr r="0" g="0" b="0"/>
-          </a:lnRef>
-          <a:fillRef idx="0">
-            <a:scrgbClr r="0" g="0" b="0"/>
-          </a:fillRef>
-          <a:effectRef idx="0">
-            <a:scrgbClr r="0" g="0" b="0"/>
-          </a:effectRef>
-          <a:fontRef idx="minor">
-            <a:schemeClr val="lt1"/>
-          </a:fontRef>
-        </p:style>
-        <p:txBody>
-          <a:bodyPr rtlCol="0" anchor="ctr"/>
-          <a:lstStyle/>
-          <a:p>
-            <a:pPr algn="ctr"/>
-            <a:endParaRPr lang="fr-FR"/>
-          </a:p>
-        </p:txBody>
-      </p:sp>
     </p:spTree>
     <p:extLst>
       <p:ext uri="{BB962C8B-B14F-4D97-AF65-F5344CB8AC3E}">
-        <p14:creationId xmlns:p14="http://schemas.microsoft.com/office/powerpoint/2010/main" val="1439290508"/>
+        <p14:creationId xmlns:p14="http://schemas.microsoft.com/office/powerpoint/2010/main" val="1724147991"/>
       </p:ext>
     </p:extLst>
   </p:cSld>
@@ -3701,6 +3638,14 @@
 <file path=ppt/slides/slide11.xml><?xml version="1.0" encoding="utf-8"?>
 <p:sld xmlns:a="http://schemas.openxmlformats.org/drawingml/2006/main" xmlns:r="http://schemas.openxmlformats.org/officeDocument/2006/relationships" xmlns:p="http://schemas.openxmlformats.org/presentationml/2006/main">
   <p:cSld>
+    <p:bg>
+      <p:bgPr>
+        <a:solidFill>
+          <a:schemeClr val="tx1"/>
+        </a:solidFill>
+        <a:effectLst/>
+      </p:bgPr>
+    </p:bg>
     <p:spTree>
       <p:nvGrpSpPr>
         <p:cNvPr id="1" name=""/>
@@ -3715,6 +3660,41 @@
           <a:chExt cx="0" cy="0"/>
         </a:xfrm>
       </p:grpSpPr>
+      <p:pic>
+        <p:nvPicPr>
+          <p:cNvPr id="7" name="Image 6">
+            <a:extLst>
+              <a:ext uri="{FF2B5EF4-FFF2-40B4-BE49-F238E27FC236}">
+                <a16:creationId xmlns:a16="http://schemas.microsoft.com/office/drawing/2014/main" id="{5DC0F763-6CDD-5520-B75C-7E6498BFD75C}"/>
+              </a:ext>
+            </a:extLst>
+          </p:cNvPr>
+          <p:cNvPicPr>
+            <a:picLocks noChangeAspect="1"/>
+          </p:cNvPicPr>
+          <p:nvPr/>
+        </p:nvPicPr>
+        <p:blipFill rotWithShape="1">
+          <a:blip r:embed="rId2">
+            <a:extLst>
+              <a:ext uri="{28A0092B-C50C-407E-A947-70E740481C1C}">
+                <a14:useLocalDpi xmlns:a14="http://schemas.microsoft.com/office/drawing/2010/main" val="0"/>
+              </a:ext>
+            </a:extLst>
+          </a:blip>
+          <a:srcRect r="-210"/>
+          <a:stretch/>
+        </p:blipFill>
+        <p:spPr>
+          <a:xfrm>
+            <a:off x="-4700579" y="-796857"/>
+            <a:ext cx="12043988" cy="6867812"/>
+          </a:xfrm>
+          <a:prstGeom prst="rect">
+            <a:avLst/>
+          </a:prstGeom>
+        </p:spPr>
+      </p:pic>
       <p:sp>
         <p:nvSpPr>
           <p:cNvPr id="2" name="Titre 1">
@@ -3733,136 +3713,123 @@
         </p:nvSpPr>
         <p:spPr>
           <a:xfrm>
-            <a:off x="1524000" y="199496"/>
-            <a:ext cx="9144000" cy="2387600"/>
-          </a:xfrm>
+            <a:off x="5627112" y="1688810"/>
+            <a:ext cx="4365033" cy="1299445"/>
+          </a:xfrm>
+          <a:noFill/>
         </p:spPr>
         <p:txBody>
           <a:bodyPr>
-            <a:normAutofit fontScale="90000"/>
+            <a:noAutofit/>
           </a:bodyPr>
           <a:lstStyle/>
           <a:p>
             <a:r>
-              <a:rPr lang="fr-FR" sz="9600" dirty="0">
+              <a:rPr lang="fr-FR" sz="9600" b="1" dirty="0">
+                <a:solidFill>
+                  <a:schemeClr val="bg1"/>
+                </a:solidFill>
+              </a:rPr>
+              <a:t>MLOps minutes</a:t>
+            </a:r>
+          </a:p>
+        </p:txBody>
+      </p:sp>
+      <p:sp>
+        <p:nvSpPr>
+          <p:cNvPr id="3" name="Sous-titre 2">
+            <a:extLst>
+              <a:ext uri="{FF2B5EF4-FFF2-40B4-BE49-F238E27FC236}">
+                <a16:creationId xmlns:a16="http://schemas.microsoft.com/office/drawing/2014/main" id="{F17C1392-EAB9-EF81-4082-62F3FD9B4C7D}"/>
+              </a:ext>
+            </a:extLst>
+          </p:cNvPr>
+          <p:cNvSpPr>
+            <a:spLocks noGrp="1"/>
+          </p:cNvSpPr>
+          <p:nvPr>
+            <p:ph type="subTitle" idx="1"/>
+          </p:nvPr>
+        </p:nvSpPr>
+        <p:spPr>
+          <a:xfrm>
+            <a:off x="3942273" y="3181532"/>
+            <a:ext cx="7894470" cy="2596125"/>
+          </a:xfrm>
+          <a:solidFill>
+            <a:schemeClr val="bg1"/>
+          </a:solidFill>
+          <a:ln>
+            <a:noFill/>
+          </a:ln>
+          <a:effectLst/>
+        </p:spPr>
+        <p:txBody>
+          <a:bodyPr anchor="ctr">
+            <a:normAutofit/>
+          </a:bodyPr>
+          <a:lstStyle/>
+          <a:p>
+            <a:r>
+              <a:rPr lang="en-US" sz="6000" dirty="0">
                 <a:solidFill>
                   <a:schemeClr val="accent1">
                     <a:lumMod val="75000"/>
                   </a:schemeClr>
                 </a:solidFill>
               </a:rPr>
-              <a:t>Les minutes MLOps</a:t>
-            </a:r>
-          </a:p>
-        </p:txBody>
-      </p:sp>
-      <p:sp>
-        <p:nvSpPr>
-          <p:cNvPr id="3" name="Sous-titre 2">
-            <a:extLst>
-              <a:ext uri="{FF2B5EF4-FFF2-40B4-BE49-F238E27FC236}">
-                <a16:creationId xmlns:a16="http://schemas.microsoft.com/office/drawing/2014/main" id="{F17C1392-EAB9-EF81-4082-62F3FD9B4C7D}"/>
-              </a:ext>
-            </a:extLst>
-          </p:cNvPr>
-          <p:cNvSpPr>
-            <a:spLocks noGrp="1"/>
-          </p:cNvSpPr>
-          <p:nvPr>
-            <p:ph type="subTitle" idx="1"/>
-          </p:nvPr>
-        </p:nvSpPr>
-        <p:spPr>
-          <a:xfrm>
-            <a:off x="1524000" y="2844798"/>
-            <a:ext cx="9144000" cy="1655762"/>
-          </a:xfrm>
-        </p:spPr>
-        <p:txBody>
-          <a:bodyPr>
-            <a:normAutofit/>
-          </a:bodyPr>
-          <a:lstStyle/>
-          <a:p>
-            <a:r>
-              <a:rPr lang="fr-FR" sz="4800" dirty="0">
-                <a:solidFill>
-                  <a:srgbClr val="00B0F0"/>
-                </a:solidFill>
-              </a:rPr>
-              <a:t>Couvrons unitairement la fonction « donne_des_sous »</a:t>
-            </a:r>
-          </a:p>
-        </p:txBody>
-      </p:sp>
-      <p:pic>
-        <p:nvPicPr>
-          <p:cNvPr id="1026" name="Picture 2" descr="My Microsoft MVP Journey - Steve Gordon">
-            <a:extLst>
-              <a:ext uri="{FF2B5EF4-FFF2-40B4-BE49-F238E27FC236}">
-                <a16:creationId xmlns:a16="http://schemas.microsoft.com/office/drawing/2014/main" id="{9CCE3086-E1BE-844B-6F60-A3FFE631047A}"/>
-              </a:ext>
-            </a:extLst>
-          </p:cNvPr>
-          <p:cNvPicPr>
-            <a:picLocks noChangeAspect="1" noChangeArrowheads="1"/>
-          </p:cNvPicPr>
+              <a:t>The Debugger, the </a:t>
+            </a:r>
+            <a:br>
+              <a:rPr lang="en-US" sz="6000" dirty="0">
+                <a:solidFill>
+                  <a:schemeClr val="accent1">
+                    <a:lumMod val="75000"/>
+                  </a:schemeClr>
+                </a:solidFill>
+              </a:rPr>
+            </a:br>
+            <a:r>
+              <a:rPr lang="en-US" sz="6000" dirty="0">
+                <a:solidFill>
+                  <a:schemeClr val="accent1">
+                    <a:lumMod val="75000"/>
+                  </a:schemeClr>
+                </a:solidFill>
+              </a:rPr>
+              <a:t>"Killer Feature" of Development Tools</a:t>
+            </a:r>
+            <a:endParaRPr lang="fr-FR" sz="6000" dirty="0">
+              <a:solidFill>
+                <a:schemeClr val="accent1">
+                  <a:lumMod val="75000"/>
+                </a:schemeClr>
+              </a:solidFill>
+            </a:endParaRPr>
+          </a:p>
+        </p:txBody>
+      </p:sp>
+      <p:sp>
+        <p:nvSpPr>
+          <p:cNvPr id="4" name="ZoneTexte 3">
+            <a:extLst>
+              <a:ext uri="{FF2B5EF4-FFF2-40B4-BE49-F238E27FC236}">
+                <a16:creationId xmlns:a16="http://schemas.microsoft.com/office/drawing/2014/main" id="{698748E8-A44E-3944-73E5-46C6156846A9}"/>
+              </a:ext>
+            </a:extLst>
+          </p:cNvPr>
+          <p:cNvSpPr txBox="1"/>
           <p:nvPr/>
-        </p:nvPicPr>
-        <p:blipFill>
-          <a:blip r:embed="rId2">
-            <a:extLst>
-              <a:ext uri="{28A0092B-C50C-407E-A947-70E740481C1C}">
-                <a14:useLocalDpi xmlns:a14="http://schemas.microsoft.com/office/drawing/2010/main" val="0"/>
-              </a:ext>
-            </a:extLst>
-          </a:blip>
-          <a:srcRect/>
-          <a:stretch>
-            <a:fillRect/>
-          </a:stretch>
-        </p:blipFill>
-        <p:spPr bwMode="auto">
-          <a:xfrm>
-            <a:off x="882157" y="6078612"/>
-            <a:ext cx="862542" cy="348467"/>
+        </p:nvSpPr>
+        <p:spPr>
+          <a:xfrm>
+            <a:off x="6244281" y="6155585"/>
+            <a:ext cx="3290453" cy="584775"/>
           </a:xfrm>
           <a:prstGeom prst="rect">
             <a:avLst/>
           </a:prstGeom>
           <a:noFill/>
-          <a:extLst>
-            <a:ext uri="{909E8E84-426E-40DD-AFC4-6F175D3DCCD1}">
-              <a14:hiddenFill xmlns:a14="http://schemas.microsoft.com/office/drawing/2010/main">
-                <a:solidFill>
-                  <a:srgbClr val="FFFFFF"/>
-                </a:solidFill>
-              </a14:hiddenFill>
-            </a:ext>
-          </a:extLst>
-        </p:spPr>
-      </p:pic>
-      <p:sp>
-        <p:nvSpPr>
-          <p:cNvPr id="4" name="ZoneTexte 3">
-            <a:extLst>
-              <a:ext uri="{FF2B5EF4-FFF2-40B4-BE49-F238E27FC236}">
-                <a16:creationId xmlns:a16="http://schemas.microsoft.com/office/drawing/2014/main" id="{698748E8-A44E-3944-73E5-46C6156846A9}"/>
-              </a:ext>
-            </a:extLst>
-          </p:cNvPr>
-          <p:cNvSpPr txBox="1"/>
-          <p:nvPr/>
-        </p:nvSpPr>
-        <p:spPr>
-          <a:xfrm>
-            <a:off x="347330" y="6466281"/>
-            <a:ext cx="1932196" cy="369332"/>
-          </a:xfrm>
-          <a:prstGeom prst="rect">
-            <a:avLst/>
-          </a:prstGeom>
-          <a:noFill/>
         </p:spPr>
         <p:txBody>
           <a:bodyPr wrap="none" rtlCol="0">
@@ -3871,70 +3838,20 @@
           <a:lstStyle/>
           <a:p>
             <a:r>
-              <a:rPr lang="fr-FR" dirty="0">
-                <a:solidFill>
-                  <a:schemeClr val="accent1"/>
+              <a:rPr lang="fr-FR" sz="3200" dirty="0">
+                <a:solidFill>
+                  <a:schemeClr val="bg1"/>
                 </a:solidFill>
               </a:rPr>
               <a:t>Guillaume Chervet</a:t>
             </a:r>
-          </a:p>
-        </p:txBody>
-      </p:sp>
-      <p:sp>
-        <p:nvSpPr>
-          <p:cNvPr id="5" name="Cœur 4">
-            <a:extLst>
-              <a:ext uri="{FF2B5EF4-FFF2-40B4-BE49-F238E27FC236}">
-                <a16:creationId xmlns:a16="http://schemas.microsoft.com/office/drawing/2014/main" id="{2CCEF194-DC3D-8355-43F9-5BC825B0086C}"/>
-              </a:ext>
-            </a:extLst>
-          </p:cNvPr>
-          <p:cNvSpPr/>
-          <p:nvPr/>
-        </p:nvSpPr>
-        <p:spPr>
-          <a:xfrm>
-            <a:off x="5894916" y="2557992"/>
-            <a:ext cx="402167" cy="418571"/>
-          </a:xfrm>
-          <a:prstGeom prst="heart">
-            <a:avLst/>
-          </a:prstGeom>
-          <a:solidFill>
-            <a:srgbClr val="FF0000"/>
-          </a:solidFill>
-          <a:ln>
-            <a:noFill/>
-          </a:ln>
-        </p:spPr>
-        <p:style>
-          <a:lnRef idx="0">
-            <a:scrgbClr r="0" g="0" b="0"/>
-          </a:lnRef>
-          <a:fillRef idx="0">
-            <a:scrgbClr r="0" g="0" b="0"/>
-          </a:fillRef>
-          <a:effectRef idx="0">
-            <a:scrgbClr r="0" g="0" b="0"/>
-          </a:effectRef>
-          <a:fontRef idx="minor">
-            <a:schemeClr val="lt1"/>
-          </a:fontRef>
-        </p:style>
-        <p:txBody>
-          <a:bodyPr rtlCol="0" anchor="ctr"/>
-          <a:lstStyle/>
-          <a:p>
-            <a:pPr algn="ctr"/>
-            <a:endParaRPr lang="fr-FR"/>
           </a:p>
         </p:txBody>
       </p:sp>
     </p:spTree>
     <p:extLst>
       <p:ext uri="{BB962C8B-B14F-4D97-AF65-F5344CB8AC3E}">
-        <p14:creationId xmlns:p14="http://schemas.microsoft.com/office/powerpoint/2010/main" val="608503110"/>
+        <p14:creationId xmlns:p14="http://schemas.microsoft.com/office/powerpoint/2010/main" val="1609781708"/>
       </p:ext>
     </p:extLst>
   </p:cSld>
@@ -4020,7 +3937,7 @@
         </p:nvSpPr>
         <p:spPr>
           <a:xfrm>
-            <a:off x="1524000" y="2844798"/>
+            <a:off x="1439333" y="3119436"/>
             <a:ext cx="9144000" cy="1655762"/>
           </a:xfrm>
         </p:spPr>
@@ -4036,7 +3953,7 @@
                   <a:srgbClr val="00B0F0"/>
                 </a:solidFill>
               </a:rPr>
-              <a:t>Tout n’est pas aussi beau que la fonction « donne_des_sous » !</a:t>
+              <a:t>Mon premier « test unitaire »</a:t>
             </a:r>
           </a:p>
         </p:txBody>
@@ -4127,10 +4044,60 @@
           </a:p>
         </p:txBody>
       </p:sp>
+      <p:sp>
+        <p:nvSpPr>
+          <p:cNvPr id="5" name="Cœur 4">
+            <a:extLst>
+              <a:ext uri="{FF2B5EF4-FFF2-40B4-BE49-F238E27FC236}">
+                <a16:creationId xmlns:a16="http://schemas.microsoft.com/office/drawing/2014/main" id="{2CCEF194-DC3D-8355-43F9-5BC825B0086C}"/>
+              </a:ext>
+            </a:extLst>
+          </p:cNvPr>
+          <p:cNvSpPr/>
+          <p:nvPr/>
+        </p:nvSpPr>
+        <p:spPr>
+          <a:xfrm>
+            <a:off x="5173133" y="4075716"/>
+            <a:ext cx="1109133" cy="987349"/>
+          </a:xfrm>
+          <a:prstGeom prst="heart">
+            <a:avLst/>
+          </a:prstGeom>
+          <a:solidFill>
+            <a:srgbClr val="FF0000"/>
+          </a:solidFill>
+          <a:ln>
+            <a:noFill/>
+          </a:ln>
+        </p:spPr>
+        <p:style>
+          <a:lnRef idx="0">
+            <a:scrgbClr r="0" g="0" b="0"/>
+          </a:lnRef>
+          <a:fillRef idx="0">
+            <a:scrgbClr r="0" g="0" b="0"/>
+          </a:fillRef>
+          <a:effectRef idx="0">
+            <a:scrgbClr r="0" g="0" b="0"/>
+          </a:effectRef>
+          <a:fontRef idx="minor">
+            <a:schemeClr val="lt1"/>
+          </a:fontRef>
+        </p:style>
+        <p:txBody>
+          <a:bodyPr rtlCol="0" anchor="ctr"/>
+          <a:lstStyle/>
+          <a:p>
+            <a:pPr algn="ctr"/>
+            <a:endParaRPr lang="fr-FR"/>
+          </a:p>
+        </p:txBody>
+      </p:sp>
     </p:spTree>
     <p:extLst>
       <p:ext uri="{BB962C8B-B14F-4D97-AF65-F5344CB8AC3E}">
-        <p14:creationId xmlns:p14="http://schemas.microsoft.com/office/powerpoint/2010/main" val="1600271831"/>
+        <p14:creationId xmlns:p14="http://schemas.microsoft.com/office/powerpoint/2010/main" val="1439290508"/>
       </p:ext>
     </p:extLst>
   </p:cSld>
@@ -4143,6 +4110,14 @@
 <file path=ppt/slides/slide13.xml><?xml version="1.0" encoding="utf-8"?>
 <p:sld xmlns:a="http://schemas.openxmlformats.org/drawingml/2006/main" xmlns:r="http://schemas.openxmlformats.org/officeDocument/2006/relationships" xmlns:p="http://schemas.openxmlformats.org/presentationml/2006/main">
   <p:cSld>
+    <p:bg>
+      <p:bgPr>
+        <a:solidFill>
+          <a:schemeClr val="tx1"/>
+        </a:solidFill>
+        <a:effectLst/>
+      </p:bgPr>
+    </p:bg>
     <p:spTree>
       <p:nvGrpSpPr>
         <p:cNvPr id="1" name=""/>
@@ -4157,6 +4132,41 @@
           <a:chExt cx="0" cy="0"/>
         </a:xfrm>
       </p:grpSpPr>
+      <p:pic>
+        <p:nvPicPr>
+          <p:cNvPr id="7" name="Image 6">
+            <a:extLst>
+              <a:ext uri="{FF2B5EF4-FFF2-40B4-BE49-F238E27FC236}">
+                <a16:creationId xmlns:a16="http://schemas.microsoft.com/office/drawing/2014/main" id="{5DC0F763-6CDD-5520-B75C-7E6498BFD75C}"/>
+              </a:ext>
+            </a:extLst>
+          </p:cNvPr>
+          <p:cNvPicPr>
+            <a:picLocks noChangeAspect="1"/>
+          </p:cNvPicPr>
+          <p:nvPr/>
+        </p:nvPicPr>
+        <p:blipFill rotWithShape="1">
+          <a:blip r:embed="rId2">
+            <a:extLst>
+              <a:ext uri="{28A0092B-C50C-407E-A947-70E740481C1C}">
+                <a14:useLocalDpi xmlns:a14="http://schemas.microsoft.com/office/drawing/2010/main" val="0"/>
+              </a:ext>
+            </a:extLst>
+          </a:blip>
+          <a:srcRect r="-210"/>
+          <a:stretch/>
+        </p:blipFill>
+        <p:spPr>
+          <a:xfrm>
+            <a:off x="3833758" y="-9812"/>
+            <a:ext cx="12043988" cy="6867812"/>
+          </a:xfrm>
+          <a:prstGeom prst="rect">
+            <a:avLst/>
+          </a:prstGeom>
+        </p:spPr>
+      </p:pic>
       <p:sp>
         <p:nvSpPr>
           <p:cNvPr id="2" name="Titre 1">
@@ -4175,173 +4185,97 @@
         </p:nvSpPr>
         <p:spPr>
           <a:xfrm>
-            <a:off x="1524000" y="199496"/>
-            <a:ext cx="9144000" cy="2387600"/>
-          </a:xfrm>
+            <a:off x="743634" y="1839370"/>
+            <a:ext cx="4365033" cy="1299445"/>
+          </a:xfrm>
+          <a:noFill/>
         </p:spPr>
         <p:txBody>
           <a:bodyPr>
-            <a:normAutofit fontScale="90000"/>
+            <a:noAutofit/>
           </a:bodyPr>
           <a:lstStyle/>
           <a:p>
             <a:r>
-              <a:rPr lang="fr-FR" sz="9600" dirty="0">
+              <a:rPr lang="fr-FR" sz="9600" b="1" dirty="0">
+                <a:solidFill>
+                  <a:schemeClr val="bg1"/>
+                </a:solidFill>
+              </a:rPr>
+              <a:t>MLOps minutes</a:t>
+            </a:r>
+          </a:p>
+        </p:txBody>
+      </p:sp>
+      <p:sp>
+        <p:nvSpPr>
+          <p:cNvPr id="3" name="Sous-titre 2">
+            <a:extLst>
+              <a:ext uri="{FF2B5EF4-FFF2-40B4-BE49-F238E27FC236}">
+                <a16:creationId xmlns:a16="http://schemas.microsoft.com/office/drawing/2014/main" id="{F17C1392-EAB9-EF81-4082-62F3FD9B4C7D}"/>
+              </a:ext>
+            </a:extLst>
+          </p:cNvPr>
+          <p:cNvSpPr>
+            <a:spLocks noGrp="1"/>
+          </p:cNvSpPr>
+          <p:nvPr>
+            <p:ph type="subTitle" idx="1"/>
+          </p:nvPr>
+        </p:nvSpPr>
+        <p:spPr>
+          <a:xfrm>
+            <a:off x="706463" y="3603812"/>
+            <a:ext cx="4365033" cy="2269863"/>
+          </a:xfrm>
+          <a:solidFill>
+            <a:schemeClr val="bg1"/>
+          </a:solidFill>
+          <a:ln>
+            <a:noFill/>
+          </a:ln>
+          <a:effectLst/>
+        </p:spPr>
+        <p:txBody>
+          <a:bodyPr anchor="ctr">
+            <a:normAutofit/>
+          </a:bodyPr>
+          <a:lstStyle/>
+          <a:p>
+            <a:r>
+              <a:rPr lang="fr-FR" sz="6000" dirty="0">
                 <a:solidFill>
                   <a:schemeClr val="accent1">
                     <a:lumMod val="75000"/>
                   </a:schemeClr>
                 </a:solidFill>
               </a:rPr>
-              <a:t>Les minutes MLOps</a:t>
-            </a:r>
-          </a:p>
-        </p:txBody>
-      </p:sp>
-      <p:sp>
-        <p:nvSpPr>
-          <p:cNvPr id="3" name="Sous-titre 2">
-            <a:extLst>
-              <a:ext uri="{FF2B5EF4-FFF2-40B4-BE49-F238E27FC236}">
-                <a16:creationId xmlns:a16="http://schemas.microsoft.com/office/drawing/2014/main" id="{F17C1392-EAB9-EF81-4082-62F3FD9B4C7D}"/>
-              </a:ext>
-            </a:extLst>
-          </p:cNvPr>
-          <p:cNvSpPr>
-            <a:spLocks noGrp="1"/>
-          </p:cNvSpPr>
-          <p:nvPr>
-            <p:ph type="subTitle" idx="1"/>
-          </p:nvPr>
-        </p:nvSpPr>
-        <p:spPr>
-          <a:xfrm>
-            <a:off x="1524000" y="2844798"/>
-            <a:ext cx="9144000" cy="1655762"/>
-          </a:xfrm>
-        </p:spPr>
-        <p:txBody>
-          <a:bodyPr>
-            <a:normAutofit/>
-          </a:bodyPr>
-          <a:lstStyle/>
-          <a:p>
-            <a:r>
-              <a:rPr lang="fr-FR" sz="4800" dirty="0" err="1">
-                <a:solidFill>
-                  <a:srgbClr val="00B0F0"/>
-                </a:solidFill>
-              </a:rPr>
-              <a:t>Patching</a:t>
-            </a:r>
-            <a:r>
-              <a:rPr lang="fr-FR" sz="4800" dirty="0">
-                <a:solidFill>
-                  <a:srgbClr val="00B0F0"/>
-                </a:solidFill>
-              </a:rPr>
-              <a:t> </a:t>
-            </a:r>
-            <a:r>
-              <a:rPr lang="fr-FR" sz="4800" dirty="0" err="1">
-                <a:solidFill>
-                  <a:srgbClr val="00B0F0"/>
-                </a:solidFill>
-              </a:rPr>
-              <a:t>is</a:t>
-            </a:r>
-            <a:r>
-              <a:rPr lang="fr-FR" sz="4800" dirty="0">
-                <a:solidFill>
-                  <a:srgbClr val="00B0F0"/>
-                </a:solidFill>
-              </a:rPr>
-              <a:t> a code </a:t>
-            </a:r>
-            <a:r>
-              <a:rPr lang="fr-FR" sz="4800" dirty="0" err="1">
-                <a:solidFill>
-                  <a:srgbClr val="00B0F0"/>
-                </a:solidFill>
-              </a:rPr>
-              <a:t>smell</a:t>
-            </a:r>
-            <a:endParaRPr lang="fr-FR" sz="4800" dirty="0">
-              <a:solidFill>
-                <a:srgbClr val="00B0F0"/>
-              </a:solidFill>
-            </a:endParaRPr>
-          </a:p>
-        </p:txBody>
-      </p:sp>
-      <p:pic>
-        <p:nvPicPr>
-          <p:cNvPr id="1026" name="Picture 2" descr="My Microsoft MVP Journey - Steve Gordon">
-            <a:extLst>
-              <a:ext uri="{FF2B5EF4-FFF2-40B4-BE49-F238E27FC236}">
-                <a16:creationId xmlns:a16="http://schemas.microsoft.com/office/drawing/2014/main" id="{9CCE3086-E1BE-844B-6F60-A3FFE631047A}"/>
-              </a:ext>
-            </a:extLst>
-          </p:cNvPr>
-          <p:cNvPicPr>
-            <a:picLocks noChangeAspect="1" noChangeArrowheads="1"/>
-          </p:cNvPicPr>
+              <a:t>My first « Unit Test »</a:t>
+            </a:r>
+          </a:p>
+        </p:txBody>
+      </p:sp>
+      <p:sp>
+        <p:nvSpPr>
+          <p:cNvPr id="4" name="ZoneTexte 3">
+            <a:extLst>
+              <a:ext uri="{FF2B5EF4-FFF2-40B4-BE49-F238E27FC236}">
+                <a16:creationId xmlns:a16="http://schemas.microsoft.com/office/drawing/2014/main" id="{698748E8-A44E-3944-73E5-46C6156846A9}"/>
+              </a:ext>
+            </a:extLst>
+          </p:cNvPr>
+          <p:cNvSpPr txBox="1"/>
           <p:nvPr/>
-        </p:nvPicPr>
-        <p:blipFill>
-          <a:blip r:embed="rId2">
-            <a:extLst>
-              <a:ext uri="{28A0092B-C50C-407E-A947-70E740481C1C}">
-                <a14:useLocalDpi xmlns:a14="http://schemas.microsoft.com/office/drawing/2010/main" val="0"/>
-              </a:ext>
-            </a:extLst>
-          </a:blip>
-          <a:srcRect/>
-          <a:stretch>
-            <a:fillRect/>
-          </a:stretch>
-        </p:blipFill>
-        <p:spPr bwMode="auto">
-          <a:xfrm>
-            <a:off x="882157" y="6078612"/>
-            <a:ext cx="862542" cy="348467"/>
+        </p:nvSpPr>
+        <p:spPr>
+          <a:xfrm>
+            <a:off x="1047644" y="6213336"/>
+            <a:ext cx="3290453" cy="584775"/>
           </a:xfrm>
           <a:prstGeom prst="rect">
             <a:avLst/>
           </a:prstGeom>
           <a:noFill/>
-          <a:extLst>
-            <a:ext uri="{909E8E84-426E-40DD-AFC4-6F175D3DCCD1}">
-              <a14:hiddenFill xmlns:a14="http://schemas.microsoft.com/office/drawing/2010/main">
-                <a:solidFill>
-                  <a:srgbClr val="FFFFFF"/>
-                </a:solidFill>
-              </a14:hiddenFill>
-            </a:ext>
-          </a:extLst>
-        </p:spPr>
-      </p:pic>
-      <p:sp>
-        <p:nvSpPr>
-          <p:cNvPr id="4" name="ZoneTexte 3">
-            <a:extLst>
-              <a:ext uri="{FF2B5EF4-FFF2-40B4-BE49-F238E27FC236}">
-                <a16:creationId xmlns:a16="http://schemas.microsoft.com/office/drawing/2014/main" id="{698748E8-A44E-3944-73E5-46C6156846A9}"/>
-              </a:ext>
-            </a:extLst>
-          </p:cNvPr>
-          <p:cNvSpPr txBox="1"/>
-          <p:nvPr/>
-        </p:nvSpPr>
-        <p:spPr>
-          <a:xfrm>
-            <a:off x="347330" y="6466281"/>
-            <a:ext cx="1932196" cy="369332"/>
-          </a:xfrm>
-          <a:prstGeom prst="rect">
-            <a:avLst/>
-          </a:prstGeom>
-          <a:noFill/>
         </p:spPr>
         <p:txBody>
           <a:bodyPr wrap="none" rtlCol="0">
@@ -4350,20 +4284,70 @@
           <a:lstStyle/>
           <a:p>
             <a:r>
-              <a:rPr lang="fr-FR" dirty="0">
-                <a:solidFill>
-                  <a:schemeClr val="accent1"/>
+              <a:rPr lang="fr-FR" sz="3200" dirty="0">
+                <a:solidFill>
+                  <a:schemeClr val="bg1"/>
                 </a:solidFill>
               </a:rPr>
               <a:t>Guillaume Chervet</a:t>
             </a:r>
+          </a:p>
+        </p:txBody>
+      </p:sp>
+      <p:sp>
+        <p:nvSpPr>
+          <p:cNvPr id="5" name="Cœur 4">
+            <a:extLst>
+              <a:ext uri="{FF2B5EF4-FFF2-40B4-BE49-F238E27FC236}">
+                <a16:creationId xmlns:a16="http://schemas.microsoft.com/office/drawing/2014/main" id="{2CCEF194-DC3D-8355-43F9-5BC825B0086C}"/>
+              </a:ext>
+            </a:extLst>
+          </p:cNvPr>
+          <p:cNvSpPr/>
+          <p:nvPr/>
+        </p:nvSpPr>
+        <p:spPr>
+          <a:xfrm>
+            <a:off x="3583038" y="4681403"/>
+            <a:ext cx="308544" cy="306594"/>
+          </a:xfrm>
+          <a:prstGeom prst="heart">
+            <a:avLst/>
+          </a:prstGeom>
+          <a:solidFill>
+            <a:srgbClr val="FF0000"/>
+          </a:solidFill>
+          <a:ln>
+            <a:noFill/>
+          </a:ln>
+        </p:spPr>
+        <p:style>
+          <a:lnRef idx="0">
+            <a:scrgbClr r="0" g="0" b="0"/>
+          </a:lnRef>
+          <a:fillRef idx="0">
+            <a:scrgbClr r="0" g="0" b="0"/>
+          </a:fillRef>
+          <a:effectRef idx="0">
+            <a:scrgbClr r="0" g="0" b="0"/>
+          </a:effectRef>
+          <a:fontRef idx="minor">
+            <a:schemeClr val="lt1"/>
+          </a:fontRef>
+        </p:style>
+        <p:txBody>
+          <a:bodyPr rtlCol="0" anchor="ctr"/>
+          <a:lstStyle/>
+          <a:p>
+            <a:pPr algn="ctr"/>
+            <a:endParaRPr lang="fr-FR"/>
           </a:p>
         </p:txBody>
       </p:sp>
     </p:spTree>
     <p:extLst>
       <p:ext uri="{BB962C8B-B14F-4D97-AF65-F5344CB8AC3E}">
-        <p14:creationId xmlns:p14="http://schemas.microsoft.com/office/powerpoint/2010/main" val="2923330827"/>
+        <p14:creationId xmlns:p14="http://schemas.microsoft.com/office/powerpoint/2010/main" val="245925791"/>
       </p:ext>
     </p:extLst>
   </p:cSld>
@@ -4409,7 +4393,7 @@
         <p:spPr>
           <a:xfrm>
             <a:off x="1524000" y="199496"/>
-            <a:ext cx="9144000" cy="1544637"/>
+            <a:ext cx="9144000" cy="2387600"/>
           </a:xfrm>
         </p:spPr>
         <p:txBody>
@@ -4449,8 +4433,8 @@
         </p:nvSpPr>
         <p:spPr>
           <a:xfrm>
-            <a:off x="1524000" y="2192867"/>
-            <a:ext cx="9144000" cy="2901684"/>
+            <a:off x="1524000" y="2844798"/>
+            <a:ext cx="9144000" cy="1655762"/>
           </a:xfrm>
         </p:spPr>
         <p:txBody>
@@ -4465,7 +4449,7 @@
                   <a:srgbClr val="00B0F0"/>
                 </a:solidFill>
               </a:rPr>
-              <a:t>Solution en mode programmation objet: Rendre son code testable en utilisant l’injection de dépendances (partie 1/2)</a:t>
+              <a:t>Couvrons unitairement la fonction « donne_des_sous »</a:t>
             </a:r>
           </a:p>
         </p:txBody>
@@ -4556,10 +4540,60 @@
           </a:p>
         </p:txBody>
       </p:sp>
+      <p:sp>
+        <p:nvSpPr>
+          <p:cNvPr id="5" name="Cœur 4">
+            <a:extLst>
+              <a:ext uri="{FF2B5EF4-FFF2-40B4-BE49-F238E27FC236}">
+                <a16:creationId xmlns:a16="http://schemas.microsoft.com/office/drawing/2014/main" id="{2CCEF194-DC3D-8355-43F9-5BC825B0086C}"/>
+              </a:ext>
+            </a:extLst>
+          </p:cNvPr>
+          <p:cNvSpPr/>
+          <p:nvPr/>
+        </p:nvSpPr>
+        <p:spPr>
+          <a:xfrm>
+            <a:off x="5894916" y="2557992"/>
+            <a:ext cx="402167" cy="418571"/>
+          </a:xfrm>
+          <a:prstGeom prst="heart">
+            <a:avLst/>
+          </a:prstGeom>
+          <a:solidFill>
+            <a:srgbClr val="FF0000"/>
+          </a:solidFill>
+          <a:ln>
+            <a:noFill/>
+          </a:ln>
+        </p:spPr>
+        <p:style>
+          <a:lnRef idx="0">
+            <a:scrgbClr r="0" g="0" b="0"/>
+          </a:lnRef>
+          <a:fillRef idx="0">
+            <a:scrgbClr r="0" g="0" b="0"/>
+          </a:fillRef>
+          <a:effectRef idx="0">
+            <a:scrgbClr r="0" g="0" b="0"/>
+          </a:effectRef>
+          <a:fontRef idx="minor">
+            <a:schemeClr val="lt1"/>
+          </a:fontRef>
+        </p:style>
+        <p:txBody>
+          <a:bodyPr rtlCol="0" anchor="ctr"/>
+          <a:lstStyle/>
+          <a:p>
+            <a:pPr algn="ctr"/>
+            <a:endParaRPr lang="fr-FR"/>
+          </a:p>
+        </p:txBody>
+      </p:sp>
     </p:spTree>
     <p:extLst>
       <p:ext uri="{BB962C8B-B14F-4D97-AF65-F5344CB8AC3E}">
-        <p14:creationId xmlns:p14="http://schemas.microsoft.com/office/powerpoint/2010/main" val="122382261"/>
+        <p14:creationId xmlns:p14="http://schemas.microsoft.com/office/powerpoint/2010/main" val="608503110"/>
       </p:ext>
     </p:extLst>
   </p:cSld>
@@ -4572,6 +4606,14 @@
 <file path=ppt/slides/slide15.xml><?xml version="1.0" encoding="utf-8"?>
 <p:sld xmlns:a="http://schemas.openxmlformats.org/drawingml/2006/main" xmlns:r="http://schemas.openxmlformats.org/officeDocument/2006/relationships" xmlns:p="http://schemas.openxmlformats.org/presentationml/2006/main">
   <p:cSld>
+    <p:bg>
+      <p:bgPr>
+        <a:solidFill>
+          <a:schemeClr val="tx1"/>
+        </a:solidFill>
+        <a:effectLst/>
+      </p:bgPr>
+    </p:bg>
     <p:spTree>
       <p:nvGrpSpPr>
         <p:cNvPr id="1" name=""/>
@@ -4586,6 +4628,41 @@
           <a:chExt cx="0" cy="0"/>
         </a:xfrm>
       </p:grpSpPr>
+      <p:pic>
+        <p:nvPicPr>
+          <p:cNvPr id="7" name="Image 6">
+            <a:extLst>
+              <a:ext uri="{FF2B5EF4-FFF2-40B4-BE49-F238E27FC236}">
+                <a16:creationId xmlns:a16="http://schemas.microsoft.com/office/drawing/2014/main" id="{5DC0F763-6CDD-5520-B75C-7E6498BFD75C}"/>
+              </a:ext>
+            </a:extLst>
+          </p:cNvPr>
+          <p:cNvPicPr>
+            <a:picLocks noChangeAspect="1"/>
+          </p:cNvPicPr>
+          <p:nvPr/>
+        </p:nvPicPr>
+        <p:blipFill rotWithShape="1">
+          <a:blip r:embed="rId2">
+            <a:extLst>
+              <a:ext uri="{28A0092B-C50C-407E-A947-70E740481C1C}">
+                <a14:useLocalDpi xmlns:a14="http://schemas.microsoft.com/office/drawing/2010/main" val="0"/>
+              </a:ext>
+            </a:extLst>
+          </a:blip>
+          <a:srcRect r="-210"/>
+          <a:stretch/>
+        </p:blipFill>
+        <p:spPr>
+          <a:xfrm>
+            <a:off x="-4372588" y="-2633742"/>
+            <a:ext cx="12043988" cy="6867812"/>
+          </a:xfrm>
+          <a:prstGeom prst="rect">
+            <a:avLst/>
+          </a:prstGeom>
+        </p:spPr>
+      </p:pic>
       <p:sp>
         <p:nvSpPr>
           <p:cNvPr id="2" name="Titre 1">
@@ -4604,144 +4681,114 @@
         </p:nvSpPr>
         <p:spPr>
           <a:xfrm>
-            <a:off x="1524000" y="199496"/>
-            <a:ext cx="9144000" cy="1544637"/>
-          </a:xfrm>
+            <a:off x="5627112" y="1688810"/>
+            <a:ext cx="4365033" cy="1299445"/>
+          </a:xfrm>
+          <a:noFill/>
         </p:spPr>
         <p:txBody>
           <a:bodyPr>
-            <a:normAutofit fontScale="90000"/>
+            <a:noAutofit/>
           </a:bodyPr>
           <a:lstStyle/>
           <a:p>
             <a:r>
-              <a:rPr lang="fr-FR" sz="9600" dirty="0">
+              <a:rPr lang="fr-FR" sz="9600" b="1" dirty="0">
+                <a:solidFill>
+                  <a:schemeClr val="bg1"/>
+                </a:solidFill>
+              </a:rPr>
+              <a:t>MLOps minutes</a:t>
+            </a:r>
+          </a:p>
+        </p:txBody>
+      </p:sp>
+      <p:sp>
+        <p:nvSpPr>
+          <p:cNvPr id="3" name="Sous-titre 2">
+            <a:extLst>
+              <a:ext uri="{FF2B5EF4-FFF2-40B4-BE49-F238E27FC236}">
+                <a16:creationId xmlns:a16="http://schemas.microsoft.com/office/drawing/2014/main" id="{F17C1392-EAB9-EF81-4082-62F3FD9B4C7D}"/>
+              </a:ext>
+            </a:extLst>
+          </p:cNvPr>
+          <p:cNvSpPr>
+            <a:spLocks noGrp="1"/>
+          </p:cNvSpPr>
+          <p:nvPr>
+            <p:ph type="subTitle" idx="1"/>
+          </p:nvPr>
+        </p:nvSpPr>
+        <p:spPr>
+          <a:xfrm>
+            <a:off x="3942273" y="3181532"/>
+            <a:ext cx="7894470" cy="2596125"/>
+          </a:xfrm>
+          <a:solidFill>
+            <a:schemeClr val="bg1"/>
+          </a:solidFill>
+          <a:ln>
+            <a:noFill/>
+          </a:ln>
+          <a:effectLst/>
+        </p:spPr>
+        <p:txBody>
+          <a:bodyPr anchor="ctr">
+            <a:normAutofit/>
+          </a:bodyPr>
+          <a:lstStyle/>
+          <a:p>
+            <a:r>
+              <a:rPr lang="en-US" sz="6000" dirty="0">
                 <a:solidFill>
                   <a:schemeClr val="accent1">
                     <a:lumMod val="75000"/>
                   </a:schemeClr>
                 </a:solidFill>
               </a:rPr>
-              <a:t>Les minutes MLOps</a:t>
-            </a:r>
-          </a:p>
-        </p:txBody>
-      </p:sp>
-      <p:sp>
-        <p:nvSpPr>
-          <p:cNvPr id="3" name="Sous-titre 2">
-            <a:extLst>
-              <a:ext uri="{FF2B5EF4-FFF2-40B4-BE49-F238E27FC236}">
-                <a16:creationId xmlns:a16="http://schemas.microsoft.com/office/drawing/2014/main" id="{F17C1392-EAB9-EF81-4082-62F3FD9B4C7D}"/>
-              </a:ext>
-            </a:extLst>
-          </p:cNvPr>
-          <p:cNvSpPr>
-            <a:spLocks noGrp="1"/>
-          </p:cNvSpPr>
-          <p:nvPr>
-            <p:ph type="subTitle" idx="1"/>
-          </p:nvPr>
-        </p:nvSpPr>
-        <p:spPr>
-          <a:xfrm>
-            <a:off x="1524000" y="2946400"/>
-            <a:ext cx="9144000" cy="2901684"/>
-          </a:xfrm>
-        </p:spPr>
-        <p:txBody>
-          <a:bodyPr>
-            <a:normAutofit/>
-          </a:bodyPr>
-          <a:lstStyle/>
-          <a:p>
-            <a:r>
-              <a:rPr lang="fr-FR" sz="4800">
-                <a:solidFill>
-                  <a:srgbClr val="00B0F0"/>
-                </a:solidFill>
-              </a:rPr>
-              <a:t>Bonnes pratiques </a:t>
-            </a:r>
-            <a:r>
-              <a:rPr lang="fr-FR" sz="4800" dirty="0">
-                <a:solidFill>
-                  <a:srgbClr val="00B0F0"/>
-                </a:solidFill>
-              </a:rPr>
-              <a:t>sur les tests unitaires</a:t>
-            </a:r>
-          </a:p>
-        </p:txBody>
-      </p:sp>
-      <p:pic>
-        <p:nvPicPr>
-          <p:cNvPr id="1026" name="Picture 2" descr="My Microsoft MVP Journey - Steve Gordon">
-            <a:extLst>
-              <a:ext uri="{FF2B5EF4-FFF2-40B4-BE49-F238E27FC236}">
-                <a16:creationId xmlns:a16="http://schemas.microsoft.com/office/drawing/2014/main" id="{9CCE3086-E1BE-844B-6F60-A3FFE631047A}"/>
-              </a:ext>
-            </a:extLst>
-          </p:cNvPr>
-          <p:cNvPicPr>
-            <a:picLocks noChangeAspect="1" noChangeArrowheads="1"/>
-          </p:cNvPicPr>
+              <a:t>Covering the “donne_des_sous” Function with </a:t>
+            </a:r>
+            <a:r>
+              <a:rPr lang="en-US" sz="6000">
+                <a:solidFill>
+                  <a:schemeClr val="accent1">
+                    <a:lumMod val="75000"/>
+                  </a:schemeClr>
+                </a:solidFill>
+              </a:rPr>
+              <a:t>Unit Tests</a:t>
+            </a:r>
+            <a:endParaRPr lang="fr-FR" sz="6000" dirty="0">
+              <a:solidFill>
+                <a:schemeClr val="accent1">
+                  <a:lumMod val="75000"/>
+                </a:schemeClr>
+              </a:solidFill>
+            </a:endParaRPr>
+          </a:p>
+        </p:txBody>
+      </p:sp>
+      <p:sp>
+        <p:nvSpPr>
+          <p:cNvPr id="4" name="ZoneTexte 3">
+            <a:extLst>
+              <a:ext uri="{FF2B5EF4-FFF2-40B4-BE49-F238E27FC236}">
+                <a16:creationId xmlns:a16="http://schemas.microsoft.com/office/drawing/2014/main" id="{698748E8-A44E-3944-73E5-46C6156846A9}"/>
+              </a:ext>
+            </a:extLst>
+          </p:cNvPr>
+          <p:cNvSpPr txBox="1"/>
           <p:nvPr/>
-        </p:nvPicPr>
-        <p:blipFill>
-          <a:blip r:embed="rId2">
-            <a:extLst>
-              <a:ext uri="{28A0092B-C50C-407E-A947-70E740481C1C}">
-                <a14:useLocalDpi xmlns:a14="http://schemas.microsoft.com/office/drawing/2010/main" val="0"/>
-              </a:ext>
-            </a:extLst>
-          </a:blip>
-          <a:srcRect/>
-          <a:stretch>
-            <a:fillRect/>
-          </a:stretch>
-        </p:blipFill>
-        <p:spPr bwMode="auto">
-          <a:xfrm>
-            <a:off x="882157" y="6078612"/>
-            <a:ext cx="862542" cy="348467"/>
+        </p:nvSpPr>
+        <p:spPr>
+          <a:xfrm>
+            <a:off x="6244281" y="6155585"/>
+            <a:ext cx="3290453" cy="584775"/>
           </a:xfrm>
           <a:prstGeom prst="rect">
             <a:avLst/>
           </a:prstGeom>
           <a:noFill/>
-          <a:extLst>
-            <a:ext uri="{909E8E84-426E-40DD-AFC4-6F175D3DCCD1}">
-              <a14:hiddenFill xmlns:a14="http://schemas.microsoft.com/office/drawing/2010/main">
-                <a:solidFill>
-                  <a:srgbClr val="FFFFFF"/>
-                </a:solidFill>
-              </a14:hiddenFill>
-            </a:ext>
-          </a:extLst>
-        </p:spPr>
-      </p:pic>
-      <p:sp>
-        <p:nvSpPr>
-          <p:cNvPr id="4" name="ZoneTexte 3">
-            <a:extLst>
-              <a:ext uri="{FF2B5EF4-FFF2-40B4-BE49-F238E27FC236}">
-                <a16:creationId xmlns:a16="http://schemas.microsoft.com/office/drawing/2014/main" id="{698748E8-A44E-3944-73E5-46C6156846A9}"/>
-              </a:ext>
-            </a:extLst>
-          </p:cNvPr>
-          <p:cNvSpPr txBox="1"/>
-          <p:nvPr/>
-        </p:nvSpPr>
-        <p:spPr>
-          <a:xfrm>
-            <a:off x="347330" y="6466281"/>
-            <a:ext cx="1932196" cy="369332"/>
-          </a:xfrm>
-          <a:prstGeom prst="rect">
-            <a:avLst/>
-          </a:prstGeom>
-          <a:noFill/>
         </p:spPr>
         <p:txBody>
           <a:bodyPr wrap="none" rtlCol="0">
@@ -4750,9 +4797,9 @@
           <a:lstStyle/>
           <a:p>
             <a:r>
-              <a:rPr lang="fr-FR" dirty="0">
-                <a:solidFill>
-                  <a:schemeClr val="accent1"/>
+              <a:rPr lang="fr-FR" sz="3200" dirty="0">
+                <a:solidFill>
+                  <a:schemeClr val="bg1"/>
                 </a:solidFill>
               </a:rPr>
               <a:t>Guillaume Chervet</a:t>
@@ -4763,7 +4810,7 @@
     </p:spTree>
     <p:extLst>
       <p:ext uri="{BB962C8B-B14F-4D97-AF65-F5344CB8AC3E}">
-        <p14:creationId xmlns:p14="http://schemas.microsoft.com/office/powerpoint/2010/main" val="2900516700"/>
+        <p14:creationId xmlns:p14="http://schemas.microsoft.com/office/powerpoint/2010/main" val="2285508069"/>
       </p:ext>
     </p:extLst>
   </p:cSld>
@@ -4809,7 +4856,7 @@
         <p:spPr>
           <a:xfrm>
             <a:off x="1524000" y="199496"/>
-            <a:ext cx="9144000" cy="1544637"/>
+            <a:ext cx="9144000" cy="2387600"/>
           </a:xfrm>
         </p:spPr>
         <p:txBody>
@@ -4849,8 +4896,8 @@
         </p:nvSpPr>
         <p:spPr>
           <a:xfrm>
-            <a:off x="1524000" y="2192867"/>
-            <a:ext cx="9144000" cy="2901684"/>
+            <a:off x="1524000" y="2844798"/>
+            <a:ext cx="9144000" cy="1655762"/>
           </a:xfrm>
         </p:spPr>
         <p:txBody>
@@ -4865,23 +4912,7 @@
                   <a:srgbClr val="00B0F0"/>
                 </a:solidFill>
               </a:rPr>
-              <a:t>Solution en mode programmation objet: Rendre son code testable en utilisant l’injection de dépendances (</a:t>
-            </a:r>
-            <a:r>
-              <a:rPr lang="fr-FR" sz="4800">
-                <a:solidFill>
-                  <a:srgbClr val="00B0F0"/>
-                </a:solidFill>
-              </a:rPr>
-              <a:t>partie 2/2</a:t>
-            </a:r>
-            <a:r>
-              <a:rPr lang="fr-FR" sz="4800" dirty="0">
-                <a:solidFill>
-                  <a:srgbClr val="00B0F0"/>
-                </a:solidFill>
-              </a:rPr>
-              <a:t>)</a:t>
+              <a:t>Tout n’est pas aussi beau que la fonction « donne_des_sous » !</a:t>
             </a:r>
           </a:p>
         </p:txBody>
@@ -4975,7 +5006,7 @@
     </p:spTree>
     <p:extLst>
       <p:ext uri="{BB962C8B-B14F-4D97-AF65-F5344CB8AC3E}">
-        <p14:creationId xmlns:p14="http://schemas.microsoft.com/office/powerpoint/2010/main" val="2656392448"/>
+        <p14:creationId xmlns:p14="http://schemas.microsoft.com/office/powerpoint/2010/main" val="1600271831"/>
       </p:ext>
     </p:extLst>
   </p:cSld>
@@ -5021,7 +5052,7 @@
         <p:spPr>
           <a:xfrm>
             <a:off x="1524000" y="199496"/>
-            <a:ext cx="9144000" cy="1544637"/>
+            <a:ext cx="9144000" cy="2387600"/>
           </a:xfrm>
         </p:spPr>
         <p:txBody>
@@ -5061,8 +5092,8 @@
         </p:nvSpPr>
         <p:spPr>
           <a:xfrm>
-            <a:off x="1524000" y="2946400"/>
-            <a:ext cx="9144000" cy="2901684"/>
+            <a:off x="1524000" y="2844798"/>
+            <a:ext cx="9144000" cy="1655762"/>
           </a:xfrm>
         </p:spPr>
         <p:txBody>
@@ -5072,12 +5103,12 @@
           <a:lstStyle/>
           <a:p>
             <a:r>
-              <a:rPr lang="fr-FR" sz="4800">
+              <a:rPr lang="fr-FR" sz="4800" dirty="0" err="1">
                 <a:solidFill>
                   <a:srgbClr val="00B0F0"/>
                 </a:solidFill>
               </a:rPr>
-              <a:t>Bonnes pratiques </a:t>
+              <a:t>Patching</a:t>
             </a:r>
             <a:r>
               <a:rPr lang="fr-FR" sz="4800" dirty="0">
@@ -5085,8 +5116,37 @@
                   <a:srgbClr val="00B0F0"/>
                 </a:solidFill>
               </a:rPr>
-              <a:t>sur les tests unitaires</a:t>
-            </a:r>
+              <a:t> </a:t>
+            </a:r>
+            <a:r>
+              <a:rPr lang="fr-FR" sz="4800" dirty="0" err="1">
+                <a:solidFill>
+                  <a:srgbClr val="00B0F0"/>
+                </a:solidFill>
+              </a:rPr>
+              <a:t>is</a:t>
+            </a:r>
+            <a:r>
+              <a:rPr lang="fr-FR" sz="4800" dirty="0">
+                <a:solidFill>
+                  <a:srgbClr val="00B0F0"/>
+                </a:solidFill>
+              </a:rPr>
+              <a:t> a code </a:t>
+            </a:r>
+            <a:r>
+              <a:rPr lang="fr-FR" sz="4800" dirty="0" err="1">
+                <a:solidFill>
+                  <a:srgbClr val="00B0F0"/>
+                </a:solidFill>
+              </a:rPr>
+              <a:t>smell</a:t>
+            </a:r>
+            <a:endParaRPr lang="fr-FR" sz="4800" dirty="0">
+              <a:solidFill>
+                <a:srgbClr val="00B0F0"/>
+              </a:solidFill>
+            </a:endParaRPr>
           </a:p>
         </p:txBody>
       </p:sp>
@@ -5179,7 +5239,7 @@
     </p:spTree>
     <p:extLst>
       <p:ext uri="{BB962C8B-B14F-4D97-AF65-F5344CB8AC3E}">
-        <p14:creationId xmlns:p14="http://schemas.microsoft.com/office/powerpoint/2010/main" val="2448104374"/>
+        <p14:creationId xmlns:p14="http://schemas.microsoft.com/office/powerpoint/2010/main" val="2923330827"/>
       </p:ext>
     </p:extLst>
   </p:cSld>
@@ -5265,7 +5325,7 @@
         </p:nvSpPr>
         <p:spPr>
           <a:xfrm>
-            <a:off x="1524000" y="2946400"/>
+            <a:off x="1524000" y="2192867"/>
             <a:ext cx="9144000" cy="2901684"/>
           </a:xfrm>
         </p:spPr>
@@ -5281,17 +5341,7 @@
                   <a:srgbClr val="00B0F0"/>
                 </a:solidFill>
               </a:rPr>
-              <a:t>Démystifions le TDD </a:t>
-            </a:r>
-          </a:p>
-          <a:p>
-            <a:r>
-              <a:rPr lang="fr-FR" sz="4800" dirty="0">
-                <a:solidFill>
-                  <a:srgbClr val="00B0F0"/>
-                </a:solidFill>
-              </a:rPr>
-              <a:t>(Test Driven Development)</a:t>
+              <a:t>Solution en mode programmation objet: Rendre son code testable en utilisant l’injection de dépendances (partie 1/2)</a:t>
             </a:r>
           </a:p>
         </p:txBody>
@@ -5385,7 +5435,7 @@
     </p:spTree>
     <p:extLst>
       <p:ext uri="{BB962C8B-B14F-4D97-AF65-F5344CB8AC3E}">
-        <p14:creationId xmlns:p14="http://schemas.microsoft.com/office/powerpoint/2010/main" val="1114911415"/>
+        <p14:creationId xmlns:p14="http://schemas.microsoft.com/office/powerpoint/2010/main" val="122382261"/>
       </p:ext>
     </p:extLst>
   </p:cSld>
@@ -5482,26 +5532,21 @@
           <a:lstStyle/>
           <a:p>
             <a:r>
+              <a:rPr lang="fr-FR" sz="4800">
+                <a:solidFill>
+                  <a:srgbClr val="00B0F0"/>
+                </a:solidFill>
+              </a:rPr>
+              <a:t>Bonnes pratiques </a:t>
+            </a:r>
+            <a:r>
               <a:rPr lang="fr-FR" sz="4800" dirty="0">
                 <a:solidFill>
                   <a:srgbClr val="00B0F0"/>
                 </a:solidFill>
               </a:rPr>
-              <a:t>Un projet IA c’est 100% </a:t>
-            </a:r>
-            <a:r>
-              <a:rPr lang="fr-FR" sz="4800">
-                <a:solidFill>
-                  <a:srgbClr val="00B0F0"/>
-                </a:solidFill>
-              </a:rPr>
-              <a:t>de code !</a:t>
-            </a:r>
-            <a:endParaRPr lang="fr-FR" sz="4800" dirty="0">
-              <a:solidFill>
-                <a:srgbClr val="00B0F0"/>
-              </a:solidFill>
-            </a:endParaRPr>
+              <a:t>sur les tests unitaires</a:t>
+            </a:r>
           </a:p>
         </p:txBody>
       </p:sp>
@@ -5594,7 +5639,7 @@
     </p:spTree>
     <p:extLst>
       <p:ext uri="{BB962C8B-B14F-4D97-AF65-F5344CB8AC3E}">
-        <p14:creationId xmlns:p14="http://schemas.microsoft.com/office/powerpoint/2010/main" val="2821227909"/>
+        <p14:creationId xmlns:p14="http://schemas.microsoft.com/office/powerpoint/2010/main" val="2900516700"/>
       </p:ext>
     </p:extLst>
   </p:cSld>
@@ -5686,7 +5731,7 @@
                   <a:srgbClr val="00B0F0"/>
                 </a:solidFill>
               </a:rPr>
-              <a:t>Pourquoi le MLOps ?</a:t>
+              <a:t>Introduction</a:t>
             </a:r>
           </a:p>
         </p:txBody>
@@ -5694,7 +5739,7 @@
     </p:spTree>
     <p:extLst>
       <p:ext uri="{BB962C8B-B14F-4D97-AF65-F5344CB8AC3E}">
-        <p14:creationId xmlns:p14="http://schemas.microsoft.com/office/powerpoint/2010/main" val="3293311912"/>
+        <p14:creationId xmlns:p14="http://schemas.microsoft.com/office/powerpoint/2010/main" val="2292127470"/>
       </p:ext>
     </p:extLst>
   </p:cSld>
@@ -5780,7 +5825,7 @@
         </p:nvSpPr>
         <p:spPr>
           <a:xfrm>
-            <a:off x="1524000" y="2946400"/>
+            <a:off x="1524000" y="2192867"/>
             <a:ext cx="9144000" cy="2901684"/>
           </a:xfrm>
         </p:spPr>
@@ -5796,7 +5841,7 @@
                   <a:srgbClr val="00B0F0"/>
                 </a:solidFill>
               </a:rPr>
-              <a:t>Les variables </a:t>
+              <a:t>Solution en mode programmation objet: Rendre son code testable en utilisant l’injection de dépendances (</a:t>
             </a:r>
             <a:r>
               <a:rPr lang="fr-FR" sz="4800">
@@ -5804,7 +5849,7 @@
                   <a:srgbClr val="00B0F0"/>
                 </a:solidFill>
               </a:rPr>
-              <a:t>d’environnements et la </a:t>
+              <a:t>partie 2/2</a:t>
             </a:r>
             <a:r>
               <a:rPr lang="fr-FR" sz="4800" dirty="0">
@@ -5812,17 +5857,7 @@
                   <a:srgbClr val="00B0F0"/>
                 </a:solidFill>
               </a:rPr>
-              <a:t>variable Path</a:t>
-            </a:r>
-          </a:p>
-          <a:p>
-            <a:r>
-              <a:rPr lang="fr-FR" sz="4800" dirty="0">
-                <a:solidFill>
-                  <a:srgbClr val="00B0F0"/>
-                </a:solidFill>
-              </a:rPr>
-              <a:t>(Windows)</a:t>
+              <a:t>)</a:t>
             </a:r>
           </a:p>
         </p:txBody>
@@ -5916,7 +5951,7 @@
     </p:spTree>
     <p:extLst>
       <p:ext uri="{BB962C8B-B14F-4D97-AF65-F5344CB8AC3E}">
-        <p14:creationId xmlns:p14="http://schemas.microsoft.com/office/powerpoint/2010/main" val="2699574214"/>
+        <p14:creationId xmlns:p14="http://schemas.microsoft.com/office/powerpoint/2010/main" val="2656392448"/>
       </p:ext>
     </p:extLst>
   </p:cSld>
@@ -6013,12 +6048,20 @@
           <a:lstStyle/>
           <a:p>
             <a:r>
+              <a:rPr lang="fr-FR" sz="4800">
+                <a:solidFill>
+                  <a:srgbClr val="00B0F0"/>
+                </a:solidFill>
+              </a:rPr>
+              <a:t>Bonnes pratiques </a:t>
+            </a:r>
+            <a:r>
               <a:rPr lang="fr-FR" sz="4800" dirty="0">
                 <a:solidFill>
                   <a:srgbClr val="00B0F0"/>
                 </a:solidFill>
               </a:rPr>
-              <a:t>Les variables d’environnements (Linux)</a:t>
+              <a:t>sur les tests unitaires</a:t>
             </a:r>
           </a:p>
         </p:txBody>
@@ -6112,7 +6155,7 @@
     </p:spTree>
     <p:extLst>
       <p:ext uri="{BB962C8B-B14F-4D97-AF65-F5344CB8AC3E}">
-        <p14:creationId xmlns:p14="http://schemas.microsoft.com/office/powerpoint/2010/main" val="3594588809"/>
+        <p14:creationId xmlns:p14="http://schemas.microsoft.com/office/powerpoint/2010/main" val="2448104374"/>
       </p:ext>
     </p:extLst>
   </p:cSld>
@@ -6214,23 +6257,17 @@
                   <a:srgbClr val="00B0F0"/>
                 </a:solidFill>
               </a:rPr>
-              <a:t>Le </a:t>
-            </a:r>
-            <a:r>
-              <a:rPr lang="fr-FR" sz="4800" dirty="0" err="1">
+              <a:t>Démystifions le TDD </a:t>
+            </a:r>
+          </a:p>
+          <a:p>
+            <a:r>
+              <a:rPr lang="fr-FR" sz="4800" dirty="0">
                 <a:solidFill>
                   <a:srgbClr val="00B0F0"/>
                 </a:solidFill>
               </a:rPr>
-              <a:t>versionning</a:t>
-            </a:r>
-            <a:r>
-              <a:rPr lang="fr-FR" sz="4800" dirty="0">
-                <a:solidFill>
-                  <a:srgbClr val="00B0F0"/>
-                </a:solidFill>
-              </a:rPr>
-              <a:t> des librairies</a:t>
+              <a:t>(Test Driven Development)</a:t>
             </a:r>
           </a:p>
         </p:txBody>
@@ -6321,64 +6358,10 @@
           </a:p>
         </p:txBody>
       </p:sp>
-      <p:sp>
-        <p:nvSpPr>
-          <p:cNvPr id="5" name="Étoile : 5 branches 4">
-            <a:extLst>
-              <a:ext uri="{FF2B5EF4-FFF2-40B4-BE49-F238E27FC236}">
-                <a16:creationId xmlns:a16="http://schemas.microsoft.com/office/drawing/2014/main" id="{9DA24571-6FDE-EF83-6A39-E1BD63AD1ED9}"/>
-              </a:ext>
-            </a:extLst>
-          </p:cNvPr>
-          <p:cNvSpPr/>
-          <p:nvPr/>
-        </p:nvSpPr>
-        <p:spPr>
-          <a:xfrm>
-            <a:off x="8017934" y="2032000"/>
-            <a:ext cx="948266" cy="914400"/>
-          </a:xfrm>
-          <a:prstGeom prst="star5">
-            <a:avLst/>
-          </a:prstGeom>
-          <a:solidFill>
-            <a:srgbClr val="FFFF00"/>
-          </a:solidFill>
-          <a:ln>
-            <a:solidFill>
-              <a:srgbClr val="FFFF00"/>
-            </a:solidFill>
-          </a:ln>
-        </p:spPr>
-        <p:style>
-          <a:lnRef idx="2">
-            <a:schemeClr val="accent1">
-              <a:shade val="15000"/>
-            </a:schemeClr>
-          </a:lnRef>
-          <a:fillRef idx="1">
-            <a:schemeClr val="accent1"/>
-          </a:fillRef>
-          <a:effectRef idx="0">
-            <a:schemeClr val="accent1"/>
-          </a:effectRef>
-          <a:fontRef idx="minor">
-            <a:schemeClr val="lt1"/>
-          </a:fontRef>
-        </p:style>
-        <p:txBody>
-          <a:bodyPr rtlCol="0" anchor="ctr"/>
-          <a:lstStyle/>
-          <a:p>
-            <a:pPr algn="ctr"/>
-            <a:endParaRPr lang="fr-FR"/>
-          </a:p>
-        </p:txBody>
-      </p:sp>
     </p:spTree>
     <p:extLst>
       <p:ext uri="{BB962C8B-B14F-4D97-AF65-F5344CB8AC3E}">
-        <p14:creationId xmlns:p14="http://schemas.microsoft.com/office/powerpoint/2010/main" val="3806645917"/>
+        <p14:creationId xmlns:p14="http://schemas.microsoft.com/office/powerpoint/2010/main" val="1114911415"/>
       </p:ext>
     </p:extLst>
   </p:cSld>
@@ -6410,6 +6393,899 @@
           <p:cNvPr id="2" name="Titre 1">
             <a:extLst>
               <a:ext uri="{FF2B5EF4-FFF2-40B4-BE49-F238E27FC236}">
+                <a16:creationId xmlns:a16="http://schemas.microsoft.com/office/drawing/2014/main" id="{25CB8B10-3A1D-CACE-5A8D-D686EA7C44EF}"/>
+              </a:ext>
+            </a:extLst>
+          </p:cNvPr>
+          <p:cNvSpPr>
+            <a:spLocks noGrp="1"/>
+          </p:cNvSpPr>
+          <p:nvPr>
+            <p:ph type="ctrTitle"/>
+          </p:nvPr>
+        </p:nvSpPr>
+        <p:spPr>
+          <a:xfrm>
+            <a:off x="1524000" y="199496"/>
+            <a:ext cx="9144000" cy="1544637"/>
+          </a:xfrm>
+        </p:spPr>
+        <p:txBody>
+          <a:bodyPr>
+            <a:normAutofit fontScale="90000"/>
+          </a:bodyPr>
+          <a:lstStyle/>
+          <a:p>
+            <a:r>
+              <a:rPr lang="fr-FR" sz="9600" dirty="0">
+                <a:solidFill>
+                  <a:schemeClr val="accent1">
+                    <a:lumMod val="75000"/>
+                  </a:schemeClr>
+                </a:solidFill>
+              </a:rPr>
+              <a:t>Les minutes MLOps</a:t>
+            </a:r>
+          </a:p>
+        </p:txBody>
+      </p:sp>
+      <p:sp>
+        <p:nvSpPr>
+          <p:cNvPr id="3" name="Sous-titre 2">
+            <a:extLst>
+              <a:ext uri="{FF2B5EF4-FFF2-40B4-BE49-F238E27FC236}">
+                <a16:creationId xmlns:a16="http://schemas.microsoft.com/office/drawing/2014/main" id="{F17C1392-EAB9-EF81-4082-62F3FD9B4C7D}"/>
+              </a:ext>
+            </a:extLst>
+          </p:cNvPr>
+          <p:cNvSpPr>
+            <a:spLocks noGrp="1"/>
+          </p:cNvSpPr>
+          <p:nvPr>
+            <p:ph type="subTitle" idx="1"/>
+          </p:nvPr>
+        </p:nvSpPr>
+        <p:spPr>
+          <a:xfrm>
+            <a:off x="1524000" y="2946400"/>
+            <a:ext cx="9144000" cy="2901684"/>
+          </a:xfrm>
+        </p:spPr>
+        <p:txBody>
+          <a:bodyPr>
+            <a:normAutofit/>
+          </a:bodyPr>
+          <a:lstStyle/>
+          <a:p>
+            <a:r>
+              <a:rPr lang="fr-FR" sz="4800" dirty="0">
+                <a:solidFill>
+                  <a:srgbClr val="00B0F0"/>
+                </a:solidFill>
+              </a:rPr>
+              <a:t>Un projet IA c’est 100% </a:t>
+            </a:r>
+            <a:r>
+              <a:rPr lang="fr-FR" sz="4800">
+                <a:solidFill>
+                  <a:srgbClr val="00B0F0"/>
+                </a:solidFill>
+              </a:rPr>
+              <a:t>de code !</a:t>
+            </a:r>
+            <a:endParaRPr lang="fr-FR" sz="4800" dirty="0">
+              <a:solidFill>
+                <a:srgbClr val="00B0F0"/>
+              </a:solidFill>
+            </a:endParaRPr>
+          </a:p>
+        </p:txBody>
+      </p:sp>
+      <p:pic>
+        <p:nvPicPr>
+          <p:cNvPr id="1026" name="Picture 2" descr="My Microsoft MVP Journey - Steve Gordon">
+            <a:extLst>
+              <a:ext uri="{FF2B5EF4-FFF2-40B4-BE49-F238E27FC236}">
+                <a16:creationId xmlns:a16="http://schemas.microsoft.com/office/drawing/2014/main" id="{9CCE3086-E1BE-844B-6F60-A3FFE631047A}"/>
+              </a:ext>
+            </a:extLst>
+          </p:cNvPr>
+          <p:cNvPicPr>
+            <a:picLocks noChangeAspect="1" noChangeArrowheads="1"/>
+          </p:cNvPicPr>
+          <p:nvPr/>
+        </p:nvPicPr>
+        <p:blipFill>
+          <a:blip r:embed="rId2">
+            <a:extLst>
+              <a:ext uri="{28A0092B-C50C-407E-A947-70E740481C1C}">
+                <a14:useLocalDpi xmlns:a14="http://schemas.microsoft.com/office/drawing/2010/main" val="0"/>
+              </a:ext>
+            </a:extLst>
+          </a:blip>
+          <a:srcRect/>
+          <a:stretch>
+            <a:fillRect/>
+          </a:stretch>
+        </p:blipFill>
+        <p:spPr bwMode="auto">
+          <a:xfrm>
+            <a:off x="882157" y="6078612"/>
+            <a:ext cx="862542" cy="348467"/>
+          </a:xfrm>
+          <a:prstGeom prst="rect">
+            <a:avLst/>
+          </a:prstGeom>
+          <a:noFill/>
+          <a:extLst>
+            <a:ext uri="{909E8E84-426E-40DD-AFC4-6F175D3DCCD1}">
+              <a14:hiddenFill xmlns:a14="http://schemas.microsoft.com/office/drawing/2010/main">
+                <a:solidFill>
+                  <a:srgbClr val="FFFFFF"/>
+                </a:solidFill>
+              </a14:hiddenFill>
+            </a:ext>
+          </a:extLst>
+        </p:spPr>
+      </p:pic>
+      <p:sp>
+        <p:nvSpPr>
+          <p:cNvPr id="4" name="ZoneTexte 3">
+            <a:extLst>
+              <a:ext uri="{FF2B5EF4-FFF2-40B4-BE49-F238E27FC236}">
+                <a16:creationId xmlns:a16="http://schemas.microsoft.com/office/drawing/2014/main" id="{698748E8-A44E-3944-73E5-46C6156846A9}"/>
+              </a:ext>
+            </a:extLst>
+          </p:cNvPr>
+          <p:cNvSpPr txBox="1"/>
+          <p:nvPr/>
+        </p:nvSpPr>
+        <p:spPr>
+          <a:xfrm>
+            <a:off x="347330" y="6466281"/>
+            <a:ext cx="1932196" cy="369332"/>
+          </a:xfrm>
+          <a:prstGeom prst="rect">
+            <a:avLst/>
+          </a:prstGeom>
+          <a:noFill/>
+        </p:spPr>
+        <p:txBody>
+          <a:bodyPr wrap="none" rtlCol="0">
+            <a:spAutoFit/>
+          </a:bodyPr>
+          <a:lstStyle/>
+          <a:p>
+            <a:r>
+              <a:rPr lang="fr-FR" dirty="0">
+                <a:solidFill>
+                  <a:schemeClr val="accent1"/>
+                </a:solidFill>
+              </a:rPr>
+              <a:t>Guillaume Chervet</a:t>
+            </a:r>
+          </a:p>
+        </p:txBody>
+      </p:sp>
+    </p:spTree>
+    <p:extLst>
+      <p:ext uri="{BB962C8B-B14F-4D97-AF65-F5344CB8AC3E}">
+        <p14:creationId xmlns:p14="http://schemas.microsoft.com/office/powerpoint/2010/main" val="2821227909"/>
+      </p:ext>
+    </p:extLst>
+  </p:cSld>
+  <p:clrMapOvr>
+    <a:masterClrMapping/>
+  </p:clrMapOvr>
+</p:sld>
+</file>
+
+<file path=ppt/slides/slide24.xml><?xml version="1.0" encoding="utf-8"?>
+<p:sld xmlns:a="http://schemas.openxmlformats.org/drawingml/2006/main" xmlns:r="http://schemas.openxmlformats.org/officeDocument/2006/relationships" xmlns:p="http://schemas.openxmlformats.org/presentationml/2006/main">
+  <p:cSld>
+    <p:spTree>
+      <p:nvGrpSpPr>
+        <p:cNvPr id="1" name=""/>
+        <p:cNvGrpSpPr/>
+        <p:nvPr/>
+      </p:nvGrpSpPr>
+      <p:grpSpPr>
+        <a:xfrm>
+          <a:off x="0" y="0"/>
+          <a:ext cx="0" cy="0"/>
+          <a:chOff x="0" y="0"/>
+          <a:chExt cx="0" cy="0"/>
+        </a:xfrm>
+      </p:grpSpPr>
+      <p:sp>
+        <p:nvSpPr>
+          <p:cNvPr id="2" name="Titre 1">
+            <a:extLst>
+              <a:ext uri="{FF2B5EF4-FFF2-40B4-BE49-F238E27FC236}">
+                <a16:creationId xmlns:a16="http://schemas.microsoft.com/office/drawing/2014/main" id="{25CB8B10-3A1D-CACE-5A8D-D686EA7C44EF}"/>
+              </a:ext>
+            </a:extLst>
+          </p:cNvPr>
+          <p:cNvSpPr>
+            <a:spLocks noGrp="1"/>
+          </p:cNvSpPr>
+          <p:nvPr>
+            <p:ph type="ctrTitle"/>
+          </p:nvPr>
+        </p:nvSpPr>
+        <p:spPr>
+          <a:xfrm>
+            <a:off x="1524000" y="199496"/>
+            <a:ext cx="9144000" cy="1544637"/>
+          </a:xfrm>
+        </p:spPr>
+        <p:txBody>
+          <a:bodyPr>
+            <a:normAutofit fontScale="90000"/>
+          </a:bodyPr>
+          <a:lstStyle/>
+          <a:p>
+            <a:r>
+              <a:rPr lang="fr-FR" sz="9600" dirty="0">
+                <a:solidFill>
+                  <a:schemeClr val="accent1">
+                    <a:lumMod val="75000"/>
+                  </a:schemeClr>
+                </a:solidFill>
+              </a:rPr>
+              <a:t>Les minutes MLOps</a:t>
+            </a:r>
+          </a:p>
+        </p:txBody>
+      </p:sp>
+      <p:sp>
+        <p:nvSpPr>
+          <p:cNvPr id="3" name="Sous-titre 2">
+            <a:extLst>
+              <a:ext uri="{FF2B5EF4-FFF2-40B4-BE49-F238E27FC236}">
+                <a16:creationId xmlns:a16="http://schemas.microsoft.com/office/drawing/2014/main" id="{F17C1392-EAB9-EF81-4082-62F3FD9B4C7D}"/>
+              </a:ext>
+            </a:extLst>
+          </p:cNvPr>
+          <p:cNvSpPr>
+            <a:spLocks noGrp="1"/>
+          </p:cNvSpPr>
+          <p:nvPr>
+            <p:ph type="subTitle" idx="1"/>
+          </p:nvPr>
+        </p:nvSpPr>
+        <p:spPr>
+          <a:xfrm>
+            <a:off x="1524000" y="2946400"/>
+            <a:ext cx="9144000" cy="2901684"/>
+          </a:xfrm>
+        </p:spPr>
+        <p:txBody>
+          <a:bodyPr>
+            <a:normAutofit/>
+          </a:bodyPr>
+          <a:lstStyle/>
+          <a:p>
+            <a:r>
+              <a:rPr lang="fr-FR" sz="4800" dirty="0">
+                <a:solidFill>
+                  <a:srgbClr val="00B0F0"/>
+                </a:solidFill>
+              </a:rPr>
+              <a:t>Les variables </a:t>
+            </a:r>
+            <a:r>
+              <a:rPr lang="fr-FR" sz="4800">
+                <a:solidFill>
+                  <a:srgbClr val="00B0F0"/>
+                </a:solidFill>
+              </a:rPr>
+              <a:t>d’environnements et la </a:t>
+            </a:r>
+            <a:r>
+              <a:rPr lang="fr-FR" sz="4800" dirty="0">
+                <a:solidFill>
+                  <a:srgbClr val="00B0F0"/>
+                </a:solidFill>
+              </a:rPr>
+              <a:t>variable Path</a:t>
+            </a:r>
+          </a:p>
+          <a:p>
+            <a:r>
+              <a:rPr lang="fr-FR" sz="4800" dirty="0">
+                <a:solidFill>
+                  <a:srgbClr val="00B0F0"/>
+                </a:solidFill>
+              </a:rPr>
+              <a:t>(Windows)</a:t>
+            </a:r>
+          </a:p>
+        </p:txBody>
+      </p:sp>
+      <p:pic>
+        <p:nvPicPr>
+          <p:cNvPr id="1026" name="Picture 2" descr="My Microsoft MVP Journey - Steve Gordon">
+            <a:extLst>
+              <a:ext uri="{FF2B5EF4-FFF2-40B4-BE49-F238E27FC236}">
+                <a16:creationId xmlns:a16="http://schemas.microsoft.com/office/drawing/2014/main" id="{9CCE3086-E1BE-844B-6F60-A3FFE631047A}"/>
+              </a:ext>
+            </a:extLst>
+          </p:cNvPr>
+          <p:cNvPicPr>
+            <a:picLocks noChangeAspect="1" noChangeArrowheads="1"/>
+          </p:cNvPicPr>
+          <p:nvPr/>
+        </p:nvPicPr>
+        <p:blipFill>
+          <a:blip r:embed="rId2">
+            <a:extLst>
+              <a:ext uri="{28A0092B-C50C-407E-A947-70E740481C1C}">
+                <a14:useLocalDpi xmlns:a14="http://schemas.microsoft.com/office/drawing/2010/main" val="0"/>
+              </a:ext>
+            </a:extLst>
+          </a:blip>
+          <a:srcRect/>
+          <a:stretch>
+            <a:fillRect/>
+          </a:stretch>
+        </p:blipFill>
+        <p:spPr bwMode="auto">
+          <a:xfrm>
+            <a:off x="882157" y="6078612"/>
+            <a:ext cx="862542" cy="348467"/>
+          </a:xfrm>
+          <a:prstGeom prst="rect">
+            <a:avLst/>
+          </a:prstGeom>
+          <a:noFill/>
+          <a:extLst>
+            <a:ext uri="{909E8E84-426E-40DD-AFC4-6F175D3DCCD1}">
+              <a14:hiddenFill xmlns:a14="http://schemas.microsoft.com/office/drawing/2010/main">
+                <a:solidFill>
+                  <a:srgbClr val="FFFFFF"/>
+                </a:solidFill>
+              </a14:hiddenFill>
+            </a:ext>
+          </a:extLst>
+        </p:spPr>
+      </p:pic>
+      <p:sp>
+        <p:nvSpPr>
+          <p:cNvPr id="4" name="ZoneTexte 3">
+            <a:extLst>
+              <a:ext uri="{FF2B5EF4-FFF2-40B4-BE49-F238E27FC236}">
+                <a16:creationId xmlns:a16="http://schemas.microsoft.com/office/drawing/2014/main" id="{698748E8-A44E-3944-73E5-46C6156846A9}"/>
+              </a:ext>
+            </a:extLst>
+          </p:cNvPr>
+          <p:cNvSpPr txBox="1"/>
+          <p:nvPr/>
+        </p:nvSpPr>
+        <p:spPr>
+          <a:xfrm>
+            <a:off x="347330" y="6466281"/>
+            <a:ext cx="1932196" cy="369332"/>
+          </a:xfrm>
+          <a:prstGeom prst="rect">
+            <a:avLst/>
+          </a:prstGeom>
+          <a:noFill/>
+        </p:spPr>
+        <p:txBody>
+          <a:bodyPr wrap="none" rtlCol="0">
+            <a:spAutoFit/>
+          </a:bodyPr>
+          <a:lstStyle/>
+          <a:p>
+            <a:r>
+              <a:rPr lang="fr-FR" dirty="0">
+                <a:solidFill>
+                  <a:schemeClr val="accent1"/>
+                </a:solidFill>
+              </a:rPr>
+              <a:t>Guillaume Chervet</a:t>
+            </a:r>
+          </a:p>
+        </p:txBody>
+      </p:sp>
+    </p:spTree>
+    <p:extLst>
+      <p:ext uri="{BB962C8B-B14F-4D97-AF65-F5344CB8AC3E}">
+        <p14:creationId xmlns:p14="http://schemas.microsoft.com/office/powerpoint/2010/main" val="2699574214"/>
+      </p:ext>
+    </p:extLst>
+  </p:cSld>
+  <p:clrMapOvr>
+    <a:masterClrMapping/>
+  </p:clrMapOvr>
+</p:sld>
+</file>
+
+<file path=ppt/slides/slide25.xml><?xml version="1.0" encoding="utf-8"?>
+<p:sld xmlns:a="http://schemas.openxmlformats.org/drawingml/2006/main" xmlns:r="http://schemas.openxmlformats.org/officeDocument/2006/relationships" xmlns:p="http://schemas.openxmlformats.org/presentationml/2006/main">
+  <p:cSld>
+    <p:spTree>
+      <p:nvGrpSpPr>
+        <p:cNvPr id="1" name=""/>
+        <p:cNvGrpSpPr/>
+        <p:nvPr/>
+      </p:nvGrpSpPr>
+      <p:grpSpPr>
+        <a:xfrm>
+          <a:off x="0" y="0"/>
+          <a:ext cx="0" cy="0"/>
+          <a:chOff x="0" y="0"/>
+          <a:chExt cx="0" cy="0"/>
+        </a:xfrm>
+      </p:grpSpPr>
+      <p:sp>
+        <p:nvSpPr>
+          <p:cNvPr id="2" name="Titre 1">
+            <a:extLst>
+              <a:ext uri="{FF2B5EF4-FFF2-40B4-BE49-F238E27FC236}">
+                <a16:creationId xmlns:a16="http://schemas.microsoft.com/office/drawing/2014/main" id="{25CB8B10-3A1D-CACE-5A8D-D686EA7C44EF}"/>
+              </a:ext>
+            </a:extLst>
+          </p:cNvPr>
+          <p:cNvSpPr>
+            <a:spLocks noGrp="1"/>
+          </p:cNvSpPr>
+          <p:nvPr>
+            <p:ph type="ctrTitle"/>
+          </p:nvPr>
+        </p:nvSpPr>
+        <p:spPr>
+          <a:xfrm>
+            <a:off x="1524000" y="199496"/>
+            <a:ext cx="9144000" cy="1544637"/>
+          </a:xfrm>
+        </p:spPr>
+        <p:txBody>
+          <a:bodyPr>
+            <a:normAutofit fontScale="90000"/>
+          </a:bodyPr>
+          <a:lstStyle/>
+          <a:p>
+            <a:r>
+              <a:rPr lang="fr-FR" sz="9600" dirty="0">
+                <a:solidFill>
+                  <a:schemeClr val="accent1">
+                    <a:lumMod val="75000"/>
+                  </a:schemeClr>
+                </a:solidFill>
+              </a:rPr>
+              <a:t>Les minutes MLOps</a:t>
+            </a:r>
+          </a:p>
+        </p:txBody>
+      </p:sp>
+      <p:sp>
+        <p:nvSpPr>
+          <p:cNvPr id="3" name="Sous-titre 2">
+            <a:extLst>
+              <a:ext uri="{FF2B5EF4-FFF2-40B4-BE49-F238E27FC236}">
+                <a16:creationId xmlns:a16="http://schemas.microsoft.com/office/drawing/2014/main" id="{F17C1392-EAB9-EF81-4082-62F3FD9B4C7D}"/>
+              </a:ext>
+            </a:extLst>
+          </p:cNvPr>
+          <p:cNvSpPr>
+            <a:spLocks noGrp="1"/>
+          </p:cNvSpPr>
+          <p:nvPr>
+            <p:ph type="subTitle" idx="1"/>
+          </p:nvPr>
+        </p:nvSpPr>
+        <p:spPr>
+          <a:xfrm>
+            <a:off x="1524000" y="2946400"/>
+            <a:ext cx="9144000" cy="2901684"/>
+          </a:xfrm>
+        </p:spPr>
+        <p:txBody>
+          <a:bodyPr>
+            <a:normAutofit/>
+          </a:bodyPr>
+          <a:lstStyle/>
+          <a:p>
+            <a:r>
+              <a:rPr lang="fr-FR" sz="4800" dirty="0">
+                <a:solidFill>
+                  <a:srgbClr val="00B0F0"/>
+                </a:solidFill>
+              </a:rPr>
+              <a:t>Les variables d’environnements (Linux)</a:t>
+            </a:r>
+          </a:p>
+        </p:txBody>
+      </p:sp>
+      <p:pic>
+        <p:nvPicPr>
+          <p:cNvPr id="1026" name="Picture 2" descr="My Microsoft MVP Journey - Steve Gordon">
+            <a:extLst>
+              <a:ext uri="{FF2B5EF4-FFF2-40B4-BE49-F238E27FC236}">
+                <a16:creationId xmlns:a16="http://schemas.microsoft.com/office/drawing/2014/main" id="{9CCE3086-E1BE-844B-6F60-A3FFE631047A}"/>
+              </a:ext>
+            </a:extLst>
+          </p:cNvPr>
+          <p:cNvPicPr>
+            <a:picLocks noChangeAspect="1" noChangeArrowheads="1"/>
+          </p:cNvPicPr>
+          <p:nvPr/>
+        </p:nvPicPr>
+        <p:blipFill>
+          <a:blip r:embed="rId2">
+            <a:extLst>
+              <a:ext uri="{28A0092B-C50C-407E-A947-70E740481C1C}">
+                <a14:useLocalDpi xmlns:a14="http://schemas.microsoft.com/office/drawing/2010/main" val="0"/>
+              </a:ext>
+            </a:extLst>
+          </a:blip>
+          <a:srcRect/>
+          <a:stretch>
+            <a:fillRect/>
+          </a:stretch>
+        </p:blipFill>
+        <p:spPr bwMode="auto">
+          <a:xfrm>
+            <a:off x="882157" y="6078612"/>
+            <a:ext cx="862542" cy="348467"/>
+          </a:xfrm>
+          <a:prstGeom prst="rect">
+            <a:avLst/>
+          </a:prstGeom>
+          <a:noFill/>
+          <a:extLst>
+            <a:ext uri="{909E8E84-426E-40DD-AFC4-6F175D3DCCD1}">
+              <a14:hiddenFill xmlns:a14="http://schemas.microsoft.com/office/drawing/2010/main">
+                <a:solidFill>
+                  <a:srgbClr val="FFFFFF"/>
+                </a:solidFill>
+              </a14:hiddenFill>
+            </a:ext>
+          </a:extLst>
+        </p:spPr>
+      </p:pic>
+      <p:sp>
+        <p:nvSpPr>
+          <p:cNvPr id="4" name="ZoneTexte 3">
+            <a:extLst>
+              <a:ext uri="{FF2B5EF4-FFF2-40B4-BE49-F238E27FC236}">
+                <a16:creationId xmlns:a16="http://schemas.microsoft.com/office/drawing/2014/main" id="{698748E8-A44E-3944-73E5-46C6156846A9}"/>
+              </a:ext>
+            </a:extLst>
+          </p:cNvPr>
+          <p:cNvSpPr txBox="1"/>
+          <p:nvPr/>
+        </p:nvSpPr>
+        <p:spPr>
+          <a:xfrm>
+            <a:off x="347330" y="6466281"/>
+            <a:ext cx="1932196" cy="369332"/>
+          </a:xfrm>
+          <a:prstGeom prst="rect">
+            <a:avLst/>
+          </a:prstGeom>
+          <a:noFill/>
+        </p:spPr>
+        <p:txBody>
+          <a:bodyPr wrap="none" rtlCol="0">
+            <a:spAutoFit/>
+          </a:bodyPr>
+          <a:lstStyle/>
+          <a:p>
+            <a:r>
+              <a:rPr lang="fr-FR" dirty="0">
+                <a:solidFill>
+                  <a:schemeClr val="accent1"/>
+                </a:solidFill>
+              </a:rPr>
+              <a:t>Guillaume Chervet</a:t>
+            </a:r>
+          </a:p>
+        </p:txBody>
+      </p:sp>
+    </p:spTree>
+    <p:extLst>
+      <p:ext uri="{BB962C8B-B14F-4D97-AF65-F5344CB8AC3E}">
+        <p14:creationId xmlns:p14="http://schemas.microsoft.com/office/powerpoint/2010/main" val="3594588809"/>
+      </p:ext>
+    </p:extLst>
+  </p:cSld>
+  <p:clrMapOvr>
+    <a:masterClrMapping/>
+  </p:clrMapOvr>
+</p:sld>
+</file>
+
+<file path=ppt/slides/slide26.xml><?xml version="1.0" encoding="utf-8"?>
+<p:sld xmlns:a="http://schemas.openxmlformats.org/drawingml/2006/main" xmlns:r="http://schemas.openxmlformats.org/officeDocument/2006/relationships" xmlns:p="http://schemas.openxmlformats.org/presentationml/2006/main">
+  <p:cSld>
+    <p:spTree>
+      <p:nvGrpSpPr>
+        <p:cNvPr id="1" name=""/>
+        <p:cNvGrpSpPr/>
+        <p:nvPr/>
+      </p:nvGrpSpPr>
+      <p:grpSpPr>
+        <a:xfrm>
+          <a:off x="0" y="0"/>
+          <a:ext cx="0" cy="0"/>
+          <a:chOff x="0" y="0"/>
+          <a:chExt cx="0" cy="0"/>
+        </a:xfrm>
+      </p:grpSpPr>
+      <p:sp>
+        <p:nvSpPr>
+          <p:cNvPr id="2" name="Titre 1">
+            <a:extLst>
+              <a:ext uri="{FF2B5EF4-FFF2-40B4-BE49-F238E27FC236}">
+                <a16:creationId xmlns:a16="http://schemas.microsoft.com/office/drawing/2014/main" id="{25CB8B10-3A1D-CACE-5A8D-D686EA7C44EF}"/>
+              </a:ext>
+            </a:extLst>
+          </p:cNvPr>
+          <p:cNvSpPr>
+            <a:spLocks noGrp="1"/>
+          </p:cNvSpPr>
+          <p:nvPr>
+            <p:ph type="ctrTitle"/>
+          </p:nvPr>
+        </p:nvSpPr>
+        <p:spPr>
+          <a:xfrm>
+            <a:off x="1524000" y="199496"/>
+            <a:ext cx="9144000" cy="1544637"/>
+          </a:xfrm>
+        </p:spPr>
+        <p:txBody>
+          <a:bodyPr>
+            <a:normAutofit fontScale="90000"/>
+          </a:bodyPr>
+          <a:lstStyle/>
+          <a:p>
+            <a:r>
+              <a:rPr lang="fr-FR" sz="9600" dirty="0">
+                <a:solidFill>
+                  <a:schemeClr val="accent1">
+                    <a:lumMod val="75000"/>
+                  </a:schemeClr>
+                </a:solidFill>
+              </a:rPr>
+              <a:t>Les minutes MLOps</a:t>
+            </a:r>
+          </a:p>
+        </p:txBody>
+      </p:sp>
+      <p:sp>
+        <p:nvSpPr>
+          <p:cNvPr id="3" name="Sous-titre 2">
+            <a:extLst>
+              <a:ext uri="{FF2B5EF4-FFF2-40B4-BE49-F238E27FC236}">
+                <a16:creationId xmlns:a16="http://schemas.microsoft.com/office/drawing/2014/main" id="{F17C1392-EAB9-EF81-4082-62F3FD9B4C7D}"/>
+              </a:ext>
+            </a:extLst>
+          </p:cNvPr>
+          <p:cNvSpPr>
+            <a:spLocks noGrp="1"/>
+          </p:cNvSpPr>
+          <p:nvPr>
+            <p:ph type="subTitle" idx="1"/>
+          </p:nvPr>
+        </p:nvSpPr>
+        <p:spPr>
+          <a:xfrm>
+            <a:off x="1524000" y="2946400"/>
+            <a:ext cx="9144000" cy="2901684"/>
+          </a:xfrm>
+        </p:spPr>
+        <p:txBody>
+          <a:bodyPr>
+            <a:normAutofit/>
+          </a:bodyPr>
+          <a:lstStyle/>
+          <a:p>
+            <a:r>
+              <a:rPr lang="fr-FR" sz="4800" dirty="0">
+                <a:solidFill>
+                  <a:srgbClr val="00B0F0"/>
+                </a:solidFill>
+              </a:rPr>
+              <a:t>Le </a:t>
+            </a:r>
+            <a:r>
+              <a:rPr lang="fr-FR" sz="4800" dirty="0" err="1">
+                <a:solidFill>
+                  <a:srgbClr val="00B0F0"/>
+                </a:solidFill>
+              </a:rPr>
+              <a:t>versionning</a:t>
+            </a:r>
+            <a:r>
+              <a:rPr lang="fr-FR" sz="4800" dirty="0">
+                <a:solidFill>
+                  <a:srgbClr val="00B0F0"/>
+                </a:solidFill>
+              </a:rPr>
+              <a:t> des librairies</a:t>
+            </a:r>
+          </a:p>
+        </p:txBody>
+      </p:sp>
+      <p:pic>
+        <p:nvPicPr>
+          <p:cNvPr id="1026" name="Picture 2" descr="My Microsoft MVP Journey - Steve Gordon">
+            <a:extLst>
+              <a:ext uri="{FF2B5EF4-FFF2-40B4-BE49-F238E27FC236}">
+                <a16:creationId xmlns:a16="http://schemas.microsoft.com/office/drawing/2014/main" id="{9CCE3086-E1BE-844B-6F60-A3FFE631047A}"/>
+              </a:ext>
+            </a:extLst>
+          </p:cNvPr>
+          <p:cNvPicPr>
+            <a:picLocks noChangeAspect="1" noChangeArrowheads="1"/>
+          </p:cNvPicPr>
+          <p:nvPr/>
+        </p:nvPicPr>
+        <p:blipFill>
+          <a:blip r:embed="rId2">
+            <a:extLst>
+              <a:ext uri="{28A0092B-C50C-407E-A947-70E740481C1C}">
+                <a14:useLocalDpi xmlns:a14="http://schemas.microsoft.com/office/drawing/2010/main" val="0"/>
+              </a:ext>
+            </a:extLst>
+          </a:blip>
+          <a:srcRect/>
+          <a:stretch>
+            <a:fillRect/>
+          </a:stretch>
+        </p:blipFill>
+        <p:spPr bwMode="auto">
+          <a:xfrm>
+            <a:off x="882157" y="6078612"/>
+            <a:ext cx="862542" cy="348467"/>
+          </a:xfrm>
+          <a:prstGeom prst="rect">
+            <a:avLst/>
+          </a:prstGeom>
+          <a:noFill/>
+          <a:extLst>
+            <a:ext uri="{909E8E84-426E-40DD-AFC4-6F175D3DCCD1}">
+              <a14:hiddenFill xmlns:a14="http://schemas.microsoft.com/office/drawing/2010/main">
+                <a:solidFill>
+                  <a:srgbClr val="FFFFFF"/>
+                </a:solidFill>
+              </a14:hiddenFill>
+            </a:ext>
+          </a:extLst>
+        </p:spPr>
+      </p:pic>
+      <p:sp>
+        <p:nvSpPr>
+          <p:cNvPr id="4" name="ZoneTexte 3">
+            <a:extLst>
+              <a:ext uri="{FF2B5EF4-FFF2-40B4-BE49-F238E27FC236}">
+                <a16:creationId xmlns:a16="http://schemas.microsoft.com/office/drawing/2014/main" id="{698748E8-A44E-3944-73E5-46C6156846A9}"/>
+              </a:ext>
+            </a:extLst>
+          </p:cNvPr>
+          <p:cNvSpPr txBox="1"/>
+          <p:nvPr/>
+        </p:nvSpPr>
+        <p:spPr>
+          <a:xfrm>
+            <a:off x="347330" y="6466281"/>
+            <a:ext cx="1932196" cy="369332"/>
+          </a:xfrm>
+          <a:prstGeom prst="rect">
+            <a:avLst/>
+          </a:prstGeom>
+          <a:noFill/>
+        </p:spPr>
+        <p:txBody>
+          <a:bodyPr wrap="none" rtlCol="0">
+            <a:spAutoFit/>
+          </a:bodyPr>
+          <a:lstStyle/>
+          <a:p>
+            <a:r>
+              <a:rPr lang="fr-FR" dirty="0">
+                <a:solidFill>
+                  <a:schemeClr val="accent1"/>
+                </a:solidFill>
+              </a:rPr>
+              <a:t>Guillaume Chervet</a:t>
+            </a:r>
+          </a:p>
+        </p:txBody>
+      </p:sp>
+      <p:sp>
+        <p:nvSpPr>
+          <p:cNvPr id="5" name="Étoile : 5 branches 4">
+            <a:extLst>
+              <a:ext uri="{FF2B5EF4-FFF2-40B4-BE49-F238E27FC236}">
+                <a16:creationId xmlns:a16="http://schemas.microsoft.com/office/drawing/2014/main" id="{9DA24571-6FDE-EF83-6A39-E1BD63AD1ED9}"/>
+              </a:ext>
+            </a:extLst>
+          </p:cNvPr>
+          <p:cNvSpPr/>
+          <p:nvPr/>
+        </p:nvSpPr>
+        <p:spPr>
+          <a:xfrm>
+            <a:off x="8017934" y="2032000"/>
+            <a:ext cx="948266" cy="914400"/>
+          </a:xfrm>
+          <a:prstGeom prst="star5">
+            <a:avLst/>
+          </a:prstGeom>
+          <a:solidFill>
+            <a:srgbClr val="FFFF00"/>
+          </a:solidFill>
+          <a:ln>
+            <a:solidFill>
+              <a:srgbClr val="FFFF00"/>
+            </a:solidFill>
+          </a:ln>
+        </p:spPr>
+        <p:style>
+          <a:lnRef idx="2">
+            <a:schemeClr val="accent1">
+              <a:shade val="15000"/>
+            </a:schemeClr>
+          </a:lnRef>
+          <a:fillRef idx="1">
+            <a:schemeClr val="accent1"/>
+          </a:fillRef>
+          <a:effectRef idx="0">
+            <a:schemeClr val="accent1"/>
+          </a:effectRef>
+          <a:fontRef idx="minor">
+            <a:schemeClr val="lt1"/>
+          </a:fontRef>
+        </p:style>
+        <p:txBody>
+          <a:bodyPr rtlCol="0" anchor="ctr"/>
+          <a:lstStyle/>
+          <a:p>
+            <a:pPr algn="ctr"/>
+            <a:endParaRPr lang="fr-FR"/>
+          </a:p>
+        </p:txBody>
+      </p:sp>
+    </p:spTree>
+    <p:extLst>
+      <p:ext uri="{BB962C8B-B14F-4D97-AF65-F5344CB8AC3E}">
+        <p14:creationId xmlns:p14="http://schemas.microsoft.com/office/powerpoint/2010/main" val="3806645917"/>
+      </p:ext>
+    </p:extLst>
+  </p:cSld>
+  <p:clrMapOvr>
+    <a:masterClrMapping/>
+  </p:clrMapOvr>
+</p:sld>
+</file>
+
+<file path=ppt/slides/slide27.xml><?xml version="1.0" encoding="utf-8"?>
+<p:sld xmlns:a="http://schemas.openxmlformats.org/drawingml/2006/main" xmlns:r="http://schemas.openxmlformats.org/officeDocument/2006/relationships" xmlns:p="http://schemas.openxmlformats.org/presentationml/2006/main">
+  <p:cSld>
+    <p:spTree>
+      <p:nvGrpSpPr>
+        <p:cNvPr id="1" name=""/>
+        <p:cNvGrpSpPr/>
+        <p:nvPr/>
+      </p:nvGrpSpPr>
+      <p:grpSpPr>
+        <a:xfrm>
+          <a:off x="0" y="0"/>
+          <a:ext cx="0" cy="0"/>
+          <a:chOff x="0" y="0"/>
+          <a:chExt cx="0" cy="0"/>
+        </a:xfrm>
+      </p:grpSpPr>
+      <p:sp>
+        <p:nvSpPr>
+          <p:cNvPr id="2" name="Titre 1">
+            <a:extLst>
+              <a:ext uri="{FF2B5EF4-FFF2-40B4-BE49-F238E27FC236}">
                 <a16:creationId xmlns:a16="http://schemas.microsoft.com/office/drawing/2014/main" id="{B2A7DFFE-1CE5-1D58-889B-4845130EB05D}"/>
               </a:ext>
             </a:extLst>
@@ -6603,7 +7479,7 @@
 </p:sld>
 </file>
 
-<file path=ppt/slides/slide24.xml><?xml version="1.0" encoding="utf-8"?>
+<file path=ppt/slides/slide28.xml><?xml version="1.0" encoding="utf-8"?>
 <p:sld xmlns:a="http://schemas.openxmlformats.org/drawingml/2006/main" xmlns:r="http://schemas.openxmlformats.org/officeDocument/2006/relationships" xmlns:p="http://schemas.openxmlformats.org/presentationml/2006/main">
   <p:cSld>
     <p:spTree>
@@ -6896,795 +7772,6 @@
 </p:sld>
 </file>
 
-<file path=ppt/slides/slide25.xml><?xml version="1.0" encoding="utf-8"?>
-<p:sld xmlns:a="http://schemas.openxmlformats.org/drawingml/2006/main" xmlns:r="http://schemas.openxmlformats.org/officeDocument/2006/relationships" xmlns:p="http://schemas.openxmlformats.org/presentationml/2006/main">
-  <p:cSld>
-    <p:spTree>
-      <p:nvGrpSpPr>
-        <p:cNvPr id="1" name=""/>
-        <p:cNvGrpSpPr/>
-        <p:nvPr/>
-      </p:nvGrpSpPr>
-      <p:grpSpPr>
-        <a:xfrm>
-          <a:off x="0" y="0"/>
-          <a:ext cx="0" cy="0"/>
-          <a:chOff x="0" y="0"/>
-          <a:chExt cx="0" cy="0"/>
-        </a:xfrm>
-      </p:grpSpPr>
-      <p:sp>
-        <p:nvSpPr>
-          <p:cNvPr id="2" name="Titre 1">
-            <a:extLst>
-              <a:ext uri="{FF2B5EF4-FFF2-40B4-BE49-F238E27FC236}">
-                <a16:creationId xmlns:a16="http://schemas.microsoft.com/office/drawing/2014/main" id="{D4D8C6E8-F7BE-2873-DE98-4BC0A18B05D9}"/>
-              </a:ext>
-            </a:extLst>
-          </p:cNvPr>
-          <p:cNvSpPr>
-            <a:spLocks noGrp="1"/>
-          </p:cNvSpPr>
-          <p:nvPr>
-            <p:ph type="title"/>
-          </p:nvPr>
-        </p:nvSpPr>
-        <p:spPr/>
-        <p:txBody>
-          <a:bodyPr/>
-          <a:lstStyle/>
-          <a:p>
-            <a:endParaRPr lang="fr-FR"/>
-          </a:p>
-        </p:txBody>
-      </p:sp>
-      <p:sp>
-        <p:nvSpPr>
-          <p:cNvPr id="3" name="Espace réservé du contenu 2">
-            <a:extLst>
-              <a:ext uri="{FF2B5EF4-FFF2-40B4-BE49-F238E27FC236}">
-                <a16:creationId xmlns:a16="http://schemas.microsoft.com/office/drawing/2014/main" id="{8DC32CCE-DE5D-9C0D-7A24-9C90BABB0EAB}"/>
-              </a:ext>
-            </a:extLst>
-          </p:cNvPr>
-          <p:cNvSpPr>
-            <a:spLocks noGrp="1"/>
-          </p:cNvSpPr>
-          <p:nvPr>
-            <p:ph idx="1"/>
-          </p:nvPr>
-        </p:nvSpPr>
-        <p:spPr/>
-        <p:txBody>
-          <a:bodyPr/>
-          <a:lstStyle/>
-          <a:p>
-            <a:r>
-              <a:rPr lang="en-US" dirty="0">
-                <a:hlinkClick r:id="rId2"/>
-              </a:rPr>
-              <a:t>PEP 440 – Version Identification and Dependency Specification | peps.python.org</a:t>
-            </a:r>
-            <a:endParaRPr lang="en-US" dirty="0"/>
-          </a:p>
-          <a:p>
-            <a:endParaRPr lang="fr-FR" dirty="0">
-              <a:hlinkClick r:id="rId3"/>
-            </a:endParaRPr>
-          </a:p>
-          <a:p>
-            <a:r>
-              <a:rPr lang="fr-FR" dirty="0" err="1">
-                <a:hlinkClick r:id="rId3"/>
-              </a:rPr>
-              <a:t>Requirement</a:t>
-            </a:r>
-            <a:r>
-              <a:rPr lang="fr-FR" dirty="0">
-                <a:hlinkClick r:id="rId3"/>
-              </a:rPr>
-              <a:t> </a:t>
-            </a:r>
-            <a:r>
-              <a:rPr lang="fr-FR" dirty="0" err="1">
-                <a:hlinkClick r:id="rId3"/>
-              </a:rPr>
-              <a:t>Specifiers</a:t>
-            </a:r>
-            <a:r>
-              <a:rPr lang="fr-FR" dirty="0">
-                <a:hlinkClick r:id="rId3"/>
-              </a:rPr>
-              <a:t> - </a:t>
-            </a:r>
-            <a:r>
-              <a:rPr lang="fr-FR" dirty="0" err="1">
-                <a:hlinkClick r:id="rId3"/>
-              </a:rPr>
-              <a:t>pip</a:t>
-            </a:r>
-            <a:r>
-              <a:rPr lang="fr-FR" dirty="0">
-                <a:hlinkClick r:id="rId3"/>
-              </a:rPr>
-              <a:t> documentation v23.2.1 (pypa.io)</a:t>
-            </a:r>
-            <a:endParaRPr lang="fr-FR" dirty="0"/>
-          </a:p>
-          <a:p>
-            <a:r>
-              <a:rPr lang="en-US" dirty="0">
-                <a:hlinkClick r:id="rId4"/>
-              </a:rPr>
-              <a:t>PEP 440 – Version Identification and Dependency Specification | peps.python.org</a:t>
-            </a:r>
-            <a:endParaRPr lang="en-US" dirty="0"/>
-          </a:p>
-          <a:p>
-            <a:endParaRPr lang="fr-FR" dirty="0"/>
-          </a:p>
-        </p:txBody>
-      </p:sp>
-    </p:spTree>
-    <p:extLst>
-      <p:ext uri="{BB962C8B-B14F-4D97-AF65-F5344CB8AC3E}">
-        <p14:creationId xmlns:p14="http://schemas.microsoft.com/office/powerpoint/2010/main" val="3000645470"/>
-      </p:ext>
-    </p:extLst>
-  </p:cSld>
-  <p:clrMapOvr>
-    <a:masterClrMapping/>
-  </p:clrMapOvr>
-</p:sld>
-</file>
-
-<file path=ppt/slides/slide26.xml><?xml version="1.0" encoding="utf-8"?>
-<p:sld xmlns:a="http://schemas.openxmlformats.org/drawingml/2006/main" xmlns:r="http://schemas.openxmlformats.org/officeDocument/2006/relationships" xmlns:p="http://schemas.openxmlformats.org/presentationml/2006/main">
-  <p:cSld>
-    <p:spTree>
-      <p:nvGrpSpPr>
-        <p:cNvPr id="1" name=""/>
-        <p:cNvGrpSpPr/>
-        <p:nvPr/>
-      </p:nvGrpSpPr>
-      <p:grpSpPr>
-        <a:xfrm>
-          <a:off x="0" y="0"/>
-          <a:ext cx="0" cy="0"/>
-          <a:chOff x="0" y="0"/>
-          <a:chExt cx="0" cy="0"/>
-        </a:xfrm>
-      </p:grpSpPr>
-      <p:sp>
-        <p:nvSpPr>
-          <p:cNvPr id="2" name="Titre 1">
-            <a:extLst>
-              <a:ext uri="{FF2B5EF4-FFF2-40B4-BE49-F238E27FC236}">
-                <a16:creationId xmlns:a16="http://schemas.microsoft.com/office/drawing/2014/main" id="{EA559834-E13F-E071-94D7-06CCD10872AC}"/>
-              </a:ext>
-            </a:extLst>
-          </p:cNvPr>
-          <p:cNvSpPr>
-            <a:spLocks noGrp="1"/>
-          </p:cNvSpPr>
-          <p:nvPr>
-            <p:ph type="title"/>
-          </p:nvPr>
-        </p:nvSpPr>
-        <p:spPr/>
-        <p:txBody>
-          <a:bodyPr/>
-          <a:lstStyle/>
-          <a:p>
-            <a:endParaRPr lang="fr-FR"/>
-          </a:p>
-        </p:txBody>
-      </p:sp>
-      <p:sp>
-        <p:nvSpPr>
-          <p:cNvPr id="3" name="Espace réservé du contenu 2">
-            <a:extLst>
-              <a:ext uri="{FF2B5EF4-FFF2-40B4-BE49-F238E27FC236}">
-                <a16:creationId xmlns:a16="http://schemas.microsoft.com/office/drawing/2014/main" id="{31CC382F-D657-495F-FAD0-FC0743E10897}"/>
-              </a:ext>
-            </a:extLst>
-          </p:cNvPr>
-          <p:cNvSpPr>
-            <a:spLocks noGrp="1"/>
-          </p:cNvSpPr>
-          <p:nvPr>
-            <p:ph idx="1"/>
-          </p:nvPr>
-        </p:nvSpPr>
-        <p:spPr/>
-        <p:txBody>
-          <a:bodyPr>
-            <a:normAutofit/>
-          </a:bodyPr>
-          <a:lstStyle/>
-          <a:p>
-            <a:pPr marL="0" indent="0">
-              <a:buNone/>
-            </a:pPr>
-            <a:r>
-              <a:rPr lang="fr-FR" sz="6000" dirty="0"/>
-              <a:t>Conda</a:t>
-            </a:r>
-          </a:p>
-          <a:p>
-            <a:pPr marL="0" indent="0">
-              <a:buNone/>
-            </a:pPr>
-            <a:r>
-              <a:rPr lang="fr-FR" sz="6000" dirty="0"/>
-              <a:t>Pipenv</a:t>
-            </a:r>
-          </a:p>
-          <a:p>
-            <a:pPr marL="0" indent="0">
-              <a:buNone/>
-            </a:pPr>
-            <a:r>
-              <a:rPr lang="fr-FR" sz="6000" dirty="0"/>
-              <a:t>Poetry</a:t>
-            </a:r>
-          </a:p>
-        </p:txBody>
-      </p:sp>
-    </p:spTree>
-    <p:extLst>
-      <p:ext uri="{BB962C8B-B14F-4D97-AF65-F5344CB8AC3E}">
-        <p14:creationId xmlns:p14="http://schemas.microsoft.com/office/powerpoint/2010/main" val="2342116524"/>
-      </p:ext>
-    </p:extLst>
-  </p:cSld>
-  <p:clrMapOvr>
-    <a:masterClrMapping/>
-  </p:clrMapOvr>
-</p:sld>
-</file>
-
-<file path=ppt/slides/slide27.xml><?xml version="1.0" encoding="utf-8"?>
-<p:sld xmlns:a="http://schemas.openxmlformats.org/drawingml/2006/main" xmlns:r="http://schemas.openxmlformats.org/officeDocument/2006/relationships" xmlns:p="http://schemas.openxmlformats.org/presentationml/2006/main">
-  <p:cSld>
-    <p:spTree>
-      <p:nvGrpSpPr>
-        <p:cNvPr id="1" name=""/>
-        <p:cNvGrpSpPr/>
-        <p:nvPr/>
-      </p:nvGrpSpPr>
-      <p:grpSpPr>
-        <a:xfrm>
-          <a:off x="0" y="0"/>
-          <a:ext cx="0" cy="0"/>
-          <a:chOff x="0" y="0"/>
-          <a:chExt cx="0" cy="0"/>
-        </a:xfrm>
-      </p:grpSpPr>
-      <p:sp>
-        <p:nvSpPr>
-          <p:cNvPr id="2" name="Titre 1">
-            <a:extLst>
-              <a:ext uri="{FF2B5EF4-FFF2-40B4-BE49-F238E27FC236}">
-                <a16:creationId xmlns:a16="http://schemas.microsoft.com/office/drawing/2014/main" id="{EA559834-E13F-E071-94D7-06CCD10872AC}"/>
-              </a:ext>
-            </a:extLst>
-          </p:cNvPr>
-          <p:cNvSpPr>
-            <a:spLocks noGrp="1"/>
-          </p:cNvSpPr>
-          <p:nvPr>
-            <p:ph type="title"/>
-          </p:nvPr>
-        </p:nvSpPr>
-        <p:spPr/>
-        <p:txBody>
-          <a:bodyPr/>
-          <a:lstStyle/>
-          <a:p>
-            <a:endParaRPr lang="fr-FR"/>
-          </a:p>
-        </p:txBody>
-      </p:sp>
-      <p:sp>
-        <p:nvSpPr>
-          <p:cNvPr id="3" name="Espace réservé du contenu 2">
-            <a:extLst>
-              <a:ext uri="{FF2B5EF4-FFF2-40B4-BE49-F238E27FC236}">
-                <a16:creationId xmlns:a16="http://schemas.microsoft.com/office/drawing/2014/main" id="{31CC382F-D657-495F-FAD0-FC0743E10897}"/>
-              </a:ext>
-            </a:extLst>
-          </p:cNvPr>
-          <p:cNvSpPr>
-            <a:spLocks noGrp="1"/>
-          </p:cNvSpPr>
-          <p:nvPr>
-            <p:ph idx="1"/>
-          </p:nvPr>
-        </p:nvSpPr>
-        <p:spPr/>
-        <p:txBody>
-          <a:bodyPr>
-            <a:normAutofit/>
-          </a:bodyPr>
-          <a:lstStyle/>
-          <a:p>
-            <a:pPr>
-              <a:buFont typeface="Wingdings" panose="05000000000000000000" pitchFamily="2" charset="2"/>
-              <a:buChar char="Ø"/>
-            </a:pPr>
-            <a:r>
-              <a:rPr lang="fr-FR" sz="4000" b="0" i="0" dirty="0" err="1">
-                <a:solidFill>
-                  <a:srgbClr val="212529"/>
-                </a:solidFill>
-                <a:effectLst/>
-                <a:latin typeface="SFMono-Regular"/>
-              </a:rPr>
-              <a:t>pip</a:t>
-            </a:r>
-            <a:r>
-              <a:rPr lang="fr-FR" sz="4000" b="0" i="0" dirty="0">
-                <a:solidFill>
-                  <a:srgbClr val="212529"/>
-                </a:solidFill>
-                <a:effectLst/>
-                <a:latin typeface="SFMono-Regular"/>
-              </a:rPr>
-              <a:t> </a:t>
-            </a:r>
-            <a:r>
-              <a:rPr lang="fr-FR" sz="4000" b="0" i="0" dirty="0" err="1">
-                <a:solidFill>
-                  <a:srgbClr val="212529"/>
-                </a:solidFill>
-                <a:effectLst/>
-                <a:latin typeface="SFMono-Regular"/>
-              </a:rPr>
-              <a:t>install</a:t>
-            </a:r>
-            <a:r>
-              <a:rPr lang="fr-FR" sz="4000" b="0" i="0" dirty="0">
-                <a:solidFill>
-                  <a:srgbClr val="212529"/>
-                </a:solidFill>
-                <a:effectLst/>
-                <a:latin typeface="SFMono-Regular"/>
-              </a:rPr>
-              <a:t> --user </a:t>
-            </a:r>
-            <a:r>
-              <a:rPr lang="fr-FR" sz="4000" b="0" i="0" dirty="0" err="1">
-                <a:solidFill>
-                  <a:srgbClr val="212529"/>
-                </a:solidFill>
-                <a:effectLst/>
-                <a:latin typeface="SFMono-Regular"/>
-              </a:rPr>
-              <a:t>scikit-learn</a:t>
-            </a:r>
-            <a:r>
-              <a:rPr lang="fr-FR" sz="4000" b="0" i="0" dirty="0">
-                <a:solidFill>
-                  <a:srgbClr val="212529"/>
-                </a:solidFill>
-                <a:effectLst/>
-                <a:latin typeface="SFMono-Regular"/>
-              </a:rPr>
-              <a:t> </a:t>
-            </a:r>
-          </a:p>
-          <a:p>
-            <a:pPr>
-              <a:buFont typeface="Wingdings" panose="05000000000000000000" pitchFamily="2" charset="2"/>
-              <a:buChar char="Ø"/>
-            </a:pPr>
-            <a:r>
-              <a:rPr lang="fr-FR" sz="4000" b="0" i="0" dirty="0" err="1">
-                <a:solidFill>
-                  <a:srgbClr val="212529"/>
-                </a:solidFill>
-                <a:effectLst/>
-                <a:latin typeface="SFMono-Regular"/>
-              </a:rPr>
-              <a:t>pip</a:t>
-            </a:r>
-            <a:r>
-              <a:rPr lang="fr-FR" sz="4000" b="0" i="0" dirty="0">
-                <a:solidFill>
-                  <a:srgbClr val="212529"/>
-                </a:solidFill>
-                <a:effectLst/>
-                <a:latin typeface="SFMono-Regular"/>
-              </a:rPr>
-              <a:t> </a:t>
-            </a:r>
-            <a:r>
-              <a:rPr lang="fr-FR" sz="4000" b="0" i="0" dirty="0" err="1">
-                <a:solidFill>
-                  <a:srgbClr val="212529"/>
-                </a:solidFill>
-                <a:effectLst/>
-                <a:latin typeface="SFMono-Regular"/>
-              </a:rPr>
-              <a:t>install</a:t>
-            </a:r>
-            <a:r>
-              <a:rPr lang="fr-FR" sz="4000" b="0" i="0" dirty="0">
-                <a:solidFill>
-                  <a:srgbClr val="212529"/>
-                </a:solidFill>
-                <a:effectLst/>
-                <a:latin typeface="SFMono-Regular"/>
-              </a:rPr>
-              <a:t> --user </a:t>
-            </a:r>
-            <a:r>
-              <a:rPr lang="fr-FR" sz="4000" b="0" i="0" dirty="0" err="1">
-                <a:solidFill>
-                  <a:srgbClr val="212529"/>
-                </a:solidFill>
-                <a:effectLst/>
-                <a:latin typeface="SFMono-Regular"/>
-              </a:rPr>
-              <a:t>scikit-learn</a:t>
-            </a:r>
-            <a:r>
-              <a:rPr lang="fr-FR" sz="4000" b="0" i="0" dirty="0">
-                <a:solidFill>
-                  <a:srgbClr val="212529"/>
-                </a:solidFill>
-                <a:effectLst/>
-                <a:latin typeface="SFMono-Regular"/>
-              </a:rPr>
-              <a:t>&gt;=1.3.*</a:t>
-            </a:r>
-          </a:p>
-          <a:p>
-            <a:pPr>
-              <a:buFont typeface="Wingdings" panose="05000000000000000000" pitchFamily="2" charset="2"/>
-              <a:buChar char="Ø"/>
-            </a:pPr>
-            <a:r>
-              <a:rPr lang="fr-FR" sz="4000" b="0" i="0" dirty="0" err="1">
-                <a:solidFill>
-                  <a:srgbClr val="212529"/>
-                </a:solidFill>
-                <a:effectLst/>
-                <a:latin typeface="SFMono-Regular"/>
-              </a:rPr>
-              <a:t>pip</a:t>
-            </a:r>
-            <a:r>
-              <a:rPr lang="fr-FR" sz="4000" b="0" i="0" dirty="0">
-                <a:solidFill>
-                  <a:srgbClr val="212529"/>
-                </a:solidFill>
-                <a:effectLst/>
-                <a:latin typeface="SFMono-Regular"/>
-              </a:rPr>
-              <a:t> </a:t>
-            </a:r>
-            <a:r>
-              <a:rPr lang="fr-FR" sz="4000" b="0" i="0" dirty="0" err="1">
-                <a:solidFill>
-                  <a:srgbClr val="212529"/>
-                </a:solidFill>
-                <a:effectLst/>
-                <a:latin typeface="SFMono-Regular"/>
-              </a:rPr>
-              <a:t>install</a:t>
-            </a:r>
-            <a:r>
-              <a:rPr lang="fr-FR" sz="4000" b="0" i="0" dirty="0">
-                <a:solidFill>
-                  <a:srgbClr val="212529"/>
-                </a:solidFill>
-                <a:effectLst/>
-                <a:latin typeface="SFMono-Regular"/>
-              </a:rPr>
-              <a:t> --user </a:t>
-            </a:r>
-            <a:r>
-              <a:rPr lang="fr-FR" sz="4000" b="0" i="0" dirty="0" err="1">
-                <a:solidFill>
-                  <a:srgbClr val="212529"/>
-                </a:solidFill>
-                <a:effectLst/>
-                <a:latin typeface="SFMono-Regular"/>
-              </a:rPr>
-              <a:t>scikit-learn</a:t>
-            </a:r>
-            <a:r>
-              <a:rPr lang="fr-FR" sz="4000" b="0" i="0" dirty="0">
-                <a:solidFill>
-                  <a:srgbClr val="212529"/>
-                </a:solidFill>
-                <a:effectLst/>
-                <a:latin typeface="SFMono-Regular"/>
-              </a:rPr>
-              <a:t>~=1.3.0</a:t>
-            </a:r>
-          </a:p>
-          <a:p>
-            <a:pPr>
-              <a:buFont typeface="Wingdings" panose="05000000000000000000" pitchFamily="2" charset="2"/>
-              <a:buChar char="Ø"/>
-            </a:pPr>
-            <a:endParaRPr lang="fr-FR" sz="4400" b="0" i="0" dirty="0">
-              <a:solidFill>
-                <a:srgbClr val="212529"/>
-              </a:solidFill>
-              <a:effectLst/>
-              <a:latin typeface="SFMono-Regular"/>
-            </a:endParaRPr>
-          </a:p>
-          <a:p>
-            <a:pPr>
-              <a:buFont typeface="Wingdings" panose="05000000000000000000" pitchFamily="2" charset="2"/>
-              <a:buChar char="Ø"/>
-            </a:pPr>
-            <a:endParaRPr lang="fr-FR" sz="4400" b="0" i="0" dirty="0">
-              <a:solidFill>
-                <a:srgbClr val="212529"/>
-              </a:solidFill>
-              <a:effectLst/>
-              <a:latin typeface="SFMono-Regular"/>
-            </a:endParaRPr>
-          </a:p>
-          <a:p>
-            <a:pPr>
-              <a:buFont typeface="Wingdings" panose="05000000000000000000" pitchFamily="2" charset="2"/>
-              <a:buChar char="Ø"/>
-            </a:pPr>
-            <a:endParaRPr lang="fr-FR" sz="4400" b="0" i="0" dirty="0">
-              <a:solidFill>
-                <a:srgbClr val="212529"/>
-              </a:solidFill>
-              <a:effectLst/>
-              <a:latin typeface="SFMono-Regular"/>
-            </a:endParaRPr>
-          </a:p>
-          <a:p>
-            <a:pPr marL="0" indent="0">
-              <a:buNone/>
-            </a:pPr>
-            <a:endParaRPr lang="fr-FR" sz="6000" dirty="0"/>
-          </a:p>
-        </p:txBody>
-      </p:sp>
-    </p:spTree>
-    <p:extLst>
-      <p:ext uri="{BB962C8B-B14F-4D97-AF65-F5344CB8AC3E}">
-        <p14:creationId xmlns:p14="http://schemas.microsoft.com/office/powerpoint/2010/main" val="649089696"/>
-      </p:ext>
-    </p:extLst>
-  </p:cSld>
-  <p:clrMapOvr>
-    <a:masterClrMapping/>
-  </p:clrMapOvr>
-</p:sld>
-</file>
-
-<file path=ppt/slides/slide28.xml><?xml version="1.0" encoding="utf-8"?>
-<p:sld xmlns:a="http://schemas.openxmlformats.org/drawingml/2006/main" xmlns:r="http://schemas.openxmlformats.org/officeDocument/2006/relationships" xmlns:p="http://schemas.openxmlformats.org/presentationml/2006/main">
-  <p:cSld>
-    <p:spTree>
-      <p:nvGrpSpPr>
-        <p:cNvPr id="1" name=""/>
-        <p:cNvGrpSpPr/>
-        <p:nvPr/>
-      </p:nvGrpSpPr>
-      <p:grpSpPr>
-        <a:xfrm>
-          <a:off x="0" y="0"/>
-          <a:ext cx="0" cy="0"/>
-          <a:chOff x="0" y="0"/>
-          <a:chExt cx="0" cy="0"/>
-        </a:xfrm>
-      </p:grpSpPr>
-      <p:sp>
-        <p:nvSpPr>
-          <p:cNvPr id="2" name="Titre 1">
-            <a:extLst>
-              <a:ext uri="{FF2B5EF4-FFF2-40B4-BE49-F238E27FC236}">
-                <a16:creationId xmlns:a16="http://schemas.microsoft.com/office/drawing/2014/main" id="{25CB8B10-3A1D-CACE-5A8D-D686EA7C44EF}"/>
-              </a:ext>
-            </a:extLst>
-          </p:cNvPr>
-          <p:cNvSpPr>
-            <a:spLocks noGrp="1"/>
-          </p:cNvSpPr>
-          <p:nvPr>
-            <p:ph type="ctrTitle"/>
-          </p:nvPr>
-        </p:nvSpPr>
-        <p:spPr>
-          <a:xfrm>
-            <a:off x="1524000" y="199496"/>
-            <a:ext cx="9144000" cy="1544637"/>
-          </a:xfrm>
-        </p:spPr>
-        <p:txBody>
-          <a:bodyPr>
-            <a:normAutofit fontScale="90000"/>
-          </a:bodyPr>
-          <a:lstStyle/>
-          <a:p>
-            <a:r>
-              <a:rPr lang="fr-FR" sz="9600" dirty="0">
-                <a:solidFill>
-                  <a:schemeClr val="accent1">
-                    <a:lumMod val="75000"/>
-                  </a:schemeClr>
-                </a:solidFill>
-              </a:rPr>
-              <a:t>Les minutes MLOps</a:t>
-            </a:r>
-          </a:p>
-        </p:txBody>
-      </p:sp>
-      <p:sp>
-        <p:nvSpPr>
-          <p:cNvPr id="3" name="Sous-titre 2">
-            <a:extLst>
-              <a:ext uri="{FF2B5EF4-FFF2-40B4-BE49-F238E27FC236}">
-                <a16:creationId xmlns:a16="http://schemas.microsoft.com/office/drawing/2014/main" id="{F17C1392-EAB9-EF81-4082-62F3FD9B4C7D}"/>
-              </a:ext>
-            </a:extLst>
-          </p:cNvPr>
-          <p:cNvSpPr>
-            <a:spLocks noGrp="1"/>
-          </p:cNvSpPr>
-          <p:nvPr>
-            <p:ph type="subTitle" idx="1"/>
-          </p:nvPr>
-        </p:nvSpPr>
-        <p:spPr>
-          <a:xfrm>
-            <a:off x="1524000" y="2946400"/>
-            <a:ext cx="9144000" cy="2901684"/>
-          </a:xfrm>
-        </p:spPr>
-        <p:txBody>
-          <a:bodyPr>
-            <a:normAutofit/>
-          </a:bodyPr>
-          <a:lstStyle/>
-          <a:p>
-            <a:r>
-              <a:rPr lang="fr-FR" sz="4800" dirty="0">
-                <a:solidFill>
-                  <a:srgbClr val="00B0F0"/>
-                </a:solidFill>
-              </a:rPr>
-              <a:t>Mise en place d’un </a:t>
-            </a:r>
-            <a:r>
-              <a:rPr lang="fr-FR" sz="4800">
-                <a:solidFill>
-                  <a:srgbClr val="00B0F0"/>
-                </a:solidFill>
-              </a:rPr>
-              <a:t>alias « python »</a:t>
-            </a:r>
-            <a:endParaRPr lang="fr-FR" sz="4800" dirty="0">
-              <a:solidFill>
-                <a:srgbClr val="00B0F0"/>
-              </a:solidFill>
-            </a:endParaRPr>
-          </a:p>
-          <a:p>
-            <a:r>
-              <a:rPr lang="fr-FR" sz="4800" dirty="0">
-                <a:solidFill>
-                  <a:srgbClr val="00B0F0"/>
-                </a:solidFill>
-              </a:rPr>
-              <a:t>(linux)</a:t>
-            </a:r>
-          </a:p>
-        </p:txBody>
-      </p:sp>
-      <p:pic>
-        <p:nvPicPr>
-          <p:cNvPr id="1026" name="Picture 2" descr="My Microsoft MVP Journey - Steve Gordon">
-            <a:extLst>
-              <a:ext uri="{FF2B5EF4-FFF2-40B4-BE49-F238E27FC236}">
-                <a16:creationId xmlns:a16="http://schemas.microsoft.com/office/drawing/2014/main" id="{9CCE3086-E1BE-844B-6F60-A3FFE631047A}"/>
-              </a:ext>
-            </a:extLst>
-          </p:cNvPr>
-          <p:cNvPicPr>
-            <a:picLocks noChangeAspect="1" noChangeArrowheads="1"/>
-          </p:cNvPicPr>
-          <p:nvPr/>
-        </p:nvPicPr>
-        <p:blipFill>
-          <a:blip r:embed="rId2">
-            <a:extLst>
-              <a:ext uri="{28A0092B-C50C-407E-A947-70E740481C1C}">
-                <a14:useLocalDpi xmlns:a14="http://schemas.microsoft.com/office/drawing/2010/main" val="0"/>
-              </a:ext>
-            </a:extLst>
-          </a:blip>
-          <a:srcRect/>
-          <a:stretch>
-            <a:fillRect/>
-          </a:stretch>
-        </p:blipFill>
-        <p:spPr bwMode="auto">
-          <a:xfrm>
-            <a:off x="882157" y="6078612"/>
-            <a:ext cx="862542" cy="348467"/>
-          </a:xfrm>
-          <a:prstGeom prst="rect">
-            <a:avLst/>
-          </a:prstGeom>
-          <a:noFill/>
-          <a:extLst>
-            <a:ext uri="{909E8E84-426E-40DD-AFC4-6F175D3DCCD1}">
-              <a14:hiddenFill xmlns:a14="http://schemas.microsoft.com/office/drawing/2010/main">
-                <a:solidFill>
-                  <a:srgbClr val="FFFFFF"/>
-                </a:solidFill>
-              </a14:hiddenFill>
-            </a:ext>
-          </a:extLst>
-        </p:spPr>
-      </p:pic>
-      <p:sp>
-        <p:nvSpPr>
-          <p:cNvPr id="4" name="ZoneTexte 3">
-            <a:extLst>
-              <a:ext uri="{FF2B5EF4-FFF2-40B4-BE49-F238E27FC236}">
-                <a16:creationId xmlns:a16="http://schemas.microsoft.com/office/drawing/2014/main" id="{698748E8-A44E-3944-73E5-46C6156846A9}"/>
-              </a:ext>
-            </a:extLst>
-          </p:cNvPr>
-          <p:cNvSpPr txBox="1"/>
-          <p:nvPr/>
-        </p:nvSpPr>
-        <p:spPr>
-          <a:xfrm>
-            <a:off x="347330" y="6466281"/>
-            <a:ext cx="1932196" cy="369332"/>
-          </a:xfrm>
-          <a:prstGeom prst="rect">
-            <a:avLst/>
-          </a:prstGeom>
-          <a:noFill/>
-        </p:spPr>
-        <p:txBody>
-          <a:bodyPr wrap="none" rtlCol="0">
-            <a:spAutoFit/>
-          </a:bodyPr>
-          <a:lstStyle/>
-          <a:p>
-            <a:r>
-              <a:rPr lang="fr-FR" dirty="0">
-                <a:solidFill>
-                  <a:schemeClr val="accent1"/>
-                </a:solidFill>
-              </a:rPr>
-              <a:t>Guillaume Chervet</a:t>
-            </a:r>
-          </a:p>
-        </p:txBody>
-      </p:sp>
-    </p:spTree>
-    <p:extLst>
-      <p:ext uri="{BB962C8B-B14F-4D97-AF65-F5344CB8AC3E}">
-        <p14:creationId xmlns:p14="http://schemas.microsoft.com/office/powerpoint/2010/main" val="3364992147"/>
-      </p:ext>
-    </p:extLst>
-  </p:cSld>
-  <p:clrMapOvr>
-    <a:masterClrMapping/>
-  </p:clrMapOvr>
-</p:sld>
-</file>
-
 <file path=ppt/slides/slide29.xml><?xml version="1.0" encoding="utf-8"?>
 <p:sld xmlns:a="http://schemas.openxmlformats.org/drawingml/2006/main" xmlns:r="http://schemas.openxmlformats.org/officeDocument/2006/relationships" xmlns:p="http://schemas.openxmlformats.org/presentationml/2006/main">
   <p:cSld>
@@ -7707,181 +7794,117 @@
           <p:cNvPr id="2" name="Titre 1">
             <a:extLst>
               <a:ext uri="{FF2B5EF4-FFF2-40B4-BE49-F238E27FC236}">
-                <a16:creationId xmlns:a16="http://schemas.microsoft.com/office/drawing/2014/main" id="{25CB8B10-3A1D-CACE-5A8D-D686EA7C44EF}"/>
-              </a:ext>
-            </a:extLst>
-          </p:cNvPr>
-          <p:cNvSpPr>
-            <a:spLocks noGrp="1"/>
-          </p:cNvSpPr>
-          <p:nvPr>
-            <p:ph type="ctrTitle"/>
-          </p:nvPr>
-        </p:nvSpPr>
-        <p:spPr>
-          <a:xfrm>
-            <a:off x="1524000" y="199496"/>
-            <a:ext cx="9144000" cy="1544637"/>
-          </a:xfrm>
-        </p:spPr>
-        <p:txBody>
-          <a:bodyPr>
-            <a:normAutofit fontScale="90000"/>
-          </a:bodyPr>
-          <a:lstStyle/>
-          <a:p>
-            <a:r>
-              <a:rPr lang="fr-FR" sz="9600" dirty="0">
-                <a:solidFill>
-                  <a:schemeClr val="accent1">
-                    <a:lumMod val="75000"/>
-                  </a:schemeClr>
-                </a:solidFill>
-              </a:rPr>
-              <a:t>Les minutes MLOps</a:t>
-            </a:r>
-          </a:p>
-        </p:txBody>
-      </p:sp>
-      <p:sp>
-        <p:nvSpPr>
-          <p:cNvPr id="3" name="Sous-titre 2">
-            <a:extLst>
-              <a:ext uri="{FF2B5EF4-FFF2-40B4-BE49-F238E27FC236}">
-                <a16:creationId xmlns:a16="http://schemas.microsoft.com/office/drawing/2014/main" id="{F17C1392-EAB9-EF81-4082-62F3FD9B4C7D}"/>
-              </a:ext>
-            </a:extLst>
-          </p:cNvPr>
-          <p:cNvSpPr>
-            <a:spLocks noGrp="1"/>
-          </p:cNvSpPr>
-          <p:nvPr>
-            <p:ph type="subTitle" idx="1"/>
-          </p:nvPr>
-        </p:nvSpPr>
-        <p:spPr>
-          <a:xfrm>
-            <a:off x="1524000" y="2946400"/>
-            <a:ext cx="9144000" cy="2901684"/>
-          </a:xfrm>
-        </p:spPr>
-        <p:txBody>
-          <a:bodyPr>
-            <a:normAutofit/>
-          </a:bodyPr>
-          <a:lstStyle/>
-          <a:p>
-            <a:r>
-              <a:rPr lang="fr-FR" sz="4800" dirty="0">
-                <a:solidFill>
-                  <a:srgbClr val="00B0F0"/>
-                </a:solidFill>
-              </a:rPr>
-              <a:t>Installation de Pipenv </a:t>
-            </a:r>
-          </a:p>
-          <a:p>
-            <a:r>
-              <a:rPr lang="fr-FR" sz="4800" dirty="0">
-                <a:solidFill>
-                  <a:srgbClr val="00B0F0"/>
-                </a:solidFill>
-              </a:rPr>
-              <a:t>(linux)</a:t>
-            </a:r>
-          </a:p>
-        </p:txBody>
-      </p:sp>
-      <p:pic>
-        <p:nvPicPr>
-          <p:cNvPr id="1026" name="Picture 2" descr="My Microsoft MVP Journey - Steve Gordon">
-            <a:extLst>
-              <a:ext uri="{FF2B5EF4-FFF2-40B4-BE49-F238E27FC236}">
-                <a16:creationId xmlns:a16="http://schemas.microsoft.com/office/drawing/2014/main" id="{9CCE3086-E1BE-844B-6F60-A3FFE631047A}"/>
-              </a:ext>
-            </a:extLst>
-          </p:cNvPr>
-          <p:cNvPicPr>
-            <a:picLocks noChangeAspect="1" noChangeArrowheads="1"/>
-          </p:cNvPicPr>
-          <p:nvPr/>
-        </p:nvPicPr>
-        <p:blipFill>
-          <a:blip r:embed="rId2">
-            <a:extLst>
-              <a:ext uri="{28A0092B-C50C-407E-A947-70E740481C1C}">
-                <a14:useLocalDpi xmlns:a14="http://schemas.microsoft.com/office/drawing/2010/main" val="0"/>
-              </a:ext>
-            </a:extLst>
-          </a:blip>
-          <a:srcRect/>
-          <a:stretch>
-            <a:fillRect/>
-          </a:stretch>
-        </p:blipFill>
-        <p:spPr bwMode="auto">
-          <a:xfrm>
-            <a:off x="882157" y="6078612"/>
-            <a:ext cx="862542" cy="348467"/>
-          </a:xfrm>
-          <a:prstGeom prst="rect">
-            <a:avLst/>
-          </a:prstGeom>
-          <a:noFill/>
-          <a:extLst>
-            <a:ext uri="{909E8E84-426E-40DD-AFC4-6F175D3DCCD1}">
-              <a14:hiddenFill xmlns:a14="http://schemas.microsoft.com/office/drawing/2010/main">
-                <a:solidFill>
-                  <a:srgbClr val="FFFFFF"/>
-                </a:solidFill>
-              </a14:hiddenFill>
-            </a:ext>
-          </a:extLst>
-        </p:spPr>
-      </p:pic>
-      <p:sp>
-        <p:nvSpPr>
-          <p:cNvPr id="4" name="ZoneTexte 3">
-            <a:extLst>
-              <a:ext uri="{FF2B5EF4-FFF2-40B4-BE49-F238E27FC236}">
-                <a16:creationId xmlns:a16="http://schemas.microsoft.com/office/drawing/2014/main" id="{698748E8-A44E-3944-73E5-46C6156846A9}"/>
-              </a:ext>
-            </a:extLst>
-          </p:cNvPr>
-          <p:cNvSpPr txBox="1"/>
-          <p:nvPr/>
-        </p:nvSpPr>
-        <p:spPr>
-          <a:xfrm>
-            <a:off x="347330" y="6466281"/>
-            <a:ext cx="1932196" cy="369332"/>
-          </a:xfrm>
-          <a:prstGeom prst="rect">
-            <a:avLst/>
-          </a:prstGeom>
-          <a:noFill/>
-        </p:spPr>
-        <p:txBody>
-          <a:bodyPr wrap="none" rtlCol="0">
-            <a:spAutoFit/>
-          </a:bodyPr>
-          <a:lstStyle/>
-          <a:p>
+                <a16:creationId xmlns:a16="http://schemas.microsoft.com/office/drawing/2014/main" id="{D4D8C6E8-F7BE-2873-DE98-4BC0A18B05D9}"/>
+              </a:ext>
+            </a:extLst>
+          </p:cNvPr>
+          <p:cNvSpPr>
+            <a:spLocks noGrp="1"/>
+          </p:cNvSpPr>
+          <p:nvPr>
+            <p:ph type="title"/>
+          </p:nvPr>
+        </p:nvSpPr>
+        <p:spPr/>
+        <p:txBody>
+          <a:bodyPr/>
+          <a:lstStyle/>
+          <a:p>
+            <a:endParaRPr lang="fr-FR"/>
+          </a:p>
+        </p:txBody>
+      </p:sp>
+      <p:sp>
+        <p:nvSpPr>
+          <p:cNvPr id="3" name="Espace réservé du contenu 2">
+            <a:extLst>
+              <a:ext uri="{FF2B5EF4-FFF2-40B4-BE49-F238E27FC236}">
+                <a16:creationId xmlns:a16="http://schemas.microsoft.com/office/drawing/2014/main" id="{8DC32CCE-DE5D-9C0D-7A24-9C90BABB0EAB}"/>
+              </a:ext>
+            </a:extLst>
+          </p:cNvPr>
+          <p:cNvSpPr>
+            <a:spLocks noGrp="1"/>
+          </p:cNvSpPr>
+          <p:nvPr>
+            <p:ph idx="1"/>
+          </p:nvPr>
+        </p:nvSpPr>
+        <p:spPr/>
+        <p:txBody>
+          <a:bodyPr/>
+          <a:lstStyle/>
+          <a:p>
+            <a:r>
+              <a:rPr lang="en-US" dirty="0">
+                <a:hlinkClick r:id="rId2"/>
+              </a:rPr>
+              <a:t>PEP 440 – Version Identification and Dependency Specification | peps.python.org</a:t>
+            </a:r>
+            <a:endParaRPr lang="en-US" dirty="0"/>
+          </a:p>
+          <a:p>
+            <a:endParaRPr lang="fr-FR" dirty="0">
+              <a:hlinkClick r:id="rId3"/>
+            </a:endParaRPr>
+          </a:p>
+          <a:p>
+            <a:r>
+              <a:rPr lang="fr-FR" dirty="0" err="1">
+                <a:hlinkClick r:id="rId3"/>
+              </a:rPr>
+              <a:t>Requirement</a:t>
+            </a:r>
             <a:r>
               <a:rPr lang="fr-FR" dirty="0">
-                <a:solidFill>
-                  <a:schemeClr val="accent1"/>
-                </a:solidFill>
-              </a:rPr>
-              <a:t>Guillaume Chervet</a:t>
-            </a:r>
+                <a:hlinkClick r:id="rId3"/>
+              </a:rPr>
+              <a:t> </a:t>
+            </a:r>
+            <a:r>
+              <a:rPr lang="fr-FR" dirty="0" err="1">
+                <a:hlinkClick r:id="rId3"/>
+              </a:rPr>
+              <a:t>Specifiers</a:t>
+            </a:r>
+            <a:r>
+              <a:rPr lang="fr-FR" dirty="0">
+                <a:hlinkClick r:id="rId3"/>
+              </a:rPr>
+              <a:t> - </a:t>
+            </a:r>
+            <a:r>
+              <a:rPr lang="fr-FR" dirty="0" err="1">
+                <a:hlinkClick r:id="rId3"/>
+              </a:rPr>
+              <a:t>pip</a:t>
+            </a:r>
+            <a:r>
+              <a:rPr lang="fr-FR" dirty="0">
+                <a:hlinkClick r:id="rId3"/>
+              </a:rPr>
+              <a:t> documentation v23.2.1 (pypa.io)</a:t>
+            </a:r>
+            <a:endParaRPr lang="fr-FR" dirty="0"/>
+          </a:p>
+          <a:p>
+            <a:r>
+              <a:rPr lang="en-US" dirty="0">
+                <a:hlinkClick r:id="rId4"/>
+              </a:rPr>
+              <a:t>PEP 440 – Version Identification and Dependency Specification | peps.python.org</a:t>
+            </a:r>
+            <a:endParaRPr lang="en-US" dirty="0"/>
+          </a:p>
+          <a:p>
+            <a:endParaRPr lang="fr-FR" dirty="0"/>
           </a:p>
         </p:txBody>
       </p:sp>
     </p:spTree>
     <p:extLst>
       <p:ext uri="{BB962C8B-B14F-4D97-AF65-F5344CB8AC3E}">
-        <p14:creationId xmlns:p14="http://schemas.microsoft.com/office/powerpoint/2010/main" val="809491732"/>
+        <p14:creationId xmlns:p14="http://schemas.microsoft.com/office/powerpoint/2010/main" val="3000645470"/>
       </p:ext>
     </p:extLst>
   </p:cSld>
@@ -7973,84 +7996,15 @@
                   <a:srgbClr val="00B0F0"/>
                 </a:solidFill>
               </a:rPr>
-              <a:t>Qu’est ce que le MLOps ?</a:t>
-            </a:r>
-          </a:p>
-        </p:txBody>
-      </p:sp>
-      <p:sp>
-        <p:nvSpPr>
-          <p:cNvPr id="5" name="ZoneTexte 4">
-            <a:extLst>
-              <a:ext uri="{FF2B5EF4-FFF2-40B4-BE49-F238E27FC236}">
-                <a16:creationId xmlns:a16="http://schemas.microsoft.com/office/drawing/2014/main" id="{889C6BD5-3826-A342-C082-468A049A0678}"/>
-              </a:ext>
-            </a:extLst>
-          </p:cNvPr>
-          <p:cNvSpPr txBox="1"/>
-          <p:nvPr/>
-        </p:nvSpPr>
-        <p:spPr>
-          <a:xfrm>
-            <a:off x="5334566" y="5165209"/>
-            <a:ext cx="1388533" cy="369332"/>
-          </a:xfrm>
-          <a:prstGeom prst="rect">
-            <a:avLst/>
-          </a:prstGeom>
-          <a:noFill/>
-        </p:spPr>
-        <p:txBody>
-          <a:bodyPr wrap="square">
-            <a:spAutoFit/>
-          </a:bodyPr>
-          <a:lstStyle/>
-          <a:p>
-            <a:r>
-              <a:rPr lang="fr-FR" dirty="0">
-                <a:solidFill>
-                  <a:schemeClr val="accent1"/>
-                </a:solidFill>
-              </a:rPr>
-              <a:t>@guichervet</a:t>
-            </a:r>
-          </a:p>
-        </p:txBody>
-      </p:sp>
-      <p:pic>
-        <p:nvPicPr>
-          <p:cNvPr id="7" name="Image 6">
-            <a:extLst>
-              <a:ext uri="{FF2B5EF4-FFF2-40B4-BE49-F238E27FC236}">
-                <a16:creationId xmlns:a16="http://schemas.microsoft.com/office/drawing/2014/main" id="{E69B9254-F585-7649-2547-C12847DBE6E2}"/>
-              </a:ext>
-            </a:extLst>
-          </p:cNvPr>
-          <p:cNvPicPr>
-            <a:picLocks noChangeAspect="1"/>
-          </p:cNvPicPr>
-          <p:nvPr/>
-        </p:nvPicPr>
-        <p:blipFill>
-          <a:blip r:embed="rId2"/>
-          <a:stretch>
-            <a:fillRect/>
-          </a:stretch>
-        </p:blipFill>
-        <p:spPr>
-          <a:xfrm>
-            <a:off x="4867765" y="5126007"/>
-            <a:ext cx="543001" cy="447737"/>
-          </a:xfrm>
-          <a:prstGeom prst="rect">
-            <a:avLst/>
-          </a:prstGeom>
-        </p:spPr>
-      </p:pic>
+              <a:t>Pourquoi le MLOps ?</a:t>
+            </a:r>
+          </a:p>
+        </p:txBody>
+      </p:sp>
     </p:spTree>
     <p:extLst>
       <p:ext uri="{BB962C8B-B14F-4D97-AF65-F5344CB8AC3E}">
-        <p14:creationId xmlns:p14="http://schemas.microsoft.com/office/powerpoint/2010/main" val="3607901625"/>
+        <p14:creationId xmlns:p14="http://schemas.microsoft.com/office/powerpoint/2010/main" val="3293311912"/>
       </p:ext>
     </p:extLst>
   </p:cSld>
@@ -8082,189 +8036,73 @@
           <p:cNvPr id="2" name="Titre 1">
             <a:extLst>
               <a:ext uri="{FF2B5EF4-FFF2-40B4-BE49-F238E27FC236}">
-                <a16:creationId xmlns:a16="http://schemas.microsoft.com/office/drawing/2014/main" id="{25CB8B10-3A1D-CACE-5A8D-D686EA7C44EF}"/>
-              </a:ext>
-            </a:extLst>
-          </p:cNvPr>
-          <p:cNvSpPr>
-            <a:spLocks noGrp="1"/>
-          </p:cNvSpPr>
-          <p:nvPr>
-            <p:ph type="ctrTitle"/>
-          </p:nvPr>
-        </p:nvSpPr>
-        <p:spPr>
-          <a:xfrm>
-            <a:off x="1524000" y="199496"/>
-            <a:ext cx="9144000" cy="1544637"/>
-          </a:xfrm>
-        </p:spPr>
-        <p:txBody>
-          <a:bodyPr>
-            <a:normAutofit fontScale="90000"/>
-          </a:bodyPr>
-          <a:lstStyle/>
-          <a:p>
-            <a:r>
-              <a:rPr lang="fr-FR" sz="9600" dirty="0">
-                <a:solidFill>
-                  <a:schemeClr val="accent1">
-                    <a:lumMod val="75000"/>
-                  </a:schemeClr>
-                </a:solidFill>
-              </a:rPr>
-              <a:t>Les minutes MLOps</a:t>
-            </a:r>
-          </a:p>
-        </p:txBody>
-      </p:sp>
-      <p:sp>
-        <p:nvSpPr>
-          <p:cNvPr id="3" name="Sous-titre 2">
-            <a:extLst>
-              <a:ext uri="{FF2B5EF4-FFF2-40B4-BE49-F238E27FC236}">
-                <a16:creationId xmlns:a16="http://schemas.microsoft.com/office/drawing/2014/main" id="{F17C1392-EAB9-EF81-4082-62F3FD9B4C7D}"/>
-              </a:ext>
-            </a:extLst>
-          </p:cNvPr>
-          <p:cNvSpPr>
-            <a:spLocks noGrp="1"/>
-          </p:cNvSpPr>
-          <p:nvPr>
-            <p:ph type="subTitle" idx="1"/>
-          </p:nvPr>
-        </p:nvSpPr>
-        <p:spPr>
-          <a:xfrm>
-            <a:off x="1524000" y="2946400"/>
-            <a:ext cx="9144000" cy="2901684"/>
-          </a:xfrm>
-        </p:spPr>
+                <a16:creationId xmlns:a16="http://schemas.microsoft.com/office/drawing/2014/main" id="{EA559834-E13F-E071-94D7-06CCD10872AC}"/>
+              </a:ext>
+            </a:extLst>
+          </p:cNvPr>
+          <p:cNvSpPr>
+            <a:spLocks noGrp="1"/>
+          </p:cNvSpPr>
+          <p:nvPr>
+            <p:ph type="title"/>
+          </p:nvPr>
+        </p:nvSpPr>
+        <p:spPr/>
+        <p:txBody>
+          <a:bodyPr/>
+          <a:lstStyle/>
+          <a:p>
+            <a:endParaRPr lang="fr-FR"/>
+          </a:p>
+        </p:txBody>
+      </p:sp>
+      <p:sp>
+        <p:nvSpPr>
+          <p:cNvPr id="3" name="Espace réservé du contenu 2">
+            <a:extLst>
+              <a:ext uri="{FF2B5EF4-FFF2-40B4-BE49-F238E27FC236}">
+                <a16:creationId xmlns:a16="http://schemas.microsoft.com/office/drawing/2014/main" id="{31CC382F-D657-495F-FAD0-FC0743E10897}"/>
+              </a:ext>
+            </a:extLst>
+          </p:cNvPr>
+          <p:cNvSpPr>
+            <a:spLocks noGrp="1"/>
+          </p:cNvSpPr>
+          <p:nvPr>
+            <p:ph idx="1"/>
+          </p:nvPr>
+        </p:nvSpPr>
+        <p:spPr/>
         <p:txBody>
           <a:bodyPr>
             <a:normAutofit/>
           </a:bodyPr>
           <a:lstStyle/>
           <a:p>
-            <a:r>
-              <a:rPr lang="fr-FR" sz="4800" dirty="0">
-                <a:solidFill>
-                  <a:srgbClr val="00B0F0"/>
-                </a:solidFill>
-              </a:rPr>
-              <a:t>Installation de Pipenv </a:t>
-            </a:r>
-          </a:p>
-          <a:p>
-            <a:r>
-              <a:rPr lang="fr-FR" sz="4800" dirty="0">
-                <a:solidFill>
-                  <a:srgbClr val="00B0F0"/>
-                </a:solidFill>
-              </a:rPr>
-              <a:t>(</a:t>
-            </a:r>
-            <a:r>
-              <a:rPr lang="fr-FR" sz="4800" dirty="0" err="1">
-                <a:solidFill>
-                  <a:srgbClr val="00B0F0"/>
-                </a:solidFill>
-              </a:rPr>
-              <a:t>windows</a:t>
-            </a:r>
-            <a:r>
-              <a:rPr lang="fr-FR" sz="4800" dirty="0">
-                <a:solidFill>
-                  <a:srgbClr val="00B0F0"/>
-                </a:solidFill>
-              </a:rPr>
-              <a:t>)</a:t>
-            </a:r>
-          </a:p>
-        </p:txBody>
-      </p:sp>
-      <p:pic>
-        <p:nvPicPr>
-          <p:cNvPr id="1026" name="Picture 2" descr="My Microsoft MVP Journey - Steve Gordon">
-            <a:extLst>
-              <a:ext uri="{FF2B5EF4-FFF2-40B4-BE49-F238E27FC236}">
-                <a16:creationId xmlns:a16="http://schemas.microsoft.com/office/drawing/2014/main" id="{9CCE3086-E1BE-844B-6F60-A3FFE631047A}"/>
-              </a:ext>
-            </a:extLst>
-          </p:cNvPr>
-          <p:cNvPicPr>
-            <a:picLocks noChangeAspect="1" noChangeArrowheads="1"/>
-          </p:cNvPicPr>
-          <p:nvPr/>
-        </p:nvPicPr>
-        <p:blipFill>
-          <a:blip r:embed="rId2">
-            <a:extLst>
-              <a:ext uri="{28A0092B-C50C-407E-A947-70E740481C1C}">
-                <a14:useLocalDpi xmlns:a14="http://schemas.microsoft.com/office/drawing/2010/main" val="0"/>
-              </a:ext>
-            </a:extLst>
-          </a:blip>
-          <a:srcRect/>
-          <a:stretch>
-            <a:fillRect/>
-          </a:stretch>
-        </p:blipFill>
-        <p:spPr bwMode="auto">
-          <a:xfrm>
-            <a:off x="882157" y="6078612"/>
-            <a:ext cx="862542" cy="348467"/>
-          </a:xfrm>
-          <a:prstGeom prst="rect">
-            <a:avLst/>
-          </a:prstGeom>
-          <a:noFill/>
-          <a:extLst>
-            <a:ext uri="{909E8E84-426E-40DD-AFC4-6F175D3DCCD1}">
-              <a14:hiddenFill xmlns:a14="http://schemas.microsoft.com/office/drawing/2010/main">
-                <a:solidFill>
-                  <a:srgbClr val="FFFFFF"/>
-                </a:solidFill>
-              </a14:hiddenFill>
-            </a:ext>
-          </a:extLst>
-        </p:spPr>
-      </p:pic>
-      <p:sp>
-        <p:nvSpPr>
-          <p:cNvPr id="4" name="ZoneTexte 3">
-            <a:extLst>
-              <a:ext uri="{FF2B5EF4-FFF2-40B4-BE49-F238E27FC236}">
-                <a16:creationId xmlns:a16="http://schemas.microsoft.com/office/drawing/2014/main" id="{698748E8-A44E-3944-73E5-46C6156846A9}"/>
-              </a:ext>
-            </a:extLst>
-          </p:cNvPr>
-          <p:cNvSpPr txBox="1"/>
-          <p:nvPr/>
-        </p:nvSpPr>
-        <p:spPr>
-          <a:xfrm>
-            <a:off x="347330" y="6466281"/>
-            <a:ext cx="1932196" cy="369332"/>
-          </a:xfrm>
-          <a:prstGeom prst="rect">
-            <a:avLst/>
-          </a:prstGeom>
-          <a:noFill/>
-        </p:spPr>
-        <p:txBody>
-          <a:bodyPr wrap="none" rtlCol="0">
-            <a:spAutoFit/>
-          </a:bodyPr>
-          <a:lstStyle/>
-          <a:p>
-            <a:r>
-              <a:rPr lang="fr-FR" dirty="0">
-                <a:solidFill>
-                  <a:schemeClr val="accent1"/>
-                </a:solidFill>
-              </a:rPr>
-              <a:t>Guillaume Chervet</a:t>
+            <a:pPr marL="0" indent="0">
+              <a:buNone/>
+            </a:pPr>
+            <a:r>
+              <a:rPr lang="fr-FR" sz="6000" dirty="0"/>
+              <a:t>Conda</a:t>
+            </a:r>
+          </a:p>
+          <a:p>
+            <a:pPr marL="0" indent="0">
+              <a:buNone/>
+            </a:pPr>
+            <a:r>
+              <a:rPr lang="fr-FR" sz="6000" dirty="0"/>
+              <a:t>Pipenv</a:t>
+            </a:r>
+          </a:p>
+          <a:p>
+            <a:pPr marL="0" indent="0">
+              <a:buNone/>
+            </a:pPr>
+            <a:r>
+              <a:rPr lang="fr-FR" sz="6000" dirty="0"/>
+              <a:t>Poetry</a:t>
             </a:r>
           </a:p>
         </p:txBody>
@@ -8272,7 +8110,7 @@
     </p:spTree>
     <p:extLst>
       <p:ext uri="{BB962C8B-B14F-4D97-AF65-F5344CB8AC3E}">
-        <p14:creationId xmlns:p14="http://schemas.microsoft.com/office/powerpoint/2010/main" val="1238458598"/>
+        <p14:creationId xmlns:p14="http://schemas.microsoft.com/office/powerpoint/2010/main" val="2342116524"/>
       </p:ext>
     </p:extLst>
   </p:cSld>
@@ -8304,222 +8142,297 @@
           <p:cNvPr id="2" name="Titre 1">
             <a:extLst>
               <a:ext uri="{FF2B5EF4-FFF2-40B4-BE49-F238E27FC236}">
-                <a16:creationId xmlns:a16="http://schemas.microsoft.com/office/drawing/2014/main" id="{25CB8B10-3A1D-CACE-5A8D-D686EA7C44EF}"/>
-              </a:ext>
-            </a:extLst>
-          </p:cNvPr>
-          <p:cNvSpPr>
-            <a:spLocks noGrp="1"/>
-          </p:cNvSpPr>
-          <p:nvPr>
-            <p:ph type="ctrTitle"/>
-          </p:nvPr>
-        </p:nvSpPr>
-        <p:spPr>
-          <a:xfrm>
-            <a:off x="1524000" y="199496"/>
-            <a:ext cx="9144000" cy="1544637"/>
-          </a:xfrm>
-        </p:spPr>
-        <p:txBody>
-          <a:bodyPr>
-            <a:normAutofit fontScale="90000"/>
-          </a:bodyPr>
-          <a:lstStyle/>
-          <a:p>
-            <a:r>
-              <a:rPr lang="fr-FR" sz="9600" dirty="0">
-                <a:solidFill>
-                  <a:schemeClr val="accent1">
-                    <a:lumMod val="75000"/>
-                  </a:schemeClr>
-                </a:solidFill>
-              </a:rPr>
-              <a:t>Les minutes MLOps</a:t>
-            </a:r>
-          </a:p>
-        </p:txBody>
-      </p:sp>
-      <p:sp>
-        <p:nvSpPr>
-          <p:cNvPr id="3" name="Sous-titre 2">
-            <a:extLst>
-              <a:ext uri="{FF2B5EF4-FFF2-40B4-BE49-F238E27FC236}">
-                <a16:creationId xmlns:a16="http://schemas.microsoft.com/office/drawing/2014/main" id="{F17C1392-EAB9-EF81-4082-62F3FD9B4C7D}"/>
-              </a:ext>
-            </a:extLst>
-          </p:cNvPr>
-          <p:cNvSpPr>
-            <a:spLocks noGrp="1"/>
-          </p:cNvSpPr>
-          <p:nvPr>
-            <p:ph type="subTitle" idx="1"/>
-          </p:nvPr>
-        </p:nvSpPr>
-        <p:spPr>
-          <a:xfrm>
-            <a:off x="1524000" y="2946400"/>
-            <a:ext cx="9144000" cy="2901684"/>
-          </a:xfrm>
-        </p:spPr>
+                <a16:creationId xmlns:a16="http://schemas.microsoft.com/office/drawing/2014/main" id="{EA559834-E13F-E071-94D7-06CCD10872AC}"/>
+              </a:ext>
+            </a:extLst>
+          </p:cNvPr>
+          <p:cNvSpPr>
+            <a:spLocks noGrp="1"/>
+          </p:cNvSpPr>
+          <p:nvPr>
+            <p:ph type="title"/>
+          </p:nvPr>
+        </p:nvSpPr>
+        <p:spPr/>
+        <p:txBody>
+          <a:bodyPr/>
+          <a:lstStyle/>
+          <a:p>
+            <a:endParaRPr lang="fr-FR"/>
+          </a:p>
+        </p:txBody>
+      </p:sp>
+      <p:sp>
+        <p:nvSpPr>
+          <p:cNvPr id="3" name="Espace réservé du contenu 2">
+            <a:extLst>
+              <a:ext uri="{FF2B5EF4-FFF2-40B4-BE49-F238E27FC236}">
+                <a16:creationId xmlns:a16="http://schemas.microsoft.com/office/drawing/2014/main" id="{31CC382F-D657-495F-FAD0-FC0743E10897}"/>
+              </a:ext>
+            </a:extLst>
+          </p:cNvPr>
+          <p:cNvSpPr>
+            <a:spLocks noGrp="1"/>
+          </p:cNvSpPr>
+          <p:nvPr>
+            <p:ph idx="1"/>
+          </p:nvPr>
+        </p:nvSpPr>
+        <p:spPr/>
         <p:txBody>
           <a:bodyPr>
             <a:normAutofit/>
           </a:bodyPr>
           <a:lstStyle/>
           <a:p>
-            <a:r>
-              <a:rPr lang="fr-FR" sz="8800" dirty="0">
-                <a:solidFill>
-                  <a:srgbClr val="00B0F0"/>
-                </a:solidFill>
-              </a:rPr>
-              <a:t>git init</a:t>
-            </a:r>
-          </a:p>
-        </p:txBody>
-      </p:sp>
-      <p:pic>
-        <p:nvPicPr>
-          <p:cNvPr id="1026" name="Picture 2" descr="My Microsoft MVP Journey - Steve Gordon">
-            <a:extLst>
-              <a:ext uri="{FF2B5EF4-FFF2-40B4-BE49-F238E27FC236}">
-                <a16:creationId xmlns:a16="http://schemas.microsoft.com/office/drawing/2014/main" id="{9CCE3086-E1BE-844B-6F60-A3FFE631047A}"/>
-              </a:ext>
-            </a:extLst>
-          </p:cNvPr>
-          <p:cNvPicPr>
-            <a:picLocks noChangeAspect="1" noChangeArrowheads="1"/>
-          </p:cNvPicPr>
-          <p:nvPr/>
-        </p:nvPicPr>
-        <p:blipFill>
-          <a:blip r:embed="rId2">
-            <a:extLst>
-              <a:ext uri="{28A0092B-C50C-407E-A947-70E740481C1C}">
-                <a14:useLocalDpi xmlns:a14="http://schemas.microsoft.com/office/drawing/2010/main" val="0"/>
-              </a:ext>
-            </a:extLst>
-          </a:blip>
-          <a:srcRect/>
-          <a:stretch>
-            <a:fillRect/>
-          </a:stretch>
-        </p:blipFill>
-        <p:spPr bwMode="auto">
-          <a:xfrm>
-            <a:off x="882157" y="6078612"/>
-            <a:ext cx="862542" cy="348467"/>
-          </a:xfrm>
-          <a:prstGeom prst="rect">
-            <a:avLst/>
-          </a:prstGeom>
-          <a:noFill/>
-          <a:extLst>
-            <a:ext uri="{909E8E84-426E-40DD-AFC4-6F175D3DCCD1}">
-              <a14:hiddenFill xmlns:a14="http://schemas.microsoft.com/office/drawing/2010/main">
-                <a:solidFill>
-                  <a:srgbClr val="FFFFFF"/>
-                </a:solidFill>
-              </a14:hiddenFill>
-            </a:ext>
-          </a:extLst>
-        </p:spPr>
-      </p:pic>
-      <p:sp>
-        <p:nvSpPr>
-          <p:cNvPr id="4" name="ZoneTexte 3">
-            <a:extLst>
-              <a:ext uri="{FF2B5EF4-FFF2-40B4-BE49-F238E27FC236}">
-                <a16:creationId xmlns:a16="http://schemas.microsoft.com/office/drawing/2014/main" id="{698748E8-A44E-3944-73E5-46C6156846A9}"/>
-              </a:ext>
-            </a:extLst>
-          </p:cNvPr>
-          <p:cNvSpPr txBox="1"/>
-          <p:nvPr/>
-        </p:nvSpPr>
-        <p:spPr>
-          <a:xfrm>
-            <a:off x="347330" y="6466281"/>
-            <a:ext cx="1932196" cy="369332"/>
-          </a:xfrm>
-          <a:prstGeom prst="rect">
-            <a:avLst/>
-          </a:prstGeom>
-          <a:noFill/>
-        </p:spPr>
-        <p:txBody>
-          <a:bodyPr wrap="none" rtlCol="0">
-            <a:spAutoFit/>
-          </a:bodyPr>
-          <a:lstStyle/>
-          <a:p>
-            <a:r>
-              <a:rPr lang="fr-FR" dirty="0">
-                <a:solidFill>
-                  <a:schemeClr val="accent1"/>
-                </a:solidFill>
-              </a:rPr>
-              <a:t>Guillaume Chervet</a:t>
-            </a:r>
-          </a:p>
-        </p:txBody>
-      </p:sp>
-      <p:sp>
-        <p:nvSpPr>
-          <p:cNvPr id="5" name="Étoile : 10 branches 4">
-            <a:extLst>
-              <a:ext uri="{FF2B5EF4-FFF2-40B4-BE49-F238E27FC236}">
-                <a16:creationId xmlns:a16="http://schemas.microsoft.com/office/drawing/2014/main" id="{5D437705-4551-31A2-5FF9-5C1D397E3E31}"/>
-              </a:ext>
-            </a:extLst>
-          </p:cNvPr>
-          <p:cNvSpPr/>
-          <p:nvPr/>
-        </p:nvSpPr>
-        <p:spPr>
-          <a:xfrm>
-            <a:off x="6891866" y="3029139"/>
-            <a:ext cx="304801" cy="315194"/>
-          </a:xfrm>
-          <a:prstGeom prst="star10">
-            <a:avLst/>
-          </a:prstGeom>
-          <a:ln>
-            <a:solidFill>
-              <a:schemeClr val="bg1"/>
-            </a:solidFill>
-          </a:ln>
-        </p:spPr>
-        <p:style>
-          <a:lnRef idx="2">
-            <a:schemeClr val="accent4">
-              <a:shade val="15000"/>
-            </a:schemeClr>
-          </a:lnRef>
-          <a:fillRef idx="1">
-            <a:schemeClr val="accent4"/>
-          </a:fillRef>
-          <a:effectRef idx="0">
-            <a:schemeClr val="accent4"/>
-          </a:effectRef>
-          <a:fontRef idx="minor">
-            <a:schemeClr val="lt1"/>
-          </a:fontRef>
-        </p:style>
-        <p:txBody>
-          <a:bodyPr rtlCol="0" anchor="ctr"/>
-          <a:lstStyle/>
-          <a:p>
-            <a:pPr algn="ctr"/>
-            <a:endParaRPr lang="fr-FR"/>
+            <a:pPr>
+              <a:buFont typeface="Wingdings" panose="05000000000000000000" pitchFamily="2" charset="2"/>
+              <a:buChar char="Ø"/>
+            </a:pPr>
+            <a:r>
+              <a:rPr lang="fr-FR" sz="4000" b="0" i="0" dirty="0" err="1">
+                <a:solidFill>
+                  <a:srgbClr val="212529"/>
+                </a:solidFill>
+                <a:effectLst/>
+                <a:latin typeface="SFMono-Regular"/>
+              </a:rPr>
+              <a:t>pip</a:t>
+            </a:r>
+            <a:r>
+              <a:rPr lang="fr-FR" sz="4000" b="0" i="0" dirty="0">
+                <a:solidFill>
+                  <a:srgbClr val="212529"/>
+                </a:solidFill>
+                <a:effectLst/>
+                <a:latin typeface="SFMono-Regular"/>
+              </a:rPr>
+              <a:t> </a:t>
+            </a:r>
+            <a:r>
+              <a:rPr lang="fr-FR" sz="4000" b="0" i="0" dirty="0" err="1">
+                <a:solidFill>
+                  <a:srgbClr val="212529"/>
+                </a:solidFill>
+                <a:effectLst/>
+                <a:latin typeface="SFMono-Regular"/>
+              </a:rPr>
+              <a:t>install</a:t>
+            </a:r>
+            <a:r>
+              <a:rPr lang="fr-FR" sz="4000" b="0" i="0" dirty="0">
+                <a:solidFill>
+                  <a:srgbClr val="212529"/>
+                </a:solidFill>
+                <a:effectLst/>
+                <a:latin typeface="SFMono-Regular"/>
+              </a:rPr>
+              <a:t> --user </a:t>
+            </a:r>
+            <a:r>
+              <a:rPr lang="fr-FR" sz="4000" b="0" i="0" dirty="0" err="1">
+                <a:solidFill>
+                  <a:srgbClr val="212529"/>
+                </a:solidFill>
+                <a:effectLst/>
+                <a:latin typeface="SFMono-Regular"/>
+              </a:rPr>
+              <a:t>scikit-learn</a:t>
+            </a:r>
+            <a:r>
+              <a:rPr lang="fr-FR" sz="4000" b="0" i="0" dirty="0">
+                <a:solidFill>
+                  <a:srgbClr val="212529"/>
+                </a:solidFill>
+                <a:effectLst/>
+                <a:latin typeface="SFMono-Regular"/>
+              </a:rPr>
+              <a:t> </a:t>
+            </a:r>
+          </a:p>
+          <a:p>
+            <a:pPr>
+              <a:buFont typeface="Wingdings" panose="05000000000000000000" pitchFamily="2" charset="2"/>
+              <a:buChar char="Ø"/>
+            </a:pPr>
+            <a:r>
+              <a:rPr lang="fr-FR" sz="4000" b="0" i="0" dirty="0" err="1">
+                <a:solidFill>
+                  <a:srgbClr val="212529"/>
+                </a:solidFill>
+                <a:effectLst/>
+                <a:latin typeface="SFMono-Regular"/>
+              </a:rPr>
+              <a:t>pip</a:t>
+            </a:r>
+            <a:r>
+              <a:rPr lang="fr-FR" sz="4000" b="0" i="0" dirty="0">
+                <a:solidFill>
+                  <a:srgbClr val="212529"/>
+                </a:solidFill>
+                <a:effectLst/>
+                <a:latin typeface="SFMono-Regular"/>
+              </a:rPr>
+              <a:t> </a:t>
+            </a:r>
+            <a:r>
+              <a:rPr lang="fr-FR" sz="4000" b="0" i="0" dirty="0" err="1">
+                <a:solidFill>
+                  <a:srgbClr val="212529"/>
+                </a:solidFill>
+                <a:effectLst/>
+                <a:latin typeface="SFMono-Regular"/>
+              </a:rPr>
+              <a:t>install</a:t>
+            </a:r>
+            <a:r>
+              <a:rPr lang="fr-FR" sz="4000" b="0" i="0" dirty="0">
+                <a:solidFill>
+                  <a:srgbClr val="212529"/>
+                </a:solidFill>
+                <a:effectLst/>
+                <a:latin typeface="SFMono-Regular"/>
+              </a:rPr>
+              <a:t> --user </a:t>
+            </a:r>
+            <a:r>
+              <a:rPr lang="fr-FR" sz="4000" b="0" i="0" dirty="0" err="1">
+                <a:solidFill>
+                  <a:srgbClr val="212529"/>
+                </a:solidFill>
+                <a:effectLst/>
+                <a:latin typeface="SFMono-Regular"/>
+              </a:rPr>
+              <a:t>scikit-learn</a:t>
+            </a:r>
+            <a:r>
+              <a:rPr lang="fr-FR" sz="4000" b="0" i="0" dirty="0">
+                <a:solidFill>
+                  <a:srgbClr val="212529"/>
+                </a:solidFill>
+                <a:effectLst/>
+                <a:latin typeface="SFMono-Regular"/>
+              </a:rPr>
+              <a:t>&gt;=1.3.*</a:t>
+            </a:r>
+          </a:p>
+          <a:p>
+            <a:pPr>
+              <a:buFont typeface="Wingdings" panose="05000000000000000000" pitchFamily="2" charset="2"/>
+              <a:buChar char="Ø"/>
+            </a:pPr>
+            <a:r>
+              <a:rPr lang="fr-FR" sz="4000" b="0" i="0" dirty="0" err="1">
+                <a:solidFill>
+                  <a:srgbClr val="212529"/>
+                </a:solidFill>
+                <a:effectLst/>
+                <a:latin typeface="SFMono-Regular"/>
+              </a:rPr>
+              <a:t>pip</a:t>
+            </a:r>
+            <a:r>
+              <a:rPr lang="fr-FR" sz="4000" b="0" i="0" dirty="0">
+                <a:solidFill>
+                  <a:srgbClr val="212529"/>
+                </a:solidFill>
+                <a:effectLst/>
+                <a:latin typeface="SFMono-Regular"/>
+              </a:rPr>
+              <a:t> </a:t>
+            </a:r>
+            <a:r>
+              <a:rPr lang="fr-FR" sz="4000" b="0" i="0" dirty="0" err="1">
+                <a:solidFill>
+                  <a:srgbClr val="212529"/>
+                </a:solidFill>
+                <a:effectLst/>
+                <a:latin typeface="SFMono-Regular"/>
+              </a:rPr>
+              <a:t>install</a:t>
+            </a:r>
+            <a:r>
+              <a:rPr lang="fr-FR" sz="4000" b="0" i="0" dirty="0">
+                <a:solidFill>
+                  <a:srgbClr val="212529"/>
+                </a:solidFill>
+                <a:effectLst/>
+                <a:latin typeface="SFMono-Regular"/>
+              </a:rPr>
+              <a:t> --user </a:t>
+            </a:r>
+            <a:r>
+              <a:rPr lang="fr-FR" sz="4000" b="0" i="0" dirty="0" err="1">
+                <a:solidFill>
+                  <a:srgbClr val="212529"/>
+                </a:solidFill>
+                <a:effectLst/>
+                <a:latin typeface="SFMono-Regular"/>
+              </a:rPr>
+              <a:t>scikit-learn</a:t>
+            </a:r>
+            <a:r>
+              <a:rPr lang="fr-FR" sz="4000" b="0" i="0" dirty="0">
+                <a:solidFill>
+                  <a:srgbClr val="212529"/>
+                </a:solidFill>
+                <a:effectLst/>
+                <a:latin typeface="SFMono-Regular"/>
+              </a:rPr>
+              <a:t>~=1.3.0</a:t>
+            </a:r>
+          </a:p>
+          <a:p>
+            <a:pPr>
+              <a:buFont typeface="Wingdings" panose="05000000000000000000" pitchFamily="2" charset="2"/>
+              <a:buChar char="Ø"/>
+            </a:pPr>
+            <a:endParaRPr lang="fr-FR" sz="4400" b="0" i="0" dirty="0">
+              <a:solidFill>
+                <a:srgbClr val="212529"/>
+              </a:solidFill>
+              <a:effectLst/>
+              <a:latin typeface="SFMono-Regular"/>
+            </a:endParaRPr>
+          </a:p>
+          <a:p>
+            <a:pPr>
+              <a:buFont typeface="Wingdings" panose="05000000000000000000" pitchFamily="2" charset="2"/>
+              <a:buChar char="Ø"/>
+            </a:pPr>
+            <a:endParaRPr lang="fr-FR" sz="4400" b="0" i="0" dirty="0">
+              <a:solidFill>
+                <a:srgbClr val="212529"/>
+              </a:solidFill>
+              <a:effectLst/>
+              <a:latin typeface="SFMono-Regular"/>
+            </a:endParaRPr>
+          </a:p>
+          <a:p>
+            <a:pPr>
+              <a:buFont typeface="Wingdings" panose="05000000000000000000" pitchFamily="2" charset="2"/>
+              <a:buChar char="Ø"/>
+            </a:pPr>
+            <a:endParaRPr lang="fr-FR" sz="4400" b="0" i="0" dirty="0">
+              <a:solidFill>
+                <a:srgbClr val="212529"/>
+              </a:solidFill>
+              <a:effectLst/>
+              <a:latin typeface="SFMono-Regular"/>
+            </a:endParaRPr>
+          </a:p>
+          <a:p>
+            <a:pPr marL="0" indent="0">
+              <a:buNone/>
+            </a:pPr>
+            <a:endParaRPr lang="fr-FR" sz="6000" dirty="0"/>
           </a:p>
         </p:txBody>
       </p:sp>
     </p:spTree>
     <p:extLst>
       <p:ext uri="{BB962C8B-B14F-4D97-AF65-F5344CB8AC3E}">
-        <p14:creationId xmlns:p14="http://schemas.microsoft.com/office/powerpoint/2010/main" val="2741792053"/>
+        <p14:creationId xmlns:p14="http://schemas.microsoft.com/office/powerpoint/2010/main" val="649089696"/>
       </p:ext>
     </p:extLst>
   </p:cSld>
@@ -8605,8 +8518,8 @@
         </p:nvSpPr>
         <p:spPr>
           <a:xfrm>
-            <a:off x="1524000" y="2514600"/>
-            <a:ext cx="9144000" cy="3333484"/>
+            <a:off x="1524000" y="2946400"/>
+            <a:ext cx="9144000" cy="2901684"/>
           </a:xfrm>
         </p:spPr>
         <p:txBody>
@@ -8616,28 +8529,35 @@
           <a:lstStyle/>
           <a:p>
             <a:r>
-              <a:rPr lang="fr-FR" sz="4400" dirty="0">
+              <a:rPr lang="fr-FR" sz="4800" dirty="0">
                 <a:solidFill>
                   <a:srgbClr val="00B0F0"/>
                 </a:solidFill>
               </a:rPr>
-              <a:t>Ma première « Intégration continue  » avec </a:t>
-            </a:r>
-            <a:r>
-              <a:rPr lang="fr-FR" sz="4400" dirty="0" err="1">
+              <a:t>Mise en place d’un </a:t>
+            </a:r>
+            <a:r>
+              <a:rPr lang="fr-FR" sz="4800">
                 <a:solidFill>
                   <a:srgbClr val="00B0F0"/>
                 </a:solidFill>
               </a:rPr>
-              <a:t>Github</a:t>
-            </a:r>
-            <a:r>
-              <a:rPr lang="fr-FR" sz="4400" dirty="0">
+              <a:t>alias « python »</a:t>
+            </a:r>
+            <a:endParaRPr lang="fr-FR" sz="4800" dirty="0">
+              <a:solidFill>
+                <a:srgbClr val="00B0F0"/>
+              </a:solidFill>
+            </a:endParaRPr>
+          </a:p>
+          <a:p>
+            <a:r>
+              <a:rPr lang="fr-FR" sz="4800" dirty="0">
                 <a:solidFill>
                   <a:srgbClr val="00B0F0"/>
                 </a:solidFill>
               </a:rPr>
-              <a:t> Action</a:t>
+              <a:t>(linux)</a:t>
             </a:r>
           </a:p>
         </p:txBody>
@@ -8731,7 +8651,1521 @@
     </p:spTree>
     <p:extLst>
       <p:ext uri="{BB962C8B-B14F-4D97-AF65-F5344CB8AC3E}">
+        <p14:creationId xmlns:p14="http://schemas.microsoft.com/office/powerpoint/2010/main" val="3364992147"/>
+      </p:ext>
+    </p:extLst>
+  </p:cSld>
+  <p:clrMapOvr>
+    <a:masterClrMapping/>
+  </p:clrMapOvr>
+</p:sld>
+</file>
+
+<file path=ppt/slides/slide33.xml><?xml version="1.0" encoding="utf-8"?>
+<p:sld xmlns:a="http://schemas.openxmlformats.org/drawingml/2006/main" xmlns:r="http://schemas.openxmlformats.org/officeDocument/2006/relationships" xmlns:p="http://schemas.openxmlformats.org/presentationml/2006/main">
+  <p:cSld>
+    <p:spTree>
+      <p:nvGrpSpPr>
+        <p:cNvPr id="1" name=""/>
+        <p:cNvGrpSpPr/>
+        <p:nvPr/>
+      </p:nvGrpSpPr>
+      <p:grpSpPr>
+        <a:xfrm>
+          <a:off x="0" y="0"/>
+          <a:ext cx="0" cy="0"/>
+          <a:chOff x="0" y="0"/>
+          <a:chExt cx="0" cy="0"/>
+        </a:xfrm>
+      </p:grpSpPr>
+      <p:sp>
+        <p:nvSpPr>
+          <p:cNvPr id="2" name="Titre 1">
+            <a:extLst>
+              <a:ext uri="{FF2B5EF4-FFF2-40B4-BE49-F238E27FC236}">
+                <a16:creationId xmlns:a16="http://schemas.microsoft.com/office/drawing/2014/main" id="{25CB8B10-3A1D-CACE-5A8D-D686EA7C44EF}"/>
+              </a:ext>
+            </a:extLst>
+          </p:cNvPr>
+          <p:cNvSpPr>
+            <a:spLocks noGrp="1"/>
+          </p:cNvSpPr>
+          <p:nvPr>
+            <p:ph type="ctrTitle"/>
+          </p:nvPr>
+        </p:nvSpPr>
+        <p:spPr>
+          <a:xfrm>
+            <a:off x="1524000" y="199496"/>
+            <a:ext cx="9144000" cy="1544637"/>
+          </a:xfrm>
+        </p:spPr>
+        <p:txBody>
+          <a:bodyPr>
+            <a:normAutofit fontScale="90000"/>
+          </a:bodyPr>
+          <a:lstStyle/>
+          <a:p>
+            <a:r>
+              <a:rPr lang="fr-FR" sz="9600" dirty="0">
+                <a:solidFill>
+                  <a:schemeClr val="accent1">
+                    <a:lumMod val="75000"/>
+                  </a:schemeClr>
+                </a:solidFill>
+              </a:rPr>
+              <a:t>Les minutes MLOps</a:t>
+            </a:r>
+          </a:p>
+        </p:txBody>
+      </p:sp>
+      <p:sp>
+        <p:nvSpPr>
+          <p:cNvPr id="3" name="Sous-titre 2">
+            <a:extLst>
+              <a:ext uri="{FF2B5EF4-FFF2-40B4-BE49-F238E27FC236}">
+                <a16:creationId xmlns:a16="http://schemas.microsoft.com/office/drawing/2014/main" id="{F17C1392-EAB9-EF81-4082-62F3FD9B4C7D}"/>
+              </a:ext>
+            </a:extLst>
+          </p:cNvPr>
+          <p:cNvSpPr>
+            <a:spLocks noGrp="1"/>
+          </p:cNvSpPr>
+          <p:nvPr>
+            <p:ph type="subTitle" idx="1"/>
+          </p:nvPr>
+        </p:nvSpPr>
+        <p:spPr>
+          <a:xfrm>
+            <a:off x="1524000" y="2946400"/>
+            <a:ext cx="9144000" cy="2901684"/>
+          </a:xfrm>
+        </p:spPr>
+        <p:txBody>
+          <a:bodyPr>
+            <a:normAutofit/>
+          </a:bodyPr>
+          <a:lstStyle/>
+          <a:p>
+            <a:r>
+              <a:rPr lang="fr-FR" sz="4800" dirty="0">
+                <a:solidFill>
+                  <a:srgbClr val="00B0F0"/>
+                </a:solidFill>
+              </a:rPr>
+              <a:t>Installation de Pipenv </a:t>
+            </a:r>
+          </a:p>
+          <a:p>
+            <a:r>
+              <a:rPr lang="fr-FR" sz="4800" dirty="0">
+                <a:solidFill>
+                  <a:srgbClr val="00B0F0"/>
+                </a:solidFill>
+              </a:rPr>
+              <a:t>(linux)</a:t>
+            </a:r>
+          </a:p>
+        </p:txBody>
+      </p:sp>
+      <p:pic>
+        <p:nvPicPr>
+          <p:cNvPr id="1026" name="Picture 2" descr="My Microsoft MVP Journey - Steve Gordon">
+            <a:extLst>
+              <a:ext uri="{FF2B5EF4-FFF2-40B4-BE49-F238E27FC236}">
+                <a16:creationId xmlns:a16="http://schemas.microsoft.com/office/drawing/2014/main" id="{9CCE3086-E1BE-844B-6F60-A3FFE631047A}"/>
+              </a:ext>
+            </a:extLst>
+          </p:cNvPr>
+          <p:cNvPicPr>
+            <a:picLocks noChangeAspect="1" noChangeArrowheads="1"/>
+          </p:cNvPicPr>
+          <p:nvPr/>
+        </p:nvPicPr>
+        <p:blipFill>
+          <a:blip r:embed="rId2">
+            <a:extLst>
+              <a:ext uri="{28A0092B-C50C-407E-A947-70E740481C1C}">
+                <a14:useLocalDpi xmlns:a14="http://schemas.microsoft.com/office/drawing/2010/main" val="0"/>
+              </a:ext>
+            </a:extLst>
+          </a:blip>
+          <a:srcRect/>
+          <a:stretch>
+            <a:fillRect/>
+          </a:stretch>
+        </p:blipFill>
+        <p:spPr bwMode="auto">
+          <a:xfrm>
+            <a:off x="882157" y="6078612"/>
+            <a:ext cx="862542" cy="348467"/>
+          </a:xfrm>
+          <a:prstGeom prst="rect">
+            <a:avLst/>
+          </a:prstGeom>
+          <a:noFill/>
+          <a:extLst>
+            <a:ext uri="{909E8E84-426E-40DD-AFC4-6F175D3DCCD1}">
+              <a14:hiddenFill xmlns:a14="http://schemas.microsoft.com/office/drawing/2010/main">
+                <a:solidFill>
+                  <a:srgbClr val="FFFFFF"/>
+                </a:solidFill>
+              </a14:hiddenFill>
+            </a:ext>
+          </a:extLst>
+        </p:spPr>
+      </p:pic>
+      <p:sp>
+        <p:nvSpPr>
+          <p:cNvPr id="4" name="ZoneTexte 3">
+            <a:extLst>
+              <a:ext uri="{FF2B5EF4-FFF2-40B4-BE49-F238E27FC236}">
+                <a16:creationId xmlns:a16="http://schemas.microsoft.com/office/drawing/2014/main" id="{698748E8-A44E-3944-73E5-46C6156846A9}"/>
+              </a:ext>
+            </a:extLst>
+          </p:cNvPr>
+          <p:cNvSpPr txBox="1"/>
+          <p:nvPr/>
+        </p:nvSpPr>
+        <p:spPr>
+          <a:xfrm>
+            <a:off x="347330" y="6466281"/>
+            <a:ext cx="1932196" cy="369332"/>
+          </a:xfrm>
+          <a:prstGeom prst="rect">
+            <a:avLst/>
+          </a:prstGeom>
+          <a:noFill/>
+        </p:spPr>
+        <p:txBody>
+          <a:bodyPr wrap="none" rtlCol="0">
+            <a:spAutoFit/>
+          </a:bodyPr>
+          <a:lstStyle/>
+          <a:p>
+            <a:r>
+              <a:rPr lang="fr-FR" dirty="0">
+                <a:solidFill>
+                  <a:schemeClr val="accent1"/>
+                </a:solidFill>
+              </a:rPr>
+              <a:t>Guillaume Chervet</a:t>
+            </a:r>
+          </a:p>
+        </p:txBody>
+      </p:sp>
+    </p:spTree>
+    <p:extLst>
+      <p:ext uri="{BB962C8B-B14F-4D97-AF65-F5344CB8AC3E}">
+        <p14:creationId xmlns:p14="http://schemas.microsoft.com/office/powerpoint/2010/main" val="809491732"/>
+      </p:ext>
+    </p:extLst>
+  </p:cSld>
+  <p:clrMapOvr>
+    <a:masterClrMapping/>
+  </p:clrMapOvr>
+</p:sld>
+</file>
+
+<file path=ppt/slides/slide34.xml><?xml version="1.0" encoding="utf-8"?>
+<p:sld xmlns:a="http://schemas.openxmlformats.org/drawingml/2006/main" xmlns:r="http://schemas.openxmlformats.org/officeDocument/2006/relationships" xmlns:p="http://schemas.openxmlformats.org/presentationml/2006/main">
+  <p:cSld>
+    <p:spTree>
+      <p:nvGrpSpPr>
+        <p:cNvPr id="1" name=""/>
+        <p:cNvGrpSpPr/>
+        <p:nvPr/>
+      </p:nvGrpSpPr>
+      <p:grpSpPr>
+        <a:xfrm>
+          <a:off x="0" y="0"/>
+          <a:ext cx="0" cy="0"/>
+          <a:chOff x="0" y="0"/>
+          <a:chExt cx="0" cy="0"/>
+        </a:xfrm>
+      </p:grpSpPr>
+      <p:sp>
+        <p:nvSpPr>
+          <p:cNvPr id="2" name="Titre 1">
+            <a:extLst>
+              <a:ext uri="{FF2B5EF4-FFF2-40B4-BE49-F238E27FC236}">
+                <a16:creationId xmlns:a16="http://schemas.microsoft.com/office/drawing/2014/main" id="{25CB8B10-3A1D-CACE-5A8D-D686EA7C44EF}"/>
+              </a:ext>
+            </a:extLst>
+          </p:cNvPr>
+          <p:cNvSpPr>
+            <a:spLocks noGrp="1"/>
+          </p:cNvSpPr>
+          <p:nvPr>
+            <p:ph type="ctrTitle"/>
+          </p:nvPr>
+        </p:nvSpPr>
+        <p:spPr>
+          <a:xfrm>
+            <a:off x="1524000" y="199496"/>
+            <a:ext cx="9144000" cy="1544637"/>
+          </a:xfrm>
+        </p:spPr>
+        <p:txBody>
+          <a:bodyPr>
+            <a:normAutofit fontScale="90000"/>
+          </a:bodyPr>
+          <a:lstStyle/>
+          <a:p>
+            <a:r>
+              <a:rPr lang="fr-FR" sz="9600" dirty="0">
+                <a:solidFill>
+                  <a:schemeClr val="accent1">
+                    <a:lumMod val="75000"/>
+                  </a:schemeClr>
+                </a:solidFill>
+              </a:rPr>
+              <a:t>Les minutes MLOps</a:t>
+            </a:r>
+          </a:p>
+        </p:txBody>
+      </p:sp>
+      <p:sp>
+        <p:nvSpPr>
+          <p:cNvPr id="3" name="Sous-titre 2">
+            <a:extLst>
+              <a:ext uri="{FF2B5EF4-FFF2-40B4-BE49-F238E27FC236}">
+                <a16:creationId xmlns:a16="http://schemas.microsoft.com/office/drawing/2014/main" id="{F17C1392-EAB9-EF81-4082-62F3FD9B4C7D}"/>
+              </a:ext>
+            </a:extLst>
+          </p:cNvPr>
+          <p:cNvSpPr>
+            <a:spLocks noGrp="1"/>
+          </p:cNvSpPr>
+          <p:nvPr>
+            <p:ph type="subTitle" idx="1"/>
+          </p:nvPr>
+        </p:nvSpPr>
+        <p:spPr>
+          <a:xfrm>
+            <a:off x="1524000" y="2946400"/>
+            <a:ext cx="9144000" cy="2901684"/>
+          </a:xfrm>
+        </p:spPr>
+        <p:txBody>
+          <a:bodyPr>
+            <a:normAutofit/>
+          </a:bodyPr>
+          <a:lstStyle/>
+          <a:p>
+            <a:r>
+              <a:rPr lang="fr-FR" sz="4800" dirty="0">
+                <a:solidFill>
+                  <a:srgbClr val="00B0F0"/>
+                </a:solidFill>
+              </a:rPr>
+              <a:t>Installation de Pipenv </a:t>
+            </a:r>
+          </a:p>
+          <a:p>
+            <a:r>
+              <a:rPr lang="fr-FR" sz="4800" dirty="0">
+                <a:solidFill>
+                  <a:srgbClr val="00B0F0"/>
+                </a:solidFill>
+              </a:rPr>
+              <a:t>(</a:t>
+            </a:r>
+            <a:r>
+              <a:rPr lang="fr-FR" sz="4800" dirty="0" err="1">
+                <a:solidFill>
+                  <a:srgbClr val="00B0F0"/>
+                </a:solidFill>
+              </a:rPr>
+              <a:t>windows</a:t>
+            </a:r>
+            <a:r>
+              <a:rPr lang="fr-FR" sz="4800" dirty="0">
+                <a:solidFill>
+                  <a:srgbClr val="00B0F0"/>
+                </a:solidFill>
+              </a:rPr>
+              <a:t>)</a:t>
+            </a:r>
+          </a:p>
+        </p:txBody>
+      </p:sp>
+      <p:pic>
+        <p:nvPicPr>
+          <p:cNvPr id="1026" name="Picture 2" descr="My Microsoft MVP Journey - Steve Gordon">
+            <a:extLst>
+              <a:ext uri="{FF2B5EF4-FFF2-40B4-BE49-F238E27FC236}">
+                <a16:creationId xmlns:a16="http://schemas.microsoft.com/office/drawing/2014/main" id="{9CCE3086-E1BE-844B-6F60-A3FFE631047A}"/>
+              </a:ext>
+            </a:extLst>
+          </p:cNvPr>
+          <p:cNvPicPr>
+            <a:picLocks noChangeAspect="1" noChangeArrowheads="1"/>
+          </p:cNvPicPr>
+          <p:nvPr/>
+        </p:nvPicPr>
+        <p:blipFill>
+          <a:blip r:embed="rId2">
+            <a:extLst>
+              <a:ext uri="{28A0092B-C50C-407E-A947-70E740481C1C}">
+                <a14:useLocalDpi xmlns:a14="http://schemas.microsoft.com/office/drawing/2010/main" val="0"/>
+              </a:ext>
+            </a:extLst>
+          </a:blip>
+          <a:srcRect/>
+          <a:stretch>
+            <a:fillRect/>
+          </a:stretch>
+        </p:blipFill>
+        <p:spPr bwMode="auto">
+          <a:xfrm>
+            <a:off x="882157" y="6078612"/>
+            <a:ext cx="862542" cy="348467"/>
+          </a:xfrm>
+          <a:prstGeom prst="rect">
+            <a:avLst/>
+          </a:prstGeom>
+          <a:noFill/>
+          <a:extLst>
+            <a:ext uri="{909E8E84-426E-40DD-AFC4-6F175D3DCCD1}">
+              <a14:hiddenFill xmlns:a14="http://schemas.microsoft.com/office/drawing/2010/main">
+                <a:solidFill>
+                  <a:srgbClr val="FFFFFF"/>
+                </a:solidFill>
+              </a14:hiddenFill>
+            </a:ext>
+          </a:extLst>
+        </p:spPr>
+      </p:pic>
+      <p:sp>
+        <p:nvSpPr>
+          <p:cNvPr id="4" name="ZoneTexte 3">
+            <a:extLst>
+              <a:ext uri="{FF2B5EF4-FFF2-40B4-BE49-F238E27FC236}">
+                <a16:creationId xmlns:a16="http://schemas.microsoft.com/office/drawing/2014/main" id="{698748E8-A44E-3944-73E5-46C6156846A9}"/>
+              </a:ext>
+            </a:extLst>
+          </p:cNvPr>
+          <p:cNvSpPr txBox="1"/>
+          <p:nvPr/>
+        </p:nvSpPr>
+        <p:spPr>
+          <a:xfrm>
+            <a:off x="347330" y="6466281"/>
+            <a:ext cx="1932196" cy="369332"/>
+          </a:xfrm>
+          <a:prstGeom prst="rect">
+            <a:avLst/>
+          </a:prstGeom>
+          <a:noFill/>
+        </p:spPr>
+        <p:txBody>
+          <a:bodyPr wrap="none" rtlCol="0">
+            <a:spAutoFit/>
+          </a:bodyPr>
+          <a:lstStyle/>
+          <a:p>
+            <a:r>
+              <a:rPr lang="fr-FR" dirty="0">
+                <a:solidFill>
+                  <a:schemeClr val="accent1"/>
+                </a:solidFill>
+              </a:rPr>
+              <a:t>Guillaume Chervet</a:t>
+            </a:r>
+          </a:p>
+        </p:txBody>
+      </p:sp>
+    </p:spTree>
+    <p:extLst>
+      <p:ext uri="{BB962C8B-B14F-4D97-AF65-F5344CB8AC3E}">
+        <p14:creationId xmlns:p14="http://schemas.microsoft.com/office/powerpoint/2010/main" val="1238458598"/>
+      </p:ext>
+    </p:extLst>
+  </p:cSld>
+  <p:clrMapOvr>
+    <a:masterClrMapping/>
+  </p:clrMapOvr>
+</p:sld>
+</file>
+
+<file path=ppt/slides/slide35.xml><?xml version="1.0" encoding="utf-8"?>
+<p:sld xmlns:a="http://schemas.openxmlformats.org/drawingml/2006/main" xmlns:r="http://schemas.openxmlformats.org/officeDocument/2006/relationships" xmlns:p="http://schemas.openxmlformats.org/presentationml/2006/main">
+  <p:cSld>
+    <p:spTree>
+      <p:nvGrpSpPr>
+        <p:cNvPr id="1" name=""/>
+        <p:cNvGrpSpPr/>
+        <p:nvPr/>
+      </p:nvGrpSpPr>
+      <p:grpSpPr>
+        <a:xfrm>
+          <a:off x="0" y="0"/>
+          <a:ext cx="0" cy="0"/>
+          <a:chOff x="0" y="0"/>
+          <a:chExt cx="0" cy="0"/>
+        </a:xfrm>
+      </p:grpSpPr>
+      <p:sp>
+        <p:nvSpPr>
+          <p:cNvPr id="2" name="Titre 1">
+            <a:extLst>
+              <a:ext uri="{FF2B5EF4-FFF2-40B4-BE49-F238E27FC236}">
+                <a16:creationId xmlns:a16="http://schemas.microsoft.com/office/drawing/2014/main" id="{25CB8B10-3A1D-CACE-5A8D-D686EA7C44EF}"/>
+              </a:ext>
+            </a:extLst>
+          </p:cNvPr>
+          <p:cNvSpPr>
+            <a:spLocks noGrp="1"/>
+          </p:cNvSpPr>
+          <p:nvPr>
+            <p:ph type="ctrTitle"/>
+          </p:nvPr>
+        </p:nvSpPr>
+        <p:spPr>
+          <a:xfrm>
+            <a:off x="1524000" y="199496"/>
+            <a:ext cx="9144000" cy="1544637"/>
+          </a:xfrm>
+        </p:spPr>
+        <p:txBody>
+          <a:bodyPr>
+            <a:normAutofit fontScale="90000"/>
+          </a:bodyPr>
+          <a:lstStyle/>
+          <a:p>
+            <a:r>
+              <a:rPr lang="fr-FR" sz="9600" dirty="0">
+                <a:solidFill>
+                  <a:schemeClr val="accent1">
+                    <a:lumMod val="75000"/>
+                  </a:schemeClr>
+                </a:solidFill>
+              </a:rPr>
+              <a:t>Les minutes MLOps</a:t>
+            </a:r>
+          </a:p>
+        </p:txBody>
+      </p:sp>
+      <p:sp>
+        <p:nvSpPr>
+          <p:cNvPr id="3" name="Sous-titre 2">
+            <a:extLst>
+              <a:ext uri="{FF2B5EF4-FFF2-40B4-BE49-F238E27FC236}">
+                <a16:creationId xmlns:a16="http://schemas.microsoft.com/office/drawing/2014/main" id="{F17C1392-EAB9-EF81-4082-62F3FD9B4C7D}"/>
+              </a:ext>
+            </a:extLst>
+          </p:cNvPr>
+          <p:cNvSpPr>
+            <a:spLocks noGrp="1"/>
+          </p:cNvSpPr>
+          <p:nvPr>
+            <p:ph type="subTitle" idx="1"/>
+          </p:nvPr>
+        </p:nvSpPr>
+        <p:spPr>
+          <a:xfrm>
+            <a:off x="1524000" y="2946400"/>
+            <a:ext cx="9144000" cy="2901684"/>
+          </a:xfrm>
+        </p:spPr>
+        <p:txBody>
+          <a:bodyPr>
+            <a:normAutofit/>
+          </a:bodyPr>
+          <a:lstStyle/>
+          <a:p>
+            <a:r>
+              <a:rPr lang="fr-FR" sz="8800" dirty="0">
+                <a:solidFill>
+                  <a:srgbClr val="00B0F0"/>
+                </a:solidFill>
+              </a:rPr>
+              <a:t>git init</a:t>
+            </a:r>
+          </a:p>
+        </p:txBody>
+      </p:sp>
+      <p:pic>
+        <p:nvPicPr>
+          <p:cNvPr id="1026" name="Picture 2" descr="My Microsoft MVP Journey - Steve Gordon">
+            <a:extLst>
+              <a:ext uri="{FF2B5EF4-FFF2-40B4-BE49-F238E27FC236}">
+                <a16:creationId xmlns:a16="http://schemas.microsoft.com/office/drawing/2014/main" id="{9CCE3086-E1BE-844B-6F60-A3FFE631047A}"/>
+              </a:ext>
+            </a:extLst>
+          </p:cNvPr>
+          <p:cNvPicPr>
+            <a:picLocks noChangeAspect="1" noChangeArrowheads="1"/>
+          </p:cNvPicPr>
+          <p:nvPr/>
+        </p:nvPicPr>
+        <p:blipFill>
+          <a:blip r:embed="rId2">
+            <a:extLst>
+              <a:ext uri="{28A0092B-C50C-407E-A947-70E740481C1C}">
+                <a14:useLocalDpi xmlns:a14="http://schemas.microsoft.com/office/drawing/2010/main" val="0"/>
+              </a:ext>
+            </a:extLst>
+          </a:blip>
+          <a:srcRect/>
+          <a:stretch>
+            <a:fillRect/>
+          </a:stretch>
+        </p:blipFill>
+        <p:spPr bwMode="auto">
+          <a:xfrm>
+            <a:off x="882157" y="6078612"/>
+            <a:ext cx="862542" cy="348467"/>
+          </a:xfrm>
+          <a:prstGeom prst="rect">
+            <a:avLst/>
+          </a:prstGeom>
+          <a:noFill/>
+          <a:extLst>
+            <a:ext uri="{909E8E84-426E-40DD-AFC4-6F175D3DCCD1}">
+              <a14:hiddenFill xmlns:a14="http://schemas.microsoft.com/office/drawing/2010/main">
+                <a:solidFill>
+                  <a:srgbClr val="FFFFFF"/>
+                </a:solidFill>
+              </a14:hiddenFill>
+            </a:ext>
+          </a:extLst>
+        </p:spPr>
+      </p:pic>
+      <p:sp>
+        <p:nvSpPr>
+          <p:cNvPr id="4" name="ZoneTexte 3">
+            <a:extLst>
+              <a:ext uri="{FF2B5EF4-FFF2-40B4-BE49-F238E27FC236}">
+                <a16:creationId xmlns:a16="http://schemas.microsoft.com/office/drawing/2014/main" id="{698748E8-A44E-3944-73E5-46C6156846A9}"/>
+              </a:ext>
+            </a:extLst>
+          </p:cNvPr>
+          <p:cNvSpPr txBox="1"/>
+          <p:nvPr/>
+        </p:nvSpPr>
+        <p:spPr>
+          <a:xfrm>
+            <a:off x="347330" y="6466281"/>
+            <a:ext cx="1932196" cy="369332"/>
+          </a:xfrm>
+          <a:prstGeom prst="rect">
+            <a:avLst/>
+          </a:prstGeom>
+          <a:noFill/>
+        </p:spPr>
+        <p:txBody>
+          <a:bodyPr wrap="none" rtlCol="0">
+            <a:spAutoFit/>
+          </a:bodyPr>
+          <a:lstStyle/>
+          <a:p>
+            <a:r>
+              <a:rPr lang="fr-FR" dirty="0">
+                <a:solidFill>
+                  <a:schemeClr val="accent1"/>
+                </a:solidFill>
+              </a:rPr>
+              <a:t>Guillaume Chervet</a:t>
+            </a:r>
+          </a:p>
+        </p:txBody>
+      </p:sp>
+      <p:sp>
+        <p:nvSpPr>
+          <p:cNvPr id="5" name="Étoile : 10 branches 4">
+            <a:extLst>
+              <a:ext uri="{FF2B5EF4-FFF2-40B4-BE49-F238E27FC236}">
+                <a16:creationId xmlns:a16="http://schemas.microsoft.com/office/drawing/2014/main" id="{5D437705-4551-31A2-5FF9-5C1D397E3E31}"/>
+              </a:ext>
+            </a:extLst>
+          </p:cNvPr>
+          <p:cNvSpPr/>
+          <p:nvPr/>
+        </p:nvSpPr>
+        <p:spPr>
+          <a:xfrm>
+            <a:off x="6891866" y="3029139"/>
+            <a:ext cx="304801" cy="315194"/>
+          </a:xfrm>
+          <a:prstGeom prst="star10">
+            <a:avLst/>
+          </a:prstGeom>
+          <a:ln>
+            <a:solidFill>
+              <a:schemeClr val="bg1"/>
+            </a:solidFill>
+          </a:ln>
+        </p:spPr>
+        <p:style>
+          <a:lnRef idx="2">
+            <a:schemeClr val="accent4">
+              <a:shade val="15000"/>
+            </a:schemeClr>
+          </a:lnRef>
+          <a:fillRef idx="1">
+            <a:schemeClr val="accent4"/>
+          </a:fillRef>
+          <a:effectRef idx="0">
+            <a:schemeClr val="accent4"/>
+          </a:effectRef>
+          <a:fontRef idx="minor">
+            <a:schemeClr val="lt1"/>
+          </a:fontRef>
+        </p:style>
+        <p:txBody>
+          <a:bodyPr rtlCol="0" anchor="ctr"/>
+          <a:lstStyle/>
+          <a:p>
+            <a:pPr algn="ctr"/>
+            <a:endParaRPr lang="fr-FR"/>
+          </a:p>
+        </p:txBody>
+      </p:sp>
+    </p:spTree>
+    <p:extLst>
+      <p:ext uri="{BB962C8B-B14F-4D97-AF65-F5344CB8AC3E}">
+        <p14:creationId xmlns:p14="http://schemas.microsoft.com/office/powerpoint/2010/main" val="2741792053"/>
+      </p:ext>
+    </p:extLst>
+  </p:cSld>
+  <p:clrMapOvr>
+    <a:masterClrMapping/>
+  </p:clrMapOvr>
+</p:sld>
+</file>
+
+<file path=ppt/slides/slide36.xml><?xml version="1.0" encoding="utf-8"?>
+<p:sld xmlns:a="http://schemas.openxmlformats.org/drawingml/2006/main" xmlns:r="http://schemas.openxmlformats.org/officeDocument/2006/relationships" xmlns:p="http://schemas.openxmlformats.org/presentationml/2006/main">
+  <p:cSld>
+    <p:spTree>
+      <p:nvGrpSpPr>
+        <p:cNvPr id="1" name=""/>
+        <p:cNvGrpSpPr/>
+        <p:nvPr/>
+      </p:nvGrpSpPr>
+      <p:grpSpPr>
+        <a:xfrm>
+          <a:off x="0" y="0"/>
+          <a:ext cx="0" cy="0"/>
+          <a:chOff x="0" y="0"/>
+          <a:chExt cx="0" cy="0"/>
+        </a:xfrm>
+      </p:grpSpPr>
+      <p:sp>
+        <p:nvSpPr>
+          <p:cNvPr id="2" name="Titre 1">
+            <a:extLst>
+              <a:ext uri="{FF2B5EF4-FFF2-40B4-BE49-F238E27FC236}">
+                <a16:creationId xmlns:a16="http://schemas.microsoft.com/office/drawing/2014/main" id="{25CB8B10-3A1D-CACE-5A8D-D686EA7C44EF}"/>
+              </a:ext>
+            </a:extLst>
+          </p:cNvPr>
+          <p:cNvSpPr>
+            <a:spLocks noGrp="1"/>
+          </p:cNvSpPr>
+          <p:nvPr>
+            <p:ph type="ctrTitle"/>
+          </p:nvPr>
+        </p:nvSpPr>
+        <p:spPr>
+          <a:xfrm>
+            <a:off x="1524000" y="199496"/>
+            <a:ext cx="9144000" cy="1544637"/>
+          </a:xfrm>
+        </p:spPr>
+        <p:txBody>
+          <a:bodyPr>
+            <a:normAutofit fontScale="90000"/>
+          </a:bodyPr>
+          <a:lstStyle/>
+          <a:p>
+            <a:r>
+              <a:rPr lang="fr-FR" sz="9600" dirty="0">
+                <a:solidFill>
+                  <a:schemeClr val="accent1">
+                    <a:lumMod val="75000"/>
+                  </a:schemeClr>
+                </a:solidFill>
+              </a:rPr>
+              <a:t>Les minutes MLOps</a:t>
+            </a:r>
+          </a:p>
+        </p:txBody>
+      </p:sp>
+      <p:sp>
+        <p:nvSpPr>
+          <p:cNvPr id="3" name="Sous-titre 2">
+            <a:extLst>
+              <a:ext uri="{FF2B5EF4-FFF2-40B4-BE49-F238E27FC236}">
+                <a16:creationId xmlns:a16="http://schemas.microsoft.com/office/drawing/2014/main" id="{F17C1392-EAB9-EF81-4082-62F3FD9B4C7D}"/>
+              </a:ext>
+            </a:extLst>
+          </p:cNvPr>
+          <p:cNvSpPr>
+            <a:spLocks noGrp="1"/>
+          </p:cNvSpPr>
+          <p:nvPr>
+            <p:ph type="subTitle" idx="1"/>
+          </p:nvPr>
+        </p:nvSpPr>
+        <p:spPr>
+          <a:xfrm>
+            <a:off x="1524000" y="2514600"/>
+            <a:ext cx="9144000" cy="3333484"/>
+          </a:xfrm>
+        </p:spPr>
+        <p:txBody>
+          <a:bodyPr>
+            <a:normAutofit/>
+          </a:bodyPr>
+          <a:lstStyle/>
+          <a:p>
+            <a:r>
+              <a:rPr lang="fr-FR" sz="4400" dirty="0">
+                <a:solidFill>
+                  <a:srgbClr val="00B0F0"/>
+                </a:solidFill>
+              </a:rPr>
+              <a:t>Ma première « Intégration continue  » avec </a:t>
+            </a:r>
+            <a:r>
+              <a:rPr lang="fr-FR" sz="4400" dirty="0" err="1">
+                <a:solidFill>
+                  <a:srgbClr val="00B0F0"/>
+                </a:solidFill>
+              </a:rPr>
+              <a:t>Github</a:t>
+            </a:r>
+            <a:r>
+              <a:rPr lang="fr-FR" sz="4400" dirty="0">
+                <a:solidFill>
+                  <a:srgbClr val="00B0F0"/>
+                </a:solidFill>
+              </a:rPr>
+              <a:t> Action</a:t>
+            </a:r>
+          </a:p>
+        </p:txBody>
+      </p:sp>
+      <p:pic>
+        <p:nvPicPr>
+          <p:cNvPr id="1026" name="Picture 2" descr="My Microsoft MVP Journey - Steve Gordon">
+            <a:extLst>
+              <a:ext uri="{FF2B5EF4-FFF2-40B4-BE49-F238E27FC236}">
+                <a16:creationId xmlns:a16="http://schemas.microsoft.com/office/drawing/2014/main" id="{9CCE3086-E1BE-844B-6F60-A3FFE631047A}"/>
+              </a:ext>
+            </a:extLst>
+          </p:cNvPr>
+          <p:cNvPicPr>
+            <a:picLocks noChangeAspect="1" noChangeArrowheads="1"/>
+          </p:cNvPicPr>
+          <p:nvPr/>
+        </p:nvPicPr>
+        <p:blipFill>
+          <a:blip r:embed="rId2">
+            <a:extLst>
+              <a:ext uri="{28A0092B-C50C-407E-A947-70E740481C1C}">
+                <a14:useLocalDpi xmlns:a14="http://schemas.microsoft.com/office/drawing/2010/main" val="0"/>
+              </a:ext>
+            </a:extLst>
+          </a:blip>
+          <a:srcRect/>
+          <a:stretch>
+            <a:fillRect/>
+          </a:stretch>
+        </p:blipFill>
+        <p:spPr bwMode="auto">
+          <a:xfrm>
+            <a:off x="882157" y="6078612"/>
+            <a:ext cx="862542" cy="348467"/>
+          </a:xfrm>
+          <a:prstGeom prst="rect">
+            <a:avLst/>
+          </a:prstGeom>
+          <a:noFill/>
+          <a:extLst>
+            <a:ext uri="{909E8E84-426E-40DD-AFC4-6F175D3DCCD1}">
+              <a14:hiddenFill xmlns:a14="http://schemas.microsoft.com/office/drawing/2010/main">
+                <a:solidFill>
+                  <a:srgbClr val="FFFFFF"/>
+                </a:solidFill>
+              </a14:hiddenFill>
+            </a:ext>
+          </a:extLst>
+        </p:spPr>
+      </p:pic>
+      <p:sp>
+        <p:nvSpPr>
+          <p:cNvPr id="4" name="ZoneTexte 3">
+            <a:extLst>
+              <a:ext uri="{FF2B5EF4-FFF2-40B4-BE49-F238E27FC236}">
+                <a16:creationId xmlns:a16="http://schemas.microsoft.com/office/drawing/2014/main" id="{698748E8-A44E-3944-73E5-46C6156846A9}"/>
+              </a:ext>
+            </a:extLst>
+          </p:cNvPr>
+          <p:cNvSpPr txBox="1"/>
+          <p:nvPr/>
+        </p:nvSpPr>
+        <p:spPr>
+          <a:xfrm>
+            <a:off x="347330" y="6466281"/>
+            <a:ext cx="1932196" cy="369332"/>
+          </a:xfrm>
+          <a:prstGeom prst="rect">
+            <a:avLst/>
+          </a:prstGeom>
+          <a:noFill/>
+        </p:spPr>
+        <p:txBody>
+          <a:bodyPr wrap="none" rtlCol="0">
+            <a:spAutoFit/>
+          </a:bodyPr>
+          <a:lstStyle/>
+          <a:p>
+            <a:r>
+              <a:rPr lang="fr-FR" dirty="0">
+                <a:solidFill>
+                  <a:schemeClr val="accent1"/>
+                </a:solidFill>
+              </a:rPr>
+              <a:t>Guillaume Chervet</a:t>
+            </a:r>
+          </a:p>
+        </p:txBody>
+      </p:sp>
+    </p:spTree>
+    <p:extLst>
+      <p:ext uri="{BB962C8B-B14F-4D97-AF65-F5344CB8AC3E}">
         <p14:creationId xmlns:p14="http://schemas.microsoft.com/office/powerpoint/2010/main" val="1594358758"/>
+      </p:ext>
+    </p:extLst>
+  </p:cSld>
+  <p:clrMapOvr>
+    <a:masterClrMapping/>
+  </p:clrMapOvr>
+</p:sld>
+</file>
+
+<file path=ppt/slides/slide37.xml><?xml version="1.0" encoding="utf-8"?>
+<p:sld xmlns:a="http://schemas.openxmlformats.org/drawingml/2006/main" xmlns:r="http://schemas.openxmlformats.org/officeDocument/2006/relationships" xmlns:p="http://schemas.openxmlformats.org/presentationml/2006/main">
+  <p:cSld>
+    <p:spTree>
+      <p:nvGrpSpPr>
+        <p:cNvPr id="1" name=""/>
+        <p:cNvGrpSpPr/>
+        <p:nvPr/>
+      </p:nvGrpSpPr>
+      <p:grpSpPr>
+        <a:xfrm>
+          <a:off x="0" y="0"/>
+          <a:ext cx="0" cy="0"/>
+          <a:chOff x="0" y="0"/>
+          <a:chExt cx="0" cy="0"/>
+        </a:xfrm>
+      </p:grpSpPr>
+      <p:sp>
+        <p:nvSpPr>
+          <p:cNvPr id="2" name="Titre 1">
+            <a:extLst>
+              <a:ext uri="{FF2B5EF4-FFF2-40B4-BE49-F238E27FC236}">
+                <a16:creationId xmlns:a16="http://schemas.microsoft.com/office/drawing/2014/main" id="{25CB8B10-3A1D-CACE-5A8D-D686EA7C44EF}"/>
+              </a:ext>
+            </a:extLst>
+          </p:cNvPr>
+          <p:cNvSpPr>
+            <a:spLocks noGrp="1"/>
+          </p:cNvSpPr>
+          <p:nvPr>
+            <p:ph type="ctrTitle"/>
+          </p:nvPr>
+        </p:nvSpPr>
+        <p:spPr>
+          <a:xfrm>
+            <a:off x="1524000" y="199496"/>
+            <a:ext cx="9144000" cy="1544637"/>
+          </a:xfrm>
+        </p:spPr>
+        <p:txBody>
+          <a:bodyPr>
+            <a:normAutofit fontScale="90000"/>
+          </a:bodyPr>
+          <a:lstStyle/>
+          <a:p>
+            <a:r>
+              <a:rPr lang="fr-FR" sz="9600" dirty="0">
+                <a:solidFill>
+                  <a:schemeClr val="accent1">
+                    <a:lumMod val="75000"/>
+                  </a:schemeClr>
+                </a:solidFill>
+              </a:rPr>
+              <a:t>Les minutes MLOps</a:t>
+            </a:r>
+          </a:p>
+        </p:txBody>
+      </p:sp>
+      <p:sp>
+        <p:nvSpPr>
+          <p:cNvPr id="3" name="Sous-titre 2">
+            <a:extLst>
+              <a:ext uri="{FF2B5EF4-FFF2-40B4-BE49-F238E27FC236}">
+                <a16:creationId xmlns:a16="http://schemas.microsoft.com/office/drawing/2014/main" id="{F17C1392-EAB9-EF81-4082-62F3FD9B4C7D}"/>
+              </a:ext>
+            </a:extLst>
+          </p:cNvPr>
+          <p:cNvSpPr>
+            <a:spLocks noGrp="1"/>
+          </p:cNvSpPr>
+          <p:nvPr>
+            <p:ph type="subTitle" idx="1"/>
+          </p:nvPr>
+        </p:nvSpPr>
+        <p:spPr>
+          <a:xfrm>
+            <a:off x="1524000" y="2514600"/>
+            <a:ext cx="9144000" cy="3333484"/>
+          </a:xfrm>
+        </p:spPr>
+        <p:txBody>
+          <a:bodyPr>
+            <a:normAutofit/>
+          </a:bodyPr>
+          <a:lstStyle/>
+          <a:p>
+            <a:r>
+              <a:rPr lang="fr-FR" sz="4400" dirty="0">
+                <a:solidFill>
+                  <a:srgbClr val="00B0F0"/>
+                </a:solidFill>
+              </a:rPr>
+              <a:t>Pipeline d’entraînement</a:t>
+            </a:r>
+          </a:p>
+        </p:txBody>
+      </p:sp>
+      <p:pic>
+        <p:nvPicPr>
+          <p:cNvPr id="1026" name="Picture 2" descr="My Microsoft MVP Journey - Steve Gordon">
+            <a:extLst>
+              <a:ext uri="{FF2B5EF4-FFF2-40B4-BE49-F238E27FC236}">
+                <a16:creationId xmlns:a16="http://schemas.microsoft.com/office/drawing/2014/main" id="{9CCE3086-E1BE-844B-6F60-A3FFE631047A}"/>
+              </a:ext>
+            </a:extLst>
+          </p:cNvPr>
+          <p:cNvPicPr>
+            <a:picLocks noChangeAspect="1" noChangeArrowheads="1"/>
+          </p:cNvPicPr>
+          <p:nvPr/>
+        </p:nvPicPr>
+        <p:blipFill>
+          <a:blip r:embed="rId2">
+            <a:extLst>
+              <a:ext uri="{28A0092B-C50C-407E-A947-70E740481C1C}">
+                <a14:useLocalDpi xmlns:a14="http://schemas.microsoft.com/office/drawing/2010/main" val="0"/>
+              </a:ext>
+            </a:extLst>
+          </a:blip>
+          <a:srcRect/>
+          <a:stretch>
+            <a:fillRect/>
+          </a:stretch>
+        </p:blipFill>
+        <p:spPr bwMode="auto">
+          <a:xfrm>
+            <a:off x="882157" y="6078612"/>
+            <a:ext cx="862542" cy="348467"/>
+          </a:xfrm>
+          <a:prstGeom prst="rect">
+            <a:avLst/>
+          </a:prstGeom>
+          <a:noFill/>
+          <a:extLst>
+            <a:ext uri="{909E8E84-426E-40DD-AFC4-6F175D3DCCD1}">
+              <a14:hiddenFill xmlns:a14="http://schemas.microsoft.com/office/drawing/2010/main">
+                <a:solidFill>
+                  <a:srgbClr val="FFFFFF"/>
+                </a:solidFill>
+              </a14:hiddenFill>
+            </a:ext>
+          </a:extLst>
+        </p:spPr>
+      </p:pic>
+      <p:sp>
+        <p:nvSpPr>
+          <p:cNvPr id="4" name="ZoneTexte 3">
+            <a:extLst>
+              <a:ext uri="{FF2B5EF4-FFF2-40B4-BE49-F238E27FC236}">
+                <a16:creationId xmlns:a16="http://schemas.microsoft.com/office/drawing/2014/main" id="{698748E8-A44E-3944-73E5-46C6156846A9}"/>
+              </a:ext>
+            </a:extLst>
+          </p:cNvPr>
+          <p:cNvSpPr txBox="1"/>
+          <p:nvPr/>
+        </p:nvSpPr>
+        <p:spPr>
+          <a:xfrm>
+            <a:off x="347330" y="6466281"/>
+            <a:ext cx="1932196" cy="369332"/>
+          </a:xfrm>
+          <a:prstGeom prst="rect">
+            <a:avLst/>
+          </a:prstGeom>
+          <a:noFill/>
+        </p:spPr>
+        <p:txBody>
+          <a:bodyPr wrap="none" rtlCol="0">
+            <a:spAutoFit/>
+          </a:bodyPr>
+          <a:lstStyle/>
+          <a:p>
+            <a:r>
+              <a:rPr lang="fr-FR" dirty="0">
+                <a:solidFill>
+                  <a:schemeClr val="accent1"/>
+                </a:solidFill>
+              </a:rPr>
+              <a:t>Guillaume Chervet</a:t>
+            </a:r>
+          </a:p>
+        </p:txBody>
+      </p:sp>
+    </p:spTree>
+    <p:extLst>
+      <p:ext uri="{BB962C8B-B14F-4D97-AF65-F5344CB8AC3E}">
+        <p14:creationId xmlns:p14="http://schemas.microsoft.com/office/powerpoint/2010/main" val="2067772875"/>
+      </p:ext>
+    </p:extLst>
+  </p:cSld>
+  <p:clrMapOvr>
+    <a:masterClrMapping/>
+  </p:clrMapOvr>
+</p:sld>
+</file>
+
+<file path=ppt/slides/slide38.xml><?xml version="1.0" encoding="utf-8"?>
+<p:sld xmlns:a="http://schemas.openxmlformats.org/drawingml/2006/main" xmlns:r="http://schemas.openxmlformats.org/officeDocument/2006/relationships" xmlns:p="http://schemas.openxmlformats.org/presentationml/2006/main">
+  <p:cSld>
+    <p:spTree>
+      <p:nvGrpSpPr>
+        <p:cNvPr id="1" name=""/>
+        <p:cNvGrpSpPr/>
+        <p:nvPr/>
+      </p:nvGrpSpPr>
+      <p:grpSpPr>
+        <a:xfrm>
+          <a:off x="0" y="0"/>
+          <a:ext cx="0" cy="0"/>
+          <a:chOff x="0" y="0"/>
+          <a:chExt cx="0" cy="0"/>
+        </a:xfrm>
+      </p:grpSpPr>
+      <p:sp>
+        <p:nvSpPr>
+          <p:cNvPr id="2" name="Titre 1">
+            <a:extLst>
+              <a:ext uri="{FF2B5EF4-FFF2-40B4-BE49-F238E27FC236}">
+                <a16:creationId xmlns:a16="http://schemas.microsoft.com/office/drawing/2014/main" id="{25CB8B10-3A1D-CACE-5A8D-D686EA7C44EF}"/>
+              </a:ext>
+            </a:extLst>
+          </p:cNvPr>
+          <p:cNvSpPr>
+            <a:spLocks noGrp="1"/>
+          </p:cNvSpPr>
+          <p:nvPr>
+            <p:ph type="ctrTitle"/>
+          </p:nvPr>
+        </p:nvSpPr>
+        <p:spPr>
+          <a:xfrm>
+            <a:off x="1524000" y="199496"/>
+            <a:ext cx="9144000" cy="1544637"/>
+          </a:xfrm>
+        </p:spPr>
+        <p:txBody>
+          <a:bodyPr>
+            <a:normAutofit fontScale="90000"/>
+          </a:bodyPr>
+          <a:lstStyle/>
+          <a:p>
+            <a:r>
+              <a:rPr lang="fr-FR" sz="9600" dirty="0">
+                <a:solidFill>
+                  <a:schemeClr val="accent1">
+                    <a:lumMod val="75000"/>
+                  </a:schemeClr>
+                </a:solidFill>
+              </a:rPr>
+              <a:t>Les minutes MLOps</a:t>
+            </a:r>
+          </a:p>
+        </p:txBody>
+      </p:sp>
+      <p:sp>
+        <p:nvSpPr>
+          <p:cNvPr id="3" name="Sous-titre 2">
+            <a:extLst>
+              <a:ext uri="{FF2B5EF4-FFF2-40B4-BE49-F238E27FC236}">
+                <a16:creationId xmlns:a16="http://schemas.microsoft.com/office/drawing/2014/main" id="{F17C1392-EAB9-EF81-4082-62F3FD9B4C7D}"/>
+              </a:ext>
+            </a:extLst>
+          </p:cNvPr>
+          <p:cNvSpPr>
+            <a:spLocks noGrp="1"/>
+          </p:cNvSpPr>
+          <p:nvPr>
+            <p:ph type="subTitle" idx="1"/>
+          </p:nvPr>
+        </p:nvSpPr>
+        <p:spPr>
+          <a:xfrm>
+            <a:off x="1524000" y="1913467"/>
+            <a:ext cx="9144000" cy="3333484"/>
+          </a:xfrm>
+        </p:spPr>
+        <p:txBody>
+          <a:bodyPr>
+            <a:normAutofit/>
+          </a:bodyPr>
+          <a:lstStyle/>
+          <a:p>
+            <a:r>
+              <a:rPr lang="fr-FR" sz="6000" dirty="0">
+                <a:solidFill>
+                  <a:srgbClr val="00B0F0"/>
+                </a:solidFill>
+              </a:rPr>
+              <a:t>Etape 1 de l’entrainement : « Extraction »</a:t>
+            </a:r>
+            <a:br>
+              <a:rPr lang="fr-FR" sz="6000" dirty="0">
+                <a:solidFill>
+                  <a:srgbClr val="00B0F0"/>
+                </a:solidFill>
+              </a:rPr>
+            </a:br>
+            <a:r>
+              <a:rPr lang="fr-FR" sz="6000" dirty="0">
+                <a:solidFill>
+                  <a:srgbClr val="00B0F0"/>
+                </a:solidFill>
+              </a:rPr>
+              <a:t>méthode de travail</a:t>
+            </a:r>
+          </a:p>
+        </p:txBody>
+      </p:sp>
+      <p:pic>
+        <p:nvPicPr>
+          <p:cNvPr id="1026" name="Picture 2" descr="My Microsoft MVP Journey - Steve Gordon">
+            <a:extLst>
+              <a:ext uri="{FF2B5EF4-FFF2-40B4-BE49-F238E27FC236}">
+                <a16:creationId xmlns:a16="http://schemas.microsoft.com/office/drawing/2014/main" id="{9CCE3086-E1BE-844B-6F60-A3FFE631047A}"/>
+              </a:ext>
+            </a:extLst>
+          </p:cNvPr>
+          <p:cNvPicPr>
+            <a:picLocks noChangeAspect="1" noChangeArrowheads="1"/>
+          </p:cNvPicPr>
+          <p:nvPr/>
+        </p:nvPicPr>
+        <p:blipFill>
+          <a:blip r:embed="rId2">
+            <a:extLst>
+              <a:ext uri="{28A0092B-C50C-407E-A947-70E740481C1C}">
+                <a14:useLocalDpi xmlns:a14="http://schemas.microsoft.com/office/drawing/2010/main" val="0"/>
+              </a:ext>
+            </a:extLst>
+          </a:blip>
+          <a:srcRect/>
+          <a:stretch>
+            <a:fillRect/>
+          </a:stretch>
+        </p:blipFill>
+        <p:spPr bwMode="auto">
+          <a:xfrm>
+            <a:off x="882157" y="6078612"/>
+            <a:ext cx="862542" cy="348467"/>
+          </a:xfrm>
+          <a:prstGeom prst="rect">
+            <a:avLst/>
+          </a:prstGeom>
+          <a:noFill/>
+          <a:extLst>
+            <a:ext uri="{909E8E84-426E-40DD-AFC4-6F175D3DCCD1}">
+              <a14:hiddenFill xmlns:a14="http://schemas.microsoft.com/office/drawing/2010/main">
+                <a:solidFill>
+                  <a:srgbClr val="FFFFFF"/>
+                </a:solidFill>
+              </a14:hiddenFill>
+            </a:ext>
+          </a:extLst>
+        </p:spPr>
+      </p:pic>
+      <p:sp>
+        <p:nvSpPr>
+          <p:cNvPr id="4" name="ZoneTexte 3">
+            <a:extLst>
+              <a:ext uri="{FF2B5EF4-FFF2-40B4-BE49-F238E27FC236}">
+                <a16:creationId xmlns:a16="http://schemas.microsoft.com/office/drawing/2014/main" id="{698748E8-A44E-3944-73E5-46C6156846A9}"/>
+              </a:ext>
+            </a:extLst>
+          </p:cNvPr>
+          <p:cNvSpPr txBox="1"/>
+          <p:nvPr/>
+        </p:nvSpPr>
+        <p:spPr>
+          <a:xfrm>
+            <a:off x="347330" y="6466281"/>
+            <a:ext cx="1932196" cy="369332"/>
+          </a:xfrm>
+          <a:prstGeom prst="rect">
+            <a:avLst/>
+          </a:prstGeom>
+          <a:noFill/>
+        </p:spPr>
+        <p:txBody>
+          <a:bodyPr wrap="none" rtlCol="0">
+            <a:spAutoFit/>
+          </a:bodyPr>
+          <a:lstStyle/>
+          <a:p>
+            <a:r>
+              <a:rPr lang="fr-FR" dirty="0">
+                <a:solidFill>
+                  <a:schemeClr val="accent1"/>
+                </a:solidFill>
+              </a:rPr>
+              <a:t>Guillaume Chervet</a:t>
+            </a:r>
+          </a:p>
+        </p:txBody>
+      </p:sp>
+    </p:spTree>
+    <p:extLst>
+      <p:ext uri="{BB962C8B-B14F-4D97-AF65-F5344CB8AC3E}">
+        <p14:creationId xmlns:p14="http://schemas.microsoft.com/office/powerpoint/2010/main" val="847835649"/>
+      </p:ext>
+    </p:extLst>
+  </p:cSld>
+  <p:clrMapOvr>
+    <a:masterClrMapping/>
+  </p:clrMapOvr>
+</p:sld>
+</file>
+
+<file path=ppt/slides/slide39.xml><?xml version="1.0" encoding="utf-8"?>
+<p:sld xmlns:a="http://schemas.openxmlformats.org/drawingml/2006/main" xmlns:r="http://schemas.openxmlformats.org/officeDocument/2006/relationships" xmlns:p="http://schemas.openxmlformats.org/presentationml/2006/main">
+  <p:cSld>
+    <p:spTree>
+      <p:nvGrpSpPr>
+        <p:cNvPr id="1" name=""/>
+        <p:cNvGrpSpPr/>
+        <p:nvPr/>
+      </p:nvGrpSpPr>
+      <p:grpSpPr>
+        <a:xfrm>
+          <a:off x="0" y="0"/>
+          <a:ext cx="0" cy="0"/>
+          <a:chOff x="0" y="0"/>
+          <a:chExt cx="0" cy="0"/>
+        </a:xfrm>
+      </p:grpSpPr>
+      <p:sp>
+        <p:nvSpPr>
+          <p:cNvPr id="2" name="Titre 1">
+            <a:extLst>
+              <a:ext uri="{FF2B5EF4-FFF2-40B4-BE49-F238E27FC236}">
+                <a16:creationId xmlns:a16="http://schemas.microsoft.com/office/drawing/2014/main" id="{25CB8B10-3A1D-CACE-5A8D-D686EA7C44EF}"/>
+              </a:ext>
+            </a:extLst>
+          </p:cNvPr>
+          <p:cNvSpPr>
+            <a:spLocks noGrp="1"/>
+          </p:cNvSpPr>
+          <p:nvPr>
+            <p:ph type="ctrTitle"/>
+          </p:nvPr>
+        </p:nvSpPr>
+        <p:spPr>
+          <a:xfrm>
+            <a:off x="1524000" y="199496"/>
+            <a:ext cx="9144000" cy="1544637"/>
+          </a:xfrm>
+        </p:spPr>
+        <p:txBody>
+          <a:bodyPr>
+            <a:normAutofit fontScale="90000"/>
+          </a:bodyPr>
+          <a:lstStyle/>
+          <a:p>
+            <a:r>
+              <a:rPr lang="fr-FR" sz="9600" b="1" dirty="0">
+                <a:solidFill>
+                  <a:schemeClr val="accent1">
+                    <a:lumMod val="75000"/>
+                  </a:schemeClr>
+                </a:solidFill>
+              </a:rPr>
+              <a:t>Les minutes MLOps</a:t>
+            </a:r>
+          </a:p>
+        </p:txBody>
+      </p:sp>
+      <p:sp>
+        <p:nvSpPr>
+          <p:cNvPr id="3" name="Sous-titre 2">
+            <a:extLst>
+              <a:ext uri="{FF2B5EF4-FFF2-40B4-BE49-F238E27FC236}">
+                <a16:creationId xmlns:a16="http://schemas.microsoft.com/office/drawing/2014/main" id="{F17C1392-EAB9-EF81-4082-62F3FD9B4C7D}"/>
+              </a:ext>
+            </a:extLst>
+          </p:cNvPr>
+          <p:cNvSpPr>
+            <a:spLocks noGrp="1"/>
+          </p:cNvSpPr>
+          <p:nvPr>
+            <p:ph type="subTitle" idx="1"/>
+          </p:nvPr>
+        </p:nvSpPr>
+        <p:spPr>
+          <a:xfrm>
+            <a:off x="1524000" y="2253343"/>
+            <a:ext cx="9144000" cy="2993608"/>
+          </a:xfrm>
+        </p:spPr>
+        <p:txBody>
+          <a:bodyPr>
+            <a:normAutofit/>
+          </a:bodyPr>
+          <a:lstStyle/>
+          <a:p>
+            <a:r>
+              <a:rPr lang="fr-FR" sz="6000" dirty="0">
+                <a:solidFill>
+                  <a:srgbClr val="00B0F0"/>
+                </a:solidFill>
+              </a:rPr>
+              <a:t>Dur avec les </a:t>
+            </a:r>
+            <a:r>
+              <a:rPr lang="fr-FR" sz="6000" dirty="0">
+                <a:solidFill>
+                  <a:srgbClr val="C00000"/>
+                </a:solidFill>
+              </a:rPr>
+              <a:t>gens</a:t>
+            </a:r>
+            <a:r>
+              <a:rPr lang="fr-FR" sz="6000" dirty="0">
+                <a:solidFill>
+                  <a:srgbClr val="00B0F0"/>
+                </a:solidFill>
+              </a:rPr>
+              <a:t> et doux avec le </a:t>
+            </a:r>
+            <a:r>
+              <a:rPr lang="fr-FR" sz="6000" dirty="0">
+                <a:solidFill>
+                  <a:srgbClr val="00B050"/>
+                </a:solidFill>
+              </a:rPr>
+              <a:t>code</a:t>
+            </a:r>
+          </a:p>
+        </p:txBody>
+      </p:sp>
+      <p:pic>
+        <p:nvPicPr>
+          <p:cNvPr id="1026" name="Picture 2" descr="My Microsoft MVP Journey - Steve Gordon">
+            <a:extLst>
+              <a:ext uri="{FF2B5EF4-FFF2-40B4-BE49-F238E27FC236}">
+                <a16:creationId xmlns:a16="http://schemas.microsoft.com/office/drawing/2014/main" id="{9CCE3086-E1BE-844B-6F60-A3FFE631047A}"/>
+              </a:ext>
+            </a:extLst>
+          </p:cNvPr>
+          <p:cNvPicPr>
+            <a:picLocks noChangeAspect="1" noChangeArrowheads="1"/>
+          </p:cNvPicPr>
+          <p:nvPr/>
+        </p:nvPicPr>
+        <p:blipFill>
+          <a:blip r:embed="rId2">
+            <a:extLst>
+              <a:ext uri="{28A0092B-C50C-407E-A947-70E740481C1C}">
+                <a14:useLocalDpi xmlns:a14="http://schemas.microsoft.com/office/drawing/2010/main" val="0"/>
+              </a:ext>
+            </a:extLst>
+          </a:blip>
+          <a:srcRect/>
+          <a:stretch>
+            <a:fillRect/>
+          </a:stretch>
+        </p:blipFill>
+        <p:spPr bwMode="auto">
+          <a:xfrm>
+            <a:off x="882157" y="6078612"/>
+            <a:ext cx="862542" cy="348467"/>
+          </a:xfrm>
+          <a:prstGeom prst="rect">
+            <a:avLst/>
+          </a:prstGeom>
+          <a:noFill/>
+          <a:extLst>
+            <a:ext uri="{909E8E84-426E-40DD-AFC4-6F175D3DCCD1}">
+              <a14:hiddenFill xmlns:a14="http://schemas.microsoft.com/office/drawing/2010/main">
+                <a:solidFill>
+                  <a:srgbClr val="FFFFFF"/>
+                </a:solidFill>
+              </a14:hiddenFill>
+            </a:ext>
+          </a:extLst>
+        </p:spPr>
+      </p:pic>
+      <p:sp>
+        <p:nvSpPr>
+          <p:cNvPr id="4" name="ZoneTexte 3">
+            <a:extLst>
+              <a:ext uri="{FF2B5EF4-FFF2-40B4-BE49-F238E27FC236}">
+                <a16:creationId xmlns:a16="http://schemas.microsoft.com/office/drawing/2014/main" id="{698748E8-A44E-3944-73E5-46C6156846A9}"/>
+              </a:ext>
+            </a:extLst>
+          </p:cNvPr>
+          <p:cNvSpPr txBox="1"/>
+          <p:nvPr/>
+        </p:nvSpPr>
+        <p:spPr>
+          <a:xfrm>
+            <a:off x="347330" y="6466281"/>
+            <a:ext cx="1932196" cy="369332"/>
+          </a:xfrm>
+          <a:prstGeom prst="rect">
+            <a:avLst/>
+          </a:prstGeom>
+          <a:noFill/>
+        </p:spPr>
+        <p:txBody>
+          <a:bodyPr wrap="none" rtlCol="0">
+            <a:spAutoFit/>
+          </a:bodyPr>
+          <a:lstStyle/>
+          <a:p>
+            <a:r>
+              <a:rPr lang="fr-FR" dirty="0">
+                <a:solidFill>
+                  <a:schemeClr val="accent1"/>
+                </a:solidFill>
+              </a:rPr>
+              <a:t>Guillaume Chervet</a:t>
+            </a:r>
+          </a:p>
+        </p:txBody>
+      </p:sp>
+    </p:spTree>
+    <p:extLst>
+      <p:ext uri="{BB962C8B-B14F-4D97-AF65-F5344CB8AC3E}">
+        <p14:creationId xmlns:p14="http://schemas.microsoft.com/office/powerpoint/2010/main" val="1310848085"/>
       </p:ext>
     </p:extLst>
   </p:cSld>
@@ -8818,34 +10252,13 @@
           <a:lstStyle/>
           <a:p>
             <a:r>
-              <a:rPr lang="fr-FR" sz="4800" dirty="0" err="1">
+              <a:rPr lang="fr-FR" sz="4800" dirty="0">
                 <a:solidFill>
                   <a:srgbClr val="00B0F0"/>
                 </a:solidFill>
               </a:rPr>
-              <a:t>Get</a:t>
-            </a:r>
-            <a:r>
-              <a:rPr lang="fr-FR" sz="4800" dirty="0">
-                <a:solidFill>
-                  <a:srgbClr val="00B0F0"/>
-                </a:solidFill>
-              </a:rPr>
-              <a:t> </a:t>
-            </a:r>
-            <a:r>
-              <a:rPr lang="fr-FR" sz="4800" dirty="0" err="1">
-                <a:solidFill>
-                  <a:srgbClr val="00B0F0"/>
-                </a:solidFill>
-              </a:rPr>
-              <a:t>Started</a:t>
-            </a:r>
-            <a:endParaRPr lang="fr-FR" sz="4800" dirty="0">
-              <a:solidFill>
-                <a:srgbClr val="00B0F0"/>
-              </a:solidFill>
-            </a:endParaRPr>
+              <a:t>Qu’est ce que le MLOps ?</a:t>
+            </a:r>
           </a:p>
         </p:txBody>
       </p:sp>
@@ -8921,7 +10334,1750 @@
     </p:spTree>
     <p:extLst>
       <p:ext uri="{BB962C8B-B14F-4D97-AF65-F5344CB8AC3E}">
-        <p14:creationId xmlns:p14="http://schemas.microsoft.com/office/powerpoint/2010/main" val="2916956030"/>
+        <p14:creationId xmlns:p14="http://schemas.microsoft.com/office/powerpoint/2010/main" val="3607901625"/>
+      </p:ext>
+    </p:extLst>
+  </p:cSld>
+  <p:clrMapOvr>
+    <a:masterClrMapping/>
+  </p:clrMapOvr>
+</p:sld>
+</file>
+
+<file path=ppt/slides/slide40.xml><?xml version="1.0" encoding="utf-8"?>
+<p:sld xmlns:a="http://schemas.openxmlformats.org/drawingml/2006/main" xmlns:r="http://schemas.openxmlformats.org/officeDocument/2006/relationships" xmlns:p="http://schemas.openxmlformats.org/presentationml/2006/main">
+  <p:cSld>
+    <p:spTree>
+      <p:nvGrpSpPr>
+        <p:cNvPr id="1" name=""/>
+        <p:cNvGrpSpPr/>
+        <p:nvPr/>
+      </p:nvGrpSpPr>
+      <p:grpSpPr>
+        <a:xfrm>
+          <a:off x="0" y="0"/>
+          <a:ext cx="0" cy="0"/>
+          <a:chOff x="0" y="0"/>
+          <a:chExt cx="0" cy="0"/>
+        </a:xfrm>
+      </p:grpSpPr>
+      <p:sp>
+        <p:nvSpPr>
+          <p:cNvPr id="2" name="Titre 1">
+            <a:extLst>
+              <a:ext uri="{FF2B5EF4-FFF2-40B4-BE49-F238E27FC236}">
+                <a16:creationId xmlns:a16="http://schemas.microsoft.com/office/drawing/2014/main" id="{25CB8B10-3A1D-CACE-5A8D-D686EA7C44EF}"/>
+              </a:ext>
+            </a:extLst>
+          </p:cNvPr>
+          <p:cNvSpPr>
+            <a:spLocks noGrp="1"/>
+          </p:cNvSpPr>
+          <p:nvPr>
+            <p:ph type="ctrTitle"/>
+          </p:nvPr>
+        </p:nvSpPr>
+        <p:spPr>
+          <a:xfrm>
+            <a:off x="1524000" y="199496"/>
+            <a:ext cx="9144000" cy="1544637"/>
+          </a:xfrm>
+        </p:spPr>
+        <p:txBody>
+          <a:bodyPr>
+            <a:normAutofit fontScale="90000"/>
+          </a:bodyPr>
+          <a:lstStyle/>
+          <a:p>
+            <a:r>
+              <a:rPr lang="fr-FR" sz="9600" b="1" dirty="0">
+                <a:solidFill>
+                  <a:schemeClr val="accent1">
+                    <a:lumMod val="75000"/>
+                  </a:schemeClr>
+                </a:solidFill>
+              </a:rPr>
+              <a:t>Les minutes MLOps</a:t>
+            </a:r>
+          </a:p>
+        </p:txBody>
+      </p:sp>
+      <p:sp>
+        <p:nvSpPr>
+          <p:cNvPr id="3" name="Sous-titre 2">
+            <a:extLst>
+              <a:ext uri="{FF2B5EF4-FFF2-40B4-BE49-F238E27FC236}">
+                <a16:creationId xmlns:a16="http://schemas.microsoft.com/office/drawing/2014/main" id="{F17C1392-EAB9-EF81-4082-62F3FD9B4C7D}"/>
+              </a:ext>
+            </a:extLst>
+          </p:cNvPr>
+          <p:cNvSpPr>
+            <a:spLocks noGrp="1"/>
+          </p:cNvSpPr>
+          <p:nvPr>
+            <p:ph type="subTitle" idx="1"/>
+          </p:nvPr>
+        </p:nvSpPr>
+        <p:spPr>
+          <a:xfrm>
+            <a:off x="1524000" y="2253343"/>
+            <a:ext cx="9144000" cy="2993608"/>
+          </a:xfrm>
+        </p:spPr>
+        <p:txBody>
+          <a:bodyPr>
+            <a:normAutofit/>
+          </a:bodyPr>
+          <a:lstStyle/>
+          <a:p>
+            <a:r>
+              <a:rPr lang="fr-FR" sz="7200">
+                <a:solidFill>
+                  <a:srgbClr val="00B0F0"/>
+                </a:solidFill>
+              </a:rPr>
+              <a:t>AzureML Setup</a:t>
+            </a:r>
+            <a:endParaRPr lang="fr-FR" sz="7200" dirty="0">
+              <a:solidFill>
+                <a:srgbClr val="00B050"/>
+              </a:solidFill>
+            </a:endParaRPr>
+          </a:p>
+        </p:txBody>
+      </p:sp>
+      <p:pic>
+        <p:nvPicPr>
+          <p:cNvPr id="1026" name="Picture 2" descr="My Microsoft MVP Journey - Steve Gordon">
+            <a:extLst>
+              <a:ext uri="{FF2B5EF4-FFF2-40B4-BE49-F238E27FC236}">
+                <a16:creationId xmlns:a16="http://schemas.microsoft.com/office/drawing/2014/main" id="{9CCE3086-E1BE-844B-6F60-A3FFE631047A}"/>
+              </a:ext>
+            </a:extLst>
+          </p:cNvPr>
+          <p:cNvPicPr>
+            <a:picLocks noChangeAspect="1" noChangeArrowheads="1"/>
+          </p:cNvPicPr>
+          <p:nvPr/>
+        </p:nvPicPr>
+        <p:blipFill>
+          <a:blip r:embed="rId2">
+            <a:extLst>
+              <a:ext uri="{28A0092B-C50C-407E-A947-70E740481C1C}">
+                <a14:useLocalDpi xmlns:a14="http://schemas.microsoft.com/office/drawing/2010/main" val="0"/>
+              </a:ext>
+            </a:extLst>
+          </a:blip>
+          <a:srcRect/>
+          <a:stretch>
+            <a:fillRect/>
+          </a:stretch>
+        </p:blipFill>
+        <p:spPr bwMode="auto">
+          <a:xfrm>
+            <a:off x="882157" y="6078612"/>
+            <a:ext cx="862542" cy="348467"/>
+          </a:xfrm>
+          <a:prstGeom prst="rect">
+            <a:avLst/>
+          </a:prstGeom>
+          <a:noFill/>
+          <a:extLst>
+            <a:ext uri="{909E8E84-426E-40DD-AFC4-6F175D3DCCD1}">
+              <a14:hiddenFill xmlns:a14="http://schemas.microsoft.com/office/drawing/2010/main">
+                <a:solidFill>
+                  <a:srgbClr val="FFFFFF"/>
+                </a:solidFill>
+              </a14:hiddenFill>
+            </a:ext>
+          </a:extLst>
+        </p:spPr>
+      </p:pic>
+      <p:sp>
+        <p:nvSpPr>
+          <p:cNvPr id="4" name="ZoneTexte 3">
+            <a:extLst>
+              <a:ext uri="{FF2B5EF4-FFF2-40B4-BE49-F238E27FC236}">
+                <a16:creationId xmlns:a16="http://schemas.microsoft.com/office/drawing/2014/main" id="{698748E8-A44E-3944-73E5-46C6156846A9}"/>
+              </a:ext>
+            </a:extLst>
+          </p:cNvPr>
+          <p:cNvSpPr txBox="1"/>
+          <p:nvPr/>
+        </p:nvSpPr>
+        <p:spPr>
+          <a:xfrm>
+            <a:off x="347330" y="6466281"/>
+            <a:ext cx="1932196" cy="369332"/>
+          </a:xfrm>
+          <a:prstGeom prst="rect">
+            <a:avLst/>
+          </a:prstGeom>
+          <a:noFill/>
+        </p:spPr>
+        <p:txBody>
+          <a:bodyPr wrap="none" rtlCol="0">
+            <a:spAutoFit/>
+          </a:bodyPr>
+          <a:lstStyle/>
+          <a:p>
+            <a:r>
+              <a:rPr lang="fr-FR" dirty="0">
+                <a:solidFill>
+                  <a:schemeClr val="accent1"/>
+                </a:solidFill>
+              </a:rPr>
+              <a:t>Guillaume Chervet</a:t>
+            </a:r>
+          </a:p>
+        </p:txBody>
+      </p:sp>
+    </p:spTree>
+    <p:extLst>
+      <p:ext uri="{BB962C8B-B14F-4D97-AF65-F5344CB8AC3E}">
+        <p14:creationId xmlns:p14="http://schemas.microsoft.com/office/powerpoint/2010/main" val="2974672007"/>
+      </p:ext>
+    </p:extLst>
+  </p:cSld>
+  <p:clrMapOvr>
+    <a:masterClrMapping/>
+  </p:clrMapOvr>
+</p:sld>
+</file>
+
+<file path=ppt/slides/slide41.xml><?xml version="1.0" encoding="utf-8"?>
+<p:sld xmlns:a="http://schemas.openxmlformats.org/drawingml/2006/main" xmlns:r="http://schemas.openxmlformats.org/officeDocument/2006/relationships" xmlns:p="http://schemas.openxmlformats.org/presentationml/2006/main">
+  <p:cSld>
+    <p:spTree>
+      <p:nvGrpSpPr>
+        <p:cNvPr id="1" name=""/>
+        <p:cNvGrpSpPr/>
+        <p:nvPr/>
+      </p:nvGrpSpPr>
+      <p:grpSpPr>
+        <a:xfrm>
+          <a:off x="0" y="0"/>
+          <a:ext cx="0" cy="0"/>
+          <a:chOff x="0" y="0"/>
+          <a:chExt cx="0" cy="0"/>
+        </a:xfrm>
+      </p:grpSpPr>
+      <p:sp>
+        <p:nvSpPr>
+          <p:cNvPr id="2" name="Titre 1">
+            <a:extLst>
+              <a:ext uri="{FF2B5EF4-FFF2-40B4-BE49-F238E27FC236}">
+                <a16:creationId xmlns:a16="http://schemas.microsoft.com/office/drawing/2014/main" id="{25CB8B10-3A1D-CACE-5A8D-D686EA7C44EF}"/>
+              </a:ext>
+            </a:extLst>
+          </p:cNvPr>
+          <p:cNvSpPr>
+            <a:spLocks noGrp="1"/>
+          </p:cNvSpPr>
+          <p:nvPr>
+            <p:ph type="ctrTitle"/>
+          </p:nvPr>
+        </p:nvSpPr>
+        <p:spPr>
+          <a:xfrm>
+            <a:off x="1524000" y="199496"/>
+            <a:ext cx="9144000" cy="1544637"/>
+          </a:xfrm>
+        </p:spPr>
+        <p:txBody>
+          <a:bodyPr>
+            <a:normAutofit fontScale="90000"/>
+          </a:bodyPr>
+          <a:lstStyle/>
+          <a:p>
+            <a:r>
+              <a:rPr lang="fr-FR" sz="9600" b="1" dirty="0">
+                <a:solidFill>
+                  <a:schemeClr val="accent1">
+                    <a:lumMod val="75000"/>
+                  </a:schemeClr>
+                </a:solidFill>
+              </a:rPr>
+              <a:t>Les minutes MLOps</a:t>
+            </a:r>
+          </a:p>
+        </p:txBody>
+      </p:sp>
+      <p:sp>
+        <p:nvSpPr>
+          <p:cNvPr id="3" name="Sous-titre 2">
+            <a:extLst>
+              <a:ext uri="{FF2B5EF4-FFF2-40B4-BE49-F238E27FC236}">
+                <a16:creationId xmlns:a16="http://schemas.microsoft.com/office/drawing/2014/main" id="{F17C1392-EAB9-EF81-4082-62F3FD9B4C7D}"/>
+              </a:ext>
+            </a:extLst>
+          </p:cNvPr>
+          <p:cNvSpPr>
+            <a:spLocks noGrp="1"/>
+          </p:cNvSpPr>
+          <p:nvPr>
+            <p:ph type="subTitle" idx="1"/>
+          </p:nvPr>
+        </p:nvSpPr>
+        <p:spPr>
+          <a:xfrm>
+            <a:off x="1524000" y="2253343"/>
+            <a:ext cx="9144000" cy="2993608"/>
+          </a:xfrm>
+        </p:spPr>
+        <p:txBody>
+          <a:bodyPr>
+            <a:normAutofit fontScale="85000" lnSpcReduction="10000"/>
+          </a:bodyPr>
+          <a:lstStyle/>
+          <a:p>
+            <a:r>
+              <a:rPr lang="fr-FR" sz="7200" dirty="0">
+                <a:solidFill>
+                  <a:srgbClr val="00B0F0"/>
+                </a:solidFill>
+              </a:rPr>
+              <a:t>Etape 1 de l’entrainement : Exécution de « Extraction » sur AzureML</a:t>
+            </a:r>
+            <a:endParaRPr lang="fr-FR" sz="7200" dirty="0">
+              <a:solidFill>
+                <a:srgbClr val="00B050"/>
+              </a:solidFill>
+            </a:endParaRPr>
+          </a:p>
+        </p:txBody>
+      </p:sp>
+      <p:pic>
+        <p:nvPicPr>
+          <p:cNvPr id="1026" name="Picture 2" descr="My Microsoft MVP Journey - Steve Gordon">
+            <a:extLst>
+              <a:ext uri="{FF2B5EF4-FFF2-40B4-BE49-F238E27FC236}">
+                <a16:creationId xmlns:a16="http://schemas.microsoft.com/office/drawing/2014/main" id="{9CCE3086-E1BE-844B-6F60-A3FFE631047A}"/>
+              </a:ext>
+            </a:extLst>
+          </p:cNvPr>
+          <p:cNvPicPr>
+            <a:picLocks noChangeAspect="1" noChangeArrowheads="1"/>
+          </p:cNvPicPr>
+          <p:nvPr/>
+        </p:nvPicPr>
+        <p:blipFill>
+          <a:blip r:embed="rId2">
+            <a:extLst>
+              <a:ext uri="{28A0092B-C50C-407E-A947-70E740481C1C}">
+                <a14:useLocalDpi xmlns:a14="http://schemas.microsoft.com/office/drawing/2010/main" val="0"/>
+              </a:ext>
+            </a:extLst>
+          </a:blip>
+          <a:srcRect/>
+          <a:stretch>
+            <a:fillRect/>
+          </a:stretch>
+        </p:blipFill>
+        <p:spPr bwMode="auto">
+          <a:xfrm>
+            <a:off x="882157" y="6078612"/>
+            <a:ext cx="862542" cy="348467"/>
+          </a:xfrm>
+          <a:prstGeom prst="rect">
+            <a:avLst/>
+          </a:prstGeom>
+          <a:noFill/>
+          <a:extLst>
+            <a:ext uri="{909E8E84-426E-40DD-AFC4-6F175D3DCCD1}">
+              <a14:hiddenFill xmlns:a14="http://schemas.microsoft.com/office/drawing/2010/main">
+                <a:solidFill>
+                  <a:srgbClr val="FFFFFF"/>
+                </a:solidFill>
+              </a14:hiddenFill>
+            </a:ext>
+          </a:extLst>
+        </p:spPr>
+      </p:pic>
+      <p:sp>
+        <p:nvSpPr>
+          <p:cNvPr id="4" name="ZoneTexte 3">
+            <a:extLst>
+              <a:ext uri="{FF2B5EF4-FFF2-40B4-BE49-F238E27FC236}">
+                <a16:creationId xmlns:a16="http://schemas.microsoft.com/office/drawing/2014/main" id="{698748E8-A44E-3944-73E5-46C6156846A9}"/>
+              </a:ext>
+            </a:extLst>
+          </p:cNvPr>
+          <p:cNvSpPr txBox="1"/>
+          <p:nvPr/>
+        </p:nvSpPr>
+        <p:spPr>
+          <a:xfrm>
+            <a:off x="347330" y="6466281"/>
+            <a:ext cx="1932196" cy="369332"/>
+          </a:xfrm>
+          <a:prstGeom prst="rect">
+            <a:avLst/>
+          </a:prstGeom>
+          <a:noFill/>
+        </p:spPr>
+        <p:txBody>
+          <a:bodyPr wrap="none" rtlCol="0">
+            <a:spAutoFit/>
+          </a:bodyPr>
+          <a:lstStyle/>
+          <a:p>
+            <a:r>
+              <a:rPr lang="fr-FR" dirty="0">
+                <a:solidFill>
+                  <a:schemeClr val="accent1"/>
+                </a:solidFill>
+              </a:rPr>
+              <a:t>Guillaume Chervet</a:t>
+            </a:r>
+          </a:p>
+        </p:txBody>
+      </p:sp>
+    </p:spTree>
+    <p:extLst>
+      <p:ext uri="{BB962C8B-B14F-4D97-AF65-F5344CB8AC3E}">
+        <p14:creationId xmlns:p14="http://schemas.microsoft.com/office/powerpoint/2010/main" val="3540395268"/>
+      </p:ext>
+    </p:extLst>
+  </p:cSld>
+  <p:clrMapOvr>
+    <a:masterClrMapping/>
+  </p:clrMapOvr>
+</p:sld>
+</file>
+
+<file path=ppt/slides/slide42.xml><?xml version="1.0" encoding="utf-8"?>
+<p:sld xmlns:a="http://schemas.openxmlformats.org/drawingml/2006/main" xmlns:r="http://schemas.openxmlformats.org/officeDocument/2006/relationships" xmlns:p="http://schemas.openxmlformats.org/presentationml/2006/main">
+  <p:cSld>
+    <p:spTree>
+      <p:nvGrpSpPr>
+        <p:cNvPr id="1" name=""/>
+        <p:cNvGrpSpPr/>
+        <p:nvPr/>
+      </p:nvGrpSpPr>
+      <p:grpSpPr>
+        <a:xfrm>
+          <a:off x="0" y="0"/>
+          <a:ext cx="0" cy="0"/>
+          <a:chOff x="0" y="0"/>
+          <a:chExt cx="0" cy="0"/>
+        </a:xfrm>
+      </p:grpSpPr>
+      <p:sp>
+        <p:nvSpPr>
+          <p:cNvPr id="2" name="Titre 1">
+            <a:extLst>
+              <a:ext uri="{FF2B5EF4-FFF2-40B4-BE49-F238E27FC236}">
+                <a16:creationId xmlns:a16="http://schemas.microsoft.com/office/drawing/2014/main" id="{25CB8B10-3A1D-CACE-5A8D-D686EA7C44EF}"/>
+              </a:ext>
+            </a:extLst>
+          </p:cNvPr>
+          <p:cNvSpPr>
+            <a:spLocks noGrp="1"/>
+          </p:cNvSpPr>
+          <p:nvPr>
+            <p:ph type="ctrTitle"/>
+          </p:nvPr>
+        </p:nvSpPr>
+        <p:spPr>
+          <a:xfrm>
+            <a:off x="1524000" y="199496"/>
+            <a:ext cx="9144000" cy="1544637"/>
+          </a:xfrm>
+        </p:spPr>
+        <p:txBody>
+          <a:bodyPr>
+            <a:normAutofit fontScale="90000"/>
+          </a:bodyPr>
+          <a:lstStyle/>
+          <a:p>
+            <a:r>
+              <a:rPr lang="fr-FR" sz="9600" b="1" dirty="0">
+                <a:solidFill>
+                  <a:schemeClr val="accent1">
+                    <a:lumMod val="75000"/>
+                  </a:schemeClr>
+                </a:solidFill>
+              </a:rPr>
+              <a:t>Les minutes MLOps</a:t>
+            </a:r>
+          </a:p>
+        </p:txBody>
+      </p:sp>
+      <p:sp>
+        <p:nvSpPr>
+          <p:cNvPr id="3" name="Sous-titre 2">
+            <a:extLst>
+              <a:ext uri="{FF2B5EF4-FFF2-40B4-BE49-F238E27FC236}">
+                <a16:creationId xmlns:a16="http://schemas.microsoft.com/office/drawing/2014/main" id="{F17C1392-EAB9-EF81-4082-62F3FD9B4C7D}"/>
+              </a:ext>
+            </a:extLst>
+          </p:cNvPr>
+          <p:cNvSpPr>
+            <a:spLocks noGrp="1"/>
+          </p:cNvSpPr>
+          <p:nvPr>
+            <p:ph type="subTitle" idx="1"/>
+          </p:nvPr>
+        </p:nvSpPr>
+        <p:spPr>
+          <a:xfrm>
+            <a:off x="1524000" y="2253343"/>
+            <a:ext cx="9144000" cy="2993608"/>
+          </a:xfrm>
+        </p:spPr>
+        <p:txBody>
+          <a:bodyPr>
+            <a:normAutofit fontScale="85000" lnSpcReduction="10000"/>
+          </a:bodyPr>
+          <a:lstStyle/>
+          <a:p>
+            <a:r>
+              <a:rPr lang="fr-FR" sz="7200" dirty="0">
+                <a:solidFill>
+                  <a:srgbClr val="00B0F0"/>
+                </a:solidFill>
+              </a:rPr>
+              <a:t>Exécution de « Extraction » sur AzureML depuis </a:t>
+            </a:r>
+            <a:r>
+              <a:rPr lang="fr-FR" sz="7200" err="1">
+                <a:solidFill>
+                  <a:srgbClr val="00B0F0"/>
+                </a:solidFill>
+              </a:rPr>
+              <a:t>Github</a:t>
+            </a:r>
+            <a:r>
+              <a:rPr lang="fr-FR" sz="7200">
+                <a:solidFill>
+                  <a:srgbClr val="00B0F0"/>
+                </a:solidFill>
+              </a:rPr>
+              <a:t> Actions</a:t>
+            </a:r>
+            <a:endParaRPr lang="fr-FR" sz="7200" dirty="0">
+              <a:solidFill>
+                <a:srgbClr val="00B050"/>
+              </a:solidFill>
+            </a:endParaRPr>
+          </a:p>
+        </p:txBody>
+      </p:sp>
+      <p:pic>
+        <p:nvPicPr>
+          <p:cNvPr id="1026" name="Picture 2" descr="My Microsoft MVP Journey - Steve Gordon">
+            <a:extLst>
+              <a:ext uri="{FF2B5EF4-FFF2-40B4-BE49-F238E27FC236}">
+                <a16:creationId xmlns:a16="http://schemas.microsoft.com/office/drawing/2014/main" id="{9CCE3086-E1BE-844B-6F60-A3FFE631047A}"/>
+              </a:ext>
+            </a:extLst>
+          </p:cNvPr>
+          <p:cNvPicPr>
+            <a:picLocks noChangeAspect="1" noChangeArrowheads="1"/>
+          </p:cNvPicPr>
+          <p:nvPr/>
+        </p:nvPicPr>
+        <p:blipFill>
+          <a:blip r:embed="rId2">
+            <a:extLst>
+              <a:ext uri="{28A0092B-C50C-407E-A947-70E740481C1C}">
+                <a14:useLocalDpi xmlns:a14="http://schemas.microsoft.com/office/drawing/2010/main" val="0"/>
+              </a:ext>
+            </a:extLst>
+          </a:blip>
+          <a:srcRect/>
+          <a:stretch>
+            <a:fillRect/>
+          </a:stretch>
+        </p:blipFill>
+        <p:spPr bwMode="auto">
+          <a:xfrm>
+            <a:off x="882157" y="6078612"/>
+            <a:ext cx="862542" cy="348467"/>
+          </a:xfrm>
+          <a:prstGeom prst="rect">
+            <a:avLst/>
+          </a:prstGeom>
+          <a:noFill/>
+          <a:extLst>
+            <a:ext uri="{909E8E84-426E-40DD-AFC4-6F175D3DCCD1}">
+              <a14:hiddenFill xmlns:a14="http://schemas.microsoft.com/office/drawing/2010/main">
+                <a:solidFill>
+                  <a:srgbClr val="FFFFFF"/>
+                </a:solidFill>
+              </a14:hiddenFill>
+            </a:ext>
+          </a:extLst>
+        </p:spPr>
+      </p:pic>
+      <p:sp>
+        <p:nvSpPr>
+          <p:cNvPr id="4" name="ZoneTexte 3">
+            <a:extLst>
+              <a:ext uri="{FF2B5EF4-FFF2-40B4-BE49-F238E27FC236}">
+                <a16:creationId xmlns:a16="http://schemas.microsoft.com/office/drawing/2014/main" id="{698748E8-A44E-3944-73E5-46C6156846A9}"/>
+              </a:ext>
+            </a:extLst>
+          </p:cNvPr>
+          <p:cNvSpPr txBox="1"/>
+          <p:nvPr/>
+        </p:nvSpPr>
+        <p:spPr>
+          <a:xfrm>
+            <a:off x="347330" y="6466281"/>
+            <a:ext cx="1932196" cy="369332"/>
+          </a:xfrm>
+          <a:prstGeom prst="rect">
+            <a:avLst/>
+          </a:prstGeom>
+          <a:noFill/>
+        </p:spPr>
+        <p:txBody>
+          <a:bodyPr wrap="none" rtlCol="0">
+            <a:spAutoFit/>
+          </a:bodyPr>
+          <a:lstStyle/>
+          <a:p>
+            <a:r>
+              <a:rPr lang="fr-FR" dirty="0">
+                <a:solidFill>
+                  <a:schemeClr val="accent1"/>
+                </a:solidFill>
+              </a:rPr>
+              <a:t>Guillaume Chervet</a:t>
+            </a:r>
+          </a:p>
+        </p:txBody>
+      </p:sp>
+    </p:spTree>
+    <p:extLst>
+      <p:ext uri="{BB962C8B-B14F-4D97-AF65-F5344CB8AC3E}">
+        <p14:creationId xmlns:p14="http://schemas.microsoft.com/office/powerpoint/2010/main" val="2874047486"/>
+      </p:ext>
+    </p:extLst>
+  </p:cSld>
+  <p:clrMapOvr>
+    <a:masterClrMapping/>
+  </p:clrMapOvr>
+</p:sld>
+</file>
+
+<file path=ppt/slides/slide43.xml><?xml version="1.0" encoding="utf-8"?>
+<p:sld xmlns:a="http://schemas.openxmlformats.org/drawingml/2006/main" xmlns:r="http://schemas.openxmlformats.org/officeDocument/2006/relationships" xmlns:p="http://schemas.openxmlformats.org/presentationml/2006/main">
+  <p:cSld>
+    <p:spTree>
+      <p:nvGrpSpPr>
+        <p:cNvPr id="1" name=""/>
+        <p:cNvGrpSpPr/>
+        <p:nvPr/>
+      </p:nvGrpSpPr>
+      <p:grpSpPr>
+        <a:xfrm>
+          <a:off x="0" y="0"/>
+          <a:ext cx="0" cy="0"/>
+          <a:chOff x="0" y="0"/>
+          <a:chExt cx="0" cy="0"/>
+        </a:xfrm>
+      </p:grpSpPr>
+      <p:sp>
+        <p:nvSpPr>
+          <p:cNvPr id="2" name="Titre 1">
+            <a:extLst>
+              <a:ext uri="{FF2B5EF4-FFF2-40B4-BE49-F238E27FC236}">
+                <a16:creationId xmlns:a16="http://schemas.microsoft.com/office/drawing/2014/main" id="{25CB8B10-3A1D-CACE-5A8D-D686EA7C44EF}"/>
+              </a:ext>
+            </a:extLst>
+          </p:cNvPr>
+          <p:cNvSpPr>
+            <a:spLocks noGrp="1"/>
+          </p:cNvSpPr>
+          <p:nvPr>
+            <p:ph type="ctrTitle"/>
+          </p:nvPr>
+        </p:nvSpPr>
+        <p:spPr>
+          <a:xfrm>
+            <a:off x="1524000" y="199496"/>
+            <a:ext cx="9144000" cy="1544637"/>
+          </a:xfrm>
+        </p:spPr>
+        <p:txBody>
+          <a:bodyPr>
+            <a:normAutofit fontScale="90000"/>
+          </a:bodyPr>
+          <a:lstStyle/>
+          <a:p>
+            <a:r>
+              <a:rPr lang="fr-FR" sz="9600" b="1" dirty="0">
+                <a:solidFill>
+                  <a:schemeClr val="accent1">
+                    <a:lumMod val="75000"/>
+                  </a:schemeClr>
+                </a:solidFill>
+              </a:rPr>
+              <a:t>Les minutes MLOps</a:t>
+            </a:r>
+          </a:p>
+        </p:txBody>
+      </p:sp>
+      <p:sp>
+        <p:nvSpPr>
+          <p:cNvPr id="3" name="Sous-titre 2">
+            <a:extLst>
+              <a:ext uri="{FF2B5EF4-FFF2-40B4-BE49-F238E27FC236}">
+                <a16:creationId xmlns:a16="http://schemas.microsoft.com/office/drawing/2014/main" id="{F17C1392-EAB9-EF81-4082-62F3FD9B4C7D}"/>
+              </a:ext>
+            </a:extLst>
+          </p:cNvPr>
+          <p:cNvSpPr>
+            <a:spLocks noGrp="1"/>
+          </p:cNvSpPr>
+          <p:nvPr>
+            <p:ph type="subTitle" idx="1"/>
+          </p:nvPr>
+        </p:nvSpPr>
+        <p:spPr>
+          <a:xfrm>
+            <a:off x="1524000" y="2253343"/>
+            <a:ext cx="9144000" cy="2993608"/>
+          </a:xfrm>
+        </p:spPr>
+        <p:txBody>
+          <a:bodyPr>
+            <a:normAutofit/>
+          </a:bodyPr>
+          <a:lstStyle/>
+          <a:p>
+            <a:r>
+              <a:rPr lang="fr-FR" sz="7200" dirty="0">
+                <a:solidFill>
+                  <a:srgbClr val="00B0F0"/>
+                </a:solidFill>
+              </a:rPr>
+              <a:t>Annotation</a:t>
+            </a:r>
+            <a:endParaRPr lang="fr-FR" sz="7200" dirty="0">
+              <a:solidFill>
+                <a:srgbClr val="00B050"/>
+              </a:solidFill>
+            </a:endParaRPr>
+          </a:p>
+        </p:txBody>
+      </p:sp>
+      <p:pic>
+        <p:nvPicPr>
+          <p:cNvPr id="1026" name="Picture 2" descr="My Microsoft MVP Journey - Steve Gordon">
+            <a:extLst>
+              <a:ext uri="{FF2B5EF4-FFF2-40B4-BE49-F238E27FC236}">
+                <a16:creationId xmlns:a16="http://schemas.microsoft.com/office/drawing/2014/main" id="{9CCE3086-E1BE-844B-6F60-A3FFE631047A}"/>
+              </a:ext>
+            </a:extLst>
+          </p:cNvPr>
+          <p:cNvPicPr>
+            <a:picLocks noChangeAspect="1" noChangeArrowheads="1"/>
+          </p:cNvPicPr>
+          <p:nvPr/>
+        </p:nvPicPr>
+        <p:blipFill>
+          <a:blip r:embed="rId2">
+            <a:extLst>
+              <a:ext uri="{28A0092B-C50C-407E-A947-70E740481C1C}">
+                <a14:useLocalDpi xmlns:a14="http://schemas.microsoft.com/office/drawing/2010/main" val="0"/>
+              </a:ext>
+            </a:extLst>
+          </a:blip>
+          <a:srcRect/>
+          <a:stretch>
+            <a:fillRect/>
+          </a:stretch>
+        </p:blipFill>
+        <p:spPr bwMode="auto">
+          <a:xfrm>
+            <a:off x="882157" y="6078612"/>
+            <a:ext cx="862542" cy="348467"/>
+          </a:xfrm>
+          <a:prstGeom prst="rect">
+            <a:avLst/>
+          </a:prstGeom>
+          <a:noFill/>
+          <a:extLst>
+            <a:ext uri="{909E8E84-426E-40DD-AFC4-6F175D3DCCD1}">
+              <a14:hiddenFill xmlns:a14="http://schemas.microsoft.com/office/drawing/2010/main">
+                <a:solidFill>
+                  <a:srgbClr val="FFFFFF"/>
+                </a:solidFill>
+              </a14:hiddenFill>
+            </a:ext>
+          </a:extLst>
+        </p:spPr>
+      </p:pic>
+      <p:sp>
+        <p:nvSpPr>
+          <p:cNvPr id="4" name="ZoneTexte 3">
+            <a:extLst>
+              <a:ext uri="{FF2B5EF4-FFF2-40B4-BE49-F238E27FC236}">
+                <a16:creationId xmlns:a16="http://schemas.microsoft.com/office/drawing/2014/main" id="{698748E8-A44E-3944-73E5-46C6156846A9}"/>
+              </a:ext>
+            </a:extLst>
+          </p:cNvPr>
+          <p:cNvSpPr txBox="1"/>
+          <p:nvPr/>
+        </p:nvSpPr>
+        <p:spPr>
+          <a:xfrm>
+            <a:off x="347330" y="6466281"/>
+            <a:ext cx="1932196" cy="369332"/>
+          </a:xfrm>
+          <a:prstGeom prst="rect">
+            <a:avLst/>
+          </a:prstGeom>
+          <a:noFill/>
+        </p:spPr>
+        <p:txBody>
+          <a:bodyPr wrap="none" rtlCol="0">
+            <a:spAutoFit/>
+          </a:bodyPr>
+          <a:lstStyle/>
+          <a:p>
+            <a:r>
+              <a:rPr lang="fr-FR" dirty="0">
+                <a:solidFill>
+                  <a:schemeClr val="accent1"/>
+                </a:solidFill>
+              </a:rPr>
+              <a:t>Guillaume Chervet</a:t>
+            </a:r>
+          </a:p>
+        </p:txBody>
+      </p:sp>
+    </p:spTree>
+    <p:extLst>
+      <p:ext uri="{BB962C8B-B14F-4D97-AF65-F5344CB8AC3E}">
+        <p14:creationId xmlns:p14="http://schemas.microsoft.com/office/powerpoint/2010/main" val="2813570063"/>
+      </p:ext>
+    </p:extLst>
+  </p:cSld>
+  <p:clrMapOvr>
+    <a:masterClrMapping/>
+  </p:clrMapOvr>
+</p:sld>
+</file>
+
+<file path=ppt/slides/slide44.xml><?xml version="1.0" encoding="utf-8"?>
+<p:sld xmlns:a="http://schemas.openxmlformats.org/drawingml/2006/main" xmlns:r="http://schemas.openxmlformats.org/officeDocument/2006/relationships" xmlns:p="http://schemas.openxmlformats.org/presentationml/2006/main">
+  <p:cSld>
+    <p:spTree>
+      <p:nvGrpSpPr>
+        <p:cNvPr id="1" name=""/>
+        <p:cNvGrpSpPr/>
+        <p:nvPr/>
+      </p:nvGrpSpPr>
+      <p:grpSpPr>
+        <a:xfrm>
+          <a:off x="0" y="0"/>
+          <a:ext cx="0" cy="0"/>
+          <a:chOff x="0" y="0"/>
+          <a:chExt cx="0" cy="0"/>
+        </a:xfrm>
+      </p:grpSpPr>
+      <p:sp>
+        <p:nvSpPr>
+          <p:cNvPr id="2" name="Titre 1">
+            <a:extLst>
+              <a:ext uri="{FF2B5EF4-FFF2-40B4-BE49-F238E27FC236}">
+                <a16:creationId xmlns:a16="http://schemas.microsoft.com/office/drawing/2014/main" id="{25CB8B10-3A1D-CACE-5A8D-D686EA7C44EF}"/>
+              </a:ext>
+            </a:extLst>
+          </p:cNvPr>
+          <p:cNvSpPr>
+            <a:spLocks noGrp="1"/>
+          </p:cNvSpPr>
+          <p:nvPr>
+            <p:ph type="ctrTitle"/>
+          </p:nvPr>
+        </p:nvSpPr>
+        <p:spPr>
+          <a:xfrm>
+            <a:off x="1524000" y="199496"/>
+            <a:ext cx="9144000" cy="1544637"/>
+          </a:xfrm>
+        </p:spPr>
+        <p:txBody>
+          <a:bodyPr>
+            <a:normAutofit fontScale="90000"/>
+          </a:bodyPr>
+          <a:lstStyle/>
+          <a:p>
+            <a:r>
+              <a:rPr lang="fr-FR" sz="9600" b="1" dirty="0">
+                <a:solidFill>
+                  <a:schemeClr val="accent1">
+                    <a:lumMod val="75000"/>
+                  </a:schemeClr>
+                </a:solidFill>
+              </a:rPr>
+              <a:t>Les minutes MLOps</a:t>
+            </a:r>
+          </a:p>
+        </p:txBody>
+      </p:sp>
+      <p:sp>
+        <p:nvSpPr>
+          <p:cNvPr id="3" name="Sous-titre 2">
+            <a:extLst>
+              <a:ext uri="{FF2B5EF4-FFF2-40B4-BE49-F238E27FC236}">
+                <a16:creationId xmlns:a16="http://schemas.microsoft.com/office/drawing/2014/main" id="{F17C1392-EAB9-EF81-4082-62F3FD9B4C7D}"/>
+              </a:ext>
+            </a:extLst>
+          </p:cNvPr>
+          <p:cNvSpPr>
+            <a:spLocks noGrp="1"/>
+          </p:cNvSpPr>
+          <p:nvPr>
+            <p:ph type="subTitle" idx="1"/>
+          </p:nvPr>
+        </p:nvSpPr>
+        <p:spPr>
+          <a:xfrm>
+            <a:off x="1524000" y="1992086"/>
+            <a:ext cx="9144000" cy="2775857"/>
+          </a:xfrm>
+        </p:spPr>
+        <p:txBody>
+          <a:bodyPr>
+            <a:normAutofit lnSpcReduction="10000"/>
+          </a:bodyPr>
+          <a:lstStyle/>
+          <a:p>
+            <a:r>
+              <a:rPr lang="fr-FR" sz="7200" dirty="0">
+                <a:solidFill>
+                  <a:srgbClr val="00B0F0"/>
+                </a:solidFill>
+              </a:rPr>
+              <a:t>Présentation du workflow </a:t>
+            </a:r>
+            <a:r>
+              <a:rPr lang="fr-FR" sz="7200">
+                <a:solidFill>
+                  <a:srgbClr val="00B0F0"/>
+                </a:solidFill>
+              </a:rPr>
+              <a:t>de l’annotation</a:t>
+            </a:r>
+            <a:endParaRPr lang="fr-FR" sz="7200" dirty="0">
+              <a:solidFill>
+                <a:srgbClr val="00B050"/>
+              </a:solidFill>
+            </a:endParaRPr>
+          </a:p>
+        </p:txBody>
+      </p:sp>
+      <p:pic>
+        <p:nvPicPr>
+          <p:cNvPr id="1026" name="Picture 2" descr="My Microsoft MVP Journey - Steve Gordon">
+            <a:extLst>
+              <a:ext uri="{FF2B5EF4-FFF2-40B4-BE49-F238E27FC236}">
+                <a16:creationId xmlns:a16="http://schemas.microsoft.com/office/drawing/2014/main" id="{9CCE3086-E1BE-844B-6F60-A3FFE631047A}"/>
+              </a:ext>
+            </a:extLst>
+          </p:cNvPr>
+          <p:cNvPicPr>
+            <a:picLocks noChangeAspect="1" noChangeArrowheads="1"/>
+          </p:cNvPicPr>
+          <p:nvPr/>
+        </p:nvPicPr>
+        <p:blipFill>
+          <a:blip r:embed="rId2">
+            <a:extLst>
+              <a:ext uri="{28A0092B-C50C-407E-A947-70E740481C1C}">
+                <a14:useLocalDpi xmlns:a14="http://schemas.microsoft.com/office/drawing/2010/main" val="0"/>
+              </a:ext>
+            </a:extLst>
+          </a:blip>
+          <a:srcRect/>
+          <a:stretch>
+            <a:fillRect/>
+          </a:stretch>
+        </p:blipFill>
+        <p:spPr bwMode="auto">
+          <a:xfrm>
+            <a:off x="882157" y="6078612"/>
+            <a:ext cx="862542" cy="348467"/>
+          </a:xfrm>
+          <a:prstGeom prst="rect">
+            <a:avLst/>
+          </a:prstGeom>
+          <a:noFill/>
+          <a:extLst>
+            <a:ext uri="{909E8E84-426E-40DD-AFC4-6F175D3DCCD1}">
+              <a14:hiddenFill xmlns:a14="http://schemas.microsoft.com/office/drawing/2010/main">
+                <a:solidFill>
+                  <a:srgbClr val="FFFFFF"/>
+                </a:solidFill>
+              </a14:hiddenFill>
+            </a:ext>
+          </a:extLst>
+        </p:spPr>
+      </p:pic>
+      <p:sp>
+        <p:nvSpPr>
+          <p:cNvPr id="4" name="ZoneTexte 3">
+            <a:extLst>
+              <a:ext uri="{FF2B5EF4-FFF2-40B4-BE49-F238E27FC236}">
+                <a16:creationId xmlns:a16="http://schemas.microsoft.com/office/drawing/2014/main" id="{698748E8-A44E-3944-73E5-46C6156846A9}"/>
+              </a:ext>
+            </a:extLst>
+          </p:cNvPr>
+          <p:cNvSpPr txBox="1"/>
+          <p:nvPr/>
+        </p:nvSpPr>
+        <p:spPr>
+          <a:xfrm>
+            <a:off x="347330" y="6466281"/>
+            <a:ext cx="1932196" cy="369332"/>
+          </a:xfrm>
+          <a:prstGeom prst="rect">
+            <a:avLst/>
+          </a:prstGeom>
+          <a:noFill/>
+        </p:spPr>
+        <p:txBody>
+          <a:bodyPr wrap="none" rtlCol="0">
+            <a:spAutoFit/>
+          </a:bodyPr>
+          <a:lstStyle/>
+          <a:p>
+            <a:r>
+              <a:rPr lang="fr-FR" dirty="0">
+                <a:solidFill>
+                  <a:schemeClr val="accent1"/>
+                </a:solidFill>
+              </a:rPr>
+              <a:t>Guillaume Chervet</a:t>
+            </a:r>
+          </a:p>
+        </p:txBody>
+      </p:sp>
+    </p:spTree>
+    <p:extLst>
+      <p:ext uri="{BB962C8B-B14F-4D97-AF65-F5344CB8AC3E}">
+        <p14:creationId xmlns:p14="http://schemas.microsoft.com/office/powerpoint/2010/main" val="3022066838"/>
+      </p:ext>
+    </p:extLst>
+  </p:cSld>
+  <p:clrMapOvr>
+    <a:masterClrMapping/>
+  </p:clrMapOvr>
+</p:sld>
+</file>
+
+<file path=ppt/slides/slide45.xml><?xml version="1.0" encoding="utf-8"?>
+<p:sld xmlns:a="http://schemas.openxmlformats.org/drawingml/2006/main" xmlns:r="http://schemas.openxmlformats.org/officeDocument/2006/relationships" xmlns:p="http://schemas.openxmlformats.org/presentationml/2006/main">
+  <p:cSld>
+    <p:spTree>
+      <p:nvGrpSpPr>
+        <p:cNvPr id="1" name=""/>
+        <p:cNvGrpSpPr/>
+        <p:nvPr/>
+      </p:nvGrpSpPr>
+      <p:grpSpPr>
+        <a:xfrm>
+          <a:off x="0" y="0"/>
+          <a:ext cx="0" cy="0"/>
+          <a:chOff x="0" y="0"/>
+          <a:chExt cx="0" cy="0"/>
+        </a:xfrm>
+      </p:grpSpPr>
+      <p:sp>
+        <p:nvSpPr>
+          <p:cNvPr id="2" name="Titre 1">
+            <a:extLst>
+              <a:ext uri="{FF2B5EF4-FFF2-40B4-BE49-F238E27FC236}">
+                <a16:creationId xmlns:a16="http://schemas.microsoft.com/office/drawing/2014/main" id="{25CB8B10-3A1D-CACE-5A8D-D686EA7C44EF}"/>
+              </a:ext>
+            </a:extLst>
+          </p:cNvPr>
+          <p:cNvSpPr>
+            <a:spLocks noGrp="1"/>
+          </p:cNvSpPr>
+          <p:nvPr>
+            <p:ph type="ctrTitle"/>
+          </p:nvPr>
+        </p:nvSpPr>
+        <p:spPr>
+          <a:xfrm>
+            <a:off x="1524000" y="199496"/>
+            <a:ext cx="9144000" cy="1544637"/>
+          </a:xfrm>
+        </p:spPr>
+        <p:txBody>
+          <a:bodyPr>
+            <a:normAutofit fontScale="90000"/>
+          </a:bodyPr>
+          <a:lstStyle/>
+          <a:p>
+            <a:r>
+              <a:rPr lang="fr-FR" sz="9600" b="1" dirty="0">
+                <a:solidFill>
+                  <a:schemeClr val="accent1">
+                    <a:lumMod val="75000"/>
+                  </a:schemeClr>
+                </a:solidFill>
+              </a:rPr>
+              <a:t>Les minutes MLOps</a:t>
+            </a:r>
+          </a:p>
+        </p:txBody>
+      </p:sp>
+      <p:sp>
+        <p:nvSpPr>
+          <p:cNvPr id="3" name="Sous-titre 2">
+            <a:extLst>
+              <a:ext uri="{FF2B5EF4-FFF2-40B4-BE49-F238E27FC236}">
+                <a16:creationId xmlns:a16="http://schemas.microsoft.com/office/drawing/2014/main" id="{F17C1392-EAB9-EF81-4082-62F3FD9B4C7D}"/>
+              </a:ext>
+            </a:extLst>
+          </p:cNvPr>
+          <p:cNvSpPr>
+            <a:spLocks noGrp="1"/>
+          </p:cNvSpPr>
+          <p:nvPr>
+            <p:ph type="subTitle" idx="1"/>
+          </p:nvPr>
+        </p:nvSpPr>
+        <p:spPr>
+          <a:xfrm>
+            <a:off x="1524000" y="1992086"/>
+            <a:ext cx="9144000" cy="2775857"/>
+          </a:xfrm>
+        </p:spPr>
+        <p:txBody>
+          <a:bodyPr>
+            <a:normAutofit lnSpcReduction="10000"/>
+          </a:bodyPr>
+          <a:lstStyle/>
+          <a:p>
+            <a:r>
+              <a:rPr lang="fr-FR" sz="7200" dirty="0">
+                <a:solidFill>
+                  <a:srgbClr val="00B0F0"/>
+                </a:solidFill>
+              </a:rPr>
+              <a:t>Automatiser le workflow de l’annotation</a:t>
+            </a:r>
+            <a:endParaRPr lang="fr-FR" sz="7200" dirty="0">
+              <a:solidFill>
+                <a:srgbClr val="00B050"/>
+              </a:solidFill>
+            </a:endParaRPr>
+          </a:p>
+        </p:txBody>
+      </p:sp>
+      <p:pic>
+        <p:nvPicPr>
+          <p:cNvPr id="1026" name="Picture 2" descr="My Microsoft MVP Journey - Steve Gordon">
+            <a:extLst>
+              <a:ext uri="{FF2B5EF4-FFF2-40B4-BE49-F238E27FC236}">
+                <a16:creationId xmlns:a16="http://schemas.microsoft.com/office/drawing/2014/main" id="{9CCE3086-E1BE-844B-6F60-A3FFE631047A}"/>
+              </a:ext>
+            </a:extLst>
+          </p:cNvPr>
+          <p:cNvPicPr>
+            <a:picLocks noChangeAspect="1" noChangeArrowheads="1"/>
+          </p:cNvPicPr>
+          <p:nvPr/>
+        </p:nvPicPr>
+        <p:blipFill>
+          <a:blip r:embed="rId2">
+            <a:extLst>
+              <a:ext uri="{28A0092B-C50C-407E-A947-70E740481C1C}">
+                <a14:useLocalDpi xmlns:a14="http://schemas.microsoft.com/office/drawing/2010/main" val="0"/>
+              </a:ext>
+            </a:extLst>
+          </a:blip>
+          <a:srcRect/>
+          <a:stretch>
+            <a:fillRect/>
+          </a:stretch>
+        </p:blipFill>
+        <p:spPr bwMode="auto">
+          <a:xfrm>
+            <a:off x="882157" y="6078612"/>
+            <a:ext cx="862542" cy="348467"/>
+          </a:xfrm>
+          <a:prstGeom prst="rect">
+            <a:avLst/>
+          </a:prstGeom>
+          <a:noFill/>
+          <a:extLst>
+            <a:ext uri="{909E8E84-426E-40DD-AFC4-6F175D3DCCD1}">
+              <a14:hiddenFill xmlns:a14="http://schemas.microsoft.com/office/drawing/2010/main">
+                <a:solidFill>
+                  <a:srgbClr val="FFFFFF"/>
+                </a:solidFill>
+              </a14:hiddenFill>
+            </a:ext>
+          </a:extLst>
+        </p:spPr>
+      </p:pic>
+      <p:sp>
+        <p:nvSpPr>
+          <p:cNvPr id="4" name="ZoneTexte 3">
+            <a:extLst>
+              <a:ext uri="{FF2B5EF4-FFF2-40B4-BE49-F238E27FC236}">
+                <a16:creationId xmlns:a16="http://schemas.microsoft.com/office/drawing/2014/main" id="{698748E8-A44E-3944-73E5-46C6156846A9}"/>
+              </a:ext>
+            </a:extLst>
+          </p:cNvPr>
+          <p:cNvSpPr txBox="1"/>
+          <p:nvPr/>
+        </p:nvSpPr>
+        <p:spPr>
+          <a:xfrm>
+            <a:off x="347330" y="6466281"/>
+            <a:ext cx="1932196" cy="369332"/>
+          </a:xfrm>
+          <a:prstGeom prst="rect">
+            <a:avLst/>
+          </a:prstGeom>
+          <a:noFill/>
+        </p:spPr>
+        <p:txBody>
+          <a:bodyPr wrap="none" rtlCol="0">
+            <a:spAutoFit/>
+          </a:bodyPr>
+          <a:lstStyle/>
+          <a:p>
+            <a:r>
+              <a:rPr lang="fr-FR" dirty="0">
+                <a:solidFill>
+                  <a:schemeClr val="accent1"/>
+                </a:solidFill>
+              </a:rPr>
+              <a:t>Guillaume Chervet</a:t>
+            </a:r>
+          </a:p>
+        </p:txBody>
+      </p:sp>
+    </p:spTree>
+    <p:extLst>
+      <p:ext uri="{BB962C8B-B14F-4D97-AF65-F5344CB8AC3E}">
+        <p14:creationId xmlns:p14="http://schemas.microsoft.com/office/powerpoint/2010/main" val="1468789291"/>
+      </p:ext>
+    </p:extLst>
+  </p:cSld>
+  <p:clrMapOvr>
+    <a:masterClrMapping/>
+  </p:clrMapOvr>
+</p:sld>
+</file>
+
+<file path=ppt/slides/slide46.xml><?xml version="1.0" encoding="utf-8"?>
+<p:sld xmlns:a="http://schemas.openxmlformats.org/drawingml/2006/main" xmlns:r="http://schemas.openxmlformats.org/officeDocument/2006/relationships" xmlns:p="http://schemas.openxmlformats.org/presentationml/2006/main">
+  <p:cSld>
+    <p:spTree>
+      <p:nvGrpSpPr>
+        <p:cNvPr id="1" name=""/>
+        <p:cNvGrpSpPr/>
+        <p:nvPr/>
+      </p:nvGrpSpPr>
+      <p:grpSpPr>
+        <a:xfrm>
+          <a:off x="0" y="0"/>
+          <a:ext cx="0" cy="0"/>
+          <a:chOff x="0" y="0"/>
+          <a:chExt cx="0" cy="0"/>
+        </a:xfrm>
+      </p:grpSpPr>
+      <p:sp>
+        <p:nvSpPr>
+          <p:cNvPr id="2" name="Titre 1">
+            <a:extLst>
+              <a:ext uri="{FF2B5EF4-FFF2-40B4-BE49-F238E27FC236}">
+                <a16:creationId xmlns:a16="http://schemas.microsoft.com/office/drawing/2014/main" id="{967ADAA7-B4F8-930A-066E-196987754CA3}"/>
+              </a:ext>
+            </a:extLst>
+          </p:cNvPr>
+          <p:cNvSpPr>
+            <a:spLocks noGrp="1"/>
+          </p:cNvSpPr>
+          <p:nvPr>
+            <p:ph type="title"/>
+          </p:nvPr>
+        </p:nvSpPr>
+        <p:spPr/>
+        <p:txBody>
+          <a:bodyPr/>
+          <a:lstStyle/>
+          <a:p>
+            <a:endParaRPr lang="fr-FR" dirty="0"/>
+          </a:p>
+        </p:txBody>
+      </p:sp>
+      <p:sp>
+        <p:nvSpPr>
+          <p:cNvPr id="3" name="Espace réservé du contenu 2">
+            <a:extLst>
+              <a:ext uri="{FF2B5EF4-FFF2-40B4-BE49-F238E27FC236}">
+                <a16:creationId xmlns:a16="http://schemas.microsoft.com/office/drawing/2014/main" id="{D1669BC7-A019-5FC7-2935-A29EE09BA094}"/>
+              </a:ext>
+            </a:extLst>
+          </p:cNvPr>
+          <p:cNvSpPr>
+            <a:spLocks noGrp="1"/>
+          </p:cNvSpPr>
+          <p:nvPr>
+            <p:ph idx="1"/>
+          </p:nvPr>
+        </p:nvSpPr>
+        <p:spPr/>
+        <p:txBody>
+          <a:bodyPr/>
+          <a:lstStyle/>
+          <a:p>
+            <a:endParaRPr lang="fr-FR"/>
+          </a:p>
+        </p:txBody>
+      </p:sp>
+    </p:spTree>
+    <p:extLst>
+      <p:ext uri="{BB962C8B-B14F-4D97-AF65-F5344CB8AC3E}">
+        <p14:creationId xmlns:p14="http://schemas.microsoft.com/office/powerpoint/2010/main" val="508363954"/>
+      </p:ext>
+    </p:extLst>
+  </p:cSld>
+  <p:clrMapOvr>
+    <a:masterClrMapping/>
+  </p:clrMapOvr>
+</p:sld>
+</file>
+
+<file path=ppt/slides/slide47.xml><?xml version="1.0" encoding="utf-8"?>
+<p:sld xmlns:a="http://schemas.openxmlformats.org/drawingml/2006/main" xmlns:r="http://schemas.openxmlformats.org/officeDocument/2006/relationships" xmlns:p="http://schemas.openxmlformats.org/presentationml/2006/main">
+  <p:cSld>
+    <p:spTree>
+      <p:nvGrpSpPr>
+        <p:cNvPr id="1" name=""/>
+        <p:cNvGrpSpPr/>
+        <p:nvPr/>
+      </p:nvGrpSpPr>
+      <p:grpSpPr>
+        <a:xfrm>
+          <a:off x="0" y="0"/>
+          <a:ext cx="0" cy="0"/>
+          <a:chOff x="0" y="0"/>
+          <a:chExt cx="0" cy="0"/>
+        </a:xfrm>
+      </p:grpSpPr>
+      <p:sp>
+        <p:nvSpPr>
+          <p:cNvPr id="2" name="Titre 1">
+            <a:extLst>
+              <a:ext uri="{FF2B5EF4-FFF2-40B4-BE49-F238E27FC236}">
+                <a16:creationId xmlns:a16="http://schemas.microsoft.com/office/drawing/2014/main" id="{25CB8B10-3A1D-CACE-5A8D-D686EA7C44EF}"/>
+              </a:ext>
+            </a:extLst>
+          </p:cNvPr>
+          <p:cNvSpPr>
+            <a:spLocks noGrp="1"/>
+          </p:cNvSpPr>
+          <p:nvPr>
+            <p:ph type="ctrTitle"/>
+          </p:nvPr>
+        </p:nvSpPr>
+        <p:spPr>
+          <a:xfrm>
+            <a:off x="1524000" y="199496"/>
+            <a:ext cx="9144000" cy="1544637"/>
+          </a:xfrm>
+        </p:spPr>
+        <p:txBody>
+          <a:bodyPr>
+            <a:normAutofit fontScale="90000"/>
+          </a:bodyPr>
+          <a:lstStyle/>
+          <a:p>
+            <a:r>
+              <a:rPr lang="fr-FR" sz="9600" dirty="0">
+                <a:solidFill>
+                  <a:schemeClr val="accent1">
+                    <a:lumMod val="75000"/>
+                  </a:schemeClr>
+                </a:solidFill>
+              </a:rPr>
+              <a:t>Les minutes MLOps</a:t>
+            </a:r>
+          </a:p>
+        </p:txBody>
+      </p:sp>
+      <p:sp>
+        <p:nvSpPr>
+          <p:cNvPr id="3" name="Sous-titre 2">
+            <a:extLst>
+              <a:ext uri="{FF2B5EF4-FFF2-40B4-BE49-F238E27FC236}">
+                <a16:creationId xmlns:a16="http://schemas.microsoft.com/office/drawing/2014/main" id="{F17C1392-EAB9-EF81-4082-62F3FD9B4C7D}"/>
+              </a:ext>
+            </a:extLst>
+          </p:cNvPr>
+          <p:cNvSpPr>
+            <a:spLocks noGrp="1"/>
+          </p:cNvSpPr>
+          <p:nvPr>
+            <p:ph type="subTitle" idx="1"/>
+          </p:nvPr>
+        </p:nvSpPr>
+        <p:spPr>
+          <a:xfrm>
+            <a:off x="1524000" y="2514600"/>
+            <a:ext cx="9144000" cy="3333484"/>
+          </a:xfrm>
+        </p:spPr>
+        <p:txBody>
+          <a:bodyPr>
+            <a:normAutofit/>
+          </a:bodyPr>
+          <a:lstStyle/>
+          <a:p>
+            <a:r>
+              <a:rPr lang="fr-FR" sz="4400" dirty="0">
+                <a:solidFill>
+                  <a:srgbClr val="00B0F0"/>
+                </a:solidFill>
+              </a:rPr>
+              <a:t>Le </a:t>
+            </a:r>
+            <a:r>
+              <a:rPr lang="fr-FR" sz="4400" dirty="0" err="1">
+                <a:solidFill>
+                  <a:srgbClr val="00B0F0"/>
+                </a:solidFill>
+              </a:rPr>
+              <a:t>versionning</a:t>
+            </a:r>
+            <a:r>
+              <a:rPr lang="fr-FR" sz="4400" dirty="0">
+                <a:solidFill>
+                  <a:srgbClr val="00B0F0"/>
+                </a:solidFill>
+              </a:rPr>
+              <a:t> des librairies</a:t>
+            </a:r>
+          </a:p>
+          <a:p>
+            <a:r>
+              <a:rPr lang="fr-FR" sz="4400" dirty="0">
+                <a:solidFill>
+                  <a:srgbClr val="00B0F0"/>
+                </a:solidFill>
+              </a:rPr>
+              <a:t>avec </a:t>
+            </a:r>
+            <a:r>
+              <a:rPr lang="fr-FR" sz="4400" dirty="0">
+                <a:solidFill>
+                  <a:srgbClr val="C00000"/>
+                </a:solidFill>
+              </a:rPr>
+              <a:t>Poetry</a:t>
+            </a:r>
+          </a:p>
+        </p:txBody>
+      </p:sp>
+      <p:pic>
+        <p:nvPicPr>
+          <p:cNvPr id="1026" name="Picture 2" descr="My Microsoft MVP Journey - Steve Gordon">
+            <a:extLst>
+              <a:ext uri="{FF2B5EF4-FFF2-40B4-BE49-F238E27FC236}">
+                <a16:creationId xmlns:a16="http://schemas.microsoft.com/office/drawing/2014/main" id="{9CCE3086-E1BE-844B-6F60-A3FFE631047A}"/>
+              </a:ext>
+            </a:extLst>
+          </p:cNvPr>
+          <p:cNvPicPr>
+            <a:picLocks noChangeAspect="1" noChangeArrowheads="1"/>
+          </p:cNvPicPr>
+          <p:nvPr/>
+        </p:nvPicPr>
+        <p:blipFill>
+          <a:blip r:embed="rId2">
+            <a:extLst>
+              <a:ext uri="{28A0092B-C50C-407E-A947-70E740481C1C}">
+                <a14:useLocalDpi xmlns:a14="http://schemas.microsoft.com/office/drawing/2010/main" val="0"/>
+              </a:ext>
+            </a:extLst>
+          </a:blip>
+          <a:srcRect/>
+          <a:stretch>
+            <a:fillRect/>
+          </a:stretch>
+        </p:blipFill>
+        <p:spPr bwMode="auto">
+          <a:xfrm>
+            <a:off x="882157" y="6078612"/>
+            <a:ext cx="862542" cy="348467"/>
+          </a:xfrm>
+          <a:prstGeom prst="rect">
+            <a:avLst/>
+          </a:prstGeom>
+          <a:noFill/>
+          <a:extLst>
+            <a:ext uri="{909E8E84-426E-40DD-AFC4-6F175D3DCCD1}">
+              <a14:hiddenFill xmlns:a14="http://schemas.microsoft.com/office/drawing/2010/main">
+                <a:solidFill>
+                  <a:srgbClr val="FFFFFF"/>
+                </a:solidFill>
+              </a14:hiddenFill>
+            </a:ext>
+          </a:extLst>
+        </p:spPr>
+      </p:pic>
+      <p:sp>
+        <p:nvSpPr>
+          <p:cNvPr id="4" name="ZoneTexte 3">
+            <a:extLst>
+              <a:ext uri="{FF2B5EF4-FFF2-40B4-BE49-F238E27FC236}">
+                <a16:creationId xmlns:a16="http://schemas.microsoft.com/office/drawing/2014/main" id="{698748E8-A44E-3944-73E5-46C6156846A9}"/>
+              </a:ext>
+            </a:extLst>
+          </p:cNvPr>
+          <p:cNvSpPr txBox="1"/>
+          <p:nvPr/>
+        </p:nvSpPr>
+        <p:spPr>
+          <a:xfrm>
+            <a:off x="347330" y="6466281"/>
+            <a:ext cx="1932196" cy="369332"/>
+          </a:xfrm>
+          <a:prstGeom prst="rect">
+            <a:avLst/>
+          </a:prstGeom>
+          <a:noFill/>
+        </p:spPr>
+        <p:txBody>
+          <a:bodyPr wrap="none" rtlCol="0">
+            <a:spAutoFit/>
+          </a:bodyPr>
+          <a:lstStyle/>
+          <a:p>
+            <a:r>
+              <a:rPr lang="fr-FR" dirty="0">
+                <a:solidFill>
+                  <a:schemeClr val="accent1"/>
+                </a:solidFill>
+              </a:rPr>
+              <a:t>Guillaume Chervet</a:t>
+            </a:r>
+          </a:p>
+        </p:txBody>
+      </p:sp>
+    </p:spTree>
+    <p:extLst>
+      <p:ext uri="{BB962C8B-B14F-4D97-AF65-F5344CB8AC3E}">
+        <p14:creationId xmlns:p14="http://schemas.microsoft.com/office/powerpoint/2010/main" val="1928449381"/>
+      </p:ext>
+    </p:extLst>
+  </p:cSld>
+  <p:clrMapOvr>
+    <a:masterClrMapping/>
+  </p:clrMapOvr>
+</p:sld>
+</file>
+
+<file path=ppt/slides/slide48.xml><?xml version="1.0" encoding="utf-8"?>
+<p:sld xmlns:a="http://schemas.openxmlformats.org/drawingml/2006/main" xmlns:r="http://schemas.openxmlformats.org/officeDocument/2006/relationships" xmlns:p="http://schemas.openxmlformats.org/presentationml/2006/main">
+  <p:cSld>
+    <p:spTree>
+      <p:nvGrpSpPr>
+        <p:cNvPr id="1" name=""/>
+        <p:cNvGrpSpPr/>
+        <p:nvPr/>
+      </p:nvGrpSpPr>
+      <p:grpSpPr>
+        <a:xfrm>
+          <a:off x="0" y="0"/>
+          <a:ext cx="0" cy="0"/>
+          <a:chOff x="0" y="0"/>
+          <a:chExt cx="0" cy="0"/>
+        </a:xfrm>
+      </p:grpSpPr>
+      <p:sp>
+        <p:nvSpPr>
+          <p:cNvPr id="2" name="Titre 1">
+            <a:extLst>
+              <a:ext uri="{FF2B5EF4-FFF2-40B4-BE49-F238E27FC236}">
+                <a16:creationId xmlns:a16="http://schemas.microsoft.com/office/drawing/2014/main" id="{82F2F845-9F7B-282B-A4F2-C15BD8538ED4}"/>
+              </a:ext>
+            </a:extLst>
+          </p:cNvPr>
+          <p:cNvSpPr>
+            <a:spLocks noGrp="1"/>
+          </p:cNvSpPr>
+          <p:nvPr>
+            <p:ph type="title"/>
+          </p:nvPr>
+        </p:nvSpPr>
+        <p:spPr/>
+        <p:txBody>
+          <a:bodyPr/>
+          <a:lstStyle/>
+          <a:p>
+            <a:r>
+              <a:rPr lang="fr-FR"/>
+              <a:t>Work in </a:t>
+            </a:r>
+            <a:r>
+              <a:rPr lang="fr-FR" dirty="0"/>
+              <a:t>silo</a:t>
+            </a:r>
+          </a:p>
+        </p:txBody>
+      </p:sp>
+      <p:pic>
+        <p:nvPicPr>
+          <p:cNvPr id="1026" name="Picture 2" descr="Un vieux réparateur de vélo sur une piste de vélo (une arène) avec une pompe a vélo dans la main">
+            <a:extLst>
+              <a:ext uri="{FF2B5EF4-FFF2-40B4-BE49-F238E27FC236}">
+                <a16:creationId xmlns:a16="http://schemas.microsoft.com/office/drawing/2014/main" id="{1BB4B636-26BB-F5DC-17FE-F84E3E5FDCC4}"/>
+              </a:ext>
+            </a:extLst>
+          </p:cNvPr>
+          <p:cNvPicPr>
+            <a:picLocks noChangeAspect="1" noChangeArrowheads="1"/>
+          </p:cNvPicPr>
+          <p:nvPr/>
+        </p:nvPicPr>
+        <p:blipFill>
+          <a:blip r:embed="rId2">
+            <a:extLst>
+              <a:ext uri="{28A0092B-C50C-407E-A947-70E740481C1C}">
+                <a14:useLocalDpi xmlns:a14="http://schemas.microsoft.com/office/drawing/2010/main" val="0"/>
+              </a:ext>
+            </a:extLst>
+          </a:blip>
+          <a:srcRect/>
+          <a:stretch>
+            <a:fillRect/>
+          </a:stretch>
+        </p:blipFill>
+        <p:spPr bwMode="auto">
+          <a:xfrm>
+            <a:off x="8183034" y="2455330"/>
+            <a:ext cx="3623735" cy="3623735"/>
+          </a:xfrm>
+          <a:prstGeom prst="rect">
+            <a:avLst/>
+          </a:prstGeom>
+          <a:noFill/>
+          <a:extLst>
+            <a:ext uri="{909E8E84-426E-40DD-AFC4-6F175D3DCCD1}">
+              <a14:hiddenFill xmlns:a14="http://schemas.microsoft.com/office/drawing/2010/main">
+                <a:solidFill>
+                  <a:srgbClr val="FFFFFF"/>
+                </a:solidFill>
+              </a14:hiddenFill>
+            </a:ext>
+          </a:extLst>
+        </p:spPr>
+      </p:pic>
+      <p:pic>
+        <p:nvPicPr>
+          <p:cNvPr id="1028" name="Picture 4" descr="Un mécanicien qui répare le capot d'une voiture rouge abimé dans une prairie">
+            <a:extLst>
+              <a:ext uri="{FF2B5EF4-FFF2-40B4-BE49-F238E27FC236}">
+                <a16:creationId xmlns:a16="http://schemas.microsoft.com/office/drawing/2014/main" id="{E3E94964-8BD6-5CD2-306F-867A8B3D930E}"/>
+              </a:ext>
+            </a:extLst>
+          </p:cNvPr>
+          <p:cNvPicPr>
+            <a:picLocks noChangeAspect="1" noChangeArrowheads="1"/>
+          </p:cNvPicPr>
+          <p:nvPr/>
+        </p:nvPicPr>
+        <p:blipFill>
+          <a:blip r:embed="rId3">
+            <a:extLst>
+              <a:ext uri="{28A0092B-C50C-407E-A947-70E740481C1C}">
+                <a14:useLocalDpi xmlns:a14="http://schemas.microsoft.com/office/drawing/2010/main" val="0"/>
+              </a:ext>
+            </a:extLst>
+          </a:blip>
+          <a:srcRect/>
+          <a:stretch>
+            <a:fillRect/>
+          </a:stretch>
+        </p:blipFill>
+        <p:spPr bwMode="auto">
+          <a:xfrm>
+            <a:off x="4284132" y="2455331"/>
+            <a:ext cx="3623735" cy="3623735"/>
+          </a:xfrm>
+          <a:prstGeom prst="rect">
+            <a:avLst/>
+          </a:prstGeom>
+          <a:noFill/>
+          <a:extLst>
+            <a:ext uri="{909E8E84-426E-40DD-AFC4-6F175D3DCCD1}">
+              <a14:hiddenFill xmlns:a14="http://schemas.microsoft.com/office/drawing/2010/main">
+                <a:solidFill>
+                  <a:srgbClr val="FFFFFF"/>
+                </a:solidFill>
+              </a14:hiddenFill>
+            </a:ext>
+          </a:extLst>
+        </p:spPr>
+      </p:pic>
+      <p:pic>
+        <p:nvPicPr>
+          <p:cNvPr id="1030" name="Picture 6" descr="Une femme habillé en scientifique qui construit un énorme moteur d'avion.">
+            <a:extLst>
+              <a:ext uri="{FF2B5EF4-FFF2-40B4-BE49-F238E27FC236}">
+                <a16:creationId xmlns:a16="http://schemas.microsoft.com/office/drawing/2014/main" id="{4B693EDA-2B7E-8FE0-9BE7-4679FF8AB4D5}"/>
+              </a:ext>
+            </a:extLst>
+          </p:cNvPr>
+          <p:cNvPicPr>
+            <a:picLocks noChangeAspect="1" noChangeArrowheads="1"/>
+          </p:cNvPicPr>
+          <p:nvPr/>
+        </p:nvPicPr>
+        <p:blipFill>
+          <a:blip r:embed="rId4">
+            <a:extLst>
+              <a:ext uri="{28A0092B-C50C-407E-A947-70E740481C1C}">
+                <a14:useLocalDpi xmlns:a14="http://schemas.microsoft.com/office/drawing/2010/main" val="0"/>
+              </a:ext>
+            </a:extLst>
+          </a:blip>
+          <a:srcRect/>
+          <a:stretch>
+            <a:fillRect/>
+          </a:stretch>
+        </p:blipFill>
+        <p:spPr bwMode="auto">
+          <a:xfrm>
+            <a:off x="385231" y="2455330"/>
+            <a:ext cx="3623735" cy="3623735"/>
+          </a:xfrm>
+          <a:prstGeom prst="rect">
+            <a:avLst/>
+          </a:prstGeom>
+          <a:noFill/>
+          <a:extLst>
+            <a:ext uri="{909E8E84-426E-40DD-AFC4-6F175D3DCCD1}">
+              <a14:hiddenFill xmlns:a14="http://schemas.microsoft.com/office/drawing/2010/main">
+                <a:solidFill>
+                  <a:srgbClr val="FFFFFF"/>
+                </a:solidFill>
+              </a14:hiddenFill>
+            </a:ext>
+          </a:extLst>
+        </p:spPr>
+      </p:pic>
+    </p:spTree>
+    <p:extLst>
+      <p:ext uri="{BB962C8B-B14F-4D97-AF65-F5344CB8AC3E}">
+        <p14:creationId xmlns:p14="http://schemas.microsoft.com/office/powerpoint/2010/main" val="865541385"/>
       </p:ext>
     </p:extLst>
   </p:cSld>
@@ -9008,13 +12164,34 @@
           <a:lstStyle/>
           <a:p>
             <a:r>
+              <a:rPr lang="fr-FR" sz="4800" dirty="0" err="1">
+                <a:solidFill>
+                  <a:srgbClr val="00B0F0"/>
+                </a:solidFill>
+              </a:rPr>
+              <a:t>Get</a:t>
+            </a:r>
+            <a:r>
               <a:rPr lang="fr-FR" sz="4800" dirty="0">
                 <a:solidFill>
                   <a:srgbClr val="00B0F0"/>
                 </a:solidFill>
               </a:rPr>
-              <a:t>Appeler l’API REST avec le client Postman</a:t>
-            </a:r>
+              <a:t> </a:t>
+            </a:r>
+            <a:r>
+              <a:rPr lang="fr-FR" sz="4800" dirty="0" err="1">
+                <a:solidFill>
+                  <a:srgbClr val="00B0F0"/>
+                </a:solidFill>
+              </a:rPr>
+              <a:t>Started</a:t>
+            </a:r>
+            <a:endParaRPr lang="fr-FR" sz="4800" dirty="0">
+              <a:solidFill>
+                <a:srgbClr val="00B0F0"/>
+              </a:solidFill>
+            </a:endParaRPr>
           </a:p>
         </p:txBody>
       </p:sp>
@@ -9090,7 +12267,7 @@
     </p:spTree>
     <p:extLst>
       <p:ext uri="{BB962C8B-B14F-4D97-AF65-F5344CB8AC3E}">
-        <p14:creationId xmlns:p14="http://schemas.microsoft.com/office/powerpoint/2010/main" val="9388830"/>
+        <p14:creationId xmlns:p14="http://schemas.microsoft.com/office/powerpoint/2010/main" val="2916956030"/>
       </p:ext>
     </p:extLst>
   </p:cSld>
@@ -9182,23 +12359,7 @@
                   <a:srgbClr val="00B0F0"/>
                 </a:solidFill>
               </a:rPr>
-              <a:t>Organisation du projet </a:t>
-            </a:r>
-            <a:r>
-              <a:rPr lang="fr-FR" sz="4800">
-                <a:solidFill>
-                  <a:srgbClr val="00B0F0"/>
-                </a:solidFill>
-              </a:rPr>
-              <a:t>et workflow </a:t>
-            </a:r>
-            <a:r>
-              <a:rPr lang="fr-FR" sz="4800" dirty="0">
-                <a:solidFill>
-                  <a:srgbClr val="00B0F0"/>
-                </a:solidFill>
-              </a:rPr>
-              <a:t>de travail</a:t>
+              <a:t>Appeler l’API REST avec le client Postman</a:t>
             </a:r>
           </a:p>
         </p:txBody>
@@ -9275,7 +12436,7 @@
     </p:spTree>
     <p:extLst>
       <p:ext uri="{BB962C8B-B14F-4D97-AF65-F5344CB8AC3E}">
-        <p14:creationId xmlns:p14="http://schemas.microsoft.com/office/powerpoint/2010/main" val="3560224264"/>
+        <p14:creationId xmlns:p14="http://schemas.microsoft.com/office/powerpoint/2010/main" val="9388830"/>
       </p:ext>
     </p:extLst>
   </p:cSld>
@@ -9367,7 +12528,23 @@
                   <a:srgbClr val="00B0F0"/>
                 </a:solidFill>
               </a:rPr>
-              <a:t>Introduction à GIT : ma première PullRequest</a:t>
+              <a:t>Organisation du projet </a:t>
+            </a:r>
+            <a:r>
+              <a:rPr lang="fr-FR" sz="4800">
+                <a:solidFill>
+                  <a:srgbClr val="00B0F0"/>
+                </a:solidFill>
+              </a:rPr>
+              <a:t>et workflow </a:t>
+            </a:r>
+            <a:r>
+              <a:rPr lang="fr-FR" sz="4800" dirty="0">
+                <a:solidFill>
+                  <a:srgbClr val="00B0F0"/>
+                </a:solidFill>
+              </a:rPr>
+              <a:t>de travail</a:t>
             </a:r>
           </a:p>
         </p:txBody>
@@ -9444,7 +12621,7 @@
     </p:spTree>
     <p:extLst>
       <p:ext uri="{BB962C8B-B14F-4D97-AF65-F5344CB8AC3E}">
-        <p14:creationId xmlns:p14="http://schemas.microsoft.com/office/powerpoint/2010/main" val="96959774"/>
+        <p14:creationId xmlns:p14="http://schemas.microsoft.com/office/powerpoint/2010/main" val="3560224264"/>
       </p:ext>
     </p:extLst>
   </p:cSld>
@@ -9487,12 +12664,7 @@
             <p:ph type="ctrTitle"/>
           </p:nvPr>
         </p:nvSpPr>
-        <p:spPr>
-          <a:xfrm>
-            <a:off x="1524000" y="199496"/>
-            <a:ext cx="9144000" cy="2387600"/>
-          </a:xfrm>
-        </p:spPr>
+        <p:spPr/>
         <p:txBody>
           <a:bodyPr>
             <a:normAutofit fontScale="90000"/>
@@ -9528,15 +12700,10 @@
             <p:ph type="subTitle" idx="1"/>
           </p:nvPr>
         </p:nvSpPr>
-        <p:spPr>
-          <a:xfrm>
-            <a:off x="1524000" y="3119436"/>
-            <a:ext cx="9144000" cy="1655762"/>
-          </a:xfrm>
-        </p:spPr>
+        <p:spPr/>
         <p:txBody>
           <a:bodyPr>
-            <a:normAutofit fontScale="92500"/>
+            <a:normAutofit/>
           </a:bodyPr>
           <a:lstStyle/>
           <a:p>
@@ -9546,7 +12713,7 @@
                   <a:srgbClr val="00B0F0"/>
                 </a:solidFill>
               </a:rPr>
-              <a:t>Automatiser toutes vos actions =&gt; maîtriser votre outil de développement</a:t>
+              <a:t>Introduction à GIT : ma première PullRequest</a:t>
             </a:r>
           </a:p>
         </p:txBody>
@@ -9565,7 +12732,7 @@
         </p:nvSpPr>
         <p:spPr>
           <a:xfrm>
-            <a:off x="838764" y="5630875"/>
+            <a:off x="5334566" y="5165209"/>
             <a:ext cx="1388533" cy="369332"/>
           </a:xfrm>
           <a:prstGeom prst="rect">
@@ -9612,65 +12779,18 @@
         </p:blipFill>
         <p:spPr>
           <a:xfrm>
-            <a:off x="371963" y="5591673"/>
+            <a:off x="4867765" y="5126007"/>
             <a:ext cx="543001" cy="447737"/>
           </a:xfrm>
           <a:prstGeom prst="rect">
             <a:avLst/>
           </a:prstGeom>
-        </p:spPr>
-      </p:pic>
-      <p:pic>
-        <p:nvPicPr>
-          <p:cNvPr id="1026" name="Picture 2" descr="My Microsoft MVP Journey - Steve Gordon">
-            <a:extLst>
-              <a:ext uri="{FF2B5EF4-FFF2-40B4-BE49-F238E27FC236}">
-                <a16:creationId xmlns:a16="http://schemas.microsoft.com/office/drawing/2014/main" id="{9CCE3086-E1BE-844B-6F60-A3FFE631047A}"/>
-              </a:ext>
-            </a:extLst>
-          </p:cNvPr>
-          <p:cNvPicPr>
-            <a:picLocks noChangeAspect="1" noChangeArrowheads="1"/>
-          </p:cNvPicPr>
-          <p:nvPr/>
-        </p:nvPicPr>
-        <p:blipFill>
-          <a:blip r:embed="rId3">
-            <a:extLst>
-              <a:ext uri="{28A0092B-C50C-407E-A947-70E740481C1C}">
-                <a14:useLocalDpi xmlns:a14="http://schemas.microsoft.com/office/drawing/2010/main" val="0"/>
-              </a:ext>
-            </a:extLst>
-          </a:blip>
-          <a:srcRect/>
-          <a:stretch>
-            <a:fillRect/>
-          </a:stretch>
-        </p:blipFill>
-        <p:spPr bwMode="auto">
-          <a:xfrm>
-            <a:off x="882157" y="6078612"/>
-            <a:ext cx="862542" cy="348467"/>
-          </a:xfrm>
-          <a:prstGeom prst="rect">
-            <a:avLst/>
-          </a:prstGeom>
-          <a:noFill/>
-          <a:extLst>
-            <a:ext uri="{909E8E84-426E-40DD-AFC4-6F175D3DCCD1}">
-              <a14:hiddenFill xmlns:a14="http://schemas.microsoft.com/office/drawing/2010/main">
-                <a:solidFill>
-                  <a:srgbClr val="FFFFFF"/>
-                </a:solidFill>
-              </a14:hiddenFill>
-            </a:ext>
-          </a:extLst>
         </p:spPr>
       </p:pic>
     </p:spTree>
     <p:extLst>
       <p:ext uri="{BB962C8B-B14F-4D97-AF65-F5344CB8AC3E}">
-        <p14:creationId xmlns:p14="http://schemas.microsoft.com/office/powerpoint/2010/main" val="779830499"/>
+        <p14:creationId xmlns:p14="http://schemas.microsoft.com/office/powerpoint/2010/main" val="96959774"/>
       </p:ext>
     </p:extLst>
   </p:cSld>
@@ -9762,7 +12882,7 @@
         </p:spPr>
         <p:txBody>
           <a:bodyPr>
-            <a:normAutofit/>
+            <a:normAutofit fontScale="92500"/>
           </a:bodyPr>
           <a:lstStyle/>
           <a:p>
@@ -9772,11 +12892,80 @@
                   <a:srgbClr val="00B0F0"/>
                 </a:solidFill>
               </a:rPr>
-              <a:t>Le Debugger, la killer feature des outils de développement</a:t>
-            </a:r>
-          </a:p>
-        </p:txBody>
-      </p:sp>
+              <a:t>Automatiser toutes vos actions =&gt; maîtriser votre outil de développement</a:t>
+            </a:r>
+          </a:p>
+        </p:txBody>
+      </p:sp>
+      <p:sp>
+        <p:nvSpPr>
+          <p:cNvPr id="5" name="ZoneTexte 4">
+            <a:extLst>
+              <a:ext uri="{FF2B5EF4-FFF2-40B4-BE49-F238E27FC236}">
+                <a16:creationId xmlns:a16="http://schemas.microsoft.com/office/drawing/2014/main" id="{889C6BD5-3826-A342-C082-468A049A0678}"/>
+              </a:ext>
+            </a:extLst>
+          </p:cNvPr>
+          <p:cNvSpPr txBox="1"/>
+          <p:nvPr/>
+        </p:nvSpPr>
+        <p:spPr>
+          <a:xfrm>
+            <a:off x="838764" y="5630875"/>
+            <a:ext cx="1388533" cy="369332"/>
+          </a:xfrm>
+          <a:prstGeom prst="rect">
+            <a:avLst/>
+          </a:prstGeom>
+          <a:noFill/>
+        </p:spPr>
+        <p:txBody>
+          <a:bodyPr wrap="square">
+            <a:spAutoFit/>
+          </a:bodyPr>
+          <a:lstStyle/>
+          <a:p>
+            <a:r>
+              <a:rPr lang="fr-FR" dirty="0">
+                <a:solidFill>
+                  <a:schemeClr val="accent1"/>
+                </a:solidFill>
+              </a:rPr>
+              <a:t>@guichervet</a:t>
+            </a:r>
+          </a:p>
+        </p:txBody>
+      </p:sp>
+      <p:pic>
+        <p:nvPicPr>
+          <p:cNvPr id="7" name="Image 6">
+            <a:extLst>
+              <a:ext uri="{FF2B5EF4-FFF2-40B4-BE49-F238E27FC236}">
+                <a16:creationId xmlns:a16="http://schemas.microsoft.com/office/drawing/2014/main" id="{E69B9254-F585-7649-2547-C12847DBE6E2}"/>
+              </a:ext>
+            </a:extLst>
+          </p:cNvPr>
+          <p:cNvPicPr>
+            <a:picLocks noChangeAspect="1"/>
+          </p:cNvPicPr>
+          <p:nvPr/>
+        </p:nvPicPr>
+        <p:blipFill>
+          <a:blip r:embed="rId2"/>
+          <a:stretch>
+            <a:fillRect/>
+          </a:stretch>
+        </p:blipFill>
+        <p:spPr>
+          <a:xfrm>
+            <a:off x="371963" y="5591673"/>
+            <a:ext cx="543001" cy="447737"/>
+          </a:xfrm>
+          <a:prstGeom prst="rect">
+            <a:avLst/>
+          </a:prstGeom>
+        </p:spPr>
+      </p:pic>
       <p:pic>
         <p:nvPicPr>
           <p:cNvPr id="1026" name="Picture 2" descr="My Microsoft MVP Journey - Steve Gordon">
@@ -9792,7 +12981,7 @@
           <p:nvPr/>
         </p:nvPicPr>
         <p:blipFill>
-          <a:blip r:embed="rId2">
+          <a:blip r:embed="rId3">
             <a:extLst>
               <a:ext uri="{28A0092B-C50C-407E-A947-70E740481C1C}">
                 <a14:useLocalDpi xmlns:a14="http://schemas.microsoft.com/office/drawing/2010/main" val="0"/>
@@ -9824,49 +13013,10 @@
           </a:extLst>
         </p:spPr>
       </p:pic>
-      <p:sp>
-        <p:nvSpPr>
-          <p:cNvPr id="4" name="ZoneTexte 3">
-            <a:extLst>
-              <a:ext uri="{FF2B5EF4-FFF2-40B4-BE49-F238E27FC236}">
-                <a16:creationId xmlns:a16="http://schemas.microsoft.com/office/drawing/2014/main" id="{698748E8-A44E-3944-73E5-46C6156846A9}"/>
-              </a:ext>
-            </a:extLst>
-          </p:cNvPr>
-          <p:cNvSpPr txBox="1"/>
-          <p:nvPr/>
-        </p:nvSpPr>
-        <p:spPr>
-          <a:xfrm>
-            <a:off x="347330" y="6466281"/>
-            <a:ext cx="1932196" cy="369332"/>
-          </a:xfrm>
-          <a:prstGeom prst="rect">
-            <a:avLst/>
-          </a:prstGeom>
-          <a:noFill/>
-        </p:spPr>
-        <p:txBody>
-          <a:bodyPr wrap="none" rtlCol="0">
-            <a:spAutoFit/>
-          </a:bodyPr>
-          <a:lstStyle/>
-          <a:p>
-            <a:r>
-              <a:rPr lang="fr-FR" dirty="0">
-                <a:solidFill>
-                  <a:schemeClr val="accent1"/>
-                </a:solidFill>
-              </a:rPr>
-              <a:t>Guillaume Chervet</a:t>
-            </a:r>
-          </a:p>
-        </p:txBody>
-      </p:sp>
     </p:spTree>
     <p:extLst>
       <p:ext uri="{BB962C8B-B14F-4D97-AF65-F5344CB8AC3E}">
-        <p14:creationId xmlns:p14="http://schemas.microsoft.com/office/powerpoint/2010/main" val="1724147991"/>
+        <p14:creationId xmlns:p14="http://schemas.microsoft.com/office/powerpoint/2010/main" val="779830499"/>
       </p:ext>
     </p:extLst>
   </p:cSld>
